--- a/Outlier Detection Presentation.pptx
+++ b/Outlier Detection Presentation.pptx
@@ -5,28 +5,26 @@
     <p:sldMasterId id="2147483660" r:id="rId4"/>
   </p:sldMasterIdLst>
   <p:notesMasterIdLst>
-    <p:notesMasterId r:id="rId24"/>
+    <p:notesMasterId r:id="rId22"/>
   </p:notesMasterIdLst>
   <p:sldIdLst>
     <p:sldId id="279" r:id="rId5"/>
-    <p:sldId id="280" r:id="rId6"/>
-    <p:sldId id="282" r:id="rId7"/>
-    <p:sldId id="281" r:id="rId8"/>
-    <p:sldId id="283" r:id="rId9"/>
-    <p:sldId id="285" r:id="rId10"/>
-    <p:sldId id="284" r:id="rId11"/>
-    <p:sldId id="298" r:id="rId12"/>
-    <p:sldId id="287" r:id="rId13"/>
-    <p:sldId id="288" r:id="rId14"/>
-    <p:sldId id="289" r:id="rId15"/>
-    <p:sldId id="290" r:id="rId16"/>
-    <p:sldId id="291" r:id="rId17"/>
-    <p:sldId id="292" r:id="rId18"/>
-    <p:sldId id="293" r:id="rId19"/>
-    <p:sldId id="294" r:id="rId20"/>
-    <p:sldId id="295" r:id="rId21"/>
-    <p:sldId id="296" r:id="rId22"/>
-    <p:sldId id="297" r:id="rId23"/>
+    <p:sldId id="299" r:id="rId6"/>
+    <p:sldId id="281" r:id="rId7"/>
+    <p:sldId id="285" r:id="rId8"/>
+    <p:sldId id="284" r:id="rId9"/>
+    <p:sldId id="298" r:id="rId10"/>
+    <p:sldId id="287" r:id="rId11"/>
+    <p:sldId id="288" r:id="rId12"/>
+    <p:sldId id="289" r:id="rId13"/>
+    <p:sldId id="290" r:id="rId14"/>
+    <p:sldId id="291" r:id="rId15"/>
+    <p:sldId id="292" r:id="rId16"/>
+    <p:sldId id="293" r:id="rId17"/>
+    <p:sldId id="294" r:id="rId18"/>
+    <p:sldId id="295" r:id="rId19"/>
+    <p:sldId id="296" r:id="rId20"/>
+    <p:sldId id="297" r:id="rId21"/>
   </p:sldIdLst>
   <p:sldSz cx="12192000" cy="6858000"/>
   <p:notesSz cx="6858000" cy="9144000"/>
@@ -215,7 +213,7 @@
           <a:p>
             <a:fld id="{AFD01546-198A-4195-BCF8-F0FF54C90E5E}" type="datetimeFigureOut">
               <a:rPr lang="en-US" smtClean="0"/>
-              <a:t>3/24/2022</a:t>
+              <a:t>3/26/2022</a:t>
             </a:fld>
             <a:endParaRPr lang="en-US" dirty="0"/>
           </a:p>
@@ -526,7 +524,32 @@
           <a:bodyPr/>
           <a:lstStyle/>
           <a:p>
-            <a:endParaRPr lang="en-US" dirty="0"/>
+            <a:r>
+              <a:rPr lang="en-US" dirty="0"/>
+              <a:t>Have you ever been traveling abroad, and you cannot use your credit card because it has been frozen? Or when you try to purchase an expensive item and your card gets declined? This is a form of outlier detection. Conrad </a:t>
+            </a:r>
+            <a:r>
+              <a:rPr lang="en-US" dirty="0" err="1"/>
+              <a:t>Kennington</a:t>
+            </a:r>
+            <a:r>
+              <a:rPr lang="en-US" dirty="0"/>
+              <a:t>, former head of machine learning at </a:t>
+            </a:r>
+            <a:r>
+              <a:rPr lang="en-US" dirty="0" err="1"/>
+              <a:t>Kount</a:t>
+            </a:r>
+            <a:r>
+              <a:rPr lang="en-US" dirty="0"/>
+              <a:t> a credit card fraud company, said: It is crucial for Data Scientists to understand outlier detection, and not just machine learning.</a:t>
+            </a:r>
+          </a:p>
+          <a:p>
+            <a:r>
+              <a:rPr lang="en-US" dirty="0"/>
+              <a:t> </a:t>
+            </a:r>
           </a:p>
         </p:txBody>
       </p:sp>
@@ -626,6 +649,104 @@
 </p:notes>
 </file>
 
+<file path=ppt/notesSlides/notesSlide2.xml><?xml version="1.0" encoding="utf-8"?>
+<p:notes xmlns:a="http://schemas.openxmlformats.org/drawingml/2006/main" xmlns:r="http://schemas.openxmlformats.org/officeDocument/2006/relationships" xmlns:p="http://schemas.openxmlformats.org/presentationml/2006/main">
+  <p:cSld>
+    <p:spTree>
+      <p:nvGrpSpPr>
+        <p:cNvPr id="1" name=""/>
+        <p:cNvGrpSpPr/>
+        <p:nvPr/>
+      </p:nvGrpSpPr>
+      <p:grpSpPr>
+        <a:xfrm>
+          <a:off x="0" y="0"/>
+          <a:ext cx="0" cy="0"/>
+          <a:chOff x="0" y="0"/>
+          <a:chExt cx="0" cy="0"/>
+        </a:xfrm>
+      </p:grpSpPr>
+      <p:sp>
+        <p:nvSpPr>
+          <p:cNvPr id="2" name="Slide Image Placeholder 1"/>
+          <p:cNvSpPr>
+            <a:spLocks noGrp="1" noRot="1" noChangeAspect="1"/>
+          </p:cNvSpPr>
+          <p:nvPr>
+            <p:ph type="sldImg"/>
+          </p:nvPr>
+        </p:nvSpPr>
+        <p:spPr/>
+      </p:sp>
+      <p:sp>
+        <p:nvSpPr>
+          <p:cNvPr id="3" name="Notes Placeholder 2"/>
+          <p:cNvSpPr>
+            <a:spLocks noGrp="1"/>
+          </p:cNvSpPr>
+          <p:nvPr>
+            <p:ph type="body" idx="1"/>
+          </p:nvPr>
+        </p:nvSpPr>
+        <p:spPr/>
+        <p:txBody>
+          <a:bodyPr/>
+          <a:lstStyle/>
+          <a:p>
+            <a:r>
+              <a:rPr lang="en-US" dirty="0"/>
+              <a:t>RMSE </a:t>
+            </a:r>
+            <a:r>
+              <a:rPr lang="en-US" b="0" i="0" dirty="0">
+                <a:solidFill>
+                  <a:srgbClr val="1D1C1D"/>
+                </a:solidFill>
+                <a:effectLst/>
+                <a:latin typeface="Slack-Lato"/>
+              </a:rPr>
+              <a:t>is a measurement of how far the points are from the prediction, on average</a:t>
+            </a:r>
+            <a:endParaRPr lang="en-US" dirty="0"/>
+          </a:p>
+        </p:txBody>
+      </p:sp>
+      <p:sp>
+        <p:nvSpPr>
+          <p:cNvPr id="4" name="Slide Number Placeholder 3"/>
+          <p:cNvSpPr>
+            <a:spLocks noGrp="1"/>
+          </p:cNvSpPr>
+          <p:nvPr>
+            <p:ph type="sldNum" sz="quarter" idx="5"/>
+          </p:nvPr>
+        </p:nvSpPr>
+        <p:spPr/>
+        <p:txBody>
+          <a:bodyPr/>
+          <a:lstStyle/>
+          <a:p>
+            <a:fld id="{2E6DE88F-1F85-4A27-9D34-D74A50E7B0DA}" type="slidenum">
+              <a:rPr lang="en-US" smtClean="0"/>
+              <a:t>9</a:t>
+            </a:fld>
+            <a:endParaRPr lang="en-US" dirty="0"/>
+          </a:p>
+        </p:txBody>
+      </p:sp>
+    </p:spTree>
+    <p:extLst>
+      <p:ext uri="{BB962C8B-B14F-4D97-AF65-F5344CB8AC3E}">
+        <p14:creationId xmlns:p14="http://schemas.microsoft.com/office/powerpoint/2010/main" val="1199190279"/>
+      </p:ext>
+    </p:extLst>
+  </p:cSld>
+  <p:clrMapOvr>
+    <a:masterClrMapping/>
+  </p:clrMapOvr>
+</p:notes>
+</file>
+
 <file path=ppt/slideLayouts/slideLayout1.xml><?xml version="1.0" encoding="utf-8"?>
 <p:sldLayout xmlns:a="http://schemas.openxmlformats.org/drawingml/2006/main" xmlns:r="http://schemas.openxmlformats.org/officeDocument/2006/relationships" xmlns:p="http://schemas.openxmlformats.org/presentationml/2006/main" type="title" preserve="1">
   <p:cSld name="Title Slide">
@@ -811,7 +932,7 @@
           <a:p>
             <a:fld id="{88D38747-4367-4BD2-8D51-C97E202738E2}" type="datetime1">
               <a:rPr lang="en-US" smtClean="0"/>
-              <a:t>3/24/2022</a:t>
+              <a:t>3/26/2022</a:t>
             </a:fld>
             <a:endParaRPr lang="en-US" dirty="0"/>
           </a:p>
@@ -1116,7 +1237,7 @@
           <a:p>
             <a:fld id="{11F1B079-7EF0-44EE-B798-BCC497C9F3B2}" type="datetime1">
               <a:rPr lang="en-US" smtClean="0"/>
-              <a:t>3/24/2022</a:t>
+              <a:t>3/26/2022</a:t>
             </a:fld>
             <a:endParaRPr lang="en-US" dirty="0"/>
           </a:p>
@@ -1310,7 +1431,7 @@
           <a:p>
             <a:fld id="{28FF70A8-1D13-4657-95F0-A9EA54967B8D}" type="datetime1">
               <a:rPr lang="en-US" smtClean="0"/>
-              <a:t>3/24/2022</a:t>
+              <a:t>3/26/2022</a:t>
             </a:fld>
             <a:endParaRPr lang="en-US" dirty="0"/>
           </a:p>
@@ -1573,7 +1694,7 @@
           <a:p>
             <a:fld id="{21EB90AC-71BD-4C7F-8ACA-7B3F18292E63}" type="datetime1">
               <a:rPr lang="en-US" smtClean="0"/>
-              <a:t>3/24/2022</a:t>
+              <a:t>3/26/2022</a:t>
             </a:fld>
             <a:endParaRPr lang="en-US" dirty="0"/>
           </a:p>
@@ -2009,7 +2130,7 @@
           <a:p>
             <a:fld id="{4E6EFC2C-8905-46F0-B443-CE905B76BA01}" type="datetime1">
               <a:rPr lang="en-US" smtClean="0"/>
-              <a:t>3/24/2022</a:t>
+              <a:t>3/26/2022</a:t>
             </a:fld>
             <a:endParaRPr lang="en-US" dirty="0"/>
           </a:p>
@@ -2546,7 +2667,7 @@
           <a:p>
             <a:fld id="{D9079DC3-C9B5-499E-9140-0DC28B7074E2}" type="datetime1">
               <a:rPr lang="en-US" smtClean="0"/>
-              <a:t>3/24/2022</a:t>
+              <a:t>3/26/2022</a:t>
             </a:fld>
             <a:endParaRPr lang="en-US" dirty="0"/>
           </a:p>
@@ -3428,7 +3549,7 @@
           <a:p>
             <a:fld id="{30BB33EA-E472-4D22-9C03-A9C14AA21CED}" type="datetime1">
               <a:rPr lang="en-US" smtClean="0"/>
-              <a:t>3/24/2022</a:t>
+              <a:t>3/26/2022</a:t>
             </a:fld>
             <a:endParaRPr lang="en-US" dirty="0"/>
           </a:p>
@@ -3598,7 +3719,7 @@
           <a:p>
             <a:fld id="{73C55A3C-5767-4844-A0A3-83778C2E5409}" type="datetime1">
               <a:rPr lang="en-US" smtClean="0"/>
-              <a:t>3/24/2022</a:t>
+              <a:t>3/26/2022</a:t>
             </a:fld>
             <a:endParaRPr lang="en-US" dirty="0"/>
           </a:p>
@@ -3842,7 +3963,7 @@
           <a:p>
             <a:fld id="{CAE507A8-A5CF-4D38-AB86-7EDDA87A85D4}" type="datetime1">
               <a:rPr lang="en-US" smtClean="0"/>
-              <a:t>3/24/2022</a:t>
+              <a:t>3/26/2022</a:t>
             </a:fld>
             <a:endParaRPr lang="en-US" dirty="0"/>
           </a:p>
@@ -4084,7 +4205,7 @@
           <a:p>
             <a:fld id="{BDFCD27C-8599-43EF-BA1D-14DDC1946E06}" type="datetime1">
               <a:rPr lang="en-US" smtClean="0"/>
-              <a:t>3/24/2022</a:t>
+              <a:t>3/26/2022</a:t>
             </a:fld>
             <a:endParaRPr lang="en-US" dirty="0"/>
           </a:p>
@@ -4567,7 +4688,7 @@
           <a:p>
             <a:fld id="{49343D99-809A-49C0-96E5-4250D0B498EE}" type="datetime1">
               <a:rPr lang="en-US" smtClean="0"/>
-              <a:t>3/24/2022</a:t>
+              <a:t>3/26/2022</a:t>
             </a:fld>
             <a:endParaRPr lang="en-US" dirty="0"/>
           </a:p>
@@ -4685,7 +4806,7 @@
           <a:p>
             <a:fld id="{A143DE9B-B678-4EFB-BB7D-A4370204A0B0}" type="datetime1">
               <a:rPr lang="en-US" smtClean="0"/>
-              <a:t>3/24/2022</a:t>
+              <a:t>3/26/2022</a:t>
             </a:fld>
             <a:endParaRPr lang="en-US" dirty="0"/>
           </a:p>
@@ -4780,7 +4901,7 @@
           <a:p>
             <a:fld id="{E68812DA-F765-4142-A6A3-A8ED7235E082}" type="datetime1">
               <a:rPr lang="en-US" smtClean="0"/>
-              <a:t>3/24/2022</a:t>
+              <a:t>3/26/2022</a:t>
             </a:fld>
             <a:endParaRPr lang="en-US" dirty="0"/>
           </a:p>
@@ -5035,7 +5156,7 @@
           <a:p>
             <a:fld id="{3E0277FD-7DE6-41D4-930D-AC99F5AFE54E}" type="datetime1">
               <a:rPr lang="en-US" smtClean="0"/>
-              <a:t>3/24/2022</a:t>
+              <a:t>3/26/2022</a:t>
             </a:fld>
             <a:endParaRPr lang="en-US" dirty="0"/>
           </a:p>
@@ -5342,7 +5463,7 @@
           <a:p>
             <a:fld id="{9EA15526-7079-4B7B-987C-1B5FAE11A0FF}" type="datetime1">
               <a:rPr lang="en-US" smtClean="0"/>
-              <a:t>3/24/2022</a:t>
+              <a:t>3/26/2022</a:t>
             </a:fld>
             <a:endParaRPr lang="en-US" dirty="0"/>
           </a:p>
@@ -5577,7 +5698,7 @@
           <a:p>
             <a:fld id="{073ED0CC-082F-4160-86E5-0D6041F12778}" type="datetime1">
               <a:rPr lang="en-US" smtClean="0"/>
-              <a:t>3/24/2022</a:t>
+              <a:t>3/26/2022</a:t>
             </a:fld>
             <a:endParaRPr lang="en-US" dirty="0"/>
           </a:p>
@@ -6515,7 +6636,7 @@
             </a:pPr>
             <a:r>
               <a:rPr lang="en-US" sz="2400" dirty="0"/>
-              <a:t>Key Terms</a:t>
+              <a:t>What is Outlier Detection?</a:t>
             </a:r>
           </a:p>
           <a:p>
@@ -6593,25 +6714,6 @@
 <file path=ppt/slides/slide10.xml><?xml version="1.0" encoding="utf-8"?>
 <p:sld xmlns:a="http://schemas.openxmlformats.org/drawingml/2006/main" xmlns:r="http://schemas.openxmlformats.org/officeDocument/2006/relationships" xmlns:p="http://schemas.openxmlformats.org/presentationml/2006/main">
   <p:cSld>
-    <p:bg>
-      <p:bgPr>
-        <a:blipFill rotWithShape="1">
-          <a:blip r:embed="rId2">
-            <a:duotone>
-              <a:schemeClr val="bg1">
-                <a:shade val="80000"/>
-                <a:lumMod val="80000"/>
-              </a:schemeClr>
-              <a:schemeClr val="bg1">
-                <a:tint val="98000"/>
-              </a:schemeClr>
-            </a:duotone>
-          </a:blip>
-          <a:stretch/>
-        </a:blipFill>
-        <a:effectLst/>
-      </p:bgPr>
-    </p:bg>
     <p:spTree>
       <p:nvGrpSpPr>
         <p:cNvPr id="1" name=""/>
@@ -6626,203 +6728,58 @@
           <a:chExt cx="0" cy="0"/>
         </a:xfrm>
       </p:grpSpPr>
-      <p:sp useBgFill="1">
-        <p:nvSpPr>
-          <p:cNvPr id="10" name="Rectangle 9">
+      <p:sp>
+        <p:nvSpPr>
+          <p:cNvPr id="2" name="Title 1">
             <a:extLst>
               <a:ext uri="{FF2B5EF4-FFF2-40B4-BE49-F238E27FC236}">
-                <a16:creationId xmlns:a16="http://schemas.microsoft.com/office/drawing/2014/main" id="{95CB840F-8E41-4CA5-B79B-25CC80AD234A}"/>
-              </a:ext>
-              <a:ext uri="{C183D7F6-B498-43B3-948B-1728B52AA6E4}">
-                <adec:decorative xmlns:adec="http://schemas.microsoft.com/office/drawing/2017/decorative" val="1"/>
+                <a16:creationId xmlns:a16="http://schemas.microsoft.com/office/drawing/2014/main" id="{80C56DDC-BE7D-496A-A68F-1952FE56D1B5}"/>
               </a:ext>
             </a:extLst>
           </p:cNvPr>
           <p:cNvSpPr>
-            <a:spLocks noGrp="1" noRot="1" noChangeAspect="1" noMove="1" noResize="1" noEditPoints="1" noAdjustHandles="1" noChangeArrowheads="1" noChangeShapeType="1" noTextEdit="1"/>
-          </p:cNvSpPr>
-          <p:nvPr>
-            <p:extLst>
-              <p:ext uri="{386F3935-93C4-4BCD-93E2-E3B085C9AB24}">
-                <p16:designElem xmlns:p16="http://schemas.microsoft.com/office/powerpoint/2015/main" val="1"/>
-              </p:ext>
-            </p:extLst>
-          </p:nvPr>
-        </p:nvSpPr>
-        <p:spPr>
-          <a:xfrm>
-            <a:off x="0" y="0"/>
-            <a:ext cx="12192000" cy="6858000"/>
-          </a:xfrm>
-          <a:prstGeom prst="rect">
-            <a:avLst/>
-          </a:prstGeom>
-          <a:ln>
-            <a:noFill/>
-          </a:ln>
-        </p:spPr>
-        <p:style>
-          <a:lnRef idx="2">
-            <a:schemeClr val="accent1">
-              <a:shade val="50000"/>
-            </a:schemeClr>
-          </a:lnRef>
-          <a:fillRef idx="1003">
-            <a:schemeClr val="dk2"/>
-          </a:fillRef>
-          <a:effectRef idx="0">
-            <a:schemeClr val="accent1"/>
-          </a:effectRef>
-          <a:fontRef idx="minor">
-            <a:schemeClr val="lt1"/>
-          </a:fontRef>
-        </p:style>
-        <p:txBody>
-          <a:bodyPr rtlCol="0" anchor="ctr"/>
-          <a:lstStyle/>
-          <a:p>
-            <a:pPr algn="ctr"/>
-            <a:endParaRPr lang="en-US"/>
-          </a:p>
-        </p:txBody>
-      </p:sp>
-      <p:sp>
-        <p:nvSpPr>
-          <p:cNvPr id="2" name="Title 1">
-            <a:extLst>
-              <a:ext uri="{FF2B5EF4-FFF2-40B4-BE49-F238E27FC236}">
-                <a16:creationId xmlns:a16="http://schemas.microsoft.com/office/drawing/2014/main" id="{EDFA2900-EBA5-4C08-8561-7F924BB83AD5}"/>
-              </a:ext>
-            </a:extLst>
-          </p:cNvPr>
-          <p:cNvSpPr>
             <a:spLocks noGrp="1"/>
           </p:cNvSpPr>
           <p:nvPr>
             <p:ph type="title"/>
           </p:nvPr>
         </p:nvSpPr>
-        <p:spPr>
-          <a:xfrm>
-            <a:off x="913796" y="206350"/>
-            <a:ext cx="3382638" cy="1370605"/>
-          </a:xfrm>
-        </p:spPr>
-        <p:txBody>
-          <a:bodyPr vert="horz" lIns="91440" tIns="45720" rIns="91440" bIns="45720" rtlCol="0" anchor="ctr">
+        <p:spPr/>
+        <p:txBody>
+          <a:bodyPr>
             <a:normAutofit/>
           </a:bodyPr>
           <a:lstStyle/>
           <a:p>
-            <a:pPr algn="l"/>
-            <a:r>
-              <a:rPr lang="en-US" sz="3000" kern="1200" dirty="0">
-                <a:ln>
-                  <a:solidFill>
-                    <a:schemeClr val="bg1">
-                      <a:lumMod val="75000"/>
-                      <a:lumOff val="25000"/>
-                      <a:alpha val="10000"/>
-                    </a:schemeClr>
-                  </a:solidFill>
-                </a:ln>
-                <a:solidFill>
-                  <a:schemeClr val="tx2"/>
-                </a:solidFill>
-                <a:effectLst>
-                  <a:outerShdw blurRad="9525" dist="25400" dir="14640000" algn="tl" rotWithShape="0">
-                    <a:schemeClr val="bg1">
-                      <a:alpha val="30000"/>
-                    </a:schemeClr>
-                  </a:outerShdw>
-                </a:effectLst>
-                <a:latin typeface="+mj-lt"/>
-                <a:ea typeface="+mj-ea"/>
-                <a:cs typeface="Trebuchet MS"/>
-              </a:rPr>
-              <a:t>Local Outlier Factor</a:t>
-            </a:r>
-          </a:p>
-        </p:txBody>
-      </p:sp>
-      <p:sp>
-        <p:nvSpPr>
-          <p:cNvPr id="3" name="Content Placeholder 2">
+            <a:r>
+              <a:rPr lang="en-US" dirty="0"/>
+              <a:t>DBSCAN</a:t>
+            </a:r>
+            <a:br>
+              <a:rPr lang="en-US" dirty="0"/>
+            </a:br>
+            <a:r>
+              <a:rPr lang="en-US" sz="1800" dirty="0"/>
+              <a:t>eps =  9 | </a:t>
+            </a:r>
+            <a:r>
+              <a:rPr lang="en-US" sz="1800" dirty="0" err="1"/>
+              <a:t>min_samples</a:t>
+            </a:r>
+            <a:r>
+              <a:rPr lang="en-US" sz="1800" dirty="0"/>
+              <a:t> = 6</a:t>
+            </a:r>
+            <a:endParaRPr lang="en-US" dirty="0"/>
+          </a:p>
+        </p:txBody>
+      </p:sp>
+      <p:pic>
+        <p:nvPicPr>
+          <p:cNvPr id="4" name="Picture 3" descr="Chart, line chart&#10;&#10;Description automatically generated">
             <a:extLst>
               <a:ext uri="{FF2B5EF4-FFF2-40B4-BE49-F238E27FC236}">
-                <a16:creationId xmlns:a16="http://schemas.microsoft.com/office/drawing/2014/main" id="{A05F9829-970F-4B17-AE93-A5D8694A2F1A}"/>
-              </a:ext>
-            </a:extLst>
-          </p:cNvPr>
-          <p:cNvSpPr>
-            <a:spLocks noGrp="1"/>
-          </p:cNvSpPr>
-          <p:nvPr>
-            <p:ph sz="half" idx="1"/>
-          </p:nvPr>
-        </p:nvSpPr>
-        <p:spPr>
-          <a:xfrm>
-            <a:off x="913796" y="1299411"/>
-            <a:ext cx="3358084" cy="4684294"/>
-          </a:xfrm>
-        </p:spPr>
-        <p:txBody>
-          <a:bodyPr vert="horz" lIns="91440" tIns="45720" rIns="91440" bIns="45720" rtlCol="0" anchor="t">
-            <a:normAutofit/>
-          </a:bodyPr>
-          <a:lstStyle/>
-          <a:p>
-            <a:r>
-              <a:rPr lang="en-US" sz="2000" dirty="0"/>
-              <a:t>Focuses on Anomaly Score more than classification</a:t>
-            </a:r>
-          </a:p>
-          <a:p>
-            <a:r>
-              <a:rPr lang="en-US" sz="2000" dirty="0"/>
-              <a:t>Based on contamination parameter, will create a threshold</a:t>
-            </a:r>
-          </a:p>
-          <a:p>
-            <a:r>
-              <a:rPr lang="en-US" sz="2000" dirty="0"/>
-              <a:t>3 main parameters;</a:t>
-            </a:r>
-          </a:p>
-          <a:p>
-            <a:pPr lvl="1"/>
-            <a:r>
-              <a:rPr lang="en-US" sz="1800" dirty="0" err="1"/>
-              <a:t>N_neighbors</a:t>
-            </a:r>
-            <a:r>
-              <a:rPr lang="en-US" sz="1800" dirty="0"/>
-              <a:t>: number of points for a dense cluster</a:t>
-            </a:r>
-          </a:p>
-          <a:p>
-            <a:pPr lvl="1"/>
-            <a:r>
-              <a:rPr lang="en-US" sz="1800" dirty="0"/>
-              <a:t>Metric: how distance is measured</a:t>
-            </a:r>
-          </a:p>
-          <a:p>
-            <a:pPr lvl="1"/>
-            <a:r>
-              <a:rPr lang="en-US" sz="1800" dirty="0"/>
-              <a:t>Contamination: Percent contaminated</a:t>
-            </a:r>
-          </a:p>
-        </p:txBody>
-      </p:sp>
-      <p:pic>
-        <p:nvPicPr>
-          <p:cNvPr id="5" name="Picture 4" descr="A picture containing scatter chart&#10;&#10;Description automatically generated">
-            <a:extLst>
-              <a:ext uri="{FF2B5EF4-FFF2-40B4-BE49-F238E27FC236}">
-                <a16:creationId xmlns:a16="http://schemas.microsoft.com/office/drawing/2014/main" id="{A1AD52A9-B28E-4DD7-989F-ADFF1847D471}"/>
+                <a16:creationId xmlns:a16="http://schemas.microsoft.com/office/drawing/2014/main" id="{80896F77-FB86-4F59-9962-1453A3174155}"/>
               </a:ext>
             </a:extLst>
           </p:cNvPr>
@@ -6832,15 +6789,15 @@
           <p:nvPr/>
         </p:nvPicPr>
         <p:blipFill>
-          <a:blip r:embed="rId3"/>
+          <a:blip r:embed="rId2"/>
           <a:stretch>
             <a:fillRect/>
           </a:stretch>
         </p:blipFill>
         <p:spPr>
           <a:xfrm>
-            <a:off x="4639248" y="663557"/>
-            <a:ext cx="6909284" cy="5320148"/>
+            <a:off x="1237688" y="1866900"/>
+            <a:ext cx="9705975" cy="3486150"/>
           </a:xfrm>
           <a:prstGeom prst="rect">
             <a:avLst/>
@@ -6850,7 +6807,7 @@
     </p:spTree>
     <p:extLst>
       <p:ext uri="{BB962C8B-B14F-4D97-AF65-F5344CB8AC3E}">
-        <p14:creationId xmlns:p14="http://schemas.microsoft.com/office/powerpoint/2010/main" val="769137800"/>
+        <p14:creationId xmlns:p14="http://schemas.microsoft.com/office/powerpoint/2010/main" val="3554264018"/>
       </p:ext>
     </p:extLst>
   </p:cSld>
@@ -6898,7 +6855,7 @@
       </p:grpSpPr>
       <p:sp useBgFill="1">
         <p:nvSpPr>
-          <p:cNvPr id="11" name="Rectangle 8">
+          <p:cNvPr id="9" name="Rectangle 8">
             <a:extLst>
               <a:ext uri="{FF2B5EF4-FFF2-40B4-BE49-F238E27FC236}">
                 <a16:creationId xmlns:a16="http://schemas.microsoft.com/office/drawing/2014/main" id="{886D4A05-AFD9-4D13-98E7-B23E4C9D785A}"/>
@@ -6961,7 +6918,7 @@
           <p:cNvPr id="2" name="Title 1">
             <a:extLst>
               <a:ext uri="{FF2B5EF4-FFF2-40B4-BE49-F238E27FC236}">
-                <a16:creationId xmlns:a16="http://schemas.microsoft.com/office/drawing/2014/main" id="{5DD5A099-FAB1-4ED5-A544-1967A612ADAE}"/>
+                <a16:creationId xmlns:a16="http://schemas.microsoft.com/office/drawing/2014/main" id="{B3466BFF-1F12-41E8-9D8F-0FF5BEE35C47}"/>
               </a:ext>
             </a:extLst>
           </p:cNvPr>
@@ -6974,8 +6931,8 @@
         </p:nvSpPr>
         <p:spPr>
           <a:xfrm>
-            <a:off x="1370693" y="5274201"/>
-            <a:ext cx="9440034" cy="853251"/>
+            <a:off x="1370693" y="4406537"/>
+            <a:ext cx="9440034" cy="1088336"/>
           </a:xfrm>
         </p:spPr>
         <p:txBody>
@@ -6985,18 +6942,18 @@
           <a:lstStyle/>
           <a:p>
             <a:r>
-              <a:rPr lang="en-US" sz="3600" dirty="0"/>
-              <a:t>Base RMSE: $220,000</a:t>
+              <a:rPr lang="en-US" sz="4800"/>
+              <a:t>Resulting Data</a:t>
             </a:r>
           </a:p>
         </p:txBody>
       </p:sp>
       <p:pic>
         <p:nvPicPr>
-          <p:cNvPr id="4" name="Picture 3" descr="Chart&#10;&#10;Description automatically generated">
+          <p:cNvPr id="4" name="Picture 3" descr="Graphical user interface, application, table, Excel&#10;&#10;Description automatically generated">
             <a:extLst>
               <a:ext uri="{FF2B5EF4-FFF2-40B4-BE49-F238E27FC236}">
-                <a16:creationId xmlns:a16="http://schemas.microsoft.com/office/drawing/2014/main" id="{291DB090-851D-45B6-8853-B472CDEC6CAD}"/>
+                <a16:creationId xmlns:a16="http://schemas.microsoft.com/office/drawing/2014/main" id="{67285B46-4D7F-45D4-9D67-793EBCB667C6}"/>
               </a:ext>
             </a:extLst>
           </p:cNvPr>
@@ -7013,20 +6970,784 @@
         </p:blipFill>
         <p:spPr>
           <a:xfrm>
-            <a:off x="634654" y="1909119"/>
-            <a:ext cx="10912112" cy="2837148"/>
+            <a:off x="643338" y="946745"/>
+            <a:ext cx="10912112" cy="2946271"/>
           </a:xfrm>
           <a:prstGeom prst="rect">
             <a:avLst/>
           </a:prstGeom>
         </p:spPr>
       </p:pic>
-      <p:sp>
-        <p:nvSpPr>
-          <p:cNvPr id="8" name="Title 1">
+    </p:spTree>
+    <p:extLst>
+      <p:ext uri="{BB962C8B-B14F-4D97-AF65-F5344CB8AC3E}">
+        <p14:creationId xmlns:p14="http://schemas.microsoft.com/office/powerpoint/2010/main" val="2255452443"/>
+      </p:ext>
+    </p:extLst>
+  </p:cSld>
+  <p:clrMapOvr>
+    <a:masterClrMapping/>
+  </p:clrMapOvr>
+</p:sld>
+</file>
+
+<file path=ppt/slides/slide12.xml><?xml version="1.0" encoding="utf-8"?>
+<p:sld xmlns:a="http://schemas.openxmlformats.org/drawingml/2006/main" xmlns:r="http://schemas.openxmlformats.org/officeDocument/2006/relationships" xmlns:p="http://schemas.openxmlformats.org/presentationml/2006/main">
+  <p:cSld>
+    <p:spTree>
+      <p:nvGrpSpPr>
+        <p:cNvPr id="1" name=""/>
+        <p:cNvGrpSpPr/>
+        <p:nvPr/>
+      </p:nvGrpSpPr>
+      <p:grpSpPr>
+        <a:xfrm>
+          <a:off x="0" y="0"/>
+          <a:ext cx="0" cy="0"/>
+          <a:chOff x="0" y="0"/>
+          <a:chExt cx="0" cy="0"/>
+        </a:xfrm>
+      </p:grpSpPr>
+      <p:sp>
+        <p:nvSpPr>
+          <p:cNvPr id="2" name="Title 1">
             <a:extLst>
               <a:ext uri="{FF2B5EF4-FFF2-40B4-BE49-F238E27FC236}">
-                <a16:creationId xmlns:a16="http://schemas.microsoft.com/office/drawing/2014/main" id="{5CDC484D-A9BB-4CB5-BB45-5B3F353AA7FE}"/>
+                <a16:creationId xmlns:a16="http://schemas.microsoft.com/office/drawing/2014/main" id="{80C56DDC-BE7D-496A-A68F-1952FE56D1B5}"/>
+              </a:ext>
+            </a:extLst>
+          </p:cNvPr>
+          <p:cNvSpPr>
+            <a:spLocks noGrp="1"/>
+          </p:cNvSpPr>
+          <p:nvPr>
+            <p:ph type="title"/>
+          </p:nvPr>
+        </p:nvSpPr>
+        <p:spPr>
+          <a:xfrm>
+            <a:off x="913795" y="457200"/>
+            <a:ext cx="10353762" cy="1409700"/>
+          </a:xfrm>
+        </p:spPr>
+        <p:txBody>
+          <a:bodyPr>
+            <a:normAutofit/>
+          </a:bodyPr>
+          <a:lstStyle/>
+          <a:p>
+            <a:r>
+              <a:rPr lang="en-US" dirty="0"/>
+              <a:t>Isolation Forest</a:t>
+            </a:r>
+            <a:br>
+              <a:rPr lang="en-US" dirty="0"/>
+            </a:br>
+            <a:r>
+              <a:rPr lang="en-US" sz="1800" dirty="0"/>
+              <a:t>contamination = .15</a:t>
+            </a:r>
+            <a:br>
+              <a:rPr lang="en-US" sz="1800" dirty="0"/>
+            </a:br>
+            <a:r>
+              <a:rPr lang="en-US" sz="1800" dirty="0"/>
+              <a:t>Decrease of $70,000</a:t>
+            </a:r>
+            <a:endParaRPr lang="en-US" dirty="0"/>
+          </a:p>
+        </p:txBody>
+      </p:sp>
+      <p:pic>
+        <p:nvPicPr>
+          <p:cNvPr id="5" name="Picture 4" descr="Chart, line chart&#10;&#10;Description automatically generated">
+            <a:extLst>
+              <a:ext uri="{FF2B5EF4-FFF2-40B4-BE49-F238E27FC236}">
+                <a16:creationId xmlns:a16="http://schemas.microsoft.com/office/drawing/2014/main" id="{24B3EC80-52B3-4D89-B1B9-83A222A5DF44}"/>
+              </a:ext>
+            </a:extLst>
+          </p:cNvPr>
+          <p:cNvPicPr>
+            <a:picLocks noChangeAspect="1"/>
+          </p:cNvPicPr>
+          <p:nvPr/>
+        </p:nvPicPr>
+        <p:blipFill>
+          <a:blip r:embed="rId2"/>
+          <a:stretch>
+            <a:fillRect/>
+          </a:stretch>
+        </p:blipFill>
+        <p:spPr>
+          <a:xfrm>
+            <a:off x="3326295" y="1866900"/>
+            <a:ext cx="5528762" cy="4309356"/>
+          </a:xfrm>
+          <a:prstGeom prst="rect">
+            <a:avLst/>
+          </a:prstGeom>
+        </p:spPr>
+      </p:pic>
+      <p:sp>
+        <p:nvSpPr>
+          <p:cNvPr id="6" name="Star: 5 Points 5">
+            <a:extLst>
+              <a:ext uri="{FF2B5EF4-FFF2-40B4-BE49-F238E27FC236}">
+                <a16:creationId xmlns:a16="http://schemas.microsoft.com/office/drawing/2014/main" id="{728EB4F7-2945-4466-AB78-5AEA2FA62AD2}"/>
+              </a:ext>
+            </a:extLst>
+          </p:cNvPr>
+          <p:cNvSpPr/>
+          <p:nvPr/>
+        </p:nvSpPr>
+        <p:spPr>
+          <a:xfrm>
+            <a:off x="7934326" y="838201"/>
+            <a:ext cx="190500" cy="190500"/>
+          </a:xfrm>
+          <a:prstGeom prst="star5">
+            <a:avLst/>
+          </a:prstGeom>
+          <a:ln>
+            <a:solidFill>
+              <a:schemeClr val="tx1"/>
+            </a:solidFill>
+          </a:ln>
+        </p:spPr>
+        <p:style>
+          <a:lnRef idx="2">
+            <a:schemeClr val="accent6"/>
+          </a:lnRef>
+          <a:fillRef idx="1">
+            <a:schemeClr val="lt1"/>
+          </a:fillRef>
+          <a:effectRef idx="0">
+            <a:schemeClr val="accent6"/>
+          </a:effectRef>
+          <a:fontRef idx="minor">
+            <a:schemeClr val="dk1"/>
+          </a:fontRef>
+        </p:style>
+        <p:txBody>
+          <a:bodyPr rtlCol="0" anchor="ctr"/>
+          <a:lstStyle/>
+          <a:p>
+            <a:pPr algn="ctr"/>
+            <a:endParaRPr lang="en-US"/>
+          </a:p>
+        </p:txBody>
+      </p:sp>
+    </p:spTree>
+    <p:extLst>
+      <p:ext uri="{BB962C8B-B14F-4D97-AF65-F5344CB8AC3E}">
+        <p14:creationId xmlns:p14="http://schemas.microsoft.com/office/powerpoint/2010/main" val="3878600988"/>
+      </p:ext>
+    </p:extLst>
+  </p:cSld>
+  <p:clrMapOvr>
+    <a:masterClrMapping/>
+  </p:clrMapOvr>
+</p:sld>
+</file>
+
+<file path=ppt/slides/slide13.xml><?xml version="1.0" encoding="utf-8"?>
+<p:sld xmlns:a="http://schemas.openxmlformats.org/drawingml/2006/main" xmlns:r="http://schemas.openxmlformats.org/officeDocument/2006/relationships" xmlns:p="http://schemas.openxmlformats.org/presentationml/2006/main">
+  <p:cSld>
+    <p:bg>
+      <p:bgPr>
+        <a:blipFill rotWithShape="1">
+          <a:blip r:embed="rId2">
+            <a:duotone>
+              <a:schemeClr val="bg1">
+                <a:shade val="80000"/>
+                <a:lumMod val="80000"/>
+              </a:schemeClr>
+              <a:schemeClr val="bg1">
+                <a:tint val="98000"/>
+              </a:schemeClr>
+            </a:duotone>
+          </a:blip>
+          <a:stretch/>
+        </a:blipFill>
+        <a:effectLst/>
+      </p:bgPr>
+    </p:bg>
+    <p:spTree>
+      <p:nvGrpSpPr>
+        <p:cNvPr id="1" name=""/>
+        <p:cNvGrpSpPr/>
+        <p:nvPr/>
+      </p:nvGrpSpPr>
+      <p:grpSpPr>
+        <a:xfrm>
+          <a:off x="0" y="0"/>
+          <a:ext cx="0" cy="0"/>
+          <a:chOff x="0" y="0"/>
+          <a:chExt cx="0" cy="0"/>
+        </a:xfrm>
+      </p:grpSpPr>
+      <p:sp useBgFill="1">
+        <p:nvSpPr>
+          <p:cNvPr id="10" name="Rectangle 9">
+            <a:extLst>
+              <a:ext uri="{FF2B5EF4-FFF2-40B4-BE49-F238E27FC236}">
+                <a16:creationId xmlns:a16="http://schemas.microsoft.com/office/drawing/2014/main" id="{886D4A05-AFD9-4D13-98E7-B23E4C9D785A}"/>
+              </a:ext>
+              <a:ext uri="{C183D7F6-B498-43B3-948B-1728B52AA6E4}">
+                <adec:decorative xmlns:adec="http://schemas.microsoft.com/office/drawing/2017/decorative" val="1"/>
+              </a:ext>
+            </a:extLst>
+          </p:cNvPr>
+          <p:cNvSpPr>
+            <a:spLocks noGrp="1" noRot="1" noChangeAspect="1" noMove="1" noResize="1" noEditPoints="1" noAdjustHandles="1" noChangeArrowheads="1" noChangeShapeType="1" noTextEdit="1"/>
+          </p:cNvSpPr>
+          <p:nvPr>
+            <p:extLst>
+              <p:ext uri="{386F3935-93C4-4BCD-93E2-E3B085C9AB24}">
+                <p16:designElem xmlns:p16="http://schemas.microsoft.com/office/powerpoint/2015/main" val="1"/>
+              </p:ext>
+            </p:extLst>
+          </p:nvPr>
+        </p:nvSpPr>
+        <p:spPr>
+          <a:xfrm>
+            <a:off x="0" y="0"/>
+            <a:ext cx="12192000" cy="6858000"/>
+          </a:xfrm>
+          <a:prstGeom prst="rect">
+            <a:avLst/>
+          </a:prstGeom>
+          <a:ln>
+            <a:noFill/>
+          </a:ln>
+        </p:spPr>
+        <p:style>
+          <a:lnRef idx="2">
+            <a:schemeClr val="accent1">
+              <a:shade val="50000"/>
+            </a:schemeClr>
+          </a:lnRef>
+          <a:fillRef idx="1">
+            <a:schemeClr val="accent1"/>
+          </a:fillRef>
+          <a:effectRef idx="0">
+            <a:schemeClr val="accent1"/>
+          </a:effectRef>
+          <a:fontRef idx="minor">
+            <a:schemeClr val="lt1"/>
+          </a:fontRef>
+        </p:style>
+        <p:txBody>
+          <a:bodyPr rtlCol="0" anchor="ctr"/>
+          <a:lstStyle/>
+          <a:p>
+            <a:pPr algn="ctr"/>
+            <a:endParaRPr lang="en-US"/>
+          </a:p>
+        </p:txBody>
+      </p:sp>
+      <p:sp>
+        <p:nvSpPr>
+          <p:cNvPr id="2" name="Title 1">
+            <a:extLst>
+              <a:ext uri="{FF2B5EF4-FFF2-40B4-BE49-F238E27FC236}">
+                <a16:creationId xmlns:a16="http://schemas.microsoft.com/office/drawing/2014/main" id="{B3466BFF-1F12-41E8-9D8F-0FF5BEE35C47}"/>
+              </a:ext>
+            </a:extLst>
+          </p:cNvPr>
+          <p:cNvSpPr>
+            <a:spLocks noGrp="1"/>
+          </p:cNvSpPr>
+          <p:nvPr>
+            <p:ph type="title"/>
+          </p:nvPr>
+        </p:nvSpPr>
+        <p:spPr>
+          <a:xfrm>
+            <a:off x="1370693" y="4406537"/>
+            <a:ext cx="9440034" cy="1088336"/>
+          </a:xfrm>
+        </p:spPr>
+        <p:txBody>
+          <a:bodyPr vert="horz" lIns="91440" tIns="45720" rIns="91440" bIns="45720" rtlCol="0" anchor="b">
+            <a:normAutofit/>
+          </a:bodyPr>
+          <a:lstStyle/>
+          <a:p>
+            <a:r>
+              <a:rPr lang="en-US" sz="4800"/>
+              <a:t>Resulting Data</a:t>
+            </a:r>
+          </a:p>
+        </p:txBody>
+      </p:sp>
+      <p:pic>
+        <p:nvPicPr>
+          <p:cNvPr id="5" name="Picture 4" descr="Chart&#10;&#10;Description automatically generated with low confidence">
+            <a:extLst>
+              <a:ext uri="{FF2B5EF4-FFF2-40B4-BE49-F238E27FC236}">
+                <a16:creationId xmlns:a16="http://schemas.microsoft.com/office/drawing/2014/main" id="{F0FD77D8-DCD7-4DD7-AA0B-3681FBEAFFCB}"/>
+              </a:ext>
+            </a:extLst>
+          </p:cNvPr>
+          <p:cNvPicPr>
+            <a:picLocks noChangeAspect="1"/>
+          </p:cNvPicPr>
+          <p:nvPr/>
+        </p:nvPicPr>
+        <p:blipFill>
+          <a:blip r:embed="rId3"/>
+          <a:stretch>
+            <a:fillRect/>
+          </a:stretch>
+        </p:blipFill>
+        <p:spPr>
+          <a:xfrm>
+            <a:off x="643338" y="946745"/>
+            <a:ext cx="10912112" cy="2946271"/>
+          </a:xfrm>
+          <a:prstGeom prst="rect">
+            <a:avLst/>
+          </a:prstGeom>
+        </p:spPr>
+      </p:pic>
+    </p:spTree>
+    <p:extLst>
+      <p:ext uri="{BB962C8B-B14F-4D97-AF65-F5344CB8AC3E}">
+        <p14:creationId xmlns:p14="http://schemas.microsoft.com/office/powerpoint/2010/main" val="3664140210"/>
+      </p:ext>
+    </p:extLst>
+  </p:cSld>
+  <p:clrMapOvr>
+    <a:masterClrMapping/>
+  </p:clrMapOvr>
+</p:sld>
+</file>
+
+<file path=ppt/slides/slide14.xml><?xml version="1.0" encoding="utf-8"?>
+<p:sld xmlns:a="http://schemas.openxmlformats.org/drawingml/2006/main" xmlns:r="http://schemas.openxmlformats.org/officeDocument/2006/relationships" xmlns:p="http://schemas.openxmlformats.org/presentationml/2006/main">
+  <p:cSld>
+    <p:spTree>
+      <p:nvGrpSpPr>
+        <p:cNvPr id="1" name=""/>
+        <p:cNvGrpSpPr/>
+        <p:nvPr/>
+      </p:nvGrpSpPr>
+      <p:grpSpPr>
+        <a:xfrm>
+          <a:off x="0" y="0"/>
+          <a:ext cx="0" cy="0"/>
+          <a:chOff x="0" y="0"/>
+          <a:chExt cx="0" cy="0"/>
+        </a:xfrm>
+      </p:grpSpPr>
+      <p:sp>
+        <p:nvSpPr>
+          <p:cNvPr id="2" name="Title 1">
+            <a:extLst>
+              <a:ext uri="{FF2B5EF4-FFF2-40B4-BE49-F238E27FC236}">
+                <a16:creationId xmlns:a16="http://schemas.microsoft.com/office/drawing/2014/main" id="{80C56DDC-BE7D-496A-A68F-1952FE56D1B5}"/>
+              </a:ext>
+            </a:extLst>
+          </p:cNvPr>
+          <p:cNvSpPr>
+            <a:spLocks noGrp="1"/>
+          </p:cNvSpPr>
+          <p:nvPr>
+            <p:ph type="title"/>
+          </p:nvPr>
+        </p:nvSpPr>
+        <p:spPr/>
+        <p:txBody>
+          <a:bodyPr>
+            <a:normAutofit/>
+          </a:bodyPr>
+          <a:lstStyle/>
+          <a:p>
+            <a:r>
+              <a:rPr lang="en-US" dirty="0"/>
+              <a:t>Local Outlier Factor</a:t>
+            </a:r>
+            <a:br>
+              <a:rPr lang="en-US" dirty="0"/>
+            </a:br>
+            <a:r>
+              <a:rPr lang="en-US" sz="1800" dirty="0" err="1"/>
+              <a:t>n_neighbors</a:t>
+            </a:r>
+            <a:r>
+              <a:rPr lang="en-US" sz="1800" dirty="0"/>
+              <a:t> = 2 | metric = ‘Euclidean’ | contamination = ‘Auto’</a:t>
+            </a:r>
+            <a:endParaRPr lang="en-US" dirty="0"/>
+          </a:p>
+        </p:txBody>
+      </p:sp>
+      <p:pic>
+        <p:nvPicPr>
+          <p:cNvPr id="4" name="Picture 3" descr="Chart, line chart, scatter chart&#10;&#10;Description automatically generated">
+            <a:extLst>
+              <a:ext uri="{FF2B5EF4-FFF2-40B4-BE49-F238E27FC236}">
+                <a16:creationId xmlns:a16="http://schemas.microsoft.com/office/drawing/2014/main" id="{AE306275-8B39-482E-8807-D07448F5215C}"/>
+              </a:ext>
+            </a:extLst>
+          </p:cNvPr>
+          <p:cNvPicPr>
+            <a:picLocks noChangeAspect="1"/>
+          </p:cNvPicPr>
+          <p:nvPr/>
+        </p:nvPicPr>
+        <p:blipFill rotWithShape="1">
+          <a:blip r:embed="rId2"/>
+          <a:srcRect r="7963"/>
+          <a:stretch/>
+        </p:blipFill>
+        <p:spPr>
+          <a:xfrm>
+            <a:off x="1165576" y="1866900"/>
+            <a:ext cx="9850200" cy="3844089"/>
+          </a:xfrm>
+          <a:prstGeom prst="rect">
+            <a:avLst/>
+          </a:prstGeom>
+        </p:spPr>
+      </p:pic>
+    </p:spTree>
+    <p:extLst>
+      <p:ext uri="{BB962C8B-B14F-4D97-AF65-F5344CB8AC3E}">
+        <p14:creationId xmlns:p14="http://schemas.microsoft.com/office/powerpoint/2010/main" val="2815834076"/>
+      </p:ext>
+    </p:extLst>
+  </p:cSld>
+  <p:clrMapOvr>
+    <a:masterClrMapping/>
+  </p:clrMapOvr>
+</p:sld>
+</file>
+
+<file path=ppt/slides/slide15.xml><?xml version="1.0" encoding="utf-8"?>
+<p:sld xmlns:a="http://schemas.openxmlformats.org/drawingml/2006/main" xmlns:r="http://schemas.openxmlformats.org/officeDocument/2006/relationships" xmlns:p="http://schemas.openxmlformats.org/presentationml/2006/main">
+  <p:cSld>
+    <p:bg>
+      <p:bgPr>
+        <a:blipFill rotWithShape="1">
+          <a:blip r:embed="rId2">
+            <a:duotone>
+              <a:schemeClr val="bg1">
+                <a:shade val="80000"/>
+                <a:lumMod val="80000"/>
+              </a:schemeClr>
+              <a:schemeClr val="bg1">
+                <a:tint val="98000"/>
+              </a:schemeClr>
+            </a:duotone>
+          </a:blip>
+          <a:stretch/>
+        </a:blipFill>
+        <a:effectLst/>
+      </p:bgPr>
+    </p:bg>
+    <p:spTree>
+      <p:nvGrpSpPr>
+        <p:cNvPr id="1" name=""/>
+        <p:cNvGrpSpPr/>
+        <p:nvPr/>
+      </p:nvGrpSpPr>
+      <p:grpSpPr>
+        <a:xfrm>
+          <a:off x="0" y="0"/>
+          <a:ext cx="0" cy="0"/>
+          <a:chOff x="0" y="0"/>
+          <a:chExt cx="0" cy="0"/>
+        </a:xfrm>
+      </p:grpSpPr>
+      <p:sp useBgFill="1">
+        <p:nvSpPr>
+          <p:cNvPr id="9" name="Rectangle 8">
+            <a:extLst>
+              <a:ext uri="{FF2B5EF4-FFF2-40B4-BE49-F238E27FC236}">
+                <a16:creationId xmlns:a16="http://schemas.microsoft.com/office/drawing/2014/main" id="{886D4A05-AFD9-4D13-98E7-B23E4C9D785A}"/>
+              </a:ext>
+              <a:ext uri="{C183D7F6-B498-43B3-948B-1728B52AA6E4}">
+                <adec:decorative xmlns:adec="http://schemas.microsoft.com/office/drawing/2017/decorative" val="1"/>
+              </a:ext>
+            </a:extLst>
+          </p:cNvPr>
+          <p:cNvSpPr>
+            <a:spLocks noGrp="1" noRot="1" noChangeAspect="1" noMove="1" noResize="1" noEditPoints="1" noAdjustHandles="1" noChangeArrowheads="1" noChangeShapeType="1" noTextEdit="1"/>
+          </p:cNvSpPr>
+          <p:nvPr>
+            <p:extLst>
+              <p:ext uri="{386F3935-93C4-4BCD-93E2-E3B085C9AB24}">
+                <p16:designElem xmlns:p16="http://schemas.microsoft.com/office/powerpoint/2015/main" val="1"/>
+              </p:ext>
+            </p:extLst>
+          </p:nvPr>
+        </p:nvSpPr>
+        <p:spPr>
+          <a:xfrm>
+            <a:off x="0" y="0"/>
+            <a:ext cx="12192000" cy="6858000"/>
+          </a:xfrm>
+          <a:prstGeom prst="rect">
+            <a:avLst/>
+          </a:prstGeom>
+          <a:ln>
+            <a:noFill/>
+          </a:ln>
+        </p:spPr>
+        <p:style>
+          <a:lnRef idx="2">
+            <a:schemeClr val="accent1">
+              <a:shade val="50000"/>
+            </a:schemeClr>
+          </a:lnRef>
+          <a:fillRef idx="1">
+            <a:schemeClr val="accent1"/>
+          </a:fillRef>
+          <a:effectRef idx="0">
+            <a:schemeClr val="accent1"/>
+          </a:effectRef>
+          <a:fontRef idx="minor">
+            <a:schemeClr val="lt1"/>
+          </a:fontRef>
+        </p:style>
+        <p:txBody>
+          <a:bodyPr rtlCol="0" anchor="ctr"/>
+          <a:lstStyle/>
+          <a:p>
+            <a:pPr algn="ctr"/>
+            <a:endParaRPr lang="en-US"/>
+          </a:p>
+        </p:txBody>
+      </p:sp>
+      <p:sp>
+        <p:nvSpPr>
+          <p:cNvPr id="2" name="Title 1">
+            <a:extLst>
+              <a:ext uri="{FF2B5EF4-FFF2-40B4-BE49-F238E27FC236}">
+                <a16:creationId xmlns:a16="http://schemas.microsoft.com/office/drawing/2014/main" id="{B3466BFF-1F12-41E8-9D8F-0FF5BEE35C47}"/>
+              </a:ext>
+            </a:extLst>
+          </p:cNvPr>
+          <p:cNvSpPr>
+            <a:spLocks noGrp="1"/>
+          </p:cNvSpPr>
+          <p:nvPr>
+            <p:ph type="title"/>
+          </p:nvPr>
+        </p:nvSpPr>
+        <p:spPr>
+          <a:xfrm>
+            <a:off x="1370693" y="4406537"/>
+            <a:ext cx="9440034" cy="1088336"/>
+          </a:xfrm>
+        </p:spPr>
+        <p:txBody>
+          <a:bodyPr vert="horz" lIns="91440" tIns="45720" rIns="91440" bIns="45720" rtlCol="0" anchor="b">
+            <a:normAutofit/>
+          </a:bodyPr>
+          <a:lstStyle/>
+          <a:p>
+            <a:r>
+              <a:rPr lang="en-US" sz="4800"/>
+              <a:t>Resulting Data</a:t>
+            </a:r>
+          </a:p>
+        </p:txBody>
+      </p:sp>
+      <p:pic>
+        <p:nvPicPr>
+          <p:cNvPr id="4" name="Picture 3" descr="Graphical user interface, application&#10;&#10;Description automatically generated">
+            <a:extLst>
+              <a:ext uri="{FF2B5EF4-FFF2-40B4-BE49-F238E27FC236}">
+                <a16:creationId xmlns:a16="http://schemas.microsoft.com/office/drawing/2014/main" id="{4B903F77-CA0F-42DB-A743-9785AA80AC7C}"/>
+              </a:ext>
+            </a:extLst>
+          </p:cNvPr>
+          <p:cNvPicPr>
+            <a:picLocks noChangeAspect="1"/>
+          </p:cNvPicPr>
+          <p:nvPr/>
+        </p:nvPicPr>
+        <p:blipFill>
+          <a:blip r:embed="rId3"/>
+          <a:stretch>
+            <a:fillRect/>
+          </a:stretch>
+        </p:blipFill>
+        <p:spPr>
+          <a:xfrm>
+            <a:off x="643338" y="946745"/>
+            <a:ext cx="10912112" cy="2946271"/>
+          </a:xfrm>
+          <a:prstGeom prst="rect">
+            <a:avLst/>
+          </a:prstGeom>
+        </p:spPr>
+      </p:pic>
+    </p:spTree>
+    <p:extLst>
+      <p:ext uri="{BB962C8B-B14F-4D97-AF65-F5344CB8AC3E}">
+        <p14:creationId xmlns:p14="http://schemas.microsoft.com/office/powerpoint/2010/main" val="3438689392"/>
+      </p:ext>
+    </p:extLst>
+  </p:cSld>
+  <p:clrMapOvr>
+    <a:masterClrMapping/>
+  </p:clrMapOvr>
+</p:sld>
+</file>
+
+<file path=ppt/slides/slide16.xml><?xml version="1.0" encoding="utf-8"?>
+<p:sld xmlns:a="http://schemas.openxmlformats.org/drawingml/2006/main" xmlns:r="http://schemas.openxmlformats.org/officeDocument/2006/relationships" xmlns:p="http://schemas.openxmlformats.org/presentationml/2006/main">
+  <p:cSld>
+    <p:spTree>
+      <p:nvGrpSpPr>
+        <p:cNvPr id="1" name=""/>
+        <p:cNvGrpSpPr/>
+        <p:nvPr/>
+      </p:nvGrpSpPr>
+      <p:grpSpPr>
+        <a:xfrm>
+          <a:off x="0" y="0"/>
+          <a:ext cx="0" cy="0"/>
+          <a:chOff x="0" y="0"/>
+          <a:chExt cx="0" cy="0"/>
+        </a:xfrm>
+      </p:grpSpPr>
+      <p:sp>
+        <p:nvSpPr>
+          <p:cNvPr id="2" name="Title 1">
+            <a:extLst>
+              <a:ext uri="{FF2B5EF4-FFF2-40B4-BE49-F238E27FC236}">
+                <a16:creationId xmlns:a16="http://schemas.microsoft.com/office/drawing/2014/main" id="{C5099B26-C2EC-4A84-8DCC-8AF5CCE9D4F8}"/>
+              </a:ext>
+            </a:extLst>
+          </p:cNvPr>
+          <p:cNvSpPr>
+            <a:spLocks noGrp="1"/>
+          </p:cNvSpPr>
+          <p:nvPr>
+            <p:ph type="title"/>
+          </p:nvPr>
+        </p:nvSpPr>
+        <p:spPr>
+          <a:xfrm>
+            <a:off x="913795" y="247191"/>
+            <a:ext cx="10508184" cy="786064"/>
+          </a:xfrm>
+        </p:spPr>
+        <p:txBody>
+          <a:bodyPr>
+            <a:normAutofit/>
+          </a:bodyPr>
+          <a:lstStyle/>
+          <a:p>
+            <a:pPr algn="l"/>
+            <a:r>
+              <a:rPr lang="en-US" sz="2000" dirty="0"/>
+              <a:t>                              SQFT_LIVING                GRADE                    SQFT_LOT</a:t>
+            </a:r>
+          </a:p>
+        </p:txBody>
+      </p:sp>
+      <p:pic>
+        <p:nvPicPr>
+          <p:cNvPr id="6" name="Picture 5">
+            <a:extLst>
+              <a:ext uri="{FF2B5EF4-FFF2-40B4-BE49-F238E27FC236}">
+                <a16:creationId xmlns:a16="http://schemas.microsoft.com/office/drawing/2014/main" id="{6942F116-40FB-4298-B0FB-99BE7923DF5D}"/>
+              </a:ext>
+            </a:extLst>
+          </p:cNvPr>
+          <p:cNvPicPr>
+            <a:picLocks noChangeAspect="1"/>
+          </p:cNvPicPr>
+          <p:nvPr/>
+        </p:nvPicPr>
+        <p:blipFill>
+          <a:blip r:embed="rId2"/>
+          <a:stretch>
+            <a:fillRect/>
+          </a:stretch>
+        </p:blipFill>
+        <p:spPr>
+          <a:xfrm>
+            <a:off x="10242228" y="3337357"/>
+            <a:ext cx="1375612" cy="786064"/>
+          </a:xfrm>
+          <a:prstGeom prst="rect">
+            <a:avLst/>
+          </a:prstGeom>
+        </p:spPr>
+      </p:pic>
+      <p:pic>
+        <p:nvPicPr>
+          <p:cNvPr id="10" name="Picture 9" descr="Chart, scatter chart&#10;&#10;Description automatically generated">
+            <a:extLst>
+              <a:ext uri="{FF2B5EF4-FFF2-40B4-BE49-F238E27FC236}">
+                <a16:creationId xmlns:a16="http://schemas.microsoft.com/office/drawing/2014/main" id="{53EBCBC2-9A50-4920-A549-F89733FEA7BA}"/>
+              </a:ext>
+            </a:extLst>
+          </p:cNvPr>
+          <p:cNvPicPr>
+            <a:picLocks noChangeAspect="1"/>
+          </p:cNvPicPr>
+          <p:nvPr/>
+        </p:nvPicPr>
+        <p:blipFill>
+          <a:blip r:embed="rId3"/>
+          <a:stretch>
+            <a:fillRect/>
+          </a:stretch>
+        </p:blipFill>
+        <p:spPr>
+          <a:xfrm>
+            <a:off x="2576647" y="3066345"/>
+            <a:ext cx="7038704" cy="1697420"/>
+          </a:xfrm>
+          <a:prstGeom prst="rect">
+            <a:avLst/>
+          </a:prstGeom>
+        </p:spPr>
+      </p:pic>
+      <p:pic>
+        <p:nvPicPr>
+          <p:cNvPr id="13" name="Picture 12" descr="Chart, scatter chart&#10;&#10;Description automatically generated">
+            <a:extLst>
+              <a:ext uri="{FF2B5EF4-FFF2-40B4-BE49-F238E27FC236}">
+                <a16:creationId xmlns:a16="http://schemas.microsoft.com/office/drawing/2014/main" id="{9F36F3BF-8690-4215-8C8A-D8E199DA348B}"/>
+              </a:ext>
+            </a:extLst>
+          </p:cNvPr>
+          <p:cNvPicPr>
+            <a:picLocks noChangeAspect="1"/>
+          </p:cNvPicPr>
+          <p:nvPr/>
+        </p:nvPicPr>
+        <p:blipFill>
+          <a:blip r:embed="rId4"/>
+          <a:stretch>
+            <a:fillRect/>
+          </a:stretch>
+        </p:blipFill>
+        <p:spPr>
+          <a:xfrm>
+            <a:off x="2576647" y="4984987"/>
+            <a:ext cx="7038704" cy="1697421"/>
+          </a:xfrm>
+          <a:prstGeom prst="rect">
+            <a:avLst/>
+          </a:prstGeom>
+        </p:spPr>
+      </p:pic>
+      <p:sp>
+        <p:nvSpPr>
+          <p:cNvPr id="25" name="Title 1">
+            <a:extLst>
+              <a:ext uri="{FF2B5EF4-FFF2-40B4-BE49-F238E27FC236}">
+                <a16:creationId xmlns:a16="http://schemas.microsoft.com/office/drawing/2014/main" id="{7D40E2D5-5181-4330-85A0-A74E011F2BDE}"/>
               </a:ext>
             </a:extLst>
           </p:cNvPr>
@@ -7037,8 +7758,8 @@
         </p:nvSpPr>
         <p:spPr>
           <a:xfrm>
-            <a:off x="1370693" y="527934"/>
-            <a:ext cx="9440034" cy="853251"/>
+            <a:off x="574160" y="1134344"/>
+            <a:ext cx="1764091" cy="5476465"/>
           </a:xfrm>
           <a:prstGeom prst="rect">
             <a:avLst/>
@@ -7052,7 +7773,7 @@
           </a:effectLst>
         </p:spPr>
         <p:txBody>
-          <a:bodyPr vert="horz" lIns="91440" tIns="45720" rIns="91440" bIns="45720" rtlCol="0" anchor="b">
+          <a:bodyPr vert="horz" lIns="91440" tIns="45720" rIns="91440" bIns="45720" rtlCol="0" anchor="ctr">
             <a:normAutofit/>
           </a:bodyPr>
           <a:lstStyle>
@@ -7147,17 +7868,361 @@
             </a:lvl9pPr>
           </a:lstStyle>
           <a:p>
-            <a:r>
-              <a:rPr lang="en-US" sz="4800" dirty="0"/>
-              <a:t>Application</a:t>
-            </a:r>
-          </a:p>
-        </p:txBody>
-      </p:sp>
+            <a:pPr algn="l"/>
+            <a:endParaRPr lang="en-US" sz="2000" dirty="0"/>
+          </a:p>
+        </p:txBody>
+      </p:sp>
+      <p:sp>
+        <p:nvSpPr>
+          <p:cNvPr id="29" name="Title 1">
+            <a:extLst>
+              <a:ext uri="{FF2B5EF4-FFF2-40B4-BE49-F238E27FC236}">
+                <a16:creationId xmlns:a16="http://schemas.microsoft.com/office/drawing/2014/main" id="{4F73B266-8967-47F7-B71E-28E3A036A8ED}"/>
+              </a:ext>
+            </a:extLst>
+          </p:cNvPr>
+          <p:cNvSpPr txBox="1">
+            <a:spLocks/>
+          </p:cNvSpPr>
+          <p:nvPr/>
+        </p:nvSpPr>
+        <p:spPr>
+          <a:xfrm>
+            <a:off x="574160" y="1134344"/>
+            <a:ext cx="1764091" cy="5489076"/>
+          </a:xfrm>
+          <a:prstGeom prst="rect">
+            <a:avLst/>
+          </a:prstGeom>
+          <a:effectLst>
+            <a:outerShdw blurRad="25400" dir="17880000">
+              <a:srgbClr val="000000">
+                <a:alpha val="46000"/>
+              </a:srgbClr>
+            </a:outerShdw>
+          </a:effectLst>
+        </p:spPr>
+        <p:txBody>
+          <a:bodyPr vert="horz" lIns="91440" tIns="45720" rIns="91440" bIns="45720" rtlCol="0" anchor="ctr">
+            <a:normAutofit/>
+          </a:bodyPr>
+          <a:lstStyle>
+            <a:lvl1pPr algn="ctr" defTabSz="457200" rtl="0" eaLnBrk="1" latinLnBrk="0" hangingPunct="1">
+              <a:lnSpc>
+                <a:spcPct val="90000"/>
+              </a:lnSpc>
+              <a:spcBef>
+                <a:spcPct val="0"/>
+              </a:spcBef>
+              <a:buNone/>
+              <a:defRPr sz="4600" kern="1200">
+                <a:ln>
+                  <a:solidFill>
+                    <a:schemeClr val="bg1">
+                      <a:lumMod val="75000"/>
+                      <a:lumOff val="25000"/>
+                      <a:alpha val="10000"/>
+                    </a:schemeClr>
+                  </a:solidFill>
+                </a:ln>
+                <a:solidFill>
+                  <a:schemeClr val="tx2"/>
+                </a:solidFill>
+                <a:effectLst>
+                  <a:outerShdw blurRad="9525" dist="25400" dir="14640000" algn="tl" rotWithShape="0">
+                    <a:schemeClr val="bg1">
+                      <a:alpha val="30000"/>
+                    </a:schemeClr>
+                  </a:outerShdw>
+                </a:effectLst>
+                <a:latin typeface="+mj-lt"/>
+                <a:ea typeface="+mj-ea"/>
+                <a:cs typeface="Trebuchet MS"/>
+              </a:defRPr>
+            </a:lvl1pPr>
+            <a:lvl2pPr eaLnBrk="1" hangingPunct="1">
+              <a:defRPr>
+                <a:solidFill>
+                  <a:schemeClr val="tx2"/>
+                </a:solidFill>
+              </a:defRPr>
+            </a:lvl2pPr>
+            <a:lvl3pPr eaLnBrk="1" hangingPunct="1">
+              <a:defRPr>
+                <a:solidFill>
+                  <a:schemeClr val="tx2"/>
+                </a:solidFill>
+              </a:defRPr>
+            </a:lvl3pPr>
+            <a:lvl4pPr eaLnBrk="1" hangingPunct="1">
+              <a:defRPr>
+                <a:solidFill>
+                  <a:schemeClr val="tx2"/>
+                </a:solidFill>
+              </a:defRPr>
+            </a:lvl4pPr>
+            <a:lvl5pPr eaLnBrk="1" hangingPunct="1">
+              <a:defRPr>
+                <a:solidFill>
+                  <a:schemeClr val="tx2"/>
+                </a:solidFill>
+              </a:defRPr>
+            </a:lvl5pPr>
+            <a:lvl6pPr eaLnBrk="1" hangingPunct="1">
+              <a:defRPr>
+                <a:solidFill>
+                  <a:schemeClr val="tx2"/>
+                </a:solidFill>
+              </a:defRPr>
+            </a:lvl6pPr>
+            <a:lvl7pPr eaLnBrk="1" hangingPunct="1">
+              <a:defRPr>
+                <a:solidFill>
+                  <a:schemeClr val="tx2"/>
+                </a:solidFill>
+              </a:defRPr>
+            </a:lvl7pPr>
+            <a:lvl8pPr eaLnBrk="1" hangingPunct="1">
+              <a:defRPr>
+                <a:solidFill>
+                  <a:schemeClr val="tx2"/>
+                </a:solidFill>
+              </a:defRPr>
+            </a:lvl8pPr>
+            <a:lvl9pPr eaLnBrk="1" hangingPunct="1">
+              <a:defRPr>
+                <a:solidFill>
+                  <a:schemeClr val="tx2"/>
+                </a:solidFill>
+              </a:defRPr>
+            </a:lvl9pPr>
+          </a:lstStyle>
+          <a:p>
+            <a:pPr algn="l"/>
+            <a:endParaRPr lang="en-US" sz="2000" dirty="0"/>
+          </a:p>
+        </p:txBody>
+      </p:sp>
+      <p:sp>
+        <p:nvSpPr>
+          <p:cNvPr id="15" name="TextBox 14">
+            <a:extLst>
+              <a:ext uri="{FF2B5EF4-FFF2-40B4-BE49-F238E27FC236}">
+                <a16:creationId xmlns:a16="http://schemas.microsoft.com/office/drawing/2014/main" id="{D28BC6CC-FA22-492E-91A7-1BBD26826918}"/>
+              </a:ext>
+            </a:extLst>
+          </p:cNvPr>
+          <p:cNvSpPr txBox="1"/>
+          <p:nvPr/>
+        </p:nvSpPr>
+        <p:spPr>
+          <a:xfrm>
+            <a:off x="361888" y="1240971"/>
+            <a:ext cx="1306285" cy="4801314"/>
+          </a:xfrm>
+          <a:prstGeom prst="rect">
+            <a:avLst/>
+          </a:prstGeom>
+          <a:noFill/>
+        </p:spPr>
+        <p:txBody>
+          <a:bodyPr wrap="square" rtlCol="0">
+            <a:spAutoFit/>
+          </a:bodyPr>
+          <a:lstStyle/>
+          <a:p>
+            <a:r>
+              <a:rPr lang="en-US" dirty="0"/>
+              <a:t>DBSCAN</a:t>
+            </a:r>
+          </a:p>
+          <a:p>
+            <a:endParaRPr lang="en-US" dirty="0"/>
+          </a:p>
+          <a:p>
+            <a:endParaRPr lang="en-US" dirty="0"/>
+          </a:p>
+          <a:p>
+            <a:endParaRPr lang="en-US" dirty="0"/>
+          </a:p>
+          <a:p>
+            <a:endParaRPr lang="en-US" dirty="0"/>
+          </a:p>
+          <a:p>
+            <a:endParaRPr lang="en-US" dirty="0"/>
+          </a:p>
+          <a:p>
+            <a:endParaRPr lang="en-US" dirty="0"/>
+          </a:p>
+          <a:p>
+            <a:r>
+              <a:rPr lang="en-US" dirty="0"/>
+              <a:t>Isolation Forest</a:t>
+            </a:r>
+          </a:p>
+          <a:p>
+            <a:endParaRPr lang="en-US" dirty="0"/>
+          </a:p>
+          <a:p>
+            <a:endParaRPr lang="en-US" dirty="0"/>
+          </a:p>
+          <a:p>
+            <a:endParaRPr lang="en-US" dirty="0"/>
+          </a:p>
+          <a:p>
+            <a:endParaRPr lang="en-US" dirty="0"/>
+          </a:p>
+          <a:p>
+            <a:endParaRPr lang="en-US" dirty="0"/>
+          </a:p>
+          <a:p>
+            <a:r>
+              <a:rPr lang="en-US" dirty="0"/>
+              <a:t>Local Outlier Factor</a:t>
+            </a:r>
+          </a:p>
+        </p:txBody>
+      </p:sp>
+      <p:sp>
+        <p:nvSpPr>
+          <p:cNvPr id="30" name="TextBox 29">
+            <a:extLst>
+              <a:ext uri="{FF2B5EF4-FFF2-40B4-BE49-F238E27FC236}">
+                <a16:creationId xmlns:a16="http://schemas.microsoft.com/office/drawing/2014/main" id="{53C992E4-E5AB-491E-A9A8-C2F7DCDC4789}"/>
+              </a:ext>
+            </a:extLst>
+          </p:cNvPr>
+          <p:cNvSpPr txBox="1"/>
+          <p:nvPr/>
+        </p:nvSpPr>
+        <p:spPr>
+          <a:xfrm>
+            <a:off x="1668173" y="1808597"/>
+            <a:ext cx="827857" cy="369332"/>
+          </a:xfrm>
+          <a:prstGeom prst="rect">
+            <a:avLst/>
+          </a:prstGeom>
+          <a:noFill/>
+        </p:spPr>
+        <p:txBody>
+          <a:bodyPr wrap="square" rtlCol="0">
+            <a:spAutoFit/>
+          </a:bodyPr>
+          <a:lstStyle/>
+          <a:p>
+            <a:r>
+              <a:rPr lang="en-US" dirty="0"/>
+              <a:t>PRICE</a:t>
+            </a:r>
+          </a:p>
+        </p:txBody>
+      </p:sp>
+      <p:sp>
+        <p:nvSpPr>
+          <p:cNvPr id="31" name="TextBox 30">
+            <a:extLst>
+              <a:ext uri="{FF2B5EF4-FFF2-40B4-BE49-F238E27FC236}">
+                <a16:creationId xmlns:a16="http://schemas.microsoft.com/office/drawing/2014/main" id="{78B78442-9247-40C4-AD05-C5D753D71751}"/>
+              </a:ext>
+            </a:extLst>
+          </p:cNvPr>
+          <p:cNvSpPr txBox="1"/>
+          <p:nvPr/>
+        </p:nvSpPr>
+        <p:spPr>
+          <a:xfrm>
+            <a:off x="1668174" y="3730389"/>
+            <a:ext cx="827856" cy="369332"/>
+          </a:xfrm>
+          <a:prstGeom prst="rect">
+            <a:avLst/>
+          </a:prstGeom>
+          <a:noFill/>
+        </p:spPr>
+        <p:txBody>
+          <a:bodyPr wrap="square" rtlCol="0">
+            <a:spAutoFit/>
+          </a:bodyPr>
+          <a:lstStyle/>
+          <a:p>
+            <a:r>
+              <a:rPr lang="en-US" dirty="0"/>
+              <a:t>PRICE</a:t>
+            </a:r>
+          </a:p>
+        </p:txBody>
+      </p:sp>
+      <p:sp>
+        <p:nvSpPr>
+          <p:cNvPr id="32" name="TextBox 31">
+            <a:extLst>
+              <a:ext uri="{FF2B5EF4-FFF2-40B4-BE49-F238E27FC236}">
+                <a16:creationId xmlns:a16="http://schemas.microsoft.com/office/drawing/2014/main" id="{2BF6D326-0356-4BCA-8C39-6FE164E36432}"/>
+              </a:ext>
+            </a:extLst>
+          </p:cNvPr>
+          <p:cNvSpPr txBox="1"/>
+          <p:nvPr/>
+        </p:nvSpPr>
+        <p:spPr>
+          <a:xfrm>
+            <a:off x="1668173" y="5649031"/>
+            <a:ext cx="827855" cy="369332"/>
+          </a:xfrm>
+          <a:prstGeom prst="rect">
+            <a:avLst/>
+          </a:prstGeom>
+          <a:noFill/>
+        </p:spPr>
+        <p:txBody>
+          <a:bodyPr wrap="square" rtlCol="0">
+            <a:spAutoFit/>
+          </a:bodyPr>
+          <a:lstStyle/>
+          <a:p>
+            <a:r>
+              <a:rPr lang="en-US" dirty="0"/>
+              <a:t>PRICE</a:t>
+            </a:r>
+          </a:p>
+        </p:txBody>
+      </p:sp>
+      <p:pic>
+        <p:nvPicPr>
+          <p:cNvPr id="21" name="Picture 20" descr="Chart, scatter chart&#10;&#10;Description automatically generated">
+            <a:extLst>
+              <a:ext uri="{FF2B5EF4-FFF2-40B4-BE49-F238E27FC236}">
+                <a16:creationId xmlns:a16="http://schemas.microsoft.com/office/drawing/2014/main" id="{5230B185-DB77-41A8-A48B-66CC3C75B909}"/>
+              </a:ext>
+            </a:extLst>
+          </p:cNvPr>
+          <p:cNvPicPr>
+            <a:picLocks noChangeAspect="1"/>
+          </p:cNvPicPr>
+          <p:nvPr/>
+        </p:nvPicPr>
+        <p:blipFill>
+          <a:blip r:embed="rId3"/>
+          <a:stretch>
+            <a:fillRect/>
+          </a:stretch>
+        </p:blipFill>
+        <p:spPr>
+          <a:xfrm>
+            <a:off x="2550523" y="1141402"/>
+            <a:ext cx="7064828" cy="1703721"/>
+          </a:xfrm>
+          <a:prstGeom prst="rect">
+            <a:avLst/>
+          </a:prstGeom>
+        </p:spPr>
+      </p:pic>
     </p:spTree>
     <p:extLst>
       <p:ext uri="{BB962C8B-B14F-4D97-AF65-F5344CB8AC3E}">
-        <p14:creationId xmlns:p14="http://schemas.microsoft.com/office/powerpoint/2010/main" val="1440038013"/>
+        <p14:creationId xmlns:p14="http://schemas.microsoft.com/office/powerpoint/2010/main" val="3473810505"/>
       </p:ext>
     </p:extLst>
   </p:cSld>
@@ -7167,7 +8232,7 @@
 </p:sld>
 </file>
 
-<file path=ppt/slides/slide12.xml><?xml version="1.0" encoding="utf-8"?>
+<file path=ppt/slides/slide17.xml><?xml version="1.0" encoding="utf-8"?>
 <p:sld xmlns:a="http://schemas.openxmlformats.org/drawingml/2006/main" xmlns:r="http://schemas.openxmlformats.org/officeDocument/2006/relationships" xmlns:p="http://schemas.openxmlformats.org/presentationml/2006/main">
   <p:cSld>
     <p:spTree>
@@ -7189,7 +8254,7 @@
           <p:cNvPr id="2" name="Title 1">
             <a:extLst>
               <a:ext uri="{FF2B5EF4-FFF2-40B4-BE49-F238E27FC236}">
-                <a16:creationId xmlns:a16="http://schemas.microsoft.com/office/drawing/2014/main" id="{80C56DDC-BE7D-496A-A68F-1952FE56D1B5}"/>
+                <a16:creationId xmlns:a16="http://schemas.microsoft.com/office/drawing/2014/main" id="{77888717-B283-4449-B410-D7226FDE8E64}"/>
               </a:ext>
             </a:extLst>
           </p:cNvPr>
@@ -7200,42 +8265,299 @@
             <p:ph type="title"/>
           </p:nvPr>
         </p:nvSpPr>
-        <p:spPr/>
+        <p:spPr>
+          <a:xfrm>
+            <a:off x="913795" y="609599"/>
+            <a:ext cx="10353762" cy="1895475"/>
+          </a:xfrm>
+        </p:spPr>
         <p:txBody>
           <a:bodyPr>
-            <a:normAutofit/>
+            <a:normAutofit fontScale="90000"/>
           </a:bodyPr>
           <a:lstStyle/>
           <a:p>
             <a:r>
               <a:rPr lang="en-US" dirty="0"/>
-              <a:t>DBSCAN</a:t>
+              <a:t>Thank you</a:t>
             </a:r>
             <a:br>
               <a:rPr lang="en-US" dirty="0"/>
             </a:br>
-            <a:r>
-              <a:rPr lang="en-US" sz="1800" dirty="0"/>
-              <a:t>eps =  9 | </a:t>
-            </a:r>
-            <a:r>
-              <a:rPr lang="en-US" sz="1800" dirty="0" err="1"/>
-              <a:t>min_samples</a:t>
-            </a:r>
-            <a:r>
-              <a:rPr lang="en-US" sz="1800" dirty="0"/>
-              <a:t> = 6</a:t>
-            </a:r>
+            <a:br>
+              <a:rPr lang="en-US" dirty="0"/>
+            </a:br>
+            <a:r>
+              <a:rPr lang="en-US" sz="4900" dirty="0"/>
+              <a:t>Q&amp;A</a:t>
+            </a:r>
+            <a:endParaRPr lang="en-US" dirty="0"/>
+          </a:p>
+        </p:txBody>
+      </p:sp>
+    </p:spTree>
+    <p:extLst>
+      <p:ext uri="{BB962C8B-B14F-4D97-AF65-F5344CB8AC3E}">
+        <p14:creationId xmlns:p14="http://schemas.microsoft.com/office/powerpoint/2010/main" val="3092741323"/>
+      </p:ext>
+    </p:extLst>
+  </p:cSld>
+  <p:clrMapOvr>
+    <a:masterClrMapping/>
+  </p:clrMapOvr>
+</p:sld>
+</file>
+
+<file path=ppt/slides/slide2.xml><?xml version="1.0" encoding="utf-8"?>
+<p:sld xmlns:a="http://schemas.openxmlformats.org/drawingml/2006/main" xmlns:r="http://schemas.openxmlformats.org/officeDocument/2006/relationships" xmlns:p="http://schemas.openxmlformats.org/presentationml/2006/main">
+  <p:cSld>
+    <p:spTree>
+      <p:nvGrpSpPr>
+        <p:cNvPr id="1" name=""/>
+        <p:cNvGrpSpPr/>
+        <p:nvPr/>
+      </p:nvGrpSpPr>
+      <p:grpSpPr>
+        <a:xfrm>
+          <a:off x="0" y="0"/>
+          <a:ext cx="0" cy="0"/>
+          <a:chOff x="0" y="0"/>
+          <a:chExt cx="0" cy="0"/>
+        </a:xfrm>
+      </p:grpSpPr>
+      <p:sp>
+        <p:nvSpPr>
+          <p:cNvPr id="2" name="Title 1">
+            <a:extLst>
+              <a:ext uri="{FF2B5EF4-FFF2-40B4-BE49-F238E27FC236}">
+                <a16:creationId xmlns:a16="http://schemas.microsoft.com/office/drawing/2014/main" id="{45F8AAFE-23D9-4E7A-9873-4EFFFDCBD2F3}"/>
+              </a:ext>
+            </a:extLst>
+          </p:cNvPr>
+          <p:cNvSpPr>
+            <a:spLocks noGrp="1"/>
+          </p:cNvSpPr>
+          <p:nvPr>
+            <p:ph type="title"/>
+          </p:nvPr>
+        </p:nvSpPr>
+        <p:spPr/>
+        <p:txBody>
+          <a:bodyPr/>
+          <a:lstStyle/>
+          <a:p>
+            <a:r>
+              <a:rPr lang="en-US" dirty="0"/>
+              <a:t>What Is Outlier Detection</a:t>
+            </a:r>
+          </a:p>
+        </p:txBody>
+      </p:sp>
+      <p:sp>
+        <p:nvSpPr>
+          <p:cNvPr id="3" name="Content Placeholder 2">
+            <a:extLst>
+              <a:ext uri="{FF2B5EF4-FFF2-40B4-BE49-F238E27FC236}">
+                <a16:creationId xmlns:a16="http://schemas.microsoft.com/office/drawing/2014/main" id="{2AD886A2-9937-42C2-9EF8-1B337D5501FA}"/>
+              </a:ext>
+            </a:extLst>
+          </p:cNvPr>
+          <p:cNvSpPr>
+            <a:spLocks noGrp="1"/>
+          </p:cNvSpPr>
+          <p:nvPr>
+            <p:ph idx="1"/>
+          </p:nvPr>
+        </p:nvSpPr>
+        <p:spPr/>
+        <p:txBody>
+          <a:bodyPr>
+            <a:normAutofit lnSpcReduction="10000"/>
+          </a:bodyPr>
+          <a:lstStyle/>
+          <a:p>
+            <a:r>
+              <a:rPr lang="en-US" dirty="0"/>
+              <a:t>Outlier detection is the identification of rare items, events or observations which deviate significantly from the data</a:t>
+            </a:r>
+          </a:p>
+          <a:p>
+            <a:r>
+              <a:rPr lang="en-US" dirty="0"/>
+              <a:t>2 Stages:</a:t>
+            </a:r>
+          </a:p>
+          <a:p>
+            <a:pPr lvl="1"/>
+            <a:r>
+              <a:rPr lang="en-US" dirty="0"/>
+              <a:t>Outlier Detection: The main data contains outliers</a:t>
+            </a:r>
+          </a:p>
+          <a:p>
+            <a:pPr lvl="1"/>
+            <a:r>
+              <a:rPr lang="en-US" dirty="0"/>
+              <a:t>Novelty Detection: The main data contains no outliers but new data might</a:t>
+            </a:r>
+          </a:p>
+          <a:p>
+            <a:r>
+              <a:rPr lang="en-US" dirty="0"/>
+              <a:t>2 Methods</a:t>
+            </a:r>
+          </a:p>
+          <a:p>
+            <a:pPr lvl="1"/>
+            <a:r>
+              <a:rPr lang="en-US" dirty="0"/>
+              <a:t>Univariate: Looking only at 1 variable</a:t>
+            </a:r>
+          </a:p>
+          <a:p>
+            <a:pPr lvl="1"/>
+            <a:r>
+              <a:rPr lang="en-US" dirty="0"/>
+              <a:t>Multivariate: Looking at 2 or more variables</a:t>
+            </a:r>
+          </a:p>
+        </p:txBody>
+      </p:sp>
+    </p:spTree>
+    <p:extLst>
+      <p:ext uri="{BB962C8B-B14F-4D97-AF65-F5344CB8AC3E}">
+        <p14:creationId xmlns:p14="http://schemas.microsoft.com/office/powerpoint/2010/main" val="2908062229"/>
+      </p:ext>
+    </p:extLst>
+  </p:cSld>
+  <p:clrMapOvr>
+    <a:masterClrMapping/>
+  </p:clrMapOvr>
+</p:sld>
+</file>
+
+<file path=ppt/slides/slide3.xml><?xml version="1.0" encoding="utf-8"?>
+<p:sld xmlns:a="http://schemas.openxmlformats.org/drawingml/2006/main" xmlns:r="http://schemas.openxmlformats.org/officeDocument/2006/relationships" xmlns:p="http://schemas.openxmlformats.org/presentationml/2006/main">
+  <p:cSld>
+    <p:spTree>
+      <p:nvGrpSpPr>
+        <p:cNvPr id="1" name=""/>
+        <p:cNvGrpSpPr/>
+        <p:nvPr/>
+      </p:nvGrpSpPr>
+      <p:grpSpPr>
+        <a:xfrm>
+          <a:off x="0" y="0"/>
+          <a:ext cx="0" cy="0"/>
+          <a:chOff x="0" y="0"/>
+          <a:chExt cx="0" cy="0"/>
+        </a:xfrm>
+      </p:grpSpPr>
+      <p:sp>
+        <p:nvSpPr>
+          <p:cNvPr id="2" name="Title 1">
+            <a:extLst>
+              <a:ext uri="{FF2B5EF4-FFF2-40B4-BE49-F238E27FC236}">
+                <a16:creationId xmlns:a16="http://schemas.microsoft.com/office/drawing/2014/main" id="{A7FDC192-92C5-4795-9891-52F2CD69CC83}"/>
+              </a:ext>
+            </a:extLst>
+          </p:cNvPr>
+          <p:cNvSpPr>
+            <a:spLocks noGrp="1"/>
+          </p:cNvSpPr>
+          <p:nvPr>
+            <p:ph type="title"/>
+          </p:nvPr>
+        </p:nvSpPr>
+        <p:spPr/>
+        <p:txBody>
+          <a:bodyPr/>
+          <a:lstStyle/>
+          <a:p>
+            <a:r>
+              <a:rPr lang="en-US" dirty="0"/>
+              <a:t>Why Multi-Variate?</a:t>
+            </a:r>
+          </a:p>
+        </p:txBody>
+      </p:sp>
+      <p:sp>
+        <p:nvSpPr>
+          <p:cNvPr id="3" name="Content Placeholder 2">
+            <a:extLst>
+              <a:ext uri="{FF2B5EF4-FFF2-40B4-BE49-F238E27FC236}">
+                <a16:creationId xmlns:a16="http://schemas.microsoft.com/office/drawing/2014/main" id="{52585F06-9824-4E2C-B2A6-9A58556588B1}"/>
+              </a:ext>
+            </a:extLst>
+          </p:cNvPr>
+          <p:cNvSpPr>
+            <a:spLocks noGrp="1"/>
+          </p:cNvSpPr>
+          <p:nvPr>
+            <p:ph sz="half" idx="1"/>
+          </p:nvPr>
+        </p:nvSpPr>
+        <p:spPr>
+          <a:xfrm>
+            <a:off x="924443" y="1871472"/>
+            <a:ext cx="4856841" cy="3915086"/>
+          </a:xfrm>
+        </p:spPr>
+        <p:txBody>
+          <a:bodyPr/>
+          <a:lstStyle/>
+          <a:p>
+            <a:r>
+              <a:rPr lang="en-US" dirty="0"/>
+              <a:t>Univariate: having one variable in the distribution</a:t>
+            </a:r>
+          </a:p>
+          <a:p>
+            <a:pPr lvl="1"/>
+            <a:r>
+              <a:rPr lang="en-US" dirty="0"/>
+              <a:t>Normally used with STD elimination</a:t>
+            </a:r>
+          </a:p>
+          <a:p>
+            <a:r>
+              <a:rPr lang="en-US" dirty="0"/>
+              <a:t>Multivariate: Having two or more variables in the distribution</a:t>
+            </a:r>
+          </a:p>
+          <a:p>
+            <a:pPr lvl="1"/>
+            <a:r>
+              <a:rPr lang="en-US" dirty="0"/>
+              <a:t>Becomes difficult in high dimensional space</a:t>
+            </a:r>
+          </a:p>
+          <a:p>
+            <a:pPr lvl="1"/>
+            <a:r>
+              <a:rPr lang="en-US" dirty="0"/>
+              <a:t>Benefit of </a:t>
+            </a:r>
+            <a:r>
+              <a:rPr lang="en-US" dirty="0" err="1"/>
+              <a:t>Sklearn</a:t>
+            </a:r>
+            <a:r>
+              <a:rPr lang="en-US" dirty="0"/>
+              <a:t> Python package</a:t>
+            </a:r>
+          </a:p>
+          <a:p>
             <a:endParaRPr lang="en-US" dirty="0"/>
           </a:p>
         </p:txBody>
       </p:sp>
       <p:pic>
         <p:nvPicPr>
-          <p:cNvPr id="4" name="Picture 3" descr="Chart, line chart&#10;&#10;Description automatically generated">
+          <p:cNvPr id="6" name="Picture 5" descr="Chart, line chart&#10;&#10;Description automatically generated">
             <a:extLst>
               <a:ext uri="{FF2B5EF4-FFF2-40B4-BE49-F238E27FC236}">
-                <a16:creationId xmlns:a16="http://schemas.microsoft.com/office/drawing/2014/main" id="{80896F77-FB86-4F59-9962-1453A3174155}"/>
+                <a16:creationId xmlns:a16="http://schemas.microsoft.com/office/drawing/2014/main" id="{794542C4-C59D-4EA7-8B90-EBA1AA4FDEB9}"/>
               </a:ext>
             </a:extLst>
           </p:cNvPr>
@@ -7252,8 +8574,8 @@
         </p:blipFill>
         <p:spPr>
           <a:xfrm>
-            <a:off x="1237688" y="1866900"/>
-            <a:ext cx="9705975" cy="3486150"/>
+            <a:off x="6034272" y="1871472"/>
+            <a:ext cx="5233285" cy="4120064"/>
           </a:xfrm>
           <a:prstGeom prst="rect">
             <a:avLst/>
@@ -7263,7 +8585,7 @@
     </p:spTree>
     <p:extLst>
       <p:ext uri="{BB962C8B-B14F-4D97-AF65-F5344CB8AC3E}">
-        <p14:creationId xmlns:p14="http://schemas.microsoft.com/office/powerpoint/2010/main" val="3554264018"/>
+        <p14:creationId xmlns:p14="http://schemas.microsoft.com/office/powerpoint/2010/main" val="4035105015"/>
       </p:ext>
     </p:extLst>
   </p:cSld>
@@ -7273,7 +8595,111 @@
 </p:sld>
 </file>
 
-<file path=ppt/slides/slide13.xml><?xml version="1.0" encoding="utf-8"?>
+<file path=ppt/slides/slide4.xml><?xml version="1.0" encoding="utf-8"?>
+<p:sld xmlns:a="http://schemas.openxmlformats.org/drawingml/2006/main" xmlns:r="http://schemas.openxmlformats.org/officeDocument/2006/relationships" xmlns:p="http://schemas.openxmlformats.org/presentationml/2006/main">
+  <p:cSld>
+    <p:spTree>
+      <p:nvGrpSpPr>
+        <p:cNvPr id="1" name=""/>
+        <p:cNvGrpSpPr/>
+        <p:nvPr/>
+      </p:nvGrpSpPr>
+      <p:grpSpPr>
+        <a:xfrm>
+          <a:off x="0" y="0"/>
+          <a:ext cx="0" cy="0"/>
+          <a:chOff x="0" y="0"/>
+          <a:chExt cx="0" cy="0"/>
+        </a:xfrm>
+      </p:grpSpPr>
+      <p:sp>
+        <p:nvSpPr>
+          <p:cNvPr id="4" name="Rectangle 3">
+            <a:extLst>
+              <a:ext uri="{FF2B5EF4-FFF2-40B4-BE49-F238E27FC236}">
+                <a16:creationId xmlns:a16="http://schemas.microsoft.com/office/drawing/2014/main" id="{C0962754-EC12-47B2-9B73-77669B8012CC}"/>
+              </a:ext>
+            </a:extLst>
+          </p:cNvPr>
+          <p:cNvSpPr/>
+          <p:nvPr/>
+        </p:nvSpPr>
+        <p:spPr>
+          <a:xfrm>
+            <a:off x="3301482" y="60649"/>
+            <a:ext cx="5589036" cy="6736702"/>
+          </a:xfrm>
+          <a:prstGeom prst="rect">
+            <a:avLst/>
+          </a:prstGeom>
+        </p:spPr>
+        <p:style>
+          <a:lnRef idx="2">
+            <a:schemeClr val="accent6"/>
+          </a:lnRef>
+          <a:fillRef idx="1">
+            <a:schemeClr val="lt1"/>
+          </a:fillRef>
+          <a:effectRef idx="0">
+            <a:schemeClr val="accent6"/>
+          </a:effectRef>
+          <a:fontRef idx="minor">
+            <a:schemeClr val="dk1"/>
+          </a:fontRef>
+        </p:style>
+        <p:txBody>
+          <a:bodyPr rtlCol="0" anchor="ctr"/>
+          <a:lstStyle/>
+          <a:p>
+            <a:pPr algn="ctr"/>
+            <a:endParaRPr lang="en-US"/>
+          </a:p>
+        </p:txBody>
+      </p:sp>
+      <p:pic>
+        <p:nvPicPr>
+          <p:cNvPr id="5" name="Picture 4" descr="A picture containing shoji&#10;&#10;Description automatically generated">
+            <a:extLst>
+              <a:ext uri="{FF2B5EF4-FFF2-40B4-BE49-F238E27FC236}">
+                <a16:creationId xmlns:a16="http://schemas.microsoft.com/office/drawing/2014/main" id="{C9AAF33F-E0CD-4F9B-BFE4-6A74AFC9C66C}"/>
+              </a:ext>
+            </a:extLst>
+          </p:cNvPr>
+          <p:cNvPicPr>
+            <a:picLocks noChangeAspect="1"/>
+          </p:cNvPicPr>
+          <p:nvPr/>
+        </p:nvPicPr>
+        <p:blipFill>
+          <a:blip r:embed="rId2"/>
+          <a:stretch>
+            <a:fillRect/>
+          </a:stretch>
+        </p:blipFill>
+        <p:spPr>
+          <a:xfrm>
+            <a:off x="3512103" y="206022"/>
+            <a:ext cx="5167794" cy="6567253"/>
+          </a:xfrm>
+          <a:prstGeom prst="rect">
+            <a:avLst/>
+          </a:prstGeom>
+        </p:spPr>
+      </p:pic>
+    </p:spTree>
+    <p:extLst>
+      <p:ext uri="{BB962C8B-B14F-4D97-AF65-F5344CB8AC3E}">
+        <p14:creationId xmlns:p14="http://schemas.microsoft.com/office/powerpoint/2010/main" val="3722632194"/>
+      </p:ext>
+    </p:extLst>
+  </p:cSld>
+  <p:clrMapOvr>
+    <a:masterClrMapping/>
+  </p:clrMapOvr>
+</p:sld>
+</file>
+
+<file path=ppt/slides/slide5.xml><?xml version="1.0" encoding="utf-8"?>
 <p:sld xmlns:a="http://schemas.openxmlformats.org/drawingml/2006/main" xmlns:r="http://schemas.openxmlformats.org/officeDocument/2006/relationships" xmlns:p="http://schemas.openxmlformats.org/presentationml/2006/main">
   <p:cSld>
     <p:bg>
@@ -7311,10 +8737,10 @@
       </p:grpSpPr>
       <p:sp useBgFill="1">
         <p:nvSpPr>
-          <p:cNvPr id="9" name="Rectangle 8">
+          <p:cNvPr id="11" name="Rectangle 10">
             <a:extLst>
               <a:ext uri="{FF2B5EF4-FFF2-40B4-BE49-F238E27FC236}">
-                <a16:creationId xmlns:a16="http://schemas.microsoft.com/office/drawing/2014/main" id="{886D4A05-AFD9-4D13-98E7-B23E4C9D785A}"/>
+                <a16:creationId xmlns:a16="http://schemas.microsoft.com/office/drawing/2014/main" id="{95CB840F-8E41-4CA5-B79B-25CC80AD234A}"/>
               </a:ext>
               <a:ext uri="{C183D7F6-B498-43B3-948B-1728B52AA6E4}">
                 <adec:decorative xmlns:adec="http://schemas.microsoft.com/office/drawing/2017/decorative" val="1"/>
@@ -7350,8 +8776,8 @@
               <a:shade val="50000"/>
             </a:schemeClr>
           </a:lnRef>
-          <a:fillRef idx="1">
-            <a:schemeClr val="accent1"/>
+          <a:fillRef idx="1003">
+            <a:schemeClr val="dk2"/>
           </a:fillRef>
           <a:effectRef idx="0">
             <a:schemeClr val="accent1"/>
@@ -7374,7 +8800,7 @@
           <p:cNvPr id="2" name="Title 1">
             <a:extLst>
               <a:ext uri="{FF2B5EF4-FFF2-40B4-BE49-F238E27FC236}">
-                <a16:creationId xmlns:a16="http://schemas.microsoft.com/office/drawing/2014/main" id="{B3466BFF-1F12-41E8-9D8F-0FF5BEE35C47}"/>
+                <a16:creationId xmlns:a16="http://schemas.microsoft.com/office/drawing/2014/main" id="{EDFA2900-EBA5-4C08-8561-7F924BB83AD5}"/>
               </a:ext>
             </a:extLst>
           </p:cNvPr>
@@ -7387,29 +8813,168 @@
         </p:nvSpPr>
         <p:spPr>
           <a:xfrm>
-            <a:off x="1370693" y="4406537"/>
-            <a:ext cx="9440034" cy="1088336"/>
-          </a:xfrm>
-        </p:spPr>
-        <p:txBody>
-          <a:bodyPr vert="horz" lIns="91440" tIns="45720" rIns="91440" bIns="45720" rtlCol="0" anchor="b">
+            <a:off x="913796" y="643465"/>
+            <a:ext cx="3382638" cy="1370605"/>
+          </a:xfrm>
+        </p:spPr>
+        <p:txBody>
+          <a:bodyPr vert="horz" lIns="91440" tIns="45720" rIns="91440" bIns="45720" rtlCol="0" anchor="ctr">
             <a:normAutofit/>
           </a:bodyPr>
           <a:lstStyle/>
           <a:p>
-            <a:r>
-              <a:rPr lang="en-US" sz="4800"/>
-              <a:t>Resulting Data</a:t>
-            </a:r>
+            <a:pPr algn="l"/>
+            <a:r>
+              <a:rPr lang="en-US" sz="2600" kern="1200">
+                <a:ln>
+                  <a:solidFill>
+                    <a:schemeClr val="bg1">
+                      <a:lumMod val="75000"/>
+                      <a:lumOff val="25000"/>
+                      <a:alpha val="10000"/>
+                    </a:schemeClr>
+                  </a:solidFill>
+                </a:ln>
+                <a:solidFill>
+                  <a:schemeClr val="tx2"/>
+                </a:solidFill>
+                <a:effectLst>
+                  <a:outerShdw blurRad="9525" dist="25400" dir="14640000" algn="tl" rotWithShape="0">
+                    <a:schemeClr val="bg1">
+                      <a:alpha val="30000"/>
+                    </a:schemeClr>
+                  </a:outerShdw>
+                </a:effectLst>
+                <a:latin typeface="+mj-lt"/>
+                <a:ea typeface="+mj-ea"/>
+                <a:cs typeface="Trebuchet MS"/>
+              </a:rPr>
+              <a:t>Density Based Spatial Clustering of Applications with Noise</a:t>
+            </a:r>
+          </a:p>
+        </p:txBody>
+      </p:sp>
+      <p:sp>
+        <p:nvSpPr>
+          <p:cNvPr id="3" name="Content Placeholder 2">
+            <a:extLst>
+              <a:ext uri="{FF2B5EF4-FFF2-40B4-BE49-F238E27FC236}">
+                <a16:creationId xmlns:a16="http://schemas.microsoft.com/office/drawing/2014/main" id="{A05F9829-970F-4B17-AE93-A5D8694A2F1A}"/>
+              </a:ext>
+            </a:extLst>
+          </p:cNvPr>
+          <p:cNvSpPr>
+            <a:spLocks noGrp="1"/>
+          </p:cNvSpPr>
+          <p:nvPr>
+            <p:ph sz="half" idx="1"/>
+          </p:nvPr>
+        </p:nvSpPr>
+        <p:spPr>
+          <a:xfrm>
+            <a:off x="913796" y="2247153"/>
+            <a:ext cx="3358084" cy="3544046"/>
+          </a:xfrm>
+        </p:spPr>
+        <p:txBody>
+          <a:bodyPr vert="horz" lIns="91440" tIns="45720" rIns="91440" bIns="45720" rtlCol="0" anchor="t">
+            <a:normAutofit lnSpcReduction="10000"/>
+          </a:bodyPr>
+          <a:lstStyle/>
+          <a:p>
+            <a:pPr>
+              <a:lnSpc>
+                <a:spcPct val="90000"/>
+              </a:lnSpc>
+            </a:pPr>
+            <a:r>
+              <a:rPr lang="en-US" sz="2000" dirty="0"/>
+              <a:t>Core Samples of high density </a:t>
+            </a:r>
+          </a:p>
+          <a:p>
+            <a:pPr>
+              <a:lnSpc>
+                <a:spcPct val="90000"/>
+              </a:lnSpc>
+            </a:pPr>
+            <a:r>
+              <a:rPr lang="en-US" sz="2000" dirty="0"/>
+              <a:t>Creates clusters from Core Samples</a:t>
+            </a:r>
+          </a:p>
+          <a:p>
+            <a:pPr>
+              <a:lnSpc>
+                <a:spcPct val="90000"/>
+              </a:lnSpc>
+            </a:pPr>
+            <a:r>
+              <a:rPr lang="en-US" sz="2000" dirty="0"/>
+              <a:t>2 main parameters:</a:t>
+            </a:r>
+          </a:p>
+          <a:p>
+            <a:pPr lvl="1">
+              <a:lnSpc>
+                <a:spcPct val="90000"/>
+              </a:lnSpc>
+            </a:pPr>
+            <a:r>
+              <a:rPr lang="en-US" sz="2000" dirty="0" err="1"/>
+              <a:t>Min_samples</a:t>
+            </a:r>
+            <a:r>
+              <a:rPr lang="en-US" sz="2000" dirty="0"/>
+              <a:t>: </a:t>
+            </a:r>
+            <a:r>
+              <a:rPr lang="en-US" sz="2000" i="1" dirty="0"/>
+              <a:t>n </a:t>
+            </a:r>
+            <a:r>
+              <a:rPr lang="en-US" sz="2000" dirty="0"/>
+              <a:t>samples needed to create Core Samples</a:t>
+            </a:r>
+          </a:p>
+          <a:p>
+            <a:pPr lvl="1">
+              <a:lnSpc>
+                <a:spcPct val="90000"/>
+              </a:lnSpc>
+            </a:pPr>
+            <a:r>
+              <a:rPr lang="en-US" sz="2000" dirty="0"/>
+              <a:t>Eps: Distance</a:t>
+            </a:r>
+          </a:p>
+          <a:p>
+            <a:pPr lvl="1">
+              <a:lnSpc>
+                <a:spcPct val="90000"/>
+              </a:lnSpc>
+            </a:pPr>
+            <a:r>
+              <a:rPr lang="en-US" sz="2000" dirty="0"/>
+              <a:t>Metric: How distance is measured</a:t>
+            </a:r>
+          </a:p>
+          <a:p>
+            <a:pPr>
+              <a:lnSpc>
+                <a:spcPct val="90000"/>
+              </a:lnSpc>
+            </a:pPr>
+            <a:endParaRPr lang="en-US" sz="1800" dirty="0"/>
           </a:p>
         </p:txBody>
       </p:sp>
       <p:pic>
         <p:nvPicPr>
-          <p:cNvPr id="4" name="Picture 3" descr="Graphical user interface, application, table, Excel&#10;&#10;Description automatically generated">
+          <p:cNvPr id="6" name="Picture 5" descr="Chart, scatter chart&#10;&#10;Description automatically generated">
             <a:extLst>
               <a:ext uri="{FF2B5EF4-FFF2-40B4-BE49-F238E27FC236}">
-                <a16:creationId xmlns:a16="http://schemas.microsoft.com/office/drawing/2014/main" id="{67285B46-4D7F-45D4-9D67-793EBCB667C6}"/>
+                <a16:creationId xmlns:a16="http://schemas.microsoft.com/office/drawing/2014/main" id="{1AC20F17-5E6E-4F4E-9998-FC442F309EFA}"/>
               </a:ext>
             </a:extLst>
           </p:cNvPr>
@@ -7426,8 +8991,8 @@
         </p:blipFill>
         <p:spPr>
           <a:xfrm>
-            <a:off x="643338" y="946745"/>
-            <a:ext cx="10912112" cy="2946271"/>
+            <a:off x="4915348" y="729888"/>
+            <a:ext cx="6633184" cy="4974888"/>
           </a:xfrm>
           <a:prstGeom prst="rect">
             <a:avLst/>
@@ -7437,2025 +9002,7 @@
     </p:spTree>
     <p:extLst>
       <p:ext uri="{BB962C8B-B14F-4D97-AF65-F5344CB8AC3E}">
-        <p14:creationId xmlns:p14="http://schemas.microsoft.com/office/powerpoint/2010/main" val="2255452443"/>
-      </p:ext>
-    </p:extLst>
-  </p:cSld>
-  <p:clrMapOvr>
-    <a:masterClrMapping/>
-  </p:clrMapOvr>
-</p:sld>
-</file>
-
-<file path=ppt/slides/slide14.xml><?xml version="1.0" encoding="utf-8"?>
-<p:sld xmlns:a="http://schemas.openxmlformats.org/drawingml/2006/main" xmlns:r="http://schemas.openxmlformats.org/officeDocument/2006/relationships" xmlns:p="http://schemas.openxmlformats.org/presentationml/2006/main">
-  <p:cSld>
-    <p:spTree>
-      <p:nvGrpSpPr>
-        <p:cNvPr id="1" name=""/>
-        <p:cNvGrpSpPr/>
-        <p:nvPr/>
-      </p:nvGrpSpPr>
-      <p:grpSpPr>
-        <a:xfrm>
-          <a:off x="0" y="0"/>
-          <a:ext cx="0" cy="0"/>
-          <a:chOff x="0" y="0"/>
-          <a:chExt cx="0" cy="0"/>
-        </a:xfrm>
-      </p:grpSpPr>
-      <p:sp>
-        <p:nvSpPr>
-          <p:cNvPr id="2" name="Title 1">
-            <a:extLst>
-              <a:ext uri="{FF2B5EF4-FFF2-40B4-BE49-F238E27FC236}">
-                <a16:creationId xmlns:a16="http://schemas.microsoft.com/office/drawing/2014/main" id="{80C56DDC-BE7D-496A-A68F-1952FE56D1B5}"/>
-              </a:ext>
-            </a:extLst>
-          </p:cNvPr>
-          <p:cNvSpPr>
-            <a:spLocks noGrp="1"/>
-          </p:cNvSpPr>
-          <p:nvPr>
-            <p:ph type="title"/>
-          </p:nvPr>
-        </p:nvSpPr>
-        <p:spPr>
-          <a:xfrm>
-            <a:off x="913795" y="457200"/>
-            <a:ext cx="10353762" cy="1409700"/>
-          </a:xfrm>
-        </p:spPr>
-        <p:txBody>
-          <a:bodyPr>
-            <a:normAutofit/>
-          </a:bodyPr>
-          <a:lstStyle/>
-          <a:p>
-            <a:r>
-              <a:rPr lang="en-US" dirty="0"/>
-              <a:t>Isolation Forest</a:t>
-            </a:r>
-            <a:br>
-              <a:rPr lang="en-US" dirty="0"/>
-            </a:br>
-            <a:r>
-              <a:rPr lang="en-US" sz="1800" dirty="0"/>
-              <a:t>contamination = .15</a:t>
-            </a:r>
-            <a:br>
-              <a:rPr lang="en-US" sz="1800" dirty="0"/>
-            </a:br>
-            <a:r>
-              <a:rPr lang="en-US" sz="1800" dirty="0"/>
-              <a:t>Decrease of $70,000</a:t>
-            </a:r>
-            <a:endParaRPr lang="en-US" dirty="0"/>
-          </a:p>
-        </p:txBody>
-      </p:sp>
-      <p:pic>
-        <p:nvPicPr>
-          <p:cNvPr id="5" name="Picture 4" descr="Chart, line chart&#10;&#10;Description automatically generated">
-            <a:extLst>
-              <a:ext uri="{FF2B5EF4-FFF2-40B4-BE49-F238E27FC236}">
-                <a16:creationId xmlns:a16="http://schemas.microsoft.com/office/drawing/2014/main" id="{24B3EC80-52B3-4D89-B1B9-83A222A5DF44}"/>
-              </a:ext>
-            </a:extLst>
-          </p:cNvPr>
-          <p:cNvPicPr>
-            <a:picLocks noChangeAspect="1"/>
-          </p:cNvPicPr>
-          <p:nvPr/>
-        </p:nvPicPr>
-        <p:blipFill>
-          <a:blip r:embed="rId2"/>
-          <a:stretch>
-            <a:fillRect/>
-          </a:stretch>
-        </p:blipFill>
-        <p:spPr>
-          <a:xfrm>
-            <a:off x="3326295" y="1866900"/>
-            <a:ext cx="5528762" cy="4309356"/>
-          </a:xfrm>
-          <a:prstGeom prst="rect">
-            <a:avLst/>
-          </a:prstGeom>
-        </p:spPr>
-      </p:pic>
-      <p:sp>
-        <p:nvSpPr>
-          <p:cNvPr id="6" name="Star: 5 Points 5">
-            <a:extLst>
-              <a:ext uri="{FF2B5EF4-FFF2-40B4-BE49-F238E27FC236}">
-                <a16:creationId xmlns:a16="http://schemas.microsoft.com/office/drawing/2014/main" id="{728EB4F7-2945-4466-AB78-5AEA2FA62AD2}"/>
-              </a:ext>
-            </a:extLst>
-          </p:cNvPr>
-          <p:cNvSpPr/>
-          <p:nvPr/>
-        </p:nvSpPr>
-        <p:spPr>
-          <a:xfrm>
-            <a:off x="7934326" y="838201"/>
-            <a:ext cx="190500" cy="190500"/>
-          </a:xfrm>
-          <a:prstGeom prst="star5">
-            <a:avLst/>
-          </a:prstGeom>
-          <a:ln>
-            <a:solidFill>
-              <a:schemeClr val="tx1"/>
-            </a:solidFill>
-          </a:ln>
-        </p:spPr>
-        <p:style>
-          <a:lnRef idx="2">
-            <a:schemeClr val="accent6"/>
-          </a:lnRef>
-          <a:fillRef idx="1">
-            <a:schemeClr val="lt1"/>
-          </a:fillRef>
-          <a:effectRef idx="0">
-            <a:schemeClr val="accent6"/>
-          </a:effectRef>
-          <a:fontRef idx="minor">
-            <a:schemeClr val="dk1"/>
-          </a:fontRef>
-        </p:style>
-        <p:txBody>
-          <a:bodyPr rtlCol="0" anchor="ctr"/>
-          <a:lstStyle/>
-          <a:p>
-            <a:pPr algn="ctr"/>
-            <a:endParaRPr lang="en-US"/>
-          </a:p>
-        </p:txBody>
-      </p:sp>
-    </p:spTree>
-    <p:extLst>
-      <p:ext uri="{BB962C8B-B14F-4D97-AF65-F5344CB8AC3E}">
-        <p14:creationId xmlns:p14="http://schemas.microsoft.com/office/powerpoint/2010/main" val="3878600988"/>
-      </p:ext>
-    </p:extLst>
-  </p:cSld>
-  <p:clrMapOvr>
-    <a:masterClrMapping/>
-  </p:clrMapOvr>
-</p:sld>
-</file>
-
-<file path=ppt/slides/slide15.xml><?xml version="1.0" encoding="utf-8"?>
-<p:sld xmlns:a="http://schemas.openxmlformats.org/drawingml/2006/main" xmlns:r="http://schemas.openxmlformats.org/officeDocument/2006/relationships" xmlns:p="http://schemas.openxmlformats.org/presentationml/2006/main">
-  <p:cSld>
-    <p:bg>
-      <p:bgPr>
-        <a:blipFill rotWithShape="1">
-          <a:blip r:embed="rId2">
-            <a:duotone>
-              <a:schemeClr val="bg1">
-                <a:shade val="80000"/>
-                <a:lumMod val="80000"/>
-              </a:schemeClr>
-              <a:schemeClr val="bg1">
-                <a:tint val="98000"/>
-              </a:schemeClr>
-            </a:duotone>
-          </a:blip>
-          <a:stretch/>
-        </a:blipFill>
-        <a:effectLst/>
-      </p:bgPr>
-    </p:bg>
-    <p:spTree>
-      <p:nvGrpSpPr>
-        <p:cNvPr id="1" name=""/>
-        <p:cNvGrpSpPr/>
-        <p:nvPr/>
-      </p:nvGrpSpPr>
-      <p:grpSpPr>
-        <a:xfrm>
-          <a:off x="0" y="0"/>
-          <a:ext cx="0" cy="0"/>
-          <a:chOff x="0" y="0"/>
-          <a:chExt cx="0" cy="0"/>
-        </a:xfrm>
-      </p:grpSpPr>
-      <p:sp useBgFill="1">
-        <p:nvSpPr>
-          <p:cNvPr id="10" name="Rectangle 9">
-            <a:extLst>
-              <a:ext uri="{FF2B5EF4-FFF2-40B4-BE49-F238E27FC236}">
-                <a16:creationId xmlns:a16="http://schemas.microsoft.com/office/drawing/2014/main" id="{886D4A05-AFD9-4D13-98E7-B23E4C9D785A}"/>
-              </a:ext>
-              <a:ext uri="{C183D7F6-B498-43B3-948B-1728B52AA6E4}">
-                <adec:decorative xmlns:adec="http://schemas.microsoft.com/office/drawing/2017/decorative" val="1"/>
-              </a:ext>
-            </a:extLst>
-          </p:cNvPr>
-          <p:cNvSpPr>
-            <a:spLocks noGrp="1" noRot="1" noChangeAspect="1" noMove="1" noResize="1" noEditPoints="1" noAdjustHandles="1" noChangeArrowheads="1" noChangeShapeType="1" noTextEdit="1"/>
-          </p:cNvSpPr>
-          <p:nvPr>
-            <p:extLst>
-              <p:ext uri="{386F3935-93C4-4BCD-93E2-E3B085C9AB24}">
-                <p16:designElem xmlns:p16="http://schemas.microsoft.com/office/powerpoint/2015/main" val="1"/>
-              </p:ext>
-            </p:extLst>
-          </p:nvPr>
-        </p:nvSpPr>
-        <p:spPr>
-          <a:xfrm>
-            <a:off x="0" y="0"/>
-            <a:ext cx="12192000" cy="6858000"/>
-          </a:xfrm>
-          <a:prstGeom prst="rect">
-            <a:avLst/>
-          </a:prstGeom>
-          <a:ln>
-            <a:noFill/>
-          </a:ln>
-        </p:spPr>
-        <p:style>
-          <a:lnRef idx="2">
-            <a:schemeClr val="accent1">
-              <a:shade val="50000"/>
-            </a:schemeClr>
-          </a:lnRef>
-          <a:fillRef idx="1">
-            <a:schemeClr val="accent1"/>
-          </a:fillRef>
-          <a:effectRef idx="0">
-            <a:schemeClr val="accent1"/>
-          </a:effectRef>
-          <a:fontRef idx="minor">
-            <a:schemeClr val="lt1"/>
-          </a:fontRef>
-        </p:style>
-        <p:txBody>
-          <a:bodyPr rtlCol="0" anchor="ctr"/>
-          <a:lstStyle/>
-          <a:p>
-            <a:pPr algn="ctr"/>
-            <a:endParaRPr lang="en-US"/>
-          </a:p>
-        </p:txBody>
-      </p:sp>
-      <p:sp>
-        <p:nvSpPr>
-          <p:cNvPr id="2" name="Title 1">
-            <a:extLst>
-              <a:ext uri="{FF2B5EF4-FFF2-40B4-BE49-F238E27FC236}">
-                <a16:creationId xmlns:a16="http://schemas.microsoft.com/office/drawing/2014/main" id="{B3466BFF-1F12-41E8-9D8F-0FF5BEE35C47}"/>
-              </a:ext>
-            </a:extLst>
-          </p:cNvPr>
-          <p:cNvSpPr>
-            <a:spLocks noGrp="1"/>
-          </p:cNvSpPr>
-          <p:nvPr>
-            <p:ph type="title"/>
-          </p:nvPr>
-        </p:nvSpPr>
-        <p:spPr>
-          <a:xfrm>
-            <a:off x="1370693" y="4406537"/>
-            <a:ext cx="9440034" cy="1088336"/>
-          </a:xfrm>
-        </p:spPr>
-        <p:txBody>
-          <a:bodyPr vert="horz" lIns="91440" tIns="45720" rIns="91440" bIns="45720" rtlCol="0" anchor="b">
-            <a:normAutofit/>
-          </a:bodyPr>
-          <a:lstStyle/>
-          <a:p>
-            <a:r>
-              <a:rPr lang="en-US" sz="4800"/>
-              <a:t>Resulting Data</a:t>
-            </a:r>
-          </a:p>
-        </p:txBody>
-      </p:sp>
-      <p:pic>
-        <p:nvPicPr>
-          <p:cNvPr id="5" name="Picture 4" descr="Chart&#10;&#10;Description automatically generated with low confidence">
-            <a:extLst>
-              <a:ext uri="{FF2B5EF4-FFF2-40B4-BE49-F238E27FC236}">
-                <a16:creationId xmlns:a16="http://schemas.microsoft.com/office/drawing/2014/main" id="{F0FD77D8-DCD7-4DD7-AA0B-3681FBEAFFCB}"/>
-              </a:ext>
-            </a:extLst>
-          </p:cNvPr>
-          <p:cNvPicPr>
-            <a:picLocks noChangeAspect="1"/>
-          </p:cNvPicPr>
-          <p:nvPr/>
-        </p:nvPicPr>
-        <p:blipFill>
-          <a:blip r:embed="rId3"/>
-          <a:stretch>
-            <a:fillRect/>
-          </a:stretch>
-        </p:blipFill>
-        <p:spPr>
-          <a:xfrm>
-            <a:off x="643338" y="946745"/>
-            <a:ext cx="10912112" cy="2946271"/>
-          </a:xfrm>
-          <a:prstGeom prst="rect">
-            <a:avLst/>
-          </a:prstGeom>
-        </p:spPr>
-      </p:pic>
-    </p:spTree>
-    <p:extLst>
-      <p:ext uri="{BB962C8B-B14F-4D97-AF65-F5344CB8AC3E}">
-        <p14:creationId xmlns:p14="http://schemas.microsoft.com/office/powerpoint/2010/main" val="3664140210"/>
-      </p:ext>
-    </p:extLst>
-  </p:cSld>
-  <p:clrMapOvr>
-    <a:masterClrMapping/>
-  </p:clrMapOvr>
-</p:sld>
-</file>
-
-<file path=ppt/slides/slide16.xml><?xml version="1.0" encoding="utf-8"?>
-<p:sld xmlns:a="http://schemas.openxmlformats.org/drawingml/2006/main" xmlns:r="http://schemas.openxmlformats.org/officeDocument/2006/relationships" xmlns:p="http://schemas.openxmlformats.org/presentationml/2006/main">
-  <p:cSld>
-    <p:spTree>
-      <p:nvGrpSpPr>
-        <p:cNvPr id="1" name=""/>
-        <p:cNvGrpSpPr/>
-        <p:nvPr/>
-      </p:nvGrpSpPr>
-      <p:grpSpPr>
-        <a:xfrm>
-          <a:off x="0" y="0"/>
-          <a:ext cx="0" cy="0"/>
-          <a:chOff x="0" y="0"/>
-          <a:chExt cx="0" cy="0"/>
-        </a:xfrm>
-      </p:grpSpPr>
-      <p:sp>
-        <p:nvSpPr>
-          <p:cNvPr id="2" name="Title 1">
-            <a:extLst>
-              <a:ext uri="{FF2B5EF4-FFF2-40B4-BE49-F238E27FC236}">
-                <a16:creationId xmlns:a16="http://schemas.microsoft.com/office/drawing/2014/main" id="{80C56DDC-BE7D-496A-A68F-1952FE56D1B5}"/>
-              </a:ext>
-            </a:extLst>
-          </p:cNvPr>
-          <p:cNvSpPr>
-            <a:spLocks noGrp="1"/>
-          </p:cNvSpPr>
-          <p:nvPr>
-            <p:ph type="title"/>
-          </p:nvPr>
-        </p:nvSpPr>
-        <p:spPr/>
-        <p:txBody>
-          <a:bodyPr>
-            <a:normAutofit/>
-          </a:bodyPr>
-          <a:lstStyle/>
-          <a:p>
-            <a:r>
-              <a:rPr lang="en-US" dirty="0"/>
-              <a:t>Local Outlier Factor</a:t>
-            </a:r>
-            <a:br>
-              <a:rPr lang="en-US" dirty="0"/>
-            </a:br>
-            <a:r>
-              <a:rPr lang="en-US" sz="1800" dirty="0" err="1"/>
-              <a:t>n_neighbors</a:t>
-            </a:r>
-            <a:r>
-              <a:rPr lang="en-US" sz="1800" dirty="0"/>
-              <a:t> = 2 | metric = ‘Euclidean’ | contamination = ‘Auto’</a:t>
-            </a:r>
-            <a:endParaRPr lang="en-US" dirty="0"/>
-          </a:p>
-        </p:txBody>
-      </p:sp>
-      <p:pic>
-        <p:nvPicPr>
-          <p:cNvPr id="4" name="Picture 3" descr="Chart, line chart, scatter chart&#10;&#10;Description automatically generated">
-            <a:extLst>
-              <a:ext uri="{FF2B5EF4-FFF2-40B4-BE49-F238E27FC236}">
-                <a16:creationId xmlns:a16="http://schemas.microsoft.com/office/drawing/2014/main" id="{AE306275-8B39-482E-8807-D07448F5215C}"/>
-              </a:ext>
-            </a:extLst>
-          </p:cNvPr>
-          <p:cNvPicPr>
-            <a:picLocks noChangeAspect="1"/>
-          </p:cNvPicPr>
-          <p:nvPr/>
-        </p:nvPicPr>
-        <p:blipFill rotWithShape="1">
-          <a:blip r:embed="rId2"/>
-          <a:srcRect r="7963"/>
-          <a:stretch/>
-        </p:blipFill>
-        <p:spPr>
-          <a:xfrm>
-            <a:off x="1165576" y="1866900"/>
-            <a:ext cx="9850200" cy="3844089"/>
-          </a:xfrm>
-          <a:prstGeom prst="rect">
-            <a:avLst/>
-          </a:prstGeom>
-        </p:spPr>
-      </p:pic>
-    </p:spTree>
-    <p:extLst>
-      <p:ext uri="{BB962C8B-B14F-4D97-AF65-F5344CB8AC3E}">
-        <p14:creationId xmlns:p14="http://schemas.microsoft.com/office/powerpoint/2010/main" val="2815834076"/>
-      </p:ext>
-    </p:extLst>
-  </p:cSld>
-  <p:clrMapOvr>
-    <a:masterClrMapping/>
-  </p:clrMapOvr>
-</p:sld>
-</file>
-
-<file path=ppt/slides/slide17.xml><?xml version="1.0" encoding="utf-8"?>
-<p:sld xmlns:a="http://schemas.openxmlformats.org/drawingml/2006/main" xmlns:r="http://schemas.openxmlformats.org/officeDocument/2006/relationships" xmlns:p="http://schemas.openxmlformats.org/presentationml/2006/main">
-  <p:cSld>
-    <p:bg>
-      <p:bgPr>
-        <a:blipFill rotWithShape="1">
-          <a:blip r:embed="rId2">
-            <a:duotone>
-              <a:schemeClr val="bg1">
-                <a:shade val="80000"/>
-                <a:lumMod val="80000"/>
-              </a:schemeClr>
-              <a:schemeClr val="bg1">
-                <a:tint val="98000"/>
-              </a:schemeClr>
-            </a:duotone>
-          </a:blip>
-          <a:stretch/>
-        </a:blipFill>
-        <a:effectLst/>
-      </p:bgPr>
-    </p:bg>
-    <p:spTree>
-      <p:nvGrpSpPr>
-        <p:cNvPr id="1" name=""/>
-        <p:cNvGrpSpPr/>
-        <p:nvPr/>
-      </p:nvGrpSpPr>
-      <p:grpSpPr>
-        <a:xfrm>
-          <a:off x="0" y="0"/>
-          <a:ext cx="0" cy="0"/>
-          <a:chOff x="0" y="0"/>
-          <a:chExt cx="0" cy="0"/>
-        </a:xfrm>
-      </p:grpSpPr>
-      <p:sp useBgFill="1">
-        <p:nvSpPr>
-          <p:cNvPr id="9" name="Rectangle 8">
-            <a:extLst>
-              <a:ext uri="{FF2B5EF4-FFF2-40B4-BE49-F238E27FC236}">
-                <a16:creationId xmlns:a16="http://schemas.microsoft.com/office/drawing/2014/main" id="{886D4A05-AFD9-4D13-98E7-B23E4C9D785A}"/>
-              </a:ext>
-              <a:ext uri="{C183D7F6-B498-43B3-948B-1728B52AA6E4}">
-                <adec:decorative xmlns:adec="http://schemas.microsoft.com/office/drawing/2017/decorative" val="1"/>
-              </a:ext>
-            </a:extLst>
-          </p:cNvPr>
-          <p:cNvSpPr>
-            <a:spLocks noGrp="1" noRot="1" noChangeAspect="1" noMove="1" noResize="1" noEditPoints="1" noAdjustHandles="1" noChangeArrowheads="1" noChangeShapeType="1" noTextEdit="1"/>
-          </p:cNvSpPr>
-          <p:nvPr>
-            <p:extLst>
-              <p:ext uri="{386F3935-93C4-4BCD-93E2-E3B085C9AB24}">
-                <p16:designElem xmlns:p16="http://schemas.microsoft.com/office/powerpoint/2015/main" val="1"/>
-              </p:ext>
-            </p:extLst>
-          </p:nvPr>
-        </p:nvSpPr>
-        <p:spPr>
-          <a:xfrm>
-            <a:off x="0" y="0"/>
-            <a:ext cx="12192000" cy="6858000"/>
-          </a:xfrm>
-          <a:prstGeom prst="rect">
-            <a:avLst/>
-          </a:prstGeom>
-          <a:ln>
-            <a:noFill/>
-          </a:ln>
-        </p:spPr>
-        <p:style>
-          <a:lnRef idx="2">
-            <a:schemeClr val="accent1">
-              <a:shade val="50000"/>
-            </a:schemeClr>
-          </a:lnRef>
-          <a:fillRef idx="1">
-            <a:schemeClr val="accent1"/>
-          </a:fillRef>
-          <a:effectRef idx="0">
-            <a:schemeClr val="accent1"/>
-          </a:effectRef>
-          <a:fontRef idx="minor">
-            <a:schemeClr val="lt1"/>
-          </a:fontRef>
-        </p:style>
-        <p:txBody>
-          <a:bodyPr rtlCol="0" anchor="ctr"/>
-          <a:lstStyle/>
-          <a:p>
-            <a:pPr algn="ctr"/>
-            <a:endParaRPr lang="en-US"/>
-          </a:p>
-        </p:txBody>
-      </p:sp>
-      <p:sp>
-        <p:nvSpPr>
-          <p:cNvPr id="2" name="Title 1">
-            <a:extLst>
-              <a:ext uri="{FF2B5EF4-FFF2-40B4-BE49-F238E27FC236}">
-                <a16:creationId xmlns:a16="http://schemas.microsoft.com/office/drawing/2014/main" id="{B3466BFF-1F12-41E8-9D8F-0FF5BEE35C47}"/>
-              </a:ext>
-            </a:extLst>
-          </p:cNvPr>
-          <p:cNvSpPr>
-            <a:spLocks noGrp="1"/>
-          </p:cNvSpPr>
-          <p:nvPr>
-            <p:ph type="title"/>
-          </p:nvPr>
-        </p:nvSpPr>
-        <p:spPr>
-          <a:xfrm>
-            <a:off x="1370693" y="4406537"/>
-            <a:ext cx="9440034" cy="1088336"/>
-          </a:xfrm>
-        </p:spPr>
-        <p:txBody>
-          <a:bodyPr vert="horz" lIns="91440" tIns="45720" rIns="91440" bIns="45720" rtlCol="0" anchor="b">
-            <a:normAutofit/>
-          </a:bodyPr>
-          <a:lstStyle/>
-          <a:p>
-            <a:r>
-              <a:rPr lang="en-US" sz="4800"/>
-              <a:t>Resulting Data</a:t>
-            </a:r>
-          </a:p>
-        </p:txBody>
-      </p:sp>
-      <p:pic>
-        <p:nvPicPr>
-          <p:cNvPr id="4" name="Picture 3" descr="Graphical user interface, application&#10;&#10;Description automatically generated">
-            <a:extLst>
-              <a:ext uri="{FF2B5EF4-FFF2-40B4-BE49-F238E27FC236}">
-                <a16:creationId xmlns:a16="http://schemas.microsoft.com/office/drawing/2014/main" id="{4B903F77-CA0F-42DB-A743-9785AA80AC7C}"/>
-              </a:ext>
-            </a:extLst>
-          </p:cNvPr>
-          <p:cNvPicPr>
-            <a:picLocks noChangeAspect="1"/>
-          </p:cNvPicPr>
-          <p:nvPr/>
-        </p:nvPicPr>
-        <p:blipFill>
-          <a:blip r:embed="rId3"/>
-          <a:stretch>
-            <a:fillRect/>
-          </a:stretch>
-        </p:blipFill>
-        <p:spPr>
-          <a:xfrm>
-            <a:off x="643338" y="946745"/>
-            <a:ext cx="10912112" cy="2946271"/>
-          </a:xfrm>
-          <a:prstGeom prst="rect">
-            <a:avLst/>
-          </a:prstGeom>
-        </p:spPr>
-      </p:pic>
-    </p:spTree>
-    <p:extLst>
-      <p:ext uri="{BB962C8B-B14F-4D97-AF65-F5344CB8AC3E}">
-        <p14:creationId xmlns:p14="http://schemas.microsoft.com/office/powerpoint/2010/main" val="3438689392"/>
-      </p:ext>
-    </p:extLst>
-  </p:cSld>
-  <p:clrMapOvr>
-    <a:masterClrMapping/>
-  </p:clrMapOvr>
-</p:sld>
-</file>
-
-<file path=ppt/slides/slide18.xml><?xml version="1.0" encoding="utf-8"?>
-<p:sld xmlns:a="http://schemas.openxmlformats.org/drawingml/2006/main" xmlns:r="http://schemas.openxmlformats.org/officeDocument/2006/relationships" xmlns:p="http://schemas.openxmlformats.org/presentationml/2006/main">
-  <p:cSld>
-    <p:spTree>
-      <p:nvGrpSpPr>
-        <p:cNvPr id="1" name=""/>
-        <p:cNvGrpSpPr/>
-        <p:nvPr/>
-      </p:nvGrpSpPr>
-      <p:grpSpPr>
-        <a:xfrm>
-          <a:off x="0" y="0"/>
-          <a:ext cx="0" cy="0"/>
-          <a:chOff x="0" y="0"/>
-          <a:chExt cx="0" cy="0"/>
-        </a:xfrm>
-      </p:grpSpPr>
-      <p:sp>
-        <p:nvSpPr>
-          <p:cNvPr id="2" name="Title 1">
-            <a:extLst>
-              <a:ext uri="{FF2B5EF4-FFF2-40B4-BE49-F238E27FC236}">
-                <a16:creationId xmlns:a16="http://schemas.microsoft.com/office/drawing/2014/main" id="{C5099B26-C2EC-4A84-8DCC-8AF5CCE9D4F8}"/>
-              </a:ext>
-            </a:extLst>
-          </p:cNvPr>
-          <p:cNvSpPr>
-            <a:spLocks noGrp="1"/>
-          </p:cNvSpPr>
-          <p:nvPr>
-            <p:ph type="title"/>
-          </p:nvPr>
-        </p:nvSpPr>
-        <p:spPr>
-          <a:xfrm>
-            <a:off x="913795" y="324081"/>
-            <a:ext cx="10508184" cy="786064"/>
-          </a:xfrm>
-        </p:spPr>
-        <p:txBody>
-          <a:bodyPr>
-            <a:normAutofit/>
-          </a:bodyPr>
-          <a:lstStyle/>
-          <a:p>
-            <a:pPr algn="l"/>
-            <a:r>
-              <a:rPr lang="en-US" sz="2000" dirty="0"/>
-              <a:t>         Normal                           DBSCAN                   Isolation Forest           Local Outlier Factor</a:t>
-            </a:r>
-          </a:p>
-        </p:txBody>
-      </p:sp>
-      <p:pic>
-        <p:nvPicPr>
-          <p:cNvPr id="12" name="Picture 11" descr="Graphical user interface, application, table, Excel&#10;&#10;Description automatically generated">
-            <a:extLst>
-              <a:ext uri="{FF2B5EF4-FFF2-40B4-BE49-F238E27FC236}">
-                <a16:creationId xmlns:a16="http://schemas.microsoft.com/office/drawing/2014/main" id="{3EDED2FC-733F-46EC-88A7-3A93D5A3977D}"/>
-              </a:ext>
-            </a:extLst>
-          </p:cNvPr>
-          <p:cNvPicPr>
-            <a:picLocks noChangeAspect="1"/>
-          </p:cNvPicPr>
-          <p:nvPr/>
-        </p:nvPicPr>
-        <p:blipFill rotWithShape="1">
-          <a:blip r:embed="rId2"/>
-          <a:srcRect r="66106"/>
-          <a:stretch/>
-        </p:blipFill>
-        <p:spPr>
-          <a:xfrm>
-            <a:off x="3534475" y="1324624"/>
-            <a:ext cx="2071556" cy="1653322"/>
-          </a:xfrm>
-          <a:prstGeom prst="rect">
-            <a:avLst/>
-          </a:prstGeom>
-        </p:spPr>
-      </p:pic>
-      <p:pic>
-        <p:nvPicPr>
-          <p:cNvPr id="14" name="Picture 13" descr="Chart&#10;&#10;Description automatically generated">
-            <a:extLst>
-              <a:ext uri="{FF2B5EF4-FFF2-40B4-BE49-F238E27FC236}">
-                <a16:creationId xmlns:a16="http://schemas.microsoft.com/office/drawing/2014/main" id="{0CF75F5E-7B30-4FF8-BAFC-B8164FA83F77}"/>
-              </a:ext>
-            </a:extLst>
-          </p:cNvPr>
-          <p:cNvPicPr>
-            <a:picLocks noChangeAspect="1"/>
-          </p:cNvPicPr>
-          <p:nvPr/>
-        </p:nvPicPr>
-        <p:blipFill rotWithShape="1">
-          <a:blip r:embed="rId3"/>
-          <a:srcRect r="66106"/>
-          <a:stretch/>
-        </p:blipFill>
-        <p:spPr>
-          <a:xfrm>
-            <a:off x="913795" y="1324623"/>
-            <a:ext cx="2149642" cy="1653322"/>
-          </a:xfrm>
-          <a:prstGeom prst="rect">
-            <a:avLst/>
-          </a:prstGeom>
-        </p:spPr>
-      </p:pic>
-      <p:pic>
-        <p:nvPicPr>
-          <p:cNvPr id="17" name="Picture 16" descr="Chart&#10;&#10;Description automatically generated">
-            <a:extLst>
-              <a:ext uri="{FF2B5EF4-FFF2-40B4-BE49-F238E27FC236}">
-                <a16:creationId xmlns:a16="http://schemas.microsoft.com/office/drawing/2014/main" id="{9B0E5422-BF23-4A6E-915D-1BC1B47EE6F3}"/>
-              </a:ext>
-            </a:extLst>
-          </p:cNvPr>
-          <p:cNvPicPr>
-            <a:picLocks noChangeAspect="1"/>
-          </p:cNvPicPr>
-          <p:nvPr/>
-        </p:nvPicPr>
-        <p:blipFill rotWithShape="1">
-          <a:blip r:embed="rId3"/>
-          <a:srcRect l="32124" r="33982"/>
-          <a:stretch/>
-        </p:blipFill>
-        <p:spPr>
-          <a:xfrm>
-            <a:off x="913795" y="3106232"/>
-            <a:ext cx="2149642" cy="1653322"/>
-          </a:xfrm>
-          <a:prstGeom prst="rect">
-            <a:avLst/>
-          </a:prstGeom>
-        </p:spPr>
-      </p:pic>
-      <p:pic>
-        <p:nvPicPr>
-          <p:cNvPr id="18" name="Picture 17" descr="Chart&#10;&#10;Description automatically generated">
-            <a:extLst>
-              <a:ext uri="{FF2B5EF4-FFF2-40B4-BE49-F238E27FC236}">
-                <a16:creationId xmlns:a16="http://schemas.microsoft.com/office/drawing/2014/main" id="{E0E90EFB-60AE-43B7-A7D7-6FEDA23AEE50}"/>
-              </a:ext>
-            </a:extLst>
-          </p:cNvPr>
-          <p:cNvPicPr>
-            <a:picLocks noChangeAspect="1"/>
-          </p:cNvPicPr>
-          <p:nvPr/>
-        </p:nvPicPr>
-        <p:blipFill rotWithShape="1">
-          <a:blip r:embed="rId3"/>
-          <a:srcRect l="66106"/>
-          <a:stretch/>
-        </p:blipFill>
-        <p:spPr>
-          <a:xfrm>
-            <a:off x="913795" y="4920701"/>
-            <a:ext cx="2149642" cy="1653322"/>
-          </a:xfrm>
-          <a:prstGeom prst="rect">
-            <a:avLst/>
-          </a:prstGeom>
-        </p:spPr>
-      </p:pic>
-      <p:pic>
-        <p:nvPicPr>
-          <p:cNvPr id="19" name="Picture 18" descr="Graphical user interface, application, table, Excel&#10;&#10;Description automatically generated">
-            <a:extLst>
-              <a:ext uri="{FF2B5EF4-FFF2-40B4-BE49-F238E27FC236}">
-                <a16:creationId xmlns:a16="http://schemas.microsoft.com/office/drawing/2014/main" id="{44E4159C-7B4C-456A-8A95-588953D6BE71}"/>
-              </a:ext>
-            </a:extLst>
-          </p:cNvPr>
-          <p:cNvPicPr>
-            <a:picLocks noChangeAspect="1"/>
-          </p:cNvPicPr>
-          <p:nvPr/>
-        </p:nvPicPr>
-        <p:blipFill rotWithShape="1">
-          <a:blip r:embed="rId2"/>
-          <a:srcRect l="33306" r="32800"/>
-          <a:stretch/>
-        </p:blipFill>
-        <p:spPr>
-          <a:xfrm>
-            <a:off x="3534474" y="3106232"/>
-            <a:ext cx="2071557" cy="1653322"/>
-          </a:xfrm>
-          <a:prstGeom prst="rect">
-            <a:avLst/>
-          </a:prstGeom>
-        </p:spPr>
-      </p:pic>
-      <p:pic>
-        <p:nvPicPr>
-          <p:cNvPr id="20" name="Picture 19" descr="Graphical user interface, application, table, Excel&#10;&#10;Description automatically generated">
-            <a:extLst>
-              <a:ext uri="{FF2B5EF4-FFF2-40B4-BE49-F238E27FC236}">
-                <a16:creationId xmlns:a16="http://schemas.microsoft.com/office/drawing/2014/main" id="{47E6E0EA-3D6D-411A-8B06-D9CD62EF756D}"/>
-              </a:ext>
-            </a:extLst>
-          </p:cNvPr>
-          <p:cNvPicPr>
-            <a:picLocks noChangeAspect="1"/>
-          </p:cNvPicPr>
-          <p:nvPr/>
-        </p:nvPicPr>
-        <p:blipFill rotWithShape="1">
-          <a:blip r:embed="rId2"/>
-          <a:srcRect l="66382" r="-1"/>
-          <a:stretch/>
-        </p:blipFill>
-        <p:spPr>
-          <a:xfrm>
-            <a:off x="3534474" y="4920701"/>
-            <a:ext cx="2071557" cy="1666862"/>
-          </a:xfrm>
-          <a:prstGeom prst="rect">
-            <a:avLst/>
-          </a:prstGeom>
-        </p:spPr>
-      </p:pic>
-      <p:pic>
-        <p:nvPicPr>
-          <p:cNvPr id="22" name="Picture 21" descr="Chart&#10;&#10;Description automatically generated with low confidence">
-            <a:extLst>
-              <a:ext uri="{FF2B5EF4-FFF2-40B4-BE49-F238E27FC236}">
-                <a16:creationId xmlns:a16="http://schemas.microsoft.com/office/drawing/2014/main" id="{65FDDD8D-3E9D-4922-BC0D-94A8E3475E31}"/>
-              </a:ext>
-            </a:extLst>
-          </p:cNvPr>
-          <p:cNvPicPr>
-            <a:picLocks noChangeAspect="1"/>
-          </p:cNvPicPr>
-          <p:nvPr/>
-        </p:nvPicPr>
-        <p:blipFill rotWithShape="1">
-          <a:blip r:embed="rId4"/>
-          <a:srcRect r="66316"/>
-          <a:stretch/>
-        </p:blipFill>
-        <p:spPr>
-          <a:xfrm>
-            <a:off x="6011068" y="1324623"/>
-            <a:ext cx="2071557" cy="1653841"/>
-          </a:xfrm>
-          <a:prstGeom prst="rect">
-            <a:avLst/>
-          </a:prstGeom>
-        </p:spPr>
-      </p:pic>
-      <p:pic>
-        <p:nvPicPr>
-          <p:cNvPr id="23" name="Picture 22" descr="Chart&#10;&#10;Description automatically generated with low confidence">
-            <a:extLst>
-              <a:ext uri="{FF2B5EF4-FFF2-40B4-BE49-F238E27FC236}">
-                <a16:creationId xmlns:a16="http://schemas.microsoft.com/office/drawing/2014/main" id="{4512D64D-CCD8-426B-819B-BC46DFCC3CE8}"/>
-              </a:ext>
-            </a:extLst>
-          </p:cNvPr>
-          <p:cNvPicPr>
-            <a:picLocks noChangeAspect="1"/>
-          </p:cNvPicPr>
-          <p:nvPr/>
-        </p:nvPicPr>
-        <p:blipFill rotWithShape="1">
-          <a:blip r:embed="rId4"/>
-          <a:srcRect l="33685" r="32368"/>
-          <a:stretch/>
-        </p:blipFill>
-        <p:spPr>
-          <a:xfrm>
-            <a:off x="6011068" y="3106232"/>
-            <a:ext cx="2087088" cy="1653322"/>
-          </a:xfrm>
-          <a:prstGeom prst="rect">
-            <a:avLst/>
-          </a:prstGeom>
-        </p:spPr>
-      </p:pic>
-      <p:pic>
-        <p:nvPicPr>
-          <p:cNvPr id="24" name="Picture 23" descr="Chart&#10;&#10;Description automatically generated with low confidence">
-            <a:extLst>
-              <a:ext uri="{FF2B5EF4-FFF2-40B4-BE49-F238E27FC236}">
-                <a16:creationId xmlns:a16="http://schemas.microsoft.com/office/drawing/2014/main" id="{009FF1A0-267B-498F-8A61-400EE0437854}"/>
-              </a:ext>
-            </a:extLst>
-          </p:cNvPr>
-          <p:cNvPicPr>
-            <a:picLocks noChangeAspect="1"/>
-          </p:cNvPicPr>
-          <p:nvPr/>
-        </p:nvPicPr>
-        <p:blipFill rotWithShape="1">
-          <a:blip r:embed="rId4"/>
-          <a:srcRect l="66579"/>
-          <a:stretch/>
-        </p:blipFill>
-        <p:spPr>
-          <a:xfrm>
-            <a:off x="6011068" y="4920701"/>
-            <a:ext cx="2071557" cy="1666862"/>
-          </a:xfrm>
-          <a:prstGeom prst="rect">
-            <a:avLst/>
-          </a:prstGeom>
-        </p:spPr>
-      </p:pic>
-      <p:pic>
-        <p:nvPicPr>
-          <p:cNvPr id="26" name="Picture 25" descr="Graphical user interface, application&#10;&#10;Description automatically generated">
-            <a:extLst>
-              <a:ext uri="{FF2B5EF4-FFF2-40B4-BE49-F238E27FC236}">
-                <a16:creationId xmlns:a16="http://schemas.microsoft.com/office/drawing/2014/main" id="{9ECECD1B-D408-4E21-8722-D0FCE3769B36}"/>
-              </a:ext>
-            </a:extLst>
-          </p:cNvPr>
-          <p:cNvPicPr>
-            <a:picLocks noChangeAspect="1"/>
-          </p:cNvPicPr>
-          <p:nvPr/>
-        </p:nvPicPr>
-        <p:blipFill rotWithShape="1">
-          <a:blip r:embed="rId5"/>
-          <a:srcRect r="66316"/>
-          <a:stretch/>
-        </p:blipFill>
-        <p:spPr>
-          <a:xfrm>
-            <a:off x="8487663" y="1324623"/>
-            <a:ext cx="2071556" cy="1667315"/>
-          </a:xfrm>
-          <a:prstGeom prst="rect">
-            <a:avLst/>
-          </a:prstGeom>
-        </p:spPr>
-      </p:pic>
-      <p:pic>
-        <p:nvPicPr>
-          <p:cNvPr id="27" name="Picture 26" descr="Graphical user interface, application&#10;&#10;Description automatically generated">
-            <a:extLst>
-              <a:ext uri="{FF2B5EF4-FFF2-40B4-BE49-F238E27FC236}">
-                <a16:creationId xmlns:a16="http://schemas.microsoft.com/office/drawing/2014/main" id="{B72C6908-DF05-4102-B08E-BB9DA2242B7A}"/>
-              </a:ext>
-            </a:extLst>
-          </p:cNvPr>
-          <p:cNvPicPr>
-            <a:picLocks noChangeAspect="1"/>
-          </p:cNvPicPr>
-          <p:nvPr/>
-        </p:nvPicPr>
-        <p:blipFill rotWithShape="1">
-          <a:blip r:embed="rId5"/>
-          <a:srcRect l="33948" r="32236"/>
-          <a:stretch/>
-        </p:blipFill>
-        <p:spPr>
-          <a:xfrm>
-            <a:off x="8487664" y="3106233"/>
-            <a:ext cx="2079686" cy="1667316"/>
-          </a:xfrm>
-          <a:prstGeom prst="rect">
-            <a:avLst/>
-          </a:prstGeom>
-        </p:spPr>
-      </p:pic>
-      <p:pic>
-        <p:nvPicPr>
-          <p:cNvPr id="28" name="Picture 27" descr="Graphical user interface, application&#10;&#10;Description automatically generated">
-            <a:extLst>
-              <a:ext uri="{FF2B5EF4-FFF2-40B4-BE49-F238E27FC236}">
-                <a16:creationId xmlns:a16="http://schemas.microsoft.com/office/drawing/2014/main" id="{C56940E7-8A41-482E-85F0-C7461FC80834}"/>
-              </a:ext>
-            </a:extLst>
-          </p:cNvPr>
-          <p:cNvPicPr>
-            <a:picLocks noChangeAspect="1"/>
-          </p:cNvPicPr>
-          <p:nvPr/>
-        </p:nvPicPr>
-        <p:blipFill rotWithShape="1">
-          <a:blip r:embed="rId5"/>
-          <a:srcRect l="67488"/>
-          <a:stretch/>
-        </p:blipFill>
-        <p:spPr>
-          <a:xfrm>
-            <a:off x="8487663" y="4920701"/>
-            <a:ext cx="2071556" cy="1727449"/>
-          </a:xfrm>
-          <a:prstGeom prst="rect">
-            <a:avLst/>
-          </a:prstGeom>
-        </p:spPr>
-      </p:pic>
-    </p:spTree>
-    <p:extLst>
-      <p:ext uri="{BB962C8B-B14F-4D97-AF65-F5344CB8AC3E}">
-        <p14:creationId xmlns:p14="http://schemas.microsoft.com/office/powerpoint/2010/main" val="3473810505"/>
-      </p:ext>
-    </p:extLst>
-  </p:cSld>
-  <p:clrMapOvr>
-    <a:masterClrMapping/>
-  </p:clrMapOvr>
-</p:sld>
-</file>
-
-<file path=ppt/slides/slide19.xml><?xml version="1.0" encoding="utf-8"?>
-<p:sld xmlns:a="http://schemas.openxmlformats.org/drawingml/2006/main" xmlns:r="http://schemas.openxmlformats.org/officeDocument/2006/relationships" xmlns:p="http://schemas.openxmlformats.org/presentationml/2006/main">
-  <p:cSld>
-    <p:spTree>
-      <p:nvGrpSpPr>
-        <p:cNvPr id="1" name=""/>
-        <p:cNvGrpSpPr/>
-        <p:nvPr/>
-      </p:nvGrpSpPr>
-      <p:grpSpPr>
-        <a:xfrm>
-          <a:off x="0" y="0"/>
-          <a:ext cx="0" cy="0"/>
-          <a:chOff x="0" y="0"/>
-          <a:chExt cx="0" cy="0"/>
-        </a:xfrm>
-      </p:grpSpPr>
-      <p:sp>
-        <p:nvSpPr>
-          <p:cNvPr id="2" name="Title 1">
-            <a:extLst>
-              <a:ext uri="{FF2B5EF4-FFF2-40B4-BE49-F238E27FC236}">
-                <a16:creationId xmlns:a16="http://schemas.microsoft.com/office/drawing/2014/main" id="{77888717-B283-4449-B410-D7226FDE8E64}"/>
-              </a:ext>
-            </a:extLst>
-          </p:cNvPr>
-          <p:cNvSpPr>
-            <a:spLocks noGrp="1"/>
-          </p:cNvSpPr>
-          <p:nvPr>
-            <p:ph type="title"/>
-          </p:nvPr>
-        </p:nvSpPr>
-        <p:spPr>
-          <a:xfrm>
-            <a:off x="913795" y="609599"/>
-            <a:ext cx="10353762" cy="1895475"/>
-          </a:xfrm>
-        </p:spPr>
-        <p:txBody>
-          <a:bodyPr>
-            <a:normAutofit fontScale="90000"/>
-          </a:bodyPr>
-          <a:lstStyle/>
-          <a:p>
-            <a:r>
-              <a:rPr lang="en-US" dirty="0"/>
-              <a:t>Thank you</a:t>
-            </a:r>
-            <a:br>
-              <a:rPr lang="en-US" dirty="0"/>
-            </a:br>
-            <a:br>
-              <a:rPr lang="en-US" dirty="0"/>
-            </a:br>
-            <a:r>
-              <a:rPr lang="en-US" sz="4900" dirty="0"/>
-              <a:t>Q&amp;A</a:t>
-            </a:r>
-            <a:endParaRPr lang="en-US" dirty="0"/>
-          </a:p>
-        </p:txBody>
-      </p:sp>
-    </p:spTree>
-    <p:extLst>
-      <p:ext uri="{BB962C8B-B14F-4D97-AF65-F5344CB8AC3E}">
-        <p14:creationId xmlns:p14="http://schemas.microsoft.com/office/powerpoint/2010/main" val="3092741323"/>
-      </p:ext>
-    </p:extLst>
-  </p:cSld>
-  <p:clrMapOvr>
-    <a:masterClrMapping/>
-  </p:clrMapOvr>
-</p:sld>
-</file>
-
-<file path=ppt/slides/slide2.xml><?xml version="1.0" encoding="utf-8"?>
-<p:sld xmlns:a="http://schemas.openxmlformats.org/drawingml/2006/main" xmlns:r="http://schemas.openxmlformats.org/officeDocument/2006/relationships" xmlns:p="http://schemas.openxmlformats.org/presentationml/2006/main">
-  <p:cSld>
-    <p:spTree>
-      <p:nvGrpSpPr>
-        <p:cNvPr id="1" name=""/>
-        <p:cNvGrpSpPr/>
-        <p:nvPr/>
-      </p:nvGrpSpPr>
-      <p:grpSpPr>
-        <a:xfrm>
-          <a:off x="0" y="0"/>
-          <a:ext cx="0" cy="0"/>
-          <a:chOff x="0" y="0"/>
-          <a:chExt cx="0" cy="0"/>
-        </a:xfrm>
-      </p:grpSpPr>
-      <p:sp>
-        <p:nvSpPr>
-          <p:cNvPr id="2" name="Title 1">
-            <a:extLst>
-              <a:ext uri="{FF2B5EF4-FFF2-40B4-BE49-F238E27FC236}">
-                <a16:creationId xmlns:a16="http://schemas.microsoft.com/office/drawing/2014/main" id="{4FEA9EB6-3692-4D8B-AA56-0399D1906CBD}"/>
-              </a:ext>
-            </a:extLst>
-          </p:cNvPr>
-          <p:cNvSpPr>
-            <a:spLocks noGrp="1"/>
-          </p:cNvSpPr>
-          <p:nvPr>
-            <p:ph type="title"/>
-          </p:nvPr>
-        </p:nvSpPr>
-        <p:spPr/>
-        <p:txBody>
-          <a:bodyPr/>
-          <a:lstStyle/>
-          <a:p>
-            <a:r>
-              <a:rPr lang="en-US" dirty="0"/>
-              <a:t>Key Terms</a:t>
-            </a:r>
-          </a:p>
-        </p:txBody>
-      </p:sp>
-      <p:sp>
-        <p:nvSpPr>
-          <p:cNvPr id="3" name="Content Placeholder 2">
-            <a:extLst>
-              <a:ext uri="{FF2B5EF4-FFF2-40B4-BE49-F238E27FC236}">
-                <a16:creationId xmlns:a16="http://schemas.microsoft.com/office/drawing/2014/main" id="{C3CED36F-359A-4D07-A453-A3CF72741018}"/>
-              </a:ext>
-            </a:extLst>
-          </p:cNvPr>
-          <p:cNvSpPr>
-            <a:spLocks noGrp="1"/>
-          </p:cNvSpPr>
-          <p:nvPr>
-            <p:ph idx="1"/>
-          </p:nvPr>
-        </p:nvSpPr>
-        <p:spPr/>
-        <p:txBody>
-          <a:bodyPr/>
-          <a:lstStyle/>
-          <a:p>
-            <a:r>
-              <a:rPr lang="en-US" dirty="0"/>
-              <a:t>Density Based: A model that creates clusters, and compares points to the cluster</a:t>
-            </a:r>
-          </a:p>
-          <a:p>
-            <a:r>
-              <a:rPr lang="en-US" dirty="0"/>
-              <a:t>Distance Based: A model that compares points to the surrounding points (must have </a:t>
-            </a:r>
-            <a:r>
-              <a:rPr lang="en-US" i="1" dirty="0"/>
-              <a:t>n</a:t>
-            </a:r>
-            <a:r>
-              <a:rPr lang="en-US" dirty="0"/>
-              <a:t> samples within </a:t>
-            </a:r>
-            <a:r>
-              <a:rPr lang="en-US" i="1" dirty="0"/>
-              <a:t>m</a:t>
-            </a:r>
-            <a:r>
-              <a:rPr lang="en-US" dirty="0"/>
-              <a:t> distance)</a:t>
-            </a:r>
-          </a:p>
-          <a:p>
-            <a:r>
-              <a:rPr lang="en-US" dirty="0"/>
-              <a:t>Outlier Detection: Training data contains outliers, unsupervised detection</a:t>
-            </a:r>
-          </a:p>
-          <a:p>
-            <a:r>
-              <a:rPr lang="en-US" dirty="0"/>
-              <a:t>Novelty Detection: Training data contains NO outliers, supervised detection</a:t>
-            </a:r>
-          </a:p>
-          <a:p>
-            <a:r>
-              <a:rPr lang="en-US" dirty="0"/>
-              <a:t>Global Detection: Examines the dataset without regard to clusters</a:t>
-            </a:r>
-          </a:p>
-          <a:p>
-            <a:r>
-              <a:rPr lang="en-US" dirty="0"/>
-              <a:t>Local Detection: Creates clusters, and compares points in the vicinity to the cluster</a:t>
-            </a:r>
-          </a:p>
-        </p:txBody>
-      </p:sp>
-    </p:spTree>
-    <p:extLst>
-      <p:ext uri="{BB962C8B-B14F-4D97-AF65-F5344CB8AC3E}">
-        <p14:creationId xmlns:p14="http://schemas.microsoft.com/office/powerpoint/2010/main" val="3917682140"/>
-      </p:ext>
-    </p:extLst>
-  </p:cSld>
-  <p:clrMapOvr>
-    <a:masterClrMapping/>
-  </p:clrMapOvr>
-</p:sld>
-</file>
-
-<file path=ppt/slides/slide3.xml><?xml version="1.0" encoding="utf-8"?>
-<p:sld xmlns:a="http://schemas.openxmlformats.org/drawingml/2006/main" xmlns:r="http://schemas.openxmlformats.org/officeDocument/2006/relationships" xmlns:p="http://schemas.openxmlformats.org/presentationml/2006/main">
-  <p:cSld>
-    <p:bg>
-      <p:bgPr>
-        <a:blipFill rotWithShape="1">
-          <a:blip r:embed="rId2">
-            <a:duotone>
-              <a:schemeClr val="bg1">
-                <a:shade val="80000"/>
-                <a:lumMod val="80000"/>
-              </a:schemeClr>
-              <a:schemeClr val="bg1">
-                <a:tint val="98000"/>
-              </a:schemeClr>
-            </a:duotone>
-          </a:blip>
-          <a:stretch/>
-        </a:blipFill>
-        <a:effectLst/>
-      </p:bgPr>
-    </p:bg>
-    <p:spTree>
-      <p:nvGrpSpPr>
-        <p:cNvPr id="1" name=""/>
-        <p:cNvGrpSpPr/>
-        <p:nvPr/>
-      </p:nvGrpSpPr>
-      <p:grpSpPr>
-        <a:xfrm>
-          <a:off x="0" y="0"/>
-          <a:ext cx="0" cy="0"/>
-          <a:chOff x="0" y="0"/>
-          <a:chExt cx="0" cy="0"/>
-        </a:xfrm>
-      </p:grpSpPr>
-      <p:sp>
-        <p:nvSpPr>
-          <p:cNvPr id="2" name="Title 1">
-            <a:extLst>
-              <a:ext uri="{FF2B5EF4-FFF2-40B4-BE49-F238E27FC236}">
-                <a16:creationId xmlns:a16="http://schemas.microsoft.com/office/drawing/2014/main" id="{4E6E1C0D-7B64-4B5B-BE08-510D40F17B48}"/>
-              </a:ext>
-            </a:extLst>
-          </p:cNvPr>
-          <p:cNvSpPr>
-            <a:spLocks noGrp="1"/>
-          </p:cNvSpPr>
-          <p:nvPr>
-            <p:ph type="title"/>
-          </p:nvPr>
-        </p:nvSpPr>
-        <p:spPr>
-          <a:xfrm>
-            <a:off x="1080745" y="4494661"/>
-            <a:ext cx="10030510" cy="1509807"/>
-          </a:xfrm>
-        </p:spPr>
-        <p:txBody>
-          <a:bodyPr vert="horz" lIns="91440" tIns="45720" rIns="91440" bIns="45720" rtlCol="0" anchor="b">
-            <a:normAutofit fontScale="90000"/>
-          </a:bodyPr>
-          <a:lstStyle/>
-          <a:p>
-            <a:pPr>
-              <a:lnSpc>
-                <a:spcPct val="150000"/>
-              </a:lnSpc>
-            </a:pPr>
-            <a:r>
-              <a:rPr lang="en-US" sz="5400" dirty="0"/>
-              <a:t>Examples</a:t>
-            </a:r>
-            <a:br>
-              <a:rPr lang="en-US" sz="5400" dirty="0"/>
-            </a:br>
-            <a:r>
-              <a:rPr lang="en-US" sz="5400" dirty="0"/>
-              <a:t>Local VS Global</a:t>
-            </a:r>
-          </a:p>
-        </p:txBody>
-      </p:sp>
-      <p:sp>
-        <p:nvSpPr>
-          <p:cNvPr id="32" name="Rectangle 21">
-            <a:extLst>
-              <a:ext uri="{FF2B5EF4-FFF2-40B4-BE49-F238E27FC236}">
-                <a16:creationId xmlns:a16="http://schemas.microsoft.com/office/drawing/2014/main" id="{41A156E7-2308-44C1-AFC5-BDC68FEF90E1}"/>
-              </a:ext>
-              <a:ext uri="{C183D7F6-B498-43B3-948B-1728B52AA6E4}">
-                <adec:decorative xmlns:adec="http://schemas.microsoft.com/office/drawing/2017/decorative" val="1"/>
-              </a:ext>
-            </a:extLst>
-          </p:cNvPr>
-          <p:cNvSpPr>
-            <a:spLocks noGrp="1" noRot="1" noChangeAspect="1" noMove="1" noResize="1" noEditPoints="1" noAdjustHandles="1" noChangeArrowheads="1" noChangeShapeType="1" noTextEdit="1"/>
-          </p:cNvSpPr>
-          <p:nvPr>
-            <p:extLst>
-              <p:ext uri="{386F3935-93C4-4BCD-93E2-E3B085C9AB24}">
-                <p16:designElem xmlns:p16="http://schemas.microsoft.com/office/powerpoint/2015/main" val="1"/>
-              </p:ext>
-            </p:extLst>
-          </p:nvPr>
-        </p:nvSpPr>
-        <p:spPr>
-          <a:xfrm>
-            <a:off x="660053" y="839992"/>
-            <a:ext cx="2359477" cy="2743200"/>
-          </a:xfrm>
-          <a:prstGeom prst="rect">
-            <a:avLst/>
-          </a:prstGeom>
-          <a:solidFill>
-            <a:schemeClr val="tx1"/>
-          </a:solidFill>
-          <a:ln w="190500">
-            <a:solidFill>
-              <a:schemeClr val="tx1">
-                <a:alpha val="7000"/>
-              </a:schemeClr>
-            </a:solidFill>
-          </a:ln>
-        </p:spPr>
-        <p:style>
-          <a:lnRef idx="2">
-            <a:schemeClr val="accent1">
-              <a:shade val="50000"/>
-            </a:schemeClr>
-          </a:lnRef>
-          <a:fillRef idx="1">
-            <a:schemeClr val="accent1"/>
-          </a:fillRef>
-          <a:effectRef idx="0">
-            <a:schemeClr val="accent1"/>
-          </a:effectRef>
-          <a:fontRef idx="minor">
-            <a:schemeClr val="lt1"/>
-          </a:fontRef>
-        </p:style>
-        <p:txBody>
-          <a:bodyPr rtlCol="0" anchor="ctr"/>
-          <a:lstStyle/>
-          <a:p>
-            <a:pPr algn="ctr"/>
-            <a:endParaRPr lang="en-US"/>
-          </a:p>
-        </p:txBody>
-      </p:sp>
-      <p:sp>
-        <p:nvSpPr>
-          <p:cNvPr id="33" name="Rectangle 23">
-            <a:extLst>
-              <a:ext uri="{FF2B5EF4-FFF2-40B4-BE49-F238E27FC236}">
-                <a16:creationId xmlns:a16="http://schemas.microsoft.com/office/drawing/2014/main" id="{B0037EE4-F862-416C-B03E-64B097F1CAA1}"/>
-              </a:ext>
-              <a:ext uri="{C183D7F6-B498-43B3-948B-1728B52AA6E4}">
-                <adec:decorative xmlns:adec="http://schemas.microsoft.com/office/drawing/2017/decorative" val="1"/>
-              </a:ext>
-            </a:extLst>
-          </p:cNvPr>
-          <p:cNvSpPr>
-            <a:spLocks noGrp="1" noRot="1" noChangeAspect="1" noMove="1" noResize="1" noEditPoints="1" noAdjustHandles="1" noChangeArrowheads="1" noChangeShapeType="1" noTextEdit="1"/>
-          </p:cNvSpPr>
-          <p:nvPr>
-            <p:extLst>
-              <p:ext uri="{386F3935-93C4-4BCD-93E2-E3B085C9AB24}">
-                <p16:designElem xmlns:p16="http://schemas.microsoft.com/office/powerpoint/2015/main" val="1"/>
-              </p:ext>
-            </p:extLst>
-          </p:nvPr>
-        </p:nvSpPr>
-        <p:spPr>
-          <a:xfrm>
-            <a:off x="3452764" y="839992"/>
-            <a:ext cx="2359477" cy="2743200"/>
-          </a:xfrm>
-          <a:prstGeom prst="rect">
-            <a:avLst/>
-          </a:prstGeom>
-          <a:solidFill>
-            <a:schemeClr val="tx1"/>
-          </a:solidFill>
-          <a:ln w="190500">
-            <a:solidFill>
-              <a:schemeClr val="tx1">
-                <a:alpha val="7000"/>
-              </a:schemeClr>
-            </a:solidFill>
-          </a:ln>
-        </p:spPr>
-        <p:style>
-          <a:lnRef idx="2">
-            <a:schemeClr val="accent1">
-              <a:shade val="50000"/>
-            </a:schemeClr>
-          </a:lnRef>
-          <a:fillRef idx="1">
-            <a:schemeClr val="accent1"/>
-          </a:fillRef>
-          <a:effectRef idx="0">
-            <a:schemeClr val="accent1"/>
-          </a:effectRef>
-          <a:fontRef idx="minor">
-            <a:schemeClr val="lt1"/>
-          </a:fontRef>
-        </p:style>
-        <p:txBody>
-          <a:bodyPr rtlCol="0" anchor="ctr"/>
-          <a:lstStyle/>
-          <a:p>
-            <a:pPr algn="ctr"/>
-            <a:endParaRPr lang="en-US"/>
-          </a:p>
-        </p:txBody>
-      </p:sp>
-      <p:sp>
-        <p:nvSpPr>
-          <p:cNvPr id="34" name="Rectangle 25">
-            <a:extLst>
-              <a:ext uri="{FF2B5EF4-FFF2-40B4-BE49-F238E27FC236}">
-                <a16:creationId xmlns:a16="http://schemas.microsoft.com/office/drawing/2014/main" id="{0ECD7396-5A48-4665-B16F-51151FE71FB0}"/>
-              </a:ext>
-              <a:ext uri="{C183D7F6-B498-43B3-948B-1728B52AA6E4}">
-                <adec:decorative xmlns:adec="http://schemas.microsoft.com/office/drawing/2017/decorative" val="1"/>
-              </a:ext>
-            </a:extLst>
-          </p:cNvPr>
-          <p:cNvSpPr>
-            <a:spLocks noGrp="1" noRot="1" noChangeAspect="1" noMove="1" noResize="1" noEditPoints="1" noAdjustHandles="1" noChangeArrowheads="1" noChangeShapeType="1" noTextEdit="1"/>
-          </p:cNvSpPr>
-          <p:nvPr>
-            <p:extLst>
-              <p:ext uri="{386F3935-93C4-4BCD-93E2-E3B085C9AB24}">
-                <p16:designElem xmlns:p16="http://schemas.microsoft.com/office/powerpoint/2015/main" val="1"/>
-              </p:ext>
-            </p:extLst>
-          </p:nvPr>
-        </p:nvSpPr>
-        <p:spPr>
-          <a:xfrm>
-            <a:off x="6245475" y="839992"/>
-            <a:ext cx="2359477" cy="2743200"/>
-          </a:xfrm>
-          <a:prstGeom prst="rect">
-            <a:avLst/>
-          </a:prstGeom>
-          <a:solidFill>
-            <a:schemeClr val="tx1"/>
-          </a:solidFill>
-          <a:ln w="190500">
-            <a:solidFill>
-              <a:schemeClr val="tx1">
-                <a:alpha val="7000"/>
-              </a:schemeClr>
-            </a:solidFill>
-          </a:ln>
-        </p:spPr>
-        <p:style>
-          <a:lnRef idx="2">
-            <a:schemeClr val="accent1">
-              <a:shade val="50000"/>
-            </a:schemeClr>
-          </a:lnRef>
-          <a:fillRef idx="1">
-            <a:schemeClr val="accent1"/>
-          </a:fillRef>
-          <a:effectRef idx="0">
-            <a:schemeClr val="accent1"/>
-          </a:effectRef>
-          <a:fontRef idx="minor">
-            <a:schemeClr val="lt1"/>
-          </a:fontRef>
-        </p:style>
-        <p:txBody>
-          <a:bodyPr rtlCol="0" anchor="ctr"/>
-          <a:lstStyle/>
-          <a:p>
-            <a:pPr algn="ctr"/>
-            <a:endParaRPr lang="en-US"/>
-          </a:p>
-        </p:txBody>
-      </p:sp>
-      <p:pic>
-        <p:nvPicPr>
-          <p:cNvPr id="11" name="Picture 10" descr="Chart, scatter chart&#10;&#10;Description automatically generated">
-            <a:extLst>
-              <a:ext uri="{FF2B5EF4-FFF2-40B4-BE49-F238E27FC236}">
-                <a16:creationId xmlns:a16="http://schemas.microsoft.com/office/drawing/2014/main" id="{6E87F039-F88F-471E-AEB8-2E81710F67D0}"/>
-              </a:ext>
-            </a:extLst>
-          </p:cNvPr>
-          <p:cNvPicPr>
-            <a:picLocks noChangeAspect="1"/>
-          </p:cNvPicPr>
-          <p:nvPr/>
-        </p:nvPicPr>
-        <p:blipFill>
-          <a:blip r:embed="rId3"/>
-          <a:stretch>
-            <a:fillRect/>
-          </a:stretch>
-        </p:blipFill>
-        <p:spPr>
-          <a:xfrm>
-            <a:off x="934535" y="2039680"/>
-            <a:ext cx="1810512" cy="343823"/>
-          </a:xfrm>
-          <a:prstGeom prst="rect">
-            <a:avLst/>
-          </a:prstGeom>
-        </p:spPr>
-      </p:pic>
-      <p:sp>
-        <p:nvSpPr>
-          <p:cNvPr id="35" name="Rectangle 27">
-            <a:extLst>
-              <a:ext uri="{FF2B5EF4-FFF2-40B4-BE49-F238E27FC236}">
-                <a16:creationId xmlns:a16="http://schemas.microsoft.com/office/drawing/2014/main" id="{AB3D19C7-11BA-4EB2-BF56-6C1C300DA48A}"/>
-              </a:ext>
-              <a:ext uri="{C183D7F6-B498-43B3-948B-1728B52AA6E4}">
-                <adec:decorative xmlns:adec="http://schemas.microsoft.com/office/drawing/2017/decorative" val="1"/>
-              </a:ext>
-            </a:extLst>
-          </p:cNvPr>
-          <p:cNvSpPr>
-            <a:spLocks noGrp="1" noRot="1" noChangeAspect="1" noMove="1" noResize="1" noEditPoints="1" noAdjustHandles="1" noChangeArrowheads="1" noChangeShapeType="1" noTextEdit="1"/>
-          </p:cNvSpPr>
-          <p:nvPr>
-            <p:extLst>
-              <p:ext uri="{386F3935-93C4-4BCD-93E2-E3B085C9AB24}">
-                <p16:designElem xmlns:p16="http://schemas.microsoft.com/office/powerpoint/2015/main" val="1"/>
-              </p:ext>
-            </p:extLst>
-          </p:nvPr>
-        </p:nvSpPr>
-        <p:spPr>
-          <a:xfrm>
-            <a:off x="9038186" y="826094"/>
-            <a:ext cx="2359477" cy="2743200"/>
-          </a:xfrm>
-          <a:prstGeom prst="rect">
-            <a:avLst/>
-          </a:prstGeom>
-          <a:solidFill>
-            <a:schemeClr val="tx1"/>
-          </a:solidFill>
-          <a:ln w="190500">
-            <a:solidFill>
-              <a:schemeClr val="tx1">
-                <a:alpha val="7000"/>
-              </a:schemeClr>
-            </a:solidFill>
-          </a:ln>
-        </p:spPr>
-        <p:style>
-          <a:lnRef idx="2">
-            <a:schemeClr val="accent1">
-              <a:shade val="50000"/>
-            </a:schemeClr>
-          </a:lnRef>
-          <a:fillRef idx="1">
-            <a:schemeClr val="accent1"/>
-          </a:fillRef>
-          <a:effectRef idx="0">
-            <a:schemeClr val="accent1"/>
-          </a:effectRef>
-          <a:fontRef idx="minor">
-            <a:schemeClr val="lt1"/>
-          </a:fontRef>
-        </p:style>
-        <p:txBody>
-          <a:bodyPr rtlCol="0" anchor="ctr"/>
-          <a:lstStyle/>
-          <a:p>
-            <a:pPr algn="ctr"/>
-            <a:endParaRPr lang="en-US"/>
-          </a:p>
-        </p:txBody>
-      </p:sp>
-      <p:pic>
-        <p:nvPicPr>
-          <p:cNvPr id="13" name="Picture 12" descr="Timeline&#10;&#10;Description automatically generated with low confidence">
-            <a:extLst>
-              <a:ext uri="{FF2B5EF4-FFF2-40B4-BE49-F238E27FC236}">
-                <a16:creationId xmlns:a16="http://schemas.microsoft.com/office/drawing/2014/main" id="{32FE8494-47EC-48C8-BC38-F17AE8D70493}"/>
-              </a:ext>
-            </a:extLst>
-          </p:cNvPr>
-          <p:cNvPicPr>
-            <a:picLocks noChangeAspect="1"/>
-          </p:cNvPicPr>
-          <p:nvPr/>
-        </p:nvPicPr>
-        <p:blipFill>
-          <a:blip r:embed="rId4"/>
-          <a:stretch>
-            <a:fillRect/>
-          </a:stretch>
-        </p:blipFill>
-        <p:spPr>
-          <a:xfrm>
-            <a:off x="6519957" y="2039680"/>
-            <a:ext cx="1810512" cy="343823"/>
-          </a:xfrm>
-          <a:prstGeom prst="rect">
-            <a:avLst/>
-          </a:prstGeom>
-        </p:spPr>
-      </p:pic>
-      <p:pic>
-        <p:nvPicPr>
-          <p:cNvPr id="15" name="Picture 14" descr="Chart&#10;&#10;Description automatically generated">
-            <a:extLst>
-              <a:ext uri="{FF2B5EF4-FFF2-40B4-BE49-F238E27FC236}">
-                <a16:creationId xmlns:a16="http://schemas.microsoft.com/office/drawing/2014/main" id="{432791B1-30A4-492A-BE6C-C2D7F4D69F24}"/>
-              </a:ext>
-            </a:extLst>
-          </p:cNvPr>
-          <p:cNvPicPr>
-            <a:picLocks noChangeAspect="1"/>
-          </p:cNvPicPr>
-          <p:nvPr/>
-        </p:nvPicPr>
-        <p:blipFill>
-          <a:blip r:embed="rId5"/>
-          <a:stretch>
-            <a:fillRect/>
-          </a:stretch>
-        </p:blipFill>
-        <p:spPr>
-          <a:xfrm>
-            <a:off x="9903943" y="1114311"/>
-            <a:ext cx="627961" cy="2194560"/>
-          </a:xfrm>
-          <a:prstGeom prst="rect">
-            <a:avLst/>
-          </a:prstGeom>
-        </p:spPr>
-      </p:pic>
-      <p:pic>
-        <p:nvPicPr>
-          <p:cNvPr id="17" name="Picture 16" descr="Chart, scatter chart&#10;&#10;Description automatically generated">
-            <a:extLst>
-              <a:ext uri="{FF2B5EF4-FFF2-40B4-BE49-F238E27FC236}">
-                <a16:creationId xmlns:a16="http://schemas.microsoft.com/office/drawing/2014/main" id="{E28FBF5D-358D-4191-82A6-A86BCF1FF3AD}"/>
-              </a:ext>
-            </a:extLst>
-          </p:cNvPr>
-          <p:cNvPicPr>
-            <a:picLocks noChangeAspect="1"/>
-          </p:cNvPicPr>
-          <p:nvPr/>
-        </p:nvPicPr>
-        <p:blipFill>
-          <a:blip r:embed="rId6"/>
-          <a:stretch>
-            <a:fillRect/>
-          </a:stretch>
-        </p:blipFill>
-        <p:spPr>
-          <a:xfrm>
-            <a:off x="4365509" y="1100413"/>
-            <a:ext cx="533987" cy="2194560"/>
-          </a:xfrm>
-          <a:prstGeom prst="rect">
-            <a:avLst/>
-          </a:prstGeom>
-        </p:spPr>
-      </p:pic>
-    </p:spTree>
-    <p:extLst>
-      <p:ext uri="{BB962C8B-B14F-4D97-AF65-F5344CB8AC3E}">
-        <p14:creationId xmlns:p14="http://schemas.microsoft.com/office/powerpoint/2010/main" val="2171663301"/>
-      </p:ext>
-    </p:extLst>
-  </p:cSld>
-  <p:clrMapOvr>
-    <a:masterClrMapping/>
-  </p:clrMapOvr>
-</p:sld>
-</file>
-
-<file path=ppt/slides/slide4.xml><?xml version="1.0" encoding="utf-8"?>
-<p:sld xmlns:a="http://schemas.openxmlformats.org/drawingml/2006/main" xmlns:r="http://schemas.openxmlformats.org/officeDocument/2006/relationships" xmlns:p="http://schemas.openxmlformats.org/presentationml/2006/main">
-  <p:cSld>
-    <p:spTree>
-      <p:nvGrpSpPr>
-        <p:cNvPr id="1" name=""/>
-        <p:cNvGrpSpPr/>
-        <p:nvPr/>
-      </p:nvGrpSpPr>
-      <p:grpSpPr>
-        <a:xfrm>
-          <a:off x="0" y="0"/>
-          <a:ext cx="0" cy="0"/>
-          <a:chOff x="0" y="0"/>
-          <a:chExt cx="0" cy="0"/>
-        </a:xfrm>
-      </p:grpSpPr>
-      <p:sp>
-        <p:nvSpPr>
-          <p:cNvPr id="2" name="Title 1">
-            <a:extLst>
-              <a:ext uri="{FF2B5EF4-FFF2-40B4-BE49-F238E27FC236}">
-                <a16:creationId xmlns:a16="http://schemas.microsoft.com/office/drawing/2014/main" id="{A7FDC192-92C5-4795-9891-52F2CD69CC83}"/>
-              </a:ext>
-            </a:extLst>
-          </p:cNvPr>
-          <p:cNvSpPr>
-            <a:spLocks noGrp="1"/>
-          </p:cNvSpPr>
-          <p:nvPr>
-            <p:ph type="title"/>
-          </p:nvPr>
-        </p:nvSpPr>
-        <p:spPr/>
-        <p:txBody>
-          <a:bodyPr/>
-          <a:lstStyle/>
-          <a:p>
-            <a:r>
-              <a:rPr lang="en-US" dirty="0"/>
-              <a:t>Why Multi-Variate?</a:t>
-            </a:r>
-          </a:p>
-        </p:txBody>
-      </p:sp>
-      <p:sp>
-        <p:nvSpPr>
-          <p:cNvPr id="3" name="Content Placeholder 2">
-            <a:extLst>
-              <a:ext uri="{FF2B5EF4-FFF2-40B4-BE49-F238E27FC236}">
-                <a16:creationId xmlns:a16="http://schemas.microsoft.com/office/drawing/2014/main" id="{52585F06-9824-4E2C-B2A6-9A58556588B1}"/>
-              </a:ext>
-            </a:extLst>
-          </p:cNvPr>
-          <p:cNvSpPr>
-            <a:spLocks noGrp="1"/>
-          </p:cNvSpPr>
-          <p:nvPr>
-            <p:ph sz="half" idx="1"/>
-          </p:nvPr>
-        </p:nvSpPr>
-        <p:spPr>
-          <a:xfrm>
-            <a:off x="913795" y="2076450"/>
-            <a:ext cx="4856841" cy="3915086"/>
-          </a:xfrm>
-        </p:spPr>
-        <p:txBody>
-          <a:bodyPr/>
-          <a:lstStyle/>
-          <a:p>
-            <a:r>
-              <a:rPr lang="en-US" dirty="0"/>
-              <a:t>Univariate: having one variable in the distribution</a:t>
-            </a:r>
-          </a:p>
-          <a:p>
-            <a:pPr lvl="1"/>
-            <a:r>
-              <a:rPr lang="en-US" dirty="0"/>
-              <a:t>Normally used with STD elimination</a:t>
-            </a:r>
-          </a:p>
-          <a:p>
-            <a:r>
-              <a:rPr lang="en-US" dirty="0"/>
-              <a:t>Multivariate: Having two or more variables in the distribution</a:t>
-            </a:r>
-          </a:p>
-          <a:p>
-            <a:pPr lvl="1"/>
-            <a:r>
-              <a:rPr lang="en-US" dirty="0" err="1"/>
-              <a:t>Sklearn</a:t>
-            </a:r>
-            <a:r>
-              <a:rPr lang="en-US" dirty="0"/>
-              <a:t> packages</a:t>
-            </a:r>
-          </a:p>
-          <a:p>
-            <a:endParaRPr lang="en-US" dirty="0"/>
-          </a:p>
-        </p:txBody>
-      </p:sp>
-      <p:pic>
-        <p:nvPicPr>
-          <p:cNvPr id="6" name="Picture 5" descr="Chart, line chart&#10;&#10;Description automatically generated">
-            <a:extLst>
-              <a:ext uri="{FF2B5EF4-FFF2-40B4-BE49-F238E27FC236}">
-                <a16:creationId xmlns:a16="http://schemas.microsoft.com/office/drawing/2014/main" id="{794542C4-C59D-4EA7-8B90-EBA1AA4FDEB9}"/>
-              </a:ext>
-            </a:extLst>
-          </p:cNvPr>
-          <p:cNvPicPr>
-            <a:picLocks noChangeAspect="1"/>
-          </p:cNvPicPr>
-          <p:nvPr/>
-        </p:nvPicPr>
-        <p:blipFill>
-          <a:blip r:embed="rId2"/>
-          <a:stretch>
-            <a:fillRect/>
-          </a:stretch>
-        </p:blipFill>
-        <p:spPr>
-          <a:xfrm>
-            <a:off x="6034272" y="1871472"/>
-            <a:ext cx="5233285" cy="4120064"/>
-          </a:xfrm>
-          <a:prstGeom prst="rect">
-            <a:avLst/>
-          </a:prstGeom>
-        </p:spPr>
-      </p:pic>
-    </p:spTree>
-    <p:extLst>
-      <p:ext uri="{BB962C8B-B14F-4D97-AF65-F5344CB8AC3E}">
-        <p14:creationId xmlns:p14="http://schemas.microsoft.com/office/powerpoint/2010/main" val="4035105015"/>
-      </p:ext>
-    </p:extLst>
-  </p:cSld>
-  <p:clrMapOvr>
-    <a:masterClrMapping/>
-  </p:clrMapOvr>
-</p:sld>
-</file>
-
-<file path=ppt/slides/slide5.xml><?xml version="1.0" encoding="utf-8"?>
-<p:sld xmlns:a="http://schemas.openxmlformats.org/drawingml/2006/main" xmlns:r="http://schemas.openxmlformats.org/officeDocument/2006/relationships" xmlns:p="http://schemas.openxmlformats.org/presentationml/2006/main">
-  <p:cSld>
-    <p:spTree>
-      <p:nvGrpSpPr>
-        <p:cNvPr id="1" name=""/>
-        <p:cNvGrpSpPr/>
-        <p:nvPr/>
-      </p:nvGrpSpPr>
-      <p:grpSpPr>
-        <a:xfrm>
-          <a:off x="0" y="0"/>
-          <a:ext cx="0" cy="0"/>
-          <a:chOff x="0" y="0"/>
-          <a:chExt cx="0" cy="0"/>
-        </a:xfrm>
-      </p:grpSpPr>
-      <p:sp>
-        <p:nvSpPr>
-          <p:cNvPr id="2" name="Title 1">
-            <a:extLst>
-              <a:ext uri="{FF2B5EF4-FFF2-40B4-BE49-F238E27FC236}">
-                <a16:creationId xmlns:a16="http://schemas.microsoft.com/office/drawing/2014/main" id="{1C12A125-6091-477D-9CB9-239171E1A71E}"/>
-              </a:ext>
-            </a:extLst>
-          </p:cNvPr>
-          <p:cNvSpPr>
-            <a:spLocks noGrp="1"/>
-          </p:cNvSpPr>
-          <p:nvPr>
-            <p:ph type="title"/>
-          </p:nvPr>
-        </p:nvSpPr>
-        <p:spPr/>
-        <p:txBody>
-          <a:bodyPr/>
-          <a:lstStyle/>
-          <a:p>
-            <a:r>
-              <a:rPr lang="en-US" dirty="0"/>
-              <a:t>Interviews</a:t>
-            </a:r>
-          </a:p>
-        </p:txBody>
-      </p:sp>
-      <p:sp>
-        <p:nvSpPr>
-          <p:cNvPr id="3" name="Content Placeholder 2">
-            <a:extLst>
-              <a:ext uri="{FF2B5EF4-FFF2-40B4-BE49-F238E27FC236}">
-                <a16:creationId xmlns:a16="http://schemas.microsoft.com/office/drawing/2014/main" id="{A2528823-B776-4294-857F-C91F3FF408B7}"/>
-              </a:ext>
-            </a:extLst>
-          </p:cNvPr>
-          <p:cNvSpPr>
-            <a:spLocks noGrp="1"/>
-          </p:cNvSpPr>
-          <p:nvPr>
-            <p:ph sz="half" idx="1"/>
-          </p:nvPr>
-        </p:nvSpPr>
-        <p:spPr/>
-        <p:txBody>
-          <a:bodyPr/>
-          <a:lstStyle/>
-          <a:p>
-            <a:r>
-              <a:rPr lang="en-US" dirty="0"/>
-              <a:t>Outlier detection is extremely important. You should not just cast them out, the cause of outliers should be diligently hunted down and explained whenever possible.</a:t>
-            </a:r>
-          </a:p>
-          <a:p>
-            <a:pPr marL="36900" indent="0">
-              <a:buNone/>
-            </a:pPr>
-            <a:r>
-              <a:rPr lang="en-US" dirty="0"/>
-              <a:t>-Thom Ives, Lead Data Scientist at AI </a:t>
-            </a:r>
-            <a:r>
-              <a:rPr lang="en-US" dirty="0" err="1"/>
-              <a:t>Stragey</a:t>
-            </a:r>
-            <a:endParaRPr lang="en-US" dirty="0"/>
-          </a:p>
-        </p:txBody>
-      </p:sp>
-      <p:sp>
-        <p:nvSpPr>
-          <p:cNvPr id="4" name="Content Placeholder 3">
-            <a:extLst>
-              <a:ext uri="{FF2B5EF4-FFF2-40B4-BE49-F238E27FC236}">
-                <a16:creationId xmlns:a16="http://schemas.microsoft.com/office/drawing/2014/main" id="{D0745E2B-66E7-4AE2-BB7D-06EE256B60DF}"/>
-              </a:ext>
-            </a:extLst>
-          </p:cNvPr>
-          <p:cNvSpPr>
-            <a:spLocks noGrp="1"/>
-          </p:cNvSpPr>
-          <p:nvPr>
-            <p:ph sz="half" idx="2"/>
-          </p:nvPr>
-        </p:nvSpPr>
-        <p:spPr/>
-        <p:txBody>
-          <a:bodyPr/>
-          <a:lstStyle/>
-          <a:p>
-            <a:r>
-              <a:rPr lang="en-US" dirty="0"/>
-              <a:t>Just because something is an outlier, doesn’t mean we should cast it out.</a:t>
-            </a:r>
-          </a:p>
-          <a:p>
-            <a:r>
-              <a:rPr lang="en-US" dirty="0"/>
-              <a:t>It is crucial for Data Scientists to understand outlier detection, and not just machine learning.</a:t>
-            </a:r>
-          </a:p>
-          <a:p>
-            <a:pPr marL="36900" indent="0">
-              <a:buNone/>
-            </a:pPr>
-            <a:r>
-              <a:rPr lang="en-US" dirty="0"/>
-              <a:t>- Conrad </a:t>
-            </a:r>
-            <a:r>
-              <a:rPr lang="en-US" dirty="0" err="1"/>
-              <a:t>Kennington</a:t>
-            </a:r>
-            <a:r>
-              <a:rPr lang="en-US" dirty="0"/>
-              <a:t>, Head of ML at </a:t>
-            </a:r>
-            <a:r>
-              <a:rPr lang="en-US" dirty="0" err="1"/>
-              <a:t>Vacasa</a:t>
-            </a:r>
-            <a:endParaRPr lang="en-US" dirty="0"/>
-          </a:p>
-        </p:txBody>
-      </p:sp>
-    </p:spTree>
-    <p:extLst>
-      <p:ext uri="{BB962C8B-B14F-4D97-AF65-F5344CB8AC3E}">
-        <p14:creationId xmlns:p14="http://schemas.microsoft.com/office/powerpoint/2010/main" val="2095336765"/>
+        <p14:creationId xmlns:p14="http://schemas.microsoft.com/office/powerpoint/2010/main" val="78201912"/>
       </p:ext>
     </p:extLst>
   </p:cSld>
@@ -9484,54 +9031,185 @@
       </p:grpSpPr>
       <p:sp>
         <p:nvSpPr>
-          <p:cNvPr id="4" name="Rectangle 3">
+          <p:cNvPr id="2" name="Title 1">
             <a:extLst>
               <a:ext uri="{FF2B5EF4-FFF2-40B4-BE49-F238E27FC236}">
-                <a16:creationId xmlns:a16="http://schemas.microsoft.com/office/drawing/2014/main" id="{C0962754-EC12-47B2-9B73-77669B8012CC}"/>
+                <a16:creationId xmlns:a16="http://schemas.microsoft.com/office/drawing/2014/main" id="{EDFA2900-EBA5-4C08-8561-7F924BB83AD5}"/>
               </a:ext>
             </a:extLst>
           </p:cNvPr>
-          <p:cNvSpPr/>
-          <p:nvPr/>
-        </p:nvSpPr>
-        <p:spPr>
-          <a:xfrm>
-            <a:off x="2351314" y="270588"/>
-            <a:ext cx="7511143" cy="6372808"/>
-          </a:xfrm>
-          <a:prstGeom prst="rect">
-            <a:avLst/>
-          </a:prstGeom>
-        </p:spPr>
-        <p:style>
-          <a:lnRef idx="2">
-            <a:schemeClr val="accent6"/>
-          </a:lnRef>
-          <a:fillRef idx="1">
-            <a:schemeClr val="lt1"/>
-          </a:fillRef>
-          <a:effectRef idx="0">
-            <a:schemeClr val="accent6"/>
-          </a:effectRef>
-          <a:fontRef idx="minor">
-            <a:schemeClr val="dk1"/>
-          </a:fontRef>
-        </p:style>
-        <p:txBody>
-          <a:bodyPr rtlCol="0" anchor="ctr"/>
+          <p:cNvSpPr>
+            <a:spLocks noGrp="1"/>
+          </p:cNvSpPr>
+          <p:nvPr>
+            <p:ph type="title"/>
+          </p:nvPr>
+        </p:nvSpPr>
+        <p:spPr>
+          <a:xfrm>
+            <a:off x="913796" y="643465"/>
+            <a:ext cx="3382638" cy="1370605"/>
+          </a:xfrm>
+        </p:spPr>
+        <p:txBody>
+          <a:bodyPr vert="horz" lIns="91440" tIns="45720" rIns="91440" bIns="45720" rtlCol="0" anchor="ctr">
+            <a:normAutofit/>
+          </a:bodyPr>
           <a:lstStyle/>
           <a:p>
-            <a:pPr algn="ctr"/>
-            <a:endParaRPr lang="en-US"/>
+            <a:pPr algn="l"/>
+            <a:r>
+              <a:rPr lang="en-US" sz="2600" dirty="0"/>
+              <a:t>DBSCAN</a:t>
+            </a:r>
+            <a:endParaRPr lang="en-US" sz="2600" kern="1200" dirty="0">
+              <a:ln>
+                <a:solidFill>
+                  <a:schemeClr val="bg1">
+                    <a:lumMod val="75000"/>
+                    <a:lumOff val="25000"/>
+                    <a:alpha val="10000"/>
+                  </a:schemeClr>
+                </a:solidFill>
+              </a:ln>
+              <a:solidFill>
+                <a:schemeClr val="tx2"/>
+              </a:solidFill>
+              <a:effectLst>
+                <a:outerShdw blurRad="9525" dist="25400" dir="14640000" algn="tl" rotWithShape="0">
+                  <a:schemeClr val="bg1">
+                    <a:alpha val="30000"/>
+                  </a:schemeClr>
+                </a:outerShdw>
+              </a:effectLst>
+              <a:latin typeface="+mj-lt"/>
+              <a:ea typeface="+mj-ea"/>
+              <a:cs typeface="Trebuchet MS"/>
+            </a:endParaRPr>
+          </a:p>
+        </p:txBody>
+      </p:sp>
+      <p:sp>
+        <p:nvSpPr>
+          <p:cNvPr id="3" name="Content Placeholder 2">
+            <a:extLst>
+              <a:ext uri="{FF2B5EF4-FFF2-40B4-BE49-F238E27FC236}">
+                <a16:creationId xmlns:a16="http://schemas.microsoft.com/office/drawing/2014/main" id="{A05F9829-970F-4B17-AE93-A5D8694A2F1A}"/>
+              </a:ext>
+            </a:extLst>
+          </p:cNvPr>
+          <p:cNvSpPr>
+            <a:spLocks noGrp="1"/>
+          </p:cNvSpPr>
+          <p:nvPr>
+            <p:ph sz="half" idx="1"/>
+          </p:nvPr>
+        </p:nvSpPr>
+        <p:spPr>
+          <a:xfrm>
+            <a:off x="913796" y="2247153"/>
+            <a:ext cx="3358084" cy="3544046"/>
+          </a:xfrm>
+        </p:spPr>
+        <p:txBody>
+          <a:bodyPr vert="horz" lIns="91440" tIns="45720" rIns="91440" bIns="45720" rtlCol="0" anchor="t">
+            <a:normAutofit lnSpcReduction="10000"/>
+          </a:bodyPr>
+          <a:lstStyle/>
+          <a:p>
+            <a:pPr>
+              <a:lnSpc>
+                <a:spcPct val="90000"/>
+              </a:lnSpc>
+            </a:pPr>
+            <a:r>
+              <a:rPr lang="en-US" sz="2000" dirty="0"/>
+              <a:t>Core Samples of high density </a:t>
+            </a:r>
+          </a:p>
+          <a:p>
+            <a:pPr>
+              <a:lnSpc>
+                <a:spcPct val="90000"/>
+              </a:lnSpc>
+            </a:pPr>
+            <a:r>
+              <a:rPr lang="en-US" sz="2000" dirty="0"/>
+              <a:t>Creates clusters from Core Samples</a:t>
+            </a:r>
+          </a:p>
+          <a:p>
+            <a:pPr>
+              <a:lnSpc>
+                <a:spcPct val="90000"/>
+              </a:lnSpc>
+            </a:pPr>
+            <a:r>
+              <a:rPr lang="en-US" sz="2000" dirty="0"/>
+              <a:t>3 main parameters:</a:t>
+            </a:r>
+          </a:p>
+          <a:p>
+            <a:pPr lvl="1">
+              <a:lnSpc>
+                <a:spcPct val="90000"/>
+              </a:lnSpc>
+            </a:pPr>
+            <a:r>
+              <a:rPr lang="en-US" sz="2000" dirty="0" err="1"/>
+              <a:t>Min_samples</a:t>
+            </a:r>
+            <a:r>
+              <a:rPr lang="en-US" sz="2000" dirty="0"/>
+              <a:t>: </a:t>
+            </a:r>
+            <a:r>
+              <a:rPr lang="en-US" sz="2000" i="1" dirty="0"/>
+              <a:t>n </a:t>
+            </a:r>
+            <a:r>
+              <a:rPr lang="en-US" sz="2000" dirty="0"/>
+              <a:t>samples needed to create Core Samples</a:t>
+            </a:r>
+          </a:p>
+          <a:p>
+            <a:pPr lvl="1">
+              <a:lnSpc>
+                <a:spcPct val="90000"/>
+              </a:lnSpc>
+            </a:pPr>
+            <a:r>
+              <a:rPr lang="en-US" sz="2000" dirty="0"/>
+              <a:t>Eps: Distance</a:t>
+            </a:r>
+          </a:p>
+          <a:p>
+            <a:pPr lvl="1">
+              <a:lnSpc>
+                <a:spcPct val="90000"/>
+              </a:lnSpc>
+            </a:pPr>
+            <a:r>
+              <a:rPr lang="en-US" sz="2000" dirty="0"/>
+              <a:t>Metric: How distance is measured</a:t>
+            </a:r>
+          </a:p>
+          <a:p>
+            <a:pPr>
+              <a:lnSpc>
+                <a:spcPct val="90000"/>
+              </a:lnSpc>
+            </a:pPr>
+            <a:endParaRPr lang="en-US" sz="1800" dirty="0"/>
           </a:p>
         </p:txBody>
       </p:sp>
       <p:pic>
         <p:nvPicPr>
-          <p:cNvPr id="3" name="Picture 2" descr="Calendar&#10;&#10;Description automatically generated">
+          <p:cNvPr id="6" name="Picture 5" descr="Chart, scatter chart&#10;&#10;Description automatically generated">
             <a:extLst>
               <a:ext uri="{FF2B5EF4-FFF2-40B4-BE49-F238E27FC236}">
-                <a16:creationId xmlns:a16="http://schemas.microsoft.com/office/drawing/2014/main" id="{73197B10-9F88-4316-A351-0FF1621E2CAF}"/>
+                <a16:creationId xmlns:a16="http://schemas.microsoft.com/office/drawing/2014/main" id="{1AC20F17-5E6E-4F4E-9998-FC442F309EFA}"/>
               </a:ext>
             </a:extLst>
           </p:cNvPr>
@@ -9548,8 +9226,8 @@
         </p:blipFill>
         <p:spPr>
           <a:xfrm>
-            <a:off x="2830547" y="464563"/>
-            <a:ext cx="6530906" cy="5928874"/>
+            <a:off x="4915348" y="729888"/>
+            <a:ext cx="6633184" cy="4974888"/>
           </a:xfrm>
           <a:prstGeom prst="rect">
             <a:avLst/>
@@ -9559,7 +9237,7 @@
     </p:spTree>
     <p:extLst>
       <p:ext uri="{BB962C8B-B14F-4D97-AF65-F5344CB8AC3E}">
-        <p14:creationId xmlns:p14="http://schemas.microsoft.com/office/powerpoint/2010/main" val="3722632194"/>
+        <p14:creationId xmlns:p14="http://schemas.microsoft.com/office/powerpoint/2010/main" val="372471611"/>
       </p:ext>
     </p:extLst>
   </p:cSld>
@@ -9607,7 +9285,7 @@
       </p:grpSpPr>
       <p:sp useBgFill="1">
         <p:nvSpPr>
-          <p:cNvPr id="11" name="Rectangle 10">
+          <p:cNvPr id="12" name="Rectangle 11">
             <a:extLst>
               <a:ext uri="{FF2B5EF4-FFF2-40B4-BE49-F238E27FC236}">
                 <a16:creationId xmlns:a16="http://schemas.microsoft.com/office/drawing/2014/main" id="{95CB840F-8E41-4CA5-B79B-25CC80AD234A}"/>
@@ -9695,7 +9373,7 @@
           <a:p>
             <a:pPr algn="l"/>
             <a:r>
-              <a:rPr lang="en-US" sz="2600" kern="1200">
+              <a:rPr lang="en-US" sz="3000" kern="1200" dirty="0">
                 <a:ln>
                   <a:solidFill>
                     <a:schemeClr val="bg1">
@@ -9719,132 +9397,17 @@
                 <a:ea typeface="+mj-ea"/>
                 <a:cs typeface="Trebuchet MS"/>
               </a:rPr>
-              <a:t>Density Based Spatial Clustering of Applications with Noise</a:t>
-            </a:r>
-          </a:p>
-        </p:txBody>
-      </p:sp>
-      <p:sp>
-        <p:nvSpPr>
-          <p:cNvPr id="3" name="Content Placeholder 2">
+              <a:t>Isolation Forest</a:t>
+            </a:r>
+          </a:p>
+        </p:txBody>
+      </p:sp>
+      <p:pic>
+        <p:nvPicPr>
+          <p:cNvPr id="7" name="Content Placeholder 4" descr="Chart&#10;&#10;Description automatically generated">
             <a:extLst>
               <a:ext uri="{FF2B5EF4-FFF2-40B4-BE49-F238E27FC236}">
-                <a16:creationId xmlns:a16="http://schemas.microsoft.com/office/drawing/2014/main" id="{A05F9829-970F-4B17-AE93-A5D8694A2F1A}"/>
-              </a:ext>
-            </a:extLst>
-          </p:cNvPr>
-          <p:cNvSpPr>
-            <a:spLocks noGrp="1"/>
-          </p:cNvSpPr>
-          <p:nvPr>
-            <p:ph sz="half" idx="1"/>
-          </p:nvPr>
-        </p:nvSpPr>
-        <p:spPr>
-          <a:xfrm>
-            <a:off x="913796" y="2247153"/>
-            <a:ext cx="3358084" cy="3544046"/>
-          </a:xfrm>
-        </p:spPr>
-        <p:txBody>
-          <a:bodyPr vert="horz" lIns="91440" tIns="45720" rIns="91440" bIns="45720" rtlCol="0" anchor="t">
-            <a:normAutofit lnSpcReduction="10000"/>
-          </a:bodyPr>
-          <a:lstStyle/>
-          <a:p>
-            <a:pPr>
-              <a:lnSpc>
-                <a:spcPct val="90000"/>
-              </a:lnSpc>
-            </a:pPr>
-            <a:r>
-              <a:rPr lang="en-US" sz="2000" dirty="0"/>
-              <a:t>Core Samples of high density </a:t>
-            </a:r>
-          </a:p>
-          <a:p>
-            <a:pPr>
-              <a:lnSpc>
-                <a:spcPct val="90000"/>
-              </a:lnSpc>
-            </a:pPr>
-            <a:r>
-              <a:rPr lang="en-US" sz="2000" dirty="0"/>
-              <a:t>Creates clusters from Core Samples</a:t>
-            </a:r>
-          </a:p>
-          <a:p>
-            <a:pPr>
-              <a:lnSpc>
-                <a:spcPct val="90000"/>
-              </a:lnSpc>
-            </a:pPr>
-            <a:r>
-              <a:rPr lang="en-US" sz="2000" dirty="0"/>
-              <a:t>2 main parameters:</a:t>
-            </a:r>
-          </a:p>
-          <a:p>
-            <a:pPr lvl="1">
-              <a:lnSpc>
-                <a:spcPct val="90000"/>
-              </a:lnSpc>
-            </a:pPr>
-            <a:r>
-              <a:rPr lang="en-US" sz="2000" dirty="0" err="1"/>
-              <a:t>Min_samples</a:t>
-            </a:r>
-            <a:r>
-              <a:rPr lang="en-US" sz="2000" dirty="0"/>
-              <a:t>: </a:t>
-            </a:r>
-            <a:r>
-              <a:rPr lang="en-US" sz="2000" i="1" dirty="0"/>
-              <a:t>n </a:t>
-            </a:r>
-            <a:r>
-              <a:rPr lang="en-US" sz="2000" dirty="0"/>
-              <a:t>samples needed to create Core Samples</a:t>
-            </a:r>
-          </a:p>
-          <a:p>
-            <a:pPr lvl="1">
-              <a:lnSpc>
-                <a:spcPct val="90000"/>
-              </a:lnSpc>
-            </a:pPr>
-            <a:r>
-              <a:rPr lang="en-US" sz="2000" dirty="0"/>
-              <a:t>Eps: Distance</a:t>
-            </a:r>
-          </a:p>
-          <a:p>
-            <a:pPr lvl="1">
-              <a:lnSpc>
-                <a:spcPct val="90000"/>
-              </a:lnSpc>
-            </a:pPr>
-            <a:r>
-              <a:rPr lang="en-US" sz="2000" dirty="0"/>
-              <a:t>Metric: How distance is measured</a:t>
-            </a:r>
-          </a:p>
-          <a:p>
-            <a:pPr>
-              <a:lnSpc>
-                <a:spcPct val="90000"/>
-              </a:lnSpc>
-            </a:pPr>
-            <a:endParaRPr lang="en-US" sz="1800" dirty="0"/>
-          </a:p>
-        </p:txBody>
-      </p:sp>
-      <p:pic>
-        <p:nvPicPr>
-          <p:cNvPr id="6" name="Picture 5" descr="Chart, scatter chart&#10;&#10;Description automatically generated">
-            <a:extLst>
-              <a:ext uri="{FF2B5EF4-FFF2-40B4-BE49-F238E27FC236}">
-                <a16:creationId xmlns:a16="http://schemas.microsoft.com/office/drawing/2014/main" id="{1AC20F17-5E6E-4F4E-9998-FC442F309EFA}"/>
+                <a16:creationId xmlns:a16="http://schemas.microsoft.com/office/drawing/2014/main" id="{A6AF167F-EBBB-4AEC-BC84-6D28FB692153}"/>
               </a:ext>
             </a:extLst>
           </p:cNvPr>
@@ -9861,18 +9424,110 @@
         </p:blipFill>
         <p:spPr>
           <a:xfrm>
-            <a:off x="4915348" y="729888"/>
-            <a:ext cx="6633184" cy="4974888"/>
+            <a:off x="4915348" y="729889"/>
+            <a:ext cx="6633184" cy="4974887"/>
           </a:xfrm>
           <a:prstGeom prst="rect">
             <a:avLst/>
           </a:prstGeom>
         </p:spPr>
       </p:pic>
+      <p:sp>
+        <p:nvSpPr>
+          <p:cNvPr id="3" name="Content Placeholder 2">
+            <a:extLst>
+              <a:ext uri="{FF2B5EF4-FFF2-40B4-BE49-F238E27FC236}">
+                <a16:creationId xmlns:a16="http://schemas.microsoft.com/office/drawing/2014/main" id="{A05F9829-970F-4B17-AE93-A5D8694A2F1A}"/>
+              </a:ext>
+            </a:extLst>
+          </p:cNvPr>
+          <p:cNvSpPr>
+            <a:spLocks noGrp="1"/>
+          </p:cNvSpPr>
+          <p:nvPr>
+            <p:ph sz="half" idx="1"/>
+          </p:nvPr>
+        </p:nvSpPr>
+        <p:spPr>
+          <a:xfrm>
+            <a:off x="913796" y="1748589"/>
+            <a:ext cx="3358084" cy="4042610"/>
+          </a:xfrm>
+        </p:spPr>
+        <p:txBody>
+          <a:bodyPr vert="horz" lIns="91440" tIns="45720" rIns="91440" bIns="45720" rtlCol="0" anchor="t">
+            <a:noAutofit/>
+          </a:bodyPr>
+          <a:lstStyle/>
+          <a:p>
+            <a:pPr>
+              <a:lnSpc>
+                <a:spcPct val="90000"/>
+              </a:lnSpc>
+            </a:pPr>
+            <a:r>
+              <a:rPr lang="en-US" sz="2000" dirty="0"/>
+              <a:t>Creates partitions between min and max values</a:t>
+            </a:r>
+          </a:p>
+          <a:p>
+            <a:pPr>
+              <a:lnSpc>
+                <a:spcPct val="90000"/>
+              </a:lnSpc>
+            </a:pPr>
+            <a:r>
+              <a:rPr lang="en-US" sz="2000" dirty="0"/>
+              <a:t>Can be represented in a ‘tree’ structure</a:t>
+            </a:r>
+          </a:p>
+          <a:p>
+            <a:pPr>
+              <a:lnSpc>
+                <a:spcPct val="90000"/>
+              </a:lnSpc>
+            </a:pPr>
+            <a:r>
+              <a:rPr lang="en-US" sz="2000" dirty="0"/>
+              <a:t>1 main parameter:</a:t>
+            </a:r>
+          </a:p>
+          <a:p>
+            <a:pPr lvl="1">
+              <a:lnSpc>
+                <a:spcPct val="90000"/>
+              </a:lnSpc>
+            </a:pPr>
+            <a:r>
+              <a:rPr lang="en-US" sz="2000" dirty="0"/>
+              <a:t>Contamination:  The ‘percent’ of contamination within the data</a:t>
+            </a:r>
+          </a:p>
+          <a:p>
+            <a:pPr lvl="1">
+              <a:lnSpc>
+                <a:spcPct val="90000"/>
+              </a:lnSpc>
+            </a:pPr>
+            <a:r>
+              <a:rPr lang="en-US" sz="2000" dirty="0"/>
+              <a:t>This will also remove </a:t>
+            </a:r>
+            <a:r>
+              <a:rPr lang="en-US" sz="2000" i="1" dirty="0"/>
+              <a:t>x </a:t>
+            </a:r>
+            <a:r>
+              <a:rPr lang="en-US" sz="2000" dirty="0"/>
+              <a:t>percent of rows</a:t>
+            </a:r>
+          </a:p>
+        </p:txBody>
+      </p:sp>
     </p:spTree>
     <p:extLst>
       <p:ext uri="{BB962C8B-B14F-4D97-AF65-F5344CB8AC3E}">
-        <p14:creationId xmlns:p14="http://schemas.microsoft.com/office/powerpoint/2010/main" val="78201912"/>
+        <p14:creationId xmlns:p14="http://schemas.microsoft.com/office/powerpoint/2010/main" val="1539239309"/>
       </p:ext>
     </p:extLst>
   </p:cSld>
@@ -9883,241 +9538,6 @@
 </file>
 
 <file path=ppt/slides/slide8.xml><?xml version="1.0" encoding="utf-8"?>
-<p:sld xmlns:a="http://schemas.openxmlformats.org/drawingml/2006/main" xmlns:r="http://schemas.openxmlformats.org/officeDocument/2006/relationships" xmlns:p="http://schemas.openxmlformats.org/presentationml/2006/main">
-  <p:cSld>
-    <p:spTree>
-      <p:nvGrpSpPr>
-        <p:cNvPr id="1" name=""/>
-        <p:cNvGrpSpPr/>
-        <p:nvPr/>
-      </p:nvGrpSpPr>
-      <p:grpSpPr>
-        <a:xfrm>
-          <a:off x="0" y="0"/>
-          <a:ext cx="0" cy="0"/>
-          <a:chOff x="0" y="0"/>
-          <a:chExt cx="0" cy="0"/>
-        </a:xfrm>
-      </p:grpSpPr>
-      <p:sp>
-        <p:nvSpPr>
-          <p:cNvPr id="2" name="Title 1">
-            <a:extLst>
-              <a:ext uri="{FF2B5EF4-FFF2-40B4-BE49-F238E27FC236}">
-                <a16:creationId xmlns:a16="http://schemas.microsoft.com/office/drawing/2014/main" id="{EDFA2900-EBA5-4C08-8561-7F924BB83AD5}"/>
-              </a:ext>
-            </a:extLst>
-          </p:cNvPr>
-          <p:cNvSpPr>
-            <a:spLocks noGrp="1"/>
-          </p:cNvSpPr>
-          <p:nvPr>
-            <p:ph type="title"/>
-          </p:nvPr>
-        </p:nvSpPr>
-        <p:spPr>
-          <a:xfrm>
-            <a:off x="913796" y="643465"/>
-            <a:ext cx="3382638" cy="1370605"/>
-          </a:xfrm>
-        </p:spPr>
-        <p:txBody>
-          <a:bodyPr vert="horz" lIns="91440" tIns="45720" rIns="91440" bIns="45720" rtlCol="0" anchor="ctr">
-            <a:normAutofit/>
-          </a:bodyPr>
-          <a:lstStyle/>
-          <a:p>
-            <a:pPr algn="l"/>
-            <a:r>
-              <a:rPr lang="en-US" sz="2600" dirty="0"/>
-              <a:t>DBSCAN</a:t>
-            </a:r>
-            <a:endParaRPr lang="en-US" sz="2600" kern="1200" dirty="0">
-              <a:ln>
-                <a:solidFill>
-                  <a:schemeClr val="bg1">
-                    <a:lumMod val="75000"/>
-                    <a:lumOff val="25000"/>
-                    <a:alpha val="10000"/>
-                  </a:schemeClr>
-                </a:solidFill>
-              </a:ln>
-              <a:solidFill>
-                <a:schemeClr val="tx2"/>
-              </a:solidFill>
-              <a:effectLst>
-                <a:outerShdw blurRad="9525" dist="25400" dir="14640000" algn="tl" rotWithShape="0">
-                  <a:schemeClr val="bg1">
-                    <a:alpha val="30000"/>
-                  </a:schemeClr>
-                </a:outerShdw>
-              </a:effectLst>
-              <a:latin typeface="+mj-lt"/>
-              <a:ea typeface="+mj-ea"/>
-              <a:cs typeface="Trebuchet MS"/>
-            </a:endParaRPr>
-          </a:p>
-        </p:txBody>
-      </p:sp>
-      <p:sp>
-        <p:nvSpPr>
-          <p:cNvPr id="3" name="Content Placeholder 2">
-            <a:extLst>
-              <a:ext uri="{FF2B5EF4-FFF2-40B4-BE49-F238E27FC236}">
-                <a16:creationId xmlns:a16="http://schemas.microsoft.com/office/drawing/2014/main" id="{A05F9829-970F-4B17-AE93-A5D8694A2F1A}"/>
-              </a:ext>
-            </a:extLst>
-          </p:cNvPr>
-          <p:cNvSpPr>
-            <a:spLocks noGrp="1"/>
-          </p:cNvSpPr>
-          <p:nvPr>
-            <p:ph sz="half" idx="1"/>
-          </p:nvPr>
-        </p:nvSpPr>
-        <p:spPr>
-          <a:xfrm>
-            <a:off x="913796" y="2247153"/>
-            <a:ext cx="3358084" cy="3544046"/>
-          </a:xfrm>
-        </p:spPr>
-        <p:txBody>
-          <a:bodyPr vert="horz" lIns="91440" tIns="45720" rIns="91440" bIns="45720" rtlCol="0" anchor="t">
-            <a:normAutofit lnSpcReduction="10000"/>
-          </a:bodyPr>
-          <a:lstStyle/>
-          <a:p>
-            <a:pPr>
-              <a:lnSpc>
-                <a:spcPct val="90000"/>
-              </a:lnSpc>
-            </a:pPr>
-            <a:r>
-              <a:rPr lang="en-US" sz="2000" dirty="0"/>
-              <a:t>Core Samples of high density </a:t>
-            </a:r>
-          </a:p>
-          <a:p>
-            <a:pPr>
-              <a:lnSpc>
-                <a:spcPct val="90000"/>
-              </a:lnSpc>
-            </a:pPr>
-            <a:r>
-              <a:rPr lang="en-US" sz="2000" dirty="0"/>
-              <a:t>Creates clusters from Core Samples</a:t>
-            </a:r>
-          </a:p>
-          <a:p>
-            <a:pPr>
-              <a:lnSpc>
-                <a:spcPct val="90000"/>
-              </a:lnSpc>
-            </a:pPr>
-            <a:r>
-              <a:rPr lang="en-US" sz="2000" dirty="0"/>
-              <a:t>2 main parameters:</a:t>
-            </a:r>
-          </a:p>
-          <a:p>
-            <a:pPr lvl="1">
-              <a:lnSpc>
-                <a:spcPct val="90000"/>
-              </a:lnSpc>
-            </a:pPr>
-            <a:r>
-              <a:rPr lang="en-US" sz="2000" dirty="0" err="1"/>
-              <a:t>Min_samples</a:t>
-            </a:r>
-            <a:r>
-              <a:rPr lang="en-US" sz="2000" dirty="0"/>
-              <a:t>: </a:t>
-            </a:r>
-            <a:r>
-              <a:rPr lang="en-US" sz="2000" i="1" dirty="0"/>
-              <a:t>n </a:t>
-            </a:r>
-            <a:r>
-              <a:rPr lang="en-US" sz="2000" dirty="0"/>
-              <a:t>samples needed to create Core Samples</a:t>
-            </a:r>
-          </a:p>
-          <a:p>
-            <a:pPr lvl="1">
-              <a:lnSpc>
-                <a:spcPct val="90000"/>
-              </a:lnSpc>
-            </a:pPr>
-            <a:r>
-              <a:rPr lang="en-US" sz="2000" dirty="0"/>
-              <a:t>Eps: Distance</a:t>
-            </a:r>
-          </a:p>
-          <a:p>
-            <a:pPr lvl="1">
-              <a:lnSpc>
-                <a:spcPct val="90000"/>
-              </a:lnSpc>
-            </a:pPr>
-            <a:r>
-              <a:rPr lang="en-US" sz="2000" dirty="0"/>
-              <a:t>Metric: How distance is measured</a:t>
-            </a:r>
-          </a:p>
-          <a:p>
-            <a:pPr>
-              <a:lnSpc>
-                <a:spcPct val="90000"/>
-              </a:lnSpc>
-            </a:pPr>
-            <a:endParaRPr lang="en-US" sz="1800" dirty="0"/>
-          </a:p>
-        </p:txBody>
-      </p:sp>
-      <p:pic>
-        <p:nvPicPr>
-          <p:cNvPr id="6" name="Picture 5" descr="Chart, scatter chart&#10;&#10;Description automatically generated">
-            <a:extLst>
-              <a:ext uri="{FF2B5EF4-FFF2-40B4-BE49-F238E27FC236}">
-                <a16:creationId xmlns:a16="http://schemas.microsoft.com/office/drawing/2014/main" id="{1AC20F17-5E6E-4F4E-9998-FC442F309EFA}"/>
-              </a:ext>
-            </a:extLst>
-          </p:cNvPr>
-          <p:cNvPicPr>
-            <a:picLocks noChangeAspect="1"/>
-          </p:cNvPicPr>
-          <p:nvPr/>
-        </p:nvPicPr>
-        <p:blipFill>
-          <a:blip r:embed="rId2"/>
-          <a:stretch>
-            <a:fillRect/>
-          </a:stretch>
-        </p:blipFill>
-        <p:spPr>
-          <a:xfrm>
-            <a:off x="4915348" y="729888"/>
-            <a:ext cx="6633184" cy="4974888"/>
-          </a:xfrm>
-          <a:prstGeom prst="rect">
-            <a:avLst/>
-          </a:prstGeom>
-        </p:spPr>
-      </p:pic>
-    </p:spTree>
-    <p:extLst>
-      <p:ext uri="{BB962C8B-B14F-4D97-AF65-F5344CB8AC3E}">
-        <p14:creationId xmlns:p14="http://schemas.microsoft.com/office/powerpoint/2010/main" val="372471611"/>
-      </p:ext>
-    </p:extLst>
-  </p:cSld>
-  <p:clrMapOvr>
-    <a:masterClrMapping/>
-  </p:clrMapOvr>
-</p:sld>
-</file>
-
-<file path=ppt/slides/slide9.xml><?xml version="1.0" encoding="utf-8"?>
 <p:sld xmlns:a="http://schemas.openxmlformats.org/drawingml/2006/main" xmlns:r="http://schemas.openxmlformats.org/officeDocument/2006/relationships" xmlns:p="http://schemas.openxmlformats.org/presentationml/2006/main">
   <p:cSld>
     <p:bg>
@@ -10155,7 +9575,7 @@
       </p:grpSpPr>
       <p:sp useBgFill="1">
         <p:nvSpPr>
-          <p:cNvPr id="12" name="Rectangle 11">
+          <p:cNvPr id="10" name="Rectangle 9">
             <a:extLst>
               <a:ext uri="{FF2B5EF4-FFF2-40B4-BE49-F238E27FC236}">
                 <a16:creationId xmlns:a16="http://schemas.microsoft.com/office/drawing/2014/main" id="{95CB840F-8E41-4CA5-B79B-25CC80AD234A}"/>
@@ -10231,7 +9651,7 @@
         </p:nvSpPr>
         <p:spPr>
           <a:xfrm>
-            <a:off x="913796" y="643465"/>
+            <a:off x="913796" y="206350"/>
             <a:ext cx="3382638" cy="1370605"/>
           </a:xfrm>
         </p:spPr>
@@ -10267,17 +9687,89 @@
                 <a:ea typeface="+mj-ea"/>
                 <a:cs typeface="Trebuchet MS"/>
               </a:rPr>
-              <a:t>Isolation Forest</a:t>
+              <a:t>Local Outlier Factor</a:t>
+            </a:r>
+          </a:p>
+        </p:txBody>
+      </p:sp>
+      <p:sp>
+        <p:nvSpPr>
+          <p:cNvPr id="3" name="Content Placeholder 2">
+            <a:extLst>
+              <a:ext uri="{FF2B5EF4-FFF2-40B4-BE49-F238E27FC236}">
+                <a16:creationId xmlns:a16="http://schemas.microsoft.com/office/drawing/2014/main" id="{A05F9829-970F-4B17-AE93-A5D8694A2F1A}"/>
+              </a:ext>
+            </a:extLst>
+          </p:cNvPr>
+          <p:cNvSpPr>
+            <a:spLocks noGrp="1"/>
+          </p:cNvSpPr>
+          <p:nvPr>
+            <p:ph sz="half" idx="1"/>
+          </p:nvPr>
+        </p:nvSpPr>
+        <p:spPr>
+          <a:xfrm>
+            <a:off x="913796" y="1299411"/>
+            <a:ext cx="3358084" cy="4684294"/>
+          </a:xfrm>
+        </p:spPr>
+        <p:txBody>
+          <a:bodyPr vert="horz" lIns="91440" tIns="45720" rIns="91440" bIns="45720" rtlCol="0" anchor="t">
+            <a:normAutofit/>
+          </a:bodyPr>
+          <a:lstStyle/>
+          <a:p>
+            <a:r>
+              <a:rPr lang="en-US" sz="2000" dirty="0"/>
+              <a:t>Focuses on Anomaly Score more than classification</a:t>
+            </a:r>
+          </a:p>
+          <a:p>
+            <a:r>
+              <a:rPr lang="en-US" sz="2000" dirty="0"/>
+              <a:t>Based on contamination parameter, will create a threshold</a:t>
+            </a:r>
+          </a:p>
+          <a:p>
+            <a:r>
+              <a:rPr lang="en-US" sz="2000" dirty="0"/>
+              <a:t>3 main parameters;</a:t>
+            </a:r>
+          </a:p>
+          <a:p>
+            <a:pPr lvl="1"/>
+            <a:r>
+              <a:rPr lang="en-US" sz="1800" dirty="0" err="1"/>
+              <a:t>N_neighbors</a:t>
+            </a:r>
+            <a:r>
+              <a:rPr lang="en-US" sz="1800" dirty="0"/>
+              <a:t>: number of points for a dense cluster</a:t>
+            </a:r>
+          </a:p>
+          <a:p>
+            <a:pPr lvl="1"/>
+            <a:r>
+              <a:rPr lang="en-US" sz="1800" dirty="0"/>
+              <a:t>Metric: how distance is measured</a:t>
+            </a:r>
+          </a:p>
+          <a:p>
+            <a:pPr lvl="1"/>
+            <a:r>
+              <a:rPr lang="en-US" sz="1800" dirty="0"/>
+              <a:t>Contamination: Percent contaminated</a:t>
             </a:r>
           </a:p>
         </p:txBody>
       </p:sp>
       <p:pic>
         <p:nvPicPr>
-          <p:cNvPr id="7" name="Content Placeholder 4" descr="Chart&#10;&#10;Description automatically generated">
+          <p:cNvPr id="5" name="Picture 4" descr="A picture containing scatter chart&#10;&#10;Description automatically generated">
             <a:extLst>
               <a:ext uri="{FF2B5EF4-FFF2-40B4-BE49-F238E27FC236}">
-                <a16:creationId xmlns:a16="http://schemas.microsoft.com/office/drawing/2014/main" id="{A6AF167F-EBBB-4AEC-BC84-6D28FB692153}"/>
+                <a16:creationId xmlns:a16="http://schemas.microsoft.com/office/drawing/2014/main" id="{A1AD52A9-B28E-4DD7-989F-ADFF1847D471}"/>
               </a:ext>
             </a:extLst>
           </p:cNvPr>
@@ -10294,102 +9786,317 @@
         </p:blipFill>
         <p:spPr>
           <a:xfrm>
-            <a:off x="4915348" y="729889"/>
-            <a:ext cx="6633184" cy="4974887"/>
+            <a:off x="4639248" y="663557"/>
+            <a:ext cx="6909284" cy="5320148"/>
           </a:xfrm>
           <a:prstGeom prst="rect">
             <a:avLst/>
           </a:prstGeom>
         </p:spPr>
       </p:pic>
-      <p:sp>
-        <p:nvSpPr>
-          <p:cNvPr id="3" name="Content Placeholder 2">
+    </p:spTree>
+    <p:extLst>
+      <p:ext uri="{BB962C8B-B14F-4D97-AF65-F5344CB8AC3E}">
+        <p14:creationId xmlns:p14="http://schemas.microsoft.com/office/powerpoint/2010/main" val="769137800"/>
+      </p:ext>
+    </p:extLst>
+  </p:cSld>
+  <p:clrMapOvr>
+    <a:masterClrMapping/>
+  </p:clrMapOvr>
+</p:sld>
+</file>
+
+<file path=ppt/slides/slide9.xml><?xml version="1.0" encoding="utf-8"?>
+<p:sld xmlns:a="http://schemas.openxmlformats.org/drawingml/2006/main" xmlns:r="http://schemas.openxmlformats.org/officeDocument/2006/relationships" xmlns:p="http://schemas.openxmlformats.org/presentationml/2006/main">
+  <p:cSld>
+    <p:bg>
+      <p:bgPr>
+        <a:blipFill rotWithShape="1">
+          <a:blip r:embed="rId3">
+            <a:duotone>
+              <a:schemeClr val="bg1">
+                <a:shade val="80000"/>
+                <a:lumMod val="80000"/>
+              </a:schemeClr>
+              <a:schemeClr val="bg1">
+                <a:tint val="98000"/>
+              </a:schemeClr>
+            </a:duotone>
+          </a:blip>
+          <a:stretch/>
+        </a:blipFill>
+        <a:effectLst/>
+      </p:bgPr>
+    </p:bg>
+    <p:spTree>
+      <p:nvGrpSpPr>
+        <p:cNvPr id="1" name=""/>
+        <p:cNvGrpSpPr/>
+        <p:nvPr/>
+      </p:nvGrpSpPr>
+      <p:grpSpPr>
+        <a:xfrm>
+          <a:off x="0" y="0"/>
+          <a:ext cx="0" cy="0"/>
+          <a:chOff x="0" y="0"/>
+          <a:chExt cx="0" cy="0"/>
+        </a:xfrm>
+      </p:grpSpPr>
+      <p:sp useBgFill="1">
+        <p:nvSpPr>
+          <p:cNvPr id="11" name="Rectangle 8">
             <a:extLst>
               <a:ext uri="{FF2B5EF4-FFF2-40B4-BE49-F238E27FC236}">
-                <a16:creationId xmlns:a16="http://schemas.microsoft.com/office/drawing/2014/main" id="{A05F9829-970F-4B17-AE93-A5D8694A2F1A}"/>
+                <a16:creationId xmlns:a16="http://schemas.microsoft.com/office/drawing/2014/main" id="{886D4A05-AFD9-4D13-98E7-B23E4C9D785A}"/>
+              </a:ext>
+              <a:ext uri="{C183D7F6-B498-43B3-948B-1728B52AA6E4}">
+                <adec:decorative xmlns:adec="http://schemas.microsoft.com/office/drawing/2017/decorative" val="1"/>
               </a:ext>
             </a:extLst>
           </p:cNvPr>
           <p:cNvSpPr>
-            <a:spLocks noGrp="1"/>
-          </p:cNvSpPr>
-          <p:nvPr>
-            <p:ph sz="half" idx="1"/>
-          </p:nvPr>
-        </p:nvSpPr>
-        <p:spPr>
-          <a:xfrm>
-            <a:off x="913796" y="1748589"/>
-            <a:ext cx="3358084" cy="4042610"/>
-          </a:xfrm>
-        </p:spPr>
-        <p:txBody>
-          <a:bodyPr vert="horz" lIns="91440" tIns="45720" rIns="91440" bIns="45720" rtlCol="0" anchor="t">
-            <a:noAutofit/>
+            <a:spLocks noGrp="1" noRot="1" noChangeAspect="1" noMove="1" noResize="1" noEditPoints="1" noAdjustHandles="1" noChangeArrowheads="1" noChangeShapeType="1" noTextEdit="1"/>
+          </p:cNvSpPr>
+          <p:nvPr>
+            <p:extLst>
+              <p:ext uri="{386F3935-93C4-4BCD-93E2-E3B085C9AB24}">
+                <p16:designElem xmlns:p16="http://schemas.microsoft.com/office/powerpoint/2015/main" val="1"/>
+              </p:ext>
+            </p:extLst>
+          </p:nvPr>
+        </p:nvSpPr>
+        <p:spPr>
+          <a:xfrm>
+            <a:off x="0" y="0"/>
+            <a:ext cx="12192000" cy="6858000"/>
+          </a:xfrm>
+          <a:prstGeom prst="rect">
+            <a:avLst/>
+          </a:prstGeom>
+          <a:ln>
+            <a:noFill/>
+          </a:ln>
+        </p:spPr>
+        <p:style>
+          <a:lnRef idx="2">
+            <a:schemeClr val="accent1">
+              <a:shade val="50000"/>
+            </a:schemeClr>
+          </a:lnRef>
+          <a:fillRef idx="1">
+            <a:schemeClr val="accent1"/>
+          </a:fillRef>
+          <a:effectRef idx="0">
+            <a:schemeClr val="accent1"/>
+          </a:effectRef>
+          <a:fontRef idx="minor">
+            <a:schemeClr val="lt1"/>
+          </a:fontRef>
+        </p:style>
+        <p:txBody>
+          <a:bodyPr rtlCol="0" anchor="ctr"/>
+          <a:lstStyle/>
+          <a:p>
+            <a:pPr algn="ctr"/>
+            <a:endParaRPr lang="en-US"/>
+          </a:p>
+        </p:txBody>
+      </p:sp>
+      <p:sp>
+        <p:nvSpPr>
+          <p:cNvPr id="2" name="Title 1">
+            <a:extLst>
+              <a:ext uri="{FF2B5EF4-FFF2-40B4-BE49-F238E27FC236}">
+                <a16:creationId xmlns:a16="http://schemas.microsoft.com/office/drawing/2014/main" id="{5DD5A099-FAB1-4ED5-A544-1967A612ADAE}"/>
+              </a:ext>
+            </a:extLst>
+          </p:cNvPr>
+          <p:cNvSpPr>
+            <a:spLocks noGrp="1"/>
+          </p:cNvSpPr>
+          <p:nvPr>
+            <p:ph type="title"/>
+          </p:nvPr>
+        </p:nvSpPr>
+        <p:spPr>
+          <a:xfrm>
+            <a:off x="1370693" y="5274201"/>
+            <a:ext cx="9440034" cy="853251"/>
+          </a:xfrm>
+        </p:spPr>
+        <p:txBody>
+          <a:bodyPr vert="horz" lIns="91440" tIns="45720" rIns="91440" bIns="45720" rtlCol="0" anchor="b">
+            <a:normAutofit/>
           </a:bodyPr>
           <a:lstStyle/>
           <a:p>
-            <a:pPr>
+            <a:r>
+              <a:rPr lang="en-US" sz="3600" dirty="0"/>
+              <a:t>Base RMSE: $220,000</a:t>
+            </a:r>
+          </a:p>
+        </p:txBody>
+      </p:sp>
+      <p:pic>
+        <p:nvPicPr>
+          <p:cNvPr id="4" name="Picture 3" descr="Chart&#10;&#10;Description automatically generated">
+            <a:extLst>
+              <a:ext uri="{FF2B5EF4-FFF2-40B4-BE49-F238E27FC236}">
+                <a16:creationId xmlns:a16="http://schemas.microsoft.com/office/drawing/2014/main" id="{291DB090-851D-45B6-8853-B472CDEC6CAD}"/>
+              </a:ext>
+            </a:extLst>
+          </p:cNvPr>
+          <p:cNvPicPr>
+            <a:picLocks noChangeAspect="1"/>
+          </p:cNvPicPr>
+          <p:nvPr/>
+        </p:nvPicPr>
+        <p:blipFill>
+          <a:blip r:embed="rId4"/>
+          <a:stretch>
+            <a:fillRect/>
+          </a:stretch>
+        </p:blipFill>
+        <p:spPr>
+          <a:xfrm>
+            <a:off x="634654" y="1909119"/>
+            <a:ext cx="10912112" cy="2837148"/>
+          </a:xfrm>
+          <a:prstGeom prst="rect">
+            <a:avLst/>
+          </a:prstGeom>
+        </p:spPr>
+      </p:pic>
+      <p:sp>
+        <p:nvSpPr>
+          <p:cNvPr id="8" name="Title 1">
+            <a:extLst>
+              <a:ext uri="{FF2B5EF4-FFF2-40B4-BE49-F238E27FC236}">
+                <a16:creationId xmlns:a16="http://schemas.microsoft.com/office/drawing/2014/main" id="{5CDC484D-A9BB-4CB5-BB45-5B3F353AA7FE}"/>
+              </a:ext>
+            </a:extLst>
+          </p:cNvPr>
+          <p:cNvSpPr txBox="1">
+            <a:spLocks/>
+          </p:cNvSpPr>
+          <p:nvPr/>
+        </p:nvSpPr>
+        <p:spPr>
+          <a:xfrm>
+            <a:off x="1370693" y="527934"/>
+            <a:ext cx="9440034" cy="853251"/>
+          </a:xfrm>
+          <a:prstGeom prst="rect">
+            <a:avLst/>
+          </a:prstGeom>
+          <a:effectLst>
+            <a:outerShdw blurRad="25400" dir="17880000">
+              <a:srgbClr val="000000">
+                <a:alpha val="46000"/>
+              </a:srgbClr>
+            </a:outerShdw>
+          </a:effectLst>
+        </p:spPr>
+        <p:txBody>
+          <a:bodyPr vert="horz" lIns="91440" tIns="45720" rIns="91440" bIns="45720" rtlCol="0" anchor="b">
+            <a:normAutofit/>
+          </a:bodyPr>
+          <a:lstStyle>
+            <a:lvl1pPr algn="ctr" defTabSz="457200" rtl="0" eaLnBrk="1" latinLnBrk="0" hangingPunct="1">
               <a:lnSpc>
                 <a:spcPct val="90000"/>
               </a:lnSpc>
-            </a:pPr>
-            <a:r>
-              <a:rPr lang="en-US" sz="2000" dirty="0"/>
-              <a:t>Creates partitions between min and max values</a:t>
-            </a:r>
-          </a:p>
-          <a:p>
-            <a:pPr>
-              <a:lnSpc>
-                <a:spcPct val="90000"/>
-              </a:lnSpc>
-            </a:pPr>
-            <a:r>
-              <a:rPr lang="en-US" sz="2000" dirty="0"/>
-              <a:t>Can be represented in a ‘tree’ structure</a:t>
-            </a:r>
-          </a:p>
-          <a:p>
-            <a:pPr>
-              <a:lnSpc>
-                <a:spcPct val="90000"/>
-              </a:lnSpc>
-            </a:pPr>
-            <a:r>
-              <a:rPr lang="en-US" sz="2000" dirty="0"/>
-              <a:t>1 main parameter:</a:t>
-            </a:r>
-          </a:p>
-          <a:p>
-            <a:pPr lvl="1">
-              <a:lnSpc>
-                <a:spcPct val="90000"/>
-              </a:lnSpc>
-            </a:pPr>
-            <a:r>
-              <a:rPr lang="en-US" sz="2000" dirty="0"/>
-              <a:t>Contamination:  The ‘percent’ of contamination within the data</a:t>
-            </a:r>
-          </a:p>
-          <a:p>
-            <a:pPr lvl="1">
-              <a:lnSpc>
-                <a:spcPct val="90000"/>
-              </a:lnSpc>
-            </a:pPr>
-            <a:r>
-              <a:rPr lang="en-US" sz="2000" dirty="0"/>
-              <a:t>This will also remove </a:t>
-            </a:r>
-            <a:r>
-              <a:rPr lang="en-US" sz="2000" i="1" dirty="0"/>
-              <a:t>x </a:t>
-            </a:r>
-            <a:r>
-              <a:rPr lang="en-US" sz="2000" dirty="0"/>
-              <a:t>percent of rows</a:t>
+              <a:spcBef>
+                <a:spcPct val="0"/>
+              </a:spcBef>
+              <a:buNone/>
+              <a:defRPr sz="4600" kern="1200">
+                <a:ln>
+                  <a:solidFill>
+                    <a:schemeClr val="bg1">
+                      <a:lumMod val="75000"/>
+                      <a:lumOff val="25000"/>
+                      <a:alpha val="10000"/>
+                    </a:schemeClr>
+                  </a:solidFill>
+                </a:ln>
+                <a:solidFill>
+                  <a:schemeClr val="tx2"/>
+                </a:solidFill>
+                <a:effectLst>
+                  <a:outerShdw blurRad="9525" dist="25400" dir="14640000" algn="tl" rotWithShape="0">
+                    <a:schemeClr val="bg1">
+                      <a:alpha val="30000"/>
+                    </a:schemeClr>
+                  </a:outerShdw>
+                </a:effectLst>
+                <a:latin typeface="+mj-lt"/>
+                <a:ea typeface="+mj-ea"/>
+                <a:cs typeface="Trebuchet MS"/>
+              </a:defRPr>
+            </a:lvl1pPr>
+            <a:lvl2pPr eaLnBrk="1" hangingPunct="1">
+              <a:defRPr>
+                <a:solidFill>
+                  <a:schemeClr val="tx2"/>
+                </a:solidFill>
+              </a:defRPr>
+            </a:lvl2pPr>
+            <a:lvl3pPr eaLnBrk="1" hangingPunct="1">
+              <a:defRPr>
+                <a:solidFill>
+                  <a:schemeClr val="tx2"/>
+                </a:solidFill>
+              </a:defRPr>
+            </a:lvl3pPr>
+            <a:lvl4pPr eaLnBrk="1" hangingPunct="1">
+              <a:defRPr>
+                <a:solidFill>
+                  <a:schemeClr val="tx2"/>
+                </a:solidFill>
+              </a:defRPr>
+            </a:lvl4pPr>
+            <a:lvl5pPr eaLnBrk="1" hangingPunct="1">
+              <a:defRPr>
+                <a:solidFill>
+                  <a:schemeClr val="tx2"/>
+                </a:solidFill>
+              </a:defRPr>
+            </a:lvl5pPr>
+            <a:lvl6pPr eaLnBrk="1" hangingPunct="1">
+              <a:defRPr>
+                <a:solidFill>
+                  <a:schemeClr val="tx2"/>
+                </a:solidFill>
+              </a:defRPr>
+            </a:lvl6pPr>
+            <a:lvl7pPr eaLnBrk="1" hangingPunct="1">
+              <a:defRPr>
+                <a:solidFill>
+                  <a:schemeClr val="tx2"/>
+                </a:solidFill>
+              </a:defRPr>
+            </a:lvl7pPr>
+            <a:lvl8pPr eaLnBrk="1" hangingPunct="1">
+              <a:defRPr>
+                <a:solidFill>
+                  <a:schemeClr val="tx2"/>
+                </a:solidFill>
+              </a:defRPr>
+            </a:lvl8pPr>
+            <a:lvl9pPr eaLnBrk="1" hangingPunct="1">
+              <a:defRPr>
+                <a:solidFill>
+                  <a:schemeClr val="tx2"/>
+                </a:solidFill>
+              </a:defRPr>
+            </a:lvl9pPr>
+          </a:lstStyle>
+          <a:p>
+            <a:r>
+              <a:rPr lang="en-US" sz="4800" dirty="0"/>
+              <a:t>Application</a:t>
             </a:r>
           </a:p>
         </p:txBody>
@@ -10397,7 +10104,7 @@
     </p:spTree>
     <p:extLst>
       <p:ext uri="{BB962C8B-B14F-4D97-AF65-F5344CB8AC3E}">
-        <p14:creationId xmlns:p14="http://schemas.microsoft.com/office/powerpoint/2010/main" val="1539239309"/>
+        <p14:creationId xmlns:p14="http://schemas.microsoft.com/office/powerpoint/2010/main" val="1440038013"/>
       </p:ext>
     </p:extLst>
   </p:cSld>

--- a/Outlier Detection Presentation.pptx
+++ b/Outlier Detection Presentation.pptx
@@ -5,26 +5,29 @@
     <p:sldMasterId id="2147483660" r:id="rId4"/>
   </p:sldMasterIdLst>
   <p:notesMasterIdLst>
-    <p:notesMasterId r:id="rId22"/>
+    <p:notesMasterId r:id="rId25"/>
   </p:notesMasterIdLst>
   <p:sldIdLst>
     <p:sldId id="279" r:id="rId5"/>
-    <p:sldId id="299" r:id="rId6"/>
-    <p:sldId id="281" r:id="rId7"/>
-    <p:sldId id="285" r:id="rId8"/>
-    <p:sldId id="284" r:id="rId9"/>
-    <p:sldId id="298" r:id="rId10"/>
-    <p:sldId id="287" r:id="rId11"/>
-    <p:sldId id="288" r:id="rId12"/>
-    <p:sldId id="289" r:id="rId13"/>
-    <p:sldId id="290" r:id="rId14"/>
-    <p:sldId id="291" r:id="rId15"/>
-    <p:sldId id="292" r:id="rId16"/>
-    <p:sldId id="293" r:id="rId17"/>
-    <p:sldId id="294" r:id="rId18"/>
-    <p:sldId id="295" r:id="rId19"/>
+    <p:sldId id="281" r:id="rId6"/>
+    <p:sldId id="284" r:id="rId7"/>
+    <p:sldId id="298" r:id="rId8"/>
+    <p:sldId id="287" r:id="rId9"/>
+    <p:sldId id="288" r:id="rId10"/>
+    <p:sldId id="285" r:id="rId11"/>
+    <p:sldId id="289" r:id="rId12"/>
+    <p:sldId id="290" r:id="rId13"/>
+    <p:sldId id="291" r:id="rId14"/>
+    <p:sldId id="292" r:id="rId15"/>
+    <p:sldId id="293" r:id="rId16"/>
+    <p:sldId id="294" r:id="rId17"/>
+    <p:sldId id="295" r:id="rId18"/>
+    <p:sldId id="300" r:id="rId19"/>
     <p:sldId id="296" r:id="rId20"/>
     <p:sldId id="297" r:id="rId21"/>
+    <p:sldId id="299" r:id="rId22"/>
+    <p:sldId id="301" r:id="rId23"/>
+    <p:sldId id="302" r:id="rId24"/>
   </p:sldIdLst>
   <p:sldSz cx="12192000" cy="6858000"/>
   <p:notesSz cx="6858000" cy="9144000"/>
@@ -213,7 +216,7 @@
           <a:p>
             <a:fld id="{AFD01546-198A-4195-BCF8-F0FF54C90E5E}" type="datetimeFigureOut">
               <a:rPr lang="en-US" smtClean="0"/>
-              <a:t>3/26/2022</a:t>
+              <a:t>3/29/2022</a:t>
             </a:fld>
             <a:endParaRPr lang="en-US" dirty="0"/>
           </a:p>
@@ -546,6 +549,35 @@
             </a:r>
           </a:p>
           <a:p>
+            <a:endParaRPr lang="en-US" dirty="0"/>
+          </a:p>
+          <a:p>
+            <a:pPr marL="0" marR="0" lvl="0" indent="0" algn="l" defTabSz="914400" rtl="0" eaLnBrk="1" fontAlgn="auto" latinLnBrk="0" hangingPunct="1">
+              <a:lnSpc>
+                <a:spcPct val="100000"/>
+              </a:lnSpc>
+              <a:spcBef>
+                <a:spcPts val="0"/>
+              </a:spcBef>
+              <a:spcAft>
+                <a:spcPts val="0"/>
+              </a:spcAft>
+              <a:buClrTx/>
+              <a:buSzTx/>
+              <a:buFontTx/>
+              <a:buNone/>
+              <a:tabLst/>
+              <a:defRPr/>
+            </a:pPr>
+            <a:r>
+              <a:rPr lang="en-US" dirty="0"/>
+              <a:t>Outlier detection is the identification of rare items, events or observations which deviate significantly from the data</a:t>
+            </a:r>
+          </a:p>
+          <a:p>
+            <a:endParaRPr lang="en-US" dirty="0"/>
+          </a:p>
+          <a:p>
             <a:r>
               <a:rPr lang="en-US" dirty="0"/>
               <a:t> </a:t>
@@ -695,6 +727,110 @@
           <a:p>
             <a:r>
               <a:rPr lang="en-US" dirty="0"/>
+              <a:t>2 Methods</a:t>
+            </a:r>
+          </a:p>
+          <a:p>
+            <a:pPr lvl="1"/>
+            <a:r>
+              <a:rPr lang="en-US" dirty="0"/>
+              <a:t>Univariate: Looking only at 1 variable</a:t>
+            </a:r>
+          </a:p>
+          <a:p>
+            <a:pPr lvl="1"/>
+            <a:r>
+              <a:rPr lang="en-US" dirty="0"/>
+              <a:t>Multivariate: Looking at 2 or more variables</a:t>
+            </a:r>
+          </a:p>
+          <a:p>
+            <a:endParaRPr lang="en-US" dirty="0"/>
+          </a:p>
+        </p:txBody>
+      </p:sp>
+      <p:sp>
+        <p:nvSpPr>
+          <p:cNvPr id="4" name="Slide Number Placeholder 3"/>
+          <p:cNvSpPr>
+            <a:spLocks noGrp="1"/>
+          </p:cNvSpPr>
+          <p:nvPr>
+            <p:ph type="sldNum" sz="quarter" idx="5"/>
+          </p:nvPr>
+        </p:nvSpPr>
+        <p:spPr/>
+        <p:txBody>
+          <a:bodyPr/>
+          <a:lstStyle/>
+          <a:p>
+            <a:fld id="{2E6DE88F-1F85-4A27-9D34-D74A50E7B0DA}" type="slidenum">
+              <a:rPr lang="en-US" smtClean="0"/>
+              <a:t>2</a:t>
+            </a:fld>
+            <a:endParaRPr lang="en-US" dirty="0"/>
+          </a:p>
+        </p:txBody>
+      </p:sp>
+    </p:spTree>
+    <p:extLst>
+      <p:ext uri="{BB962C8B-B14F-4D97-AF65-F5344CB8AC3E}">
+        <p14:creationId xmlns:p14="http://schemas.microsoft.com/office/powerpoint/2010/main" val="3037654719"/>
+      </p:ext>
+    </p:extLst>
+  </p:cSld>
+  <p:clrMapOvr>
+    <a:masterClrMapping/>
+  </p:clrMapOvr>
+</p:notes>
+</file>
+
+<file path=ppt/notesSlides/notesSlide3.xml><?xml version="1.0" encoding="utf-8"?>
+<p:notes xmlns:a="http://schemas.openxmlformats.org/drawingml/2006/main" xmlns:r="http://schemas.openxmlformats.org/officeDocument/2006/relationships" xmlns:p="http://schemas.openxmlformats.org/presentationml/2006/main">
+  <p:cSld>
+    <p:spTree>
+      <p:nvGrpSpPr>
+        <p:cNvPr id="1" name=""/>
+        <p:cNvGrpSpPr/>
+        <p:nvPr/>
+      </p:nvGrpSpPr>
+      <p:grpSpPr>
+        <a:xfrm>
+          <a:off x="0" y="0"/>
+          <a:ext cx="0" cy="0"/>
+          <a:chOff x="0" y="0"/>
+          <a:chExt cx="0" cy="0"/>
+        </a:xfrm>
+      </p:grpSpPr>
+      <p:sp>
+        <p:nvSpPr>
+          <p:cNvPr id="2" name="Slide Image Placeholder 1"/>
+          <p:cNvSpPr>
+            <a:spLocks noGrp="1" noRot="1" noChangeAspect="1"/>
+          </p:cNvSpPr>
+          <p:nvPr>
+            <p:ph type="sldImg"/>
+          </p:nvPr>
+        </p:nvSpPr>
+        <p:spPr/>
+      </p:sp>
+      <p:sp>
+        <p:nvSpPr>
+          <p:cNvPr id="3" name="Notes Placeholder 2"/>
+          <p:cNvSpPr>
+            <a:spLocks noGrp="1"/>
+          </p:cNvSpPr>
+          <p:nvPr>
+            <p:ph type="body" idx="1"/>
+          </p:nvPr>
+        </p:nvSpPr>
+        <p:spPr/>
+        <p:txBody>
+          <a:bodyPr/>
+          <a:lstStyle/>
+          <a:p>
+            <a:r>
+              <a:rPr lang="en-US" dirty="0"/>
               <a:t>RMSE </a:t>
             </a:r>
             <a:r>
@@ -705,7 +841,49 @@
                 <a:effectLst/>
                 <a:latin typeface="Slack-Lato"/>
               </a:rPr>
-              <a:t>is a measurement of how far the points are from the prediction, on average</a:t>
+              <a:t>is a measurement of how well the model fits the data. The lower the number the better.</a:t>
+            </a:r>
+          </a:p>
+          <a:p>
+            <a:endParaRPr lang="en-US" b="0" i="0" dirty="0">
+              <a:solidFill>
+                <a:srgbClr val="1D1C1D"/>
+              </a:solidFill>
+              <a:effectLst/>
+              <a:latin typeface="Slack-Lato"/>
+            </a:endParaRPr>
+          </a:p>
+          <a:p>
+            <a:r>
+              <a:rPr lang="en-US" b="0" i="0" dirty="0">
+                <a:solidFill>
+                  <a:srgbClr val="1D1C1D"/>
+                </a:solidFill>
+                <a:effectLst/>
+                <a:latin typeface="Slack-Lato"/>
+              </a:rPr>
+              <a:t>Which model keeps the highest amount of data for the lowest RMSE score</a:t>
+            </a:r>
+          </a:p>
+          <a:p>
+            <a:endParaRPr lang="en-US" b="0" i="0" dirty="0">
+              <a:solidFill>
+                <a:srgbClr val="1D1C1D"/>
+              </a:solidFill>
+              <a:effectLst/>
+              <a:latin typeface="Slack-Lato"/>
+            </a:endParaRPr>
+          </a:p>
+          <a:p>
+            <a:r>
+              <a:rPr lang="en-US" b="0" i="0" dirty="0">
+                <a:solidFill>
+                  <a:srgbClr val="1D1C1D"/>
+                </a:solidFill>
+                <a:effectLst/>
+                <a:latin typeface="Slack-Lato"/>
+              </a:rPr>
+              <a:t>I tested each of the models with different parameters to find the ‘Best’ model that produced the lowest RMSE score while maintaining high percentage of data</a:t>
             </a:r>
             <a:endParaRPr lang="en-US" dirty="0"/>
           </a:p>
@@ -728,7 +906,7 @@
           <a:p>
             <a:fld id="{2E6DE88F-1F85-4A27-9D34-D74A50E7B0DA}" type="slidenum">
               <a:rPr lang="en-US" smtClean="0"/>
-              <a:t>9</a:t>
+              <a:t>8</a:t>
             </a:fld>
             <a:endParaRPr lang="en-US" dirty="0"/>
           </a:p>
@@ -932,7 +1110,7 @@
           <a:p>
             <a:fld id="{88D38747-4367-4BD2-8D51-C97E202738E2}" type="datetime1">
               <a:rPr lang="en-US" smtClean="0"/>
-              <a:t>3/26/2022</a:t>
+              <a:t>3/29/2022</a:t>
             </a:fld>
             <a:endParaRPr lang="en-US" dirty="0"/>
           </a:p>
@@ -1237,7 +1415,7 @@
           <a:p>
             <a:fld id="{11F1B079-7EF0-44EE-B798-BCC497C9F3B2}" type="datetime1">
               <a:rPr lang="en-US" smtClean="0"/>
-              <a:t>3/26/2022</a:t>
+              <a:t>3/29/2022</a:t>
             </a:fld>
             <a:endParaRPr lang="en-US" dirty="0"/>
           </a:p>
@@ -1431,7 +1609,7 @@
           <a:p>
             <a:fld id="{28FF70A8-1D13-4657-95F0-A9EA54967B8D}" type="datetime1">
               <a:rPr lang="en-US" smtClean="0"/>
-              <a:t>3/26/2022</a:t>
+              <a:t>3/29/2022</a:t>
             </a:fld>
             <a:endParaRPr lang="en-US" dirty="0"/>
           </a:p>
@@ -1694,7 +1872,7 @@
           <a:p>
             <a:fld id="{21EB90AC-71BD-4C7F-8ACA-7B3F18292E63}" type="datetime1">
               <a:rPr lang="en-US" smtClean="0"/>
-              <a:t>3/26/2022</a:t>
+              <a:t>3/29/2022</a:t>
             </a:fld>
             <a:endParaRPr lang="en-US" dirty="0"/>
           </a:p>
@@ -2130,7 +2308,7 @@
           <a:p>
             <a:fld id="{4E6EFC2C-8905-46F0-B443-CE905B76BA01}" type="datetime1">
               <a:rPr lang="en-US" smtClean="0"/>
-              <a:t>3/26/2022</a:t>
+              <a:t>3/29/2022</a:t>
             </a:fld>
             <a:endParaRPr lang="en-US" dirty="0"/>
           </a:p>
@@ -2667,7 +2845,7 @@
           <a:p>
             <a:fld id="{D9079DC3-C9B5-499E-9140-0DC28B7074E2}" type="datetime1">
               <a:rPr lang="en-US" smtClean="0"/>
-              <a:t>3/26/2022</a:t>
+              <a:t>3/29/2022</a:t>
             </a:fld>
             <a:endParaRPr lang="en-US" dirty="0"/>
           </a:p>
@@ -3549,7 +3727,7 @@
           <a:p>
             <a:fld id="{30BB33EA-E472-4D22-9C03-A9C14AA21CED}" type="datetime1">
               <a:rPr lang="en-US" smtClean="0"/>
-              <a:t>3/26/2022</a:t>
+              <a:t>3/29/2022</a:t>
             </a:fld>
             <a:endParaRPr lang="en-US" dirty="0"/>
           </a:p>
@@ -3719,7 +3897,7 @@
           <a:p>
             <a:fld id="{73C55A3C-5767-4844-A0A3-83778C2E5409}" type="datetime1">
               <a:rPr lang="en-US" smtClean="0"/>
-              <a:t>3/26/2022</a:t>
+              <a:t>3/29/2022</a:t>
             </a:fld>
             <a:endParaRPr lang="en-US" dirty="0"/>
           </a:p>
@@ -3963,7 +4141,7 @@
           <a:p>
             <a:fld id="{CAE507A8-A5CF-4D38-AB86-7EDDA87A85D4}" type="datetime1">
               <a:rPr lang="en-US" smtClean="0"/>
-              <a:t>3/26/2022</a:t>
+              <a:t>3/29/2022</a:t>
             </a:fld>
             <a:endParaRPr lang="en-US" dirty="0"/>
           </a:p>
@@ -4205,7 +4383,7 @@
           <a:p>
             <a:fld id="{BDFCD27C-8599-43EF-BA1D-14DDC1946E06}" type="datetime1">
               <a:rPr lang="en-US" smtClean="0"/>
-              <a:t>3/26/2022</a:t>
+              <a:t>3/29/2022</a:t>
             </a:fld>
             <a:endParaRPr lang="en-US" dirty="0"/>
           </a:p>
@@ -4688,7 +4866,7 @@
           <a:p>
             <a:fld id="{49343D99-809A-49C0-96E5-4250D0B498EE}" type="datetime1">
               <a:rPr lang="en-US" smtClean="0"/>
-              <a:t>3/26/2022</a:t>
+              <a:t>3/29/2022</a:t>
             </a:fld>
             <a:endParaRPr lang="en-US" dirty="0"/>
           </a:p>
@@ -4806,7 +4984,7 @@
           <a:p>
             <a:fld id="{A143DE9B-B678-4EFB-BB7D-A4370204A0B0}" type="datetime1">
               <a:rPr lang="en-US" smtClean="0"/>
-              <a:t>3/26/2022</a:t>
+              <a:t>3/29/2022</a:t>
             </a:fld>
             <a:endParaRPr lang="en-US" dirty="0"/>
           </a:p>
@@ -4901,7 +5079,7 @@
           <a:p>
             <a:fld id="{E68812DA-F765-4142-A6A3-A8ED7235E082}" type="datetime1">
               <a:rPr lang="en-US" smtClean="0"/>
-              <a:t>3/26/2022</a:t>
+              <a:t>3/29/2022</a:t>
             </a:fld>
             <a:endParaRPr lang="en-US" dirty="0"/>
           </a:p>
@@ -5156,7 +5334,7 @@
           <a:p>
             <a:fld id="{3E0277FD-7DE6-41D4-930D-AC99F5AFE54E}" type="datetime1">
               <a:rPr lang="en-US" smtClean="0"/>
-              <a:t>3/26/2022</a:t>
+              <a:t>3/29/2022</a:t>
             </a:fld>
             <a:endParaRPr lang="en-US" dirty="0"/>
           </a:p>
@@ -5463,7 +5641,7 @@
           <a:p>
             <a:fld id="{9EA15526-7079-4B7B-987C-1B5FAE11A0FF}" type="datetime1">
               <a:rPr lang="en-US" smtClean="0"/>
-              <a:t>3/26/2022</a:t>
+              <a:t>3/29/2022</a:t>
             </a:fld>
             <a:endParaRPr lang="en-US" dirty="0"/>
           </a:p>
@@ -5698,7 +5876,7 @@
           <a:p>
             <a:fld id="{073ED0CC-082F-4160-86E5-0D6041F12778}" type="datetime1">
               <a:rPr lang="en-US" smtClean="0"/>
-              <a:t>3/26/2022</a:t>
+              <a:t>3/29/2022</a:t>
             </a:fld>
             <a:endParaRPr lang="en-US" dirty="0"/>
           </a:p>
@@ -6396,21 +6574,98 @@
           <a:chExt cx="0" cy="0"/>
         </a:xfrm>
       </p:grpSpPr>
-      <p:sp useBgFill="1">
-        <p:nvSpPr>
-          <p:cNvPr id="55" name="Rectangle 54">
+      <p:sp>
+        <p:nvSpPr>
+          <p:cNvPr id="2" name="Title 1">
             <a:extLst>
               <a:ext uri="{FF2B5EF4-FFF2-40B4-BE49-F238E27FC236}">
-                <a16:creationId xmlns:a16="http://schemas.microsoft.com/office/drawing/2014/main" id="{0EF2A0DA-AE81-4A45-972E-646AC2870C2F}"/>
+                <a16:creationId xmlns:a16="http://schemas.microsoft.com/office/drawing/2014/main" id="{89559F60-4CE1-4E2F-86EA-1B60679F1F4A}"/>
+              </a:ext>
+            </a:extLst>
+          </p:cNvPr>
+          <p:cNvSpPr>
+            <a:spLocks noGrp="1"/>
+          </p:cNvSpPr>
+          <p:nvPr>
+            <p:ph type="title"/>
+          </p:nvPr>
+        </p:nvSpPr>
+        <p:spPr>
+          <a:xfrm>
+            <a:off x="1158948" y="1233378"/>
+            <a:ext cx="5441285" cy="2364964"/>
+          </a:xfrm>
+        </p:spPr>
+        <p:txBody>
+          <a:bodyPr vert="horz" lIns="91440" tIns="45720" rIns="91440" bIns="45720" rtlCol="0" anchor="b">
+            <a:normAutofit/>
+          </a:bodyPr>
+          <a:lstStyle/>
+          <a:p>
+            <a:r>
+              <a:rPr lang="en-US" sz="5400" dirty="0"/>
+              <a:t>Outlier Detection</a:t>
+            </a:r>
+          </a:p>
+        </p:txBody>
+      </p:sp>
+      <p:sp>
+        <p:nvSpPr>
+          <p:cNvPr id="24" name="Content Placeholder 2">
+            <a:extLst>
+              <a:ext uri="{FF2B5EF4-FFF2-40B4-BE49-F238E27FC236}">
+                <a16:creationId xmlns:a16="http://schemas.microsoft.com/office/drawing/2014/main" id="{F260476B-CCA6-412B-A9C5-399C34AE6F05}"/>
+              </a:ext>
+            </a:extLst>
+          </p:cNvPr>
+          <p:cNvSpPr>
+            <a:spLocks noGrp="1"/>
+          </p:cNvSpPr>
+          <p:nvPr>
+            <p:ph idx="1"/>
+          </p:nvPr>
+        </p:nvSpPr>
+        <p:spPr>
+          <a:xfrm>
+            <a:off x="1158948" y="3598339"/>
+            <a:ext cx="5441286" cy="1675335"/>
+          </a:xfrm>
+        </p:spPr>
+        <p:txBody>
+          <a:bodyPr vert="horz" lIns="91440" tIns="45720" rIns="91440" bIns="45720" rtlCol="0" anchor="t">
+            <a:normAutofit/>
+          </a:bodyPr>
+          <a:lstStyle/>
+          <a:p>
+            <a:pPr marL="0" indent="0" algn="ctr">
+              <a:buNone/>
+            </a:pPr>
+            <a:r>
+              <a:rPr lang="en-US" sz="3600" dirty="0">
+                <a:solidFill>
+                  <a:schemeClr val="tx1"/>
+                </a:solidFill>
+              </a:rPr>
+              <a:t>Ben Fuqua</a:t>
+            </a:r>
+          </a:p>
+        </p:txBody>
+      </p:sp>
+      <p:pic>
+        <p:nvPicPr>
+          <p:cNvPr id="62" name="Picture 61">
+            <a:extLst>
+              <a:ext uri="{FF2B5EF4-FFF2-40B4-BE49-F238E27FC236}">
+                <a16:creationId xmlns:a16="http://schemas.microsoft.com/office/drawing/2014/main" id="{7D934112-154B-4CC7-A804-F3DCB2052E55}"/>
               </a:ext>
               <a:ext uri="{C183D7F6-B498-43B3-948B-1728B52AA6E4}">
                 <adec:decorative xmlns:adec="http://schemas.microsoft.com/office/drawing/2017/decorative" val="1"/>
               </a:ext>
             </a:extLst>
           </p:cNvPr>
-          <p:cNvSpPr>
-            <a:spLocks noGrp="1" noRot="1" noChangeAspect="1" noMove="1" noResize="1" noEditPoints="1" noAdjustHandles="1" noChangeArrowheads="1" noChangeShapeType="1" noTextEdit="1"/>
-          </p:cNvSpPr>
+          <p:cNvPicPr>
+            <a:picLocks noGrp="1" noRot="1" noChangeAspect="1" noMove="1" noResize="1" noEditPoints="1" noAdjustHandles="1" noChangeArrowheads="1" noChangeShapeType="1" noCrop="1"/>
+          </p:cNvPicPr>
           <p:nvPr>
             <p:extLst>
               <p:ext uri="{386F3935-93C4-4BCD-93E2-E3B085C9AB24}">
@@ -6418,73 +6673,28 @@
               </p:ext>
             </p:extLst>
           </p:nvPr>
-        </p:nvSpPr>
-        <p:spPr>
-          <a:xfrm>
-            <a:off x="0" y="0"/>
-            <a:ext cx="12192000" cy="6858000"/>
+        </p:nvPicPr>
+        <p:blipFill rotWithShape="1">
+          <a:blip r:embed="rId5">
+            <a:extLst>
+              <a:ext uri="{28A0092B-C50C-407E-A947-70E740481C1C}">
+                <a14:useLocalDpi xmlns:a14="http://schemas.microsoft.com/office/drawing/2010/main" val="0"/>
+              </a:ext>
+            </a:extLst>
+          </a:blip>
+          <a:srcRect t="964" r="2807" b="1446"/>
+          <a:stretch/>
+        </p:blipFill>
+        <p:spPr>
+          <a:xfrm>
+            <a:off x="7501468" y="1"/>
+            <a:ext cx="4690532" cy="6858000"/>
           </a:xfrm>
           <a:prstGeom prst="rect">
             <a:avLst/>
           </a:prstGeom>
-          <a:ln>
-            <a:noFill/>
-          </a:ln>
-        </p:spPr>
-        <p:style>
-          <a:lnRef idx="2">
-            <a:schemeClr val="accent1">
-              <a:shade val="50000"/>
-            </a:schemeClr>
-          </a:lnRef>
-          <a:fillRef idx="1">
-            <a:schemeClr val="accent1"/>
-          </a:fillRef>
-          <a:effectRef idx="0">
-            <a:schemeClr val="accent1"/>
-          </a:effectRef>
-          <a:fontRef idx="minor">
-            <a:schemeClr val="lt1"/>
-          </a:fontRef>
-        </p:style>
-        <p:txBody>
-          <a:bodyPr rtlCol="0" anchor="ctr"/>
-          <a:lstStyle/>
-          <a:p>
-            <a:pPr marL="0" marR="0" lvl="0" indent="0" algn="ctr" defTabSz="914400" rtl="0" eaLnBrk="1" fontAlgn="auto" latinLnBrk="0" hangingPunct="1">
-              <a:lnSpc>
-                <a:spcPct val="100000"/>
-              </a:lnSpc>
-              <a:spcBef>
-                <a:spcPts val="0"/>
-              </a:spcBef>
-              <a:spcAft>
-                <a:spcPts val="0"/>
-              </a:spcAft>
-              <a:buClrTx/>
-              <a:buSzTx/>
-              <a:buFontTx/>
-              <a:buNone/>
-              <a:tabLst/>
-              <a:defRPr/>
-            </a:pPr>
-            <a:endParaRPr kumimoji="0" lang="en-US" sz="1800" b="0" i="0" u="none" strike="noStrike" kern="1200" cap="none" spc="0" normalizeH="0" baseline="0" noProof="0" dirty="0">
-              <a:ln>
-                <a:noFill/>
-              </a:ln>
-              <a:solidFill>
-                <a:prstClr val="white"/>
-              </a:solidFill>
-              <a:effectLst/>
-              <a:uLnTx/>
-              <a:uFillTx/>
-              <a:latin typeface="Goudy Old Style"/>
-              <a:ea typeface="+mn-ea"/>
-              <a:cs typeface="+mn-cs"/>
-            </a:endParaRPr>
-          </a:p>
-        </p:txBody>
-      </p:sp>
+        </p:spPr>
+      </p:pic>
       <p:pic>
         <p:nvPicPr>
           <p:cNvPr id="3" name="Picture 2">
@@ -6503,50 +6713,6 @@
           <p:nvPr/>
         </p:nvPicPr>
         <p:blipFill rotWithShape="1">
-          <a:blip r:embed="rId5">
-            <a:extLst>
-              <a:ext uri="{28A0092B-C50C-407E-A947-70E740481C1C}">
-                <a14:useLocalDpi xmlns:a14="http://schemas.microsoft.com/office/drawing/2010/main" val="0"/>
-              </a:ext>
-            </a:extLst>
-          </a:blip>
-          <a:srcRect b="-1"/>
-          <a:stretch/>
-        </p:blipFill>
-        <p:spPr>
-          <a:xfrm>
-            <a:off x="-8622" y="10"/>
-            <a:ext cx="6096000" cy="6857990"/>
-          </a:xfrm>
-          <a:prstGeom prst="rect">
-            <a:avLst/>
-          </a:prstGeom>
-        </p:spPr>
-      </p:pic>
-      <p:pic>
-        <p:nvPicPr>
-          <p:cNvPr id="57" name="Picture 56">
-            <a:extLst>
-              <a:ext uri="{FF2B5EF4-FFF2-40B4-BE49-F238E27FC236}">
-                <a16:creationId xmlns:a16="http://schemas.microsoft.com/office/drawing/2014/main" id="{B536FA4E-0152-4E27-91DA-0FC22D1846BB}"/>
-              </a:ext>
-              <a:ext uri="{C183D7F6-B498-43B3-948B-1728B52AA6E4}">
-                <adec:decorative xmlns:adec="http://schemas.microsoft.com/office/drawing/2017/decorative" val="1"/>
-              </a:ext>
-            </a:extLst>
-          </p:cNvPr>
-          <p:cNvPicPr>
-            <a:picLocks noGrp="1" noRot="1" noChangeAspect="1" noMove="1" noResize="1" noEditPoints="1" noAdjustHandles="1" noChangeArrowheads="1" noChangeShapeType="1" noCrop="1"/>
-          </p:cNvPicPr>
-          <p:nvPr>
-            <p:extLst>
-              <p:ext uri="{386F3935-93C4-4BCD-93E2-E3B085C9AB24}">
-                <p16:designElem xmlns:p16="http://schemas.microsoft.com/office/powerpoint/2015/main" val="1"/>
-              </p:ext>
-            </p:extLst>
-          </p:nvPr>
-        </p:nvPicPr>
-        <p:blipFill rotWithShape="1">
           <a:blip r:embed="rId6">
             <a:extLst>
               <a:ext uri="{28A0092B-C50C-407E-A947-70E740481C1C}">
@@ -6554,150 +6720,19 @@
               </a:ext>
             </a:extLst>
           </a:blip>
-          <a:srcRect/>
+          <a:srcRect l="5692" r="19408"/>
           <a:stretch/>
         </p:blipFill>
         <p:spPr>
           <a:xfrm>
-            <a:off x="6257026" y="1"/>
-            <a:ext cx="5934973" cy="6858000"/>
+            <a:off x="7620351" y="10"/>
+            <a:ext cx="4571649" cy="6857990"/>
           </a:xfrm>
           <a:prstGeom prst="rect">
             <a:avLst/>
           </a:prstGeom>
         </p:spPr>
       </p:pic>
-      <p:sp>
-        <p:nvSpPr>
-          <p:cNvPr id="2" name="Title 1">
-            <a:extLst>
-              <a:ext uri="{FF2B5EF4-FFF2-40B4-BE49-F238E27FC236}">
-                <a16:creationId xmlns:a16="http://schemas.microsoft.com/office/drawing/2014/main" id="{89559F60-4CE1-4E2F-86EA-1B60679F1F4A}"/>
-              </a:ext>
-            </a:extLst>
-          </p:cNvPr>
-          <p:cNvSpPr>
-            <a:spLocks noGrp="1"/>
-          </p:cNvSpPr>
-          <p:nvPr>
-            <p:ph type="title"/>
-          </p:nvPr>
-        </p:nvSpPr>
-        <p:spPr>
-          <a:xfrm>
-            <a:off x="6900493" y="609600"/>
-            <a:ext cx="4538124" cy="970450"/>
-          </a:xfrm>
-        </p:spPr>
-        <p:txBody>
-          <a:bodyPr anchor="b">
-            <a:normAutofit/>
-          </a:bodyPr>
-          <a:lstStyle/>
-          <a:p>
-            <a:pPr algn="l"/>
-            <a:r>
-              <a:rPr lang="en-US" sz="4000" dirty="0"/>
-              <a:t>Outlier Detection</a:t>
-            </a:r>
-          </a:p>
-        </p:txBody>
-      </p:sp>
-      <p:sp>
-        <p:nvSpPr>
-          <p:cNvPr id="24" name="Content Placeholder 2">
-            <a:extLst>
-              <a:ext uri="{FF2B5EF4-FFF2-40B4-BE49-F238E27FC236}">
-                <a16:creationId xmlns:a16="http://schemas.microsoft.com/office/drawing/2014/main" id="{F260476B-CCA6-412B-A9C5-399C34AE6F05}"/>
-              </a:ext>
-            </a:extLst>
-          </p:cNvPr>
-          <p:cNvSpPr>
-            <a:spLocks noGrp="1"/>
-          </p:cNvSpPr>
-          <p:nvPr>
-            <p:ph idx="1"/>
-          </p:nvPr>
-        </p:nvSpPr>
-        <p:spPr>
-          <a:xfrm>
-            <a:off x="6900493" y="1732449"/>
-            <a:ext cx="4403596" cy="4058751"/>
-          </a:xfrm>
-        </p:spPr>
-        <p:txBody>
-          <a:bodyPr anchor="t">
-            <a:normAutofit/>
-          </a:bodyPr>
-          <a:lstStyle/>
-          <a:p>
-            <a:pPr marL="36900" lvl="0" indent="0">
-              <a:buNone/>
-            </a:pPr>
-            <a:r>
-              <a:rPr lang="en-US" sz="2400" dirty="0"/>
-              <a:t>What is Outlier Detection?</a:t>
-            </a:r>
-          </a:p>
-          <a:p>
-            <a:pPr marL="36900" lvl="0" indent="0">
-              <a:buNone/>
-            </a:pPr>
-            <a:r>
-              <a:rPr lang="en-US" sz="2400" dirty="0"/>
-              <a:t>Why Multi-Variate?</a:t>
-            </a:r>
-          </a:p>
-          <a:p>
-            <a:pPr marL="36900" lvl="0" indent="0">
-              <a:buNone/>
-            </a:pPr>
-            <a:r>
-              <a:rPr lang="en-US" sz="2400" dirty="0"/>
-              <a:t>DBSCAN</a:t>
-            </a:r>
-          </a:p>
-          <a:p>
-            <a:pPr marL="36900" lvl="0" indent="0">
-              <a:buNone/>
-            </a:pPr>
-            <a:r>
-              <a:rPr lang="en-US" sz="2400" dirty="0"/>
-              <a:t>Isolation Forest</a:t>
-            </a:r>
-          </a:p>
-          <a:p>
-            <a:pPr marL="36900" lvl="0" indent="0">
-              <a:buNone/>
-            </a:pPr>
-            <a:r>
-              <a:rPr lang="en-US" sz="2400" dirty="0"/>
-              <a:t>Local Outlier Factor</a:t>
-            </a:r>
-          </a:p>
-          <a:p>
-            <a:pPr marL="36900" lvl="0" indent="0">
-              <a:buNone/>
-            </a:pPr>
-            <a:r>
-              <a:rPr lang="en-US" sz="2400" dirty="0"/>
-              <a:t>Application</a:t>
-            </a:r>
-          </a:p>
-          <a:p>
-            <a:pPr marL="36900" lvl="0" indent="0">
-              <a:buNone/>
-            </a:pPr>
-            <a:r>
-              <a:rPr lang="en-US" sz="2400" dirty="0"/>
-              <a:t>Q&amp;A</a:t>
-            </a:r>
-          </a:p>
-          <a:p>
-            <a:endParaRPr lang="en-US" sz="2400" dirty="0"/>
-          </a:p>
-        </p:txBody>
-      </p:sp>
     </p:spTree>
     <p:extLst>
       <p:ext uri="{BB962C8B-B14F-4D97-AF65-F5344CB8AC3E}">
@@ -6712,112 +6747,6 @@
 </file>
 
 <file path=ppt/slides/slide10.xml><?xml version="1.0" encoding="utf-8"?>
-<p:sld xmlns:a="http://schemas.openxmlformats.org/drawingml/2006/main" xmlns:r="http://schemas.openxmlformats.org/officeDocument/2006/relationships" xmlns:p="http://schemas.openxmlformats.org/presentationml/2006/main">
-  <p:cSld>
-    <p:spTree>
-      <p:nvGrpSpPr>
-        <p:cNvPr id="1" name=""/>
-        <p:cNvGrpSpPr/>
-        <p:nvPr/>
-      </p:nvGrpSpPr>
-      <p:grpSpPr>
-        <a:xfrm>
-          <a:off x="0" y="0"/>
-          <a:ext cx="0" cy="0"/>
-          <a:chOff x="0" y="0"/>
-          <a:chExt cx="0" cy="0"/>
-        </a:xfrm>
-      </p:grpSpPr>
-      <p:sp>
-        <p:nvSpPr>
-          <p:cNvPr id="2" name="Title 1">
-            <a:extLst>
-              <a:ext uri="{FF2B5EF4-FFF2-40B4-BE49-F238E27FC236}">
-                <a16:creationId xmlns:a16="http://schemas.microsoft.com/office/drawing/2014/main" id="{80C56DDC-BE7D-496A-A68F-1952FE56D1B5}"/>
-              </a:ext>
-            </a:extLst>
-          </p:cNvPr>
-          <p:cNvSpPr>
-            <a:spLocks noGrp="1"/>
-          </p:cNvSpPr>
-          <p:nvPr>
-            <p:ph type="title"/>
-          </p:nvPr>
-        </p:nvSpPr>
-        <p:spPr/>
-        <p:txBody>
-          <a:bodyPr>
-            <a:normAutofit/>
-          </a:bodyPr>
-          <a:lstStyle/>
-          <a:p>
-            <a:r>
-              <a:rPr lang="en-US" dirty="0"/>
-              <a:t>DBSCAN</a:t>
-            </a:r>
-            <a:br>
-              <a:rPr lang="en-US" dirty="0"/>
-            </a:br>
-            <a:r>
-              <a:rPr lang="en-US" sz="1800" dirty="0"/>
-              <a:t>eps =  9 | </a:t>
-            </a:r>
-            <a:r>
-              <a:rPr lang="en-US" sz="1800" dirty="0" err="1"/>
-              <a:t>min_samples</a:t>
-            </a:r>
-            <a:r>
-              <a:rPr lang="en-US" sz="1800" dirty="0"/>
-              <a:t> = 6</a:t>
-            </a:r>
-            <a:endParaRPr lang="en-US" dirty="0"/>
-          </a:p>
-        </p:txBody>
-      </p:sp>
-      <p:pic>
-        <p:nvPicPr>
-          <p:cNvPr id="4" name="Picture 3" descr="Chart, line chart&#10;&#10;Description automatically generated">
-            <a:extLst>
-              <a:ext uri="{FF2B5EF4-FFF2-40B4-BE49-F238E27FC236}">
-                <a16:creationId xmlns:a16="http://schemas.microsoft.com/office/drawing/2014/main" id="{80896F77-FB86-4F59-9962-1453A3174155}"/>
-              </a:ext>
-            </a:extLst>
-          </p:cNvPr>
-          <p:cNvPicPr>
-            <a:picLocks noChangeAspect="1"/>
-          </p:cNvPicPr>
-          <p:nvPr/>
-        </p:nvPicPr>
-        <p:blipFill>
-          <a:blip r:embed="rId2"/>
-          <a:stretch>
-            <a:fillRect/>
-          </a:stretch>
-        </p:blipFill>
-        <p:spPr>
-          <a:xfrm>
-            <a:off x="1237688" y="1866900"/>
-            <a:ext cx="9705975" cy="3486150"/>
-          </a:xfrm>
-          <a:prstGeom prst="rect">
-            <a:avLst/>
-          </a:prstGeom>
-        </p:spPr>
-      </p:pic>
-    </p:spTree>
-    <p:extLst>
-      <p:ext uri="{BB962C8B-B14F-4D97-AF65-F5344CB8AC3E}">
-        <p14:creationId xmlns:p14="http://schemas.microsoft.com/office/powerpoint/2010/main" val="3554264018"/>
-      </p:ext>
-    </p:extLst>
-  </p:cSld>
-  <p:clrMapOvr>
-    <a:masterClrMapping/>
-  </p:clrMapOvr>
-</p:sld>
-</file>
-
-<file path=ppt/slides/slide11.xml><?xml version="1.0" encoding="utf-8"?>
 <p:sld xmlns:a="http://schemas.openxmlformats.org/drawingml/2006/main" xmlns:r="http://schemas.openxmlformats.org/officeDocument/2006/relationships" xmlns:p="http://schemas.openxmlformats.org/presentationml/2006/main">
   <p:cSld>
     <p:bg>
@@ -6937,14 +6866,102 @@
         </p:spPr>
         <p:txBody>
           <a:bodyPr vert="horz" lIns="91440" tIns="45720" rIns="91440" bIns="45720" rtlCol="0" anchor="b">
-            <a:normAutofit/>
+            <a:normAutofit fontScale="90000"/>
           </a:bodyPr>
           <a:lstStyle/>
           <a:p>
             <a:r>
-              <a:rPr lang="en-US" sz="4800"/>
+              <a:rPr lang="en-US" sz="4800" dirty="0"/>
               <a:t>Resulting Data</a:t>
             </a:r>
+            <a:br>
+              <a:rPr lang="en-US" sz="4800" dirty="0"/>
+            </a:br>
+            <a:r>
+              <a:rPr kumimoji="0" lang="en-US" sz="3100" b="0" i="0" u="none" strike="noStrike" kern="1200" cap="none" spc="0" normalizeH="0" baseline="0" noProof="0" dirty="0">
+                <a:ln>
+                  <a:solidFill>
+                    <a:prstClr val="black">
+                      <a:lumMod val="75000"/>
+                      <a:lumOff val="25000"/>
+                      <a:alpha val="10000"/>
+                    </a:prstClr>
+                  </a:solidFill>
+                </a:ln>
+                <a:solidFill>
+                  <a:srgbClr val="F4EDD8"/>
+                </a:solidFill>
+                <a:effectLst>
+                  <a:outerShdw blurRad="9525" dist="25400" dir="14640000" algn="tl" rotWithShape="0">
+                    <a:prstClr val="black">
+                      <a:alpha val="30000"/>
+                    </a:prstClr>
+                  </a:outerShdw>
+                </a:effectLst>
+                <a:uLnTx/>
+                <a:uFillTx/>
+                <a:latin typeface="Goudy Old Style"/>
+                <a:ea typeface="+mj-ea"/>
+              </a:rPr>
+              <a:t>eps =  7 | </a:t>
+            </a:r>
+            <a:r>
+              <a:rPr kumimoji="0" lang="en-US" sz="3100" b="0" i="0" u="none" strike="noStrike" kern="1200" cap="none" spc="0" normalizeH="0" baseline="0" noProof="0" dirty="0" err="1">
+                <a:ln>
+                  <a:solidFill>
+                    <a:prstClr val="black">
+                      <a:lumMod val="75000"/>
+                      <a:lumOff val="25000"/>
+                      <a:alpha val="10000"/>
+                    </a:prstClr>
+                  </a:solidFill>
+                </a:ln>
+                <a:solidFill>
+                  <a:srgbClr val="F4EDD8"/>
+                </a:solidFill>
+                <a:effectLst>
+                  <a:outerShdw blurRad="9525" dist="25400" dir="14640000" algn="tl" rotWithShape="0">
+                    <a:prstClr val="black">
+                      <a:alpha val="30000"/>
+                    </a:prstClr>
+                  </a:outerShdw>
+                </a:effectLst>
+                <a:uLnTx/>
+                <a:uFillTx/>
+                <a:latin typeface="Goudy Old Style"/>
+                <a:ea typeface="+mj-ea"/>
+              </a:rPr>
+              <a:t>min_samples</a:t>
+            </a:r>
+            <a:r>
+              <a:rPr kumimoji="0" lang="en-US" sz="3100" b="0" i="0" u="none" strike="noStrike" kern="1200" cap="none" spc="0" normalizeH="0" baseline="0" noProof="0" dirty="0">
+                <a:ln>
+                  <a:solidFill>
+                    <a:prstClr val="black">
+                      <a:lumMod val="75000"/>
+                      <a:lumOff val="25000"/>
+                      <a:alpha val="10000"/>
+                    </a:prstClr>
+                  </a:solidFill>
+                </a:ln>
+                <a:solidFill>
+                  <a:srgbClr val="F4EDD8"/>
+                </a:solidFill>
+                <a:effectLst>
+                  <a:outerShdw blurRad="9525" dist="25400" dir="14640000" algn="tl" rotWithShape="0">
+                    <a:prstClr val="black">
+                      <a:alpha val="30000"/>
+                    </a:prstClr>
+                  </a:outerShdw>
+                </a:effectLst>
+                <a:uLnTx/>
+                <a:uFillTx/>
+                <a:latin typeface="Goudy Old Style"/>
+                <a:ea typeface="+mj-ea"/>
+              </a:rPr>
+              <a:t> = 8</a:t>
+            </a:r>
+            <a:endParaRPr lang="en-US" sz="4800" dirty="0"/>
           </a:p>
         </p:txBody>
       </p:sp>
@@ -6991,7 +7008,7 @@
 </p:sld>
 </file>
 
-<file path=ppt/slides/slide12.xml><?xml version="1.0" encoding="utf-8"?>
+<file path=ppt/slides/slide11.xml><?xml version="1.0" encoding="utf-8"?>
 <p:sld xmlns:a="http://schemas.openxmlformats.org/drawingml/2006/main" xmlns:r="http://schemas.openxmlformats.org/officeDocument/2006/relationships" xmlns:p="http://schemas.openxmlformats.org/presentationml/2006/main">
   <p:cSld>
     <p:spTree>
@@ -7040,30 +7057,15 @@
               <a:rPr lang="en-US" dirty="0"/>
               <a:t>Isolation Forest</a:t>
             </a:r>
-            <a:br>
-              <a:rPr lang="en-US" dirty="0"/>
-            </a:br>
-            <a:r>
-              <a:rPr lang="en-US" sz="1800" dirty="0"/>
-              <a:t>contamination = .15</a:t>
-            </a:r>
-            <a:br>
-              <a:rPr lang="en-US" sz="1800" dirty="0"/>
-            </a:br>
-            <a:r>
-              <a:rPr lang="en-US" sz="1800" dirty="0"/>
-              <a:t>Decrease of $70,000</a:t>
-            </a:r>
-            <a:endParaRPr lang="en-US" dirty="0"/>
           </a:p>
         </p:txBody>
       </p:sp>
       <p:pic>
         <p:nvPicPr>
-          <p:cNvPr id="5" name="Picture 4" descr="Chart, line chart&#10;&#10;Description automatically generated">
+          <p:cNvPr id="4" name="Picture 3" descr="Chart, line chart&#10;&#10;Description automatically generated">
             <a:extLst>
               <a:ext uri="{FF2B5EF4-FFF2-40B4-BE49-F238E27FC236}">
-                <a16:creationId xmlns:a16="http://schemas.microsoft.com/office/drawing/2014/main" id="{24B3EC80-52B3-4D89-B1B9-83A222A5DF44}"/>
+                <a16:creationId xmlns:a16="http://schemas.microsoft.com/office/drawing/2014/main" id="{7BFC5EB5-C8EC-4EFE-8BE2-6D7F95E2C46D}"/>
               </a:ext>
             </a:extLst>
           </p:cNvPr>
@@ -7080,63 +7082,14 @@
         </p:blipFill>
         <p:spPr>
           <a:xfrm>
-            <a:off x="3326295" y="1866900"/>
-            <a:ext cx="5528762" cy="4309356"/>
+            <a:off x="3084059" y="1695450"/>
+            <a:ext cx="6023882" cy="4705350"/>
           </a:xfrm>
           <a:prstGeom prst="rect">
             <a:avLst/>
           </a:prstGeom>
         </p:spPr>
       </p:pic>
-      <p:sp>
-        <p:nvSpPr>
-          <p:cNvPr id="6" name="Star: 5 Points 5">
-            <a:extLst>
-              <a:ext uri="{FF2B5EF4-FFF2-40B4-BE49-F238E27FC236}">
-                <a16:creationId xmlns:a16="http://schemas.microsoft.com/office/drawing/2014/main" id="{728EB4F7-2945-4466-AB78-5AEA2FA62AD2}"/>
-              </a:ext>
-            </a:extLst>
-          </p:cNvPr>
-          <p:cNvSpPr/>
-          <p:nvPr/>
-        </p:nvSpPr>
-        <p:spPr>
-          <a:xfrm>
-            <a:off x="7934326" y="838201"/>
-            <a:ext cx="190500" cy="190500"/>
-          </a:xfrm>
-          <a:prstGeom prst="star5">
-            <a:avLst/>
-          </a:prstGeom>
-          <a:ln>
-            <a:solidFill>
-              <a:schemeClr val="tx1"/>
-            </a:solidFill>
-          </a:ln>
-        </p:spPr>
-        <p:style>
-          <a:lnRef idx="2">
-            <a:schemeClr val="accent6"/>
-          </a:lnRef>
-          <a:fillRef idx="1">
-            <a:schemeClr val="lt1"/>
-          </a:fillRef>
-          <a:effectRef idx="0">
-            <a:schemeClr val="accent6"/>
-          </a:effectRef>
-          <a:fontRef idx="minor">
-            <a:schemeClr val="dk1"/>
-          </a:fontRef>
-        </p:style>
-        <p:txBody>
-          <a:bodyPr rtlCol="0" anchor="ctr"/>
-          <a:lstStyle/>
-          <a:p>
-            <a:pPr algn="ctr"/>
-            <a:endParaRPr lang="en-US"/>
-          </a:p>
-        </p:txBody>
-      </p:sp>
     </p:spTree>
     <p:extLst>
       <p:ext uri="{BB962C8B-B14F-4D97-AF65-F5344CB8AC3E}">
@@ -7150,7 +7103,7 @@
 </p:sld>
 </file>
 
-<file path=ppt/slides/slide13.xml><?xml version="1.0" encoding="utf-8"?>
+<file path=ppt/slides/slide12.xml><?xml version="1.0" encoding="utf-8"?>
 <p:sld xmlns:a="http://schemas.openxmlformats.org/drawingml/2006/main" xmlns:r="http://schemas.openxmlformats.org/officeDocument/2006/relationships" xmlns:p="http://schemas.openxmlformats.org/presentationml/2006/main">
   <p:cSld>
     <p:bg>
@@ -7270,14 +7223,22 @@
         </p:spPr>
         <p:txBody>
           <a:bodyPr vert="horz" lIns="91440" tIns="45720" rIns="91440" bIns="45720" rtlCol="0" anchor="b">
-            <a:normAutofit/>
+            <a:normAutofit fontScale="90000"/>
           </a:bodyPr>
           <a:lstStyle/>
           <a:p>
             <a:r>
-              <a:rPr lang="en-US" sz="4800"/>
+              <a:rPr lang="en-US" sz="4800" dirty="0"/>
               <a:t>Resulting Data</a:t>
             </a:r>
+            <a:br>
+              <a:rPr lang="en-US" sz="4800" dirty="0"/>
+            </a:br>
+            <a:r>
+              <a:rPr lang="en-US" sz="3100" dirty="0"/>
+              <a:t>contamination = .15</a:t>
+            </a:r>
+            <a:endParaRPr lang="en-US" sz="4800" dirty="0"/>
           </a:p>
         </p:txBody>
       </p:sp>
@@ -7324,7 +7285,7 @@
 </p:sld>
 </file>
 
-<file path=ppt/slides/slide14.xml><?xml version="1.0" encoding="utf-8"?>
+<file path=ppt/slides/slide13.xml><?xml version="1.0" encoding="utf-8"?>
 <p:sld xmlns:a="http://schemas.openxmlformats.org/drawingml/2006/main" xmlns:r="http://schemas.openxmlformats.org/officeDocument/2006/relationships" xmlns:p="http://schemas.openxmlformats.org/presentationml/2006/main">
   <p:cSld>
     <p:spTree>
@@ -7372,12 +7333,32 @@
               <a:rPr lang="en-US" dirty="0"/>
             </a:br>
             <a:r>
-              <a:rPr lang="en-US" sz="1800" dirty="0" err="1"/>
-              <a:t>n_neighbors</a:t>
-            </a:r>
-            <a:r>
-              <a:rPr lang="en-US" sz="1800" dirty="0"/>
-              <a:t> = 2 | metric = ‘Euclidean’ | contamination = ‘Auto’</a:t>
+              <a:rPr kumimoji="0" lang="en-US" sz="1800" b="0" i="0" u="none" strike="noStrike" kern="1200" cap="none" spc="0" normalizeH="0" baseline="0" noProof="0" dirty="0">
+                <a:ln>
+                  <a:solidFill>
+                    <a:prstClr val="black">
+                      <a:lumMod val="75000"/>
+                      <a:lumOff val="25000"/>
+                      <a:alpha val="10000"/>
+                    </a:prstClr>
+                  </a:solidFill>
+                </a:ln>
+                <a:solidFill>
+                  <a:srgbClr val="F4EDD8"/>
+                </a:solidFill>
+                <a:effectLst>
+                  <a:outerShdw blurRad="9525" dist="25400" dir="14640000" algn="tl" rotWithShape="0">
+                    <a:prstClr val="black">
+                      <a:alpha val="30000"/>
+                    </a:prstClr>
+                  </a:outerShdw>
+                </a:effectLst>
+                <a:uLnTx/>
+                <a:uFillTx/>
+                <a:latin typeface="Goudy Old Style"/>
+                <a:ea typeface="+mj-ea"/>
+              </a:rPr>
+              <a:t>See Appendix for more info</a:t>
             </a:r>
             <a:endParaRPr lang="en-US" dirty="0"/>
           </a:p>
@@ -7385,10 +7366,10 @@
       </p:sp>
       <p:pic>
         <p:nvPicPr>
-          <p:cNvPr id="4" name="Picture 3" descr="Chart, line chart, scatter chart&#10;&#10;Description automatically generated">
+          <p:cNvPr id="5" name="Picture 4" descr="Chart&#10;&#10;Description automatically generated">
             <a:extLst>
               <a:ext uri="{FF2B5EF4-FFF2-40B4-BE49-F238E27FC236}">
-                <a16:creationId xmlns:a16="http://schemas.microsoft.com/office/drawing/2014/main" id="{AE306275-8B39-482E-8807-D07448F5215C}"/>
+                <a16:creationId xmlns:a16="http://schemas.microsoft.com/office/drawing/2014/main" id="{C6B33686-FB22-4FC7-B281-4DFE886D01DF}"/>
               </a:ext>
             </a:extLst>
           </p:cNvPr>
@@ -7397,15 +7378,16 @@
           </p:cNvPicPr>
           <p:nvPr/>
         </p:nvPicPr>
-        <p:blipFill rotWithShape="1">
+        <p:blipFill>
           <a:blip r:embed="rId2"/>
-          <a:srcRect r="7963"/>
-          <a:stretch/>
+          <a:stretch>
+            <a:fillRect/>
+          </a:stretch>
         </p:blipFill>
         <p:spPr>
           <a:xfrm>
-            <a:off x="1165576" y="1866900"/>
-            <a:ext cx="9850200" cy="3844089"/>
+            <a:off x="3171904" y="1690066"/>
+            <a:ext cx="5848192" cy="4558334"/>
           </a:xfrm>
           <a:prstGeom prst="rect">
             <a:avLst/>
@@ -7425,7 +7407,7 @@
 </p:sld>
 </file>
 
-<file path=ppt/slides/slide15.xml><?xml version="1.0" encoding="utf-8"?>
+<file path=ppt/slides/slide14.xml><?xml version="1.0" encoding="utf-8"?>
 <p:sld xmlns:a="http://schemas.openxmlformats.org/drawingml/2006/main" xmlns:r="http://schemas.openxmlformats.org/officeDocument/2006/relationships" xmlns:p="http://schemas.openxmlformats.org/presentationml/2006/main">
   <p:cSld>
     <p:bg>
@@ -7545,14 +7527,74 @@
         </p:spPr>
         <p:txBody>
           <a:bodyPr vert="horz" lIns="91440" tIns="45720" rIns="91440" bIns="45720" rtlCol="0" anchor="b">
-            <a:normAutofit/>
+            <a:normAutofit fontScale="90000"/>
           </a:bodyPr>
           <a:lstStyle/>
           <a:p>
             <a:r>
-              <a:rPr lang="en-US" sz="4800"/>
+              <a:rPr lang="en-US" sz="4800" dirty="0"/>
               <a:t>Resulting Data</a:t>
             </a:r>
+            <a:br>
+              <a:rPr lang="cs-CZ" sz="4800" dirty="0"/>
+            </a:br>
+            <a:r>
+              <a:rPr kumimoji="0" lang="en-US" sz="3100" b="0" i="0" u="none" strike="noStrike" kern="1200" cap="none" spc="0" normalizeH="0" baseline="0" noProof="0" dirty="0" err="1">
+                <a:ln>
+                  <a:solidFill>
+                    <a:prstClr val="black">
+                      <a:lumMod val="75000"/>
+                      <a:lumOff val="25000"/>
+                      <a:alpha val="10000"/>
+                    </a:prstClr>
+                  </a:solidFill>
+                </a:ln>
+                <a:solidFill>
+                  <a:srgbClr val="F4EDD8"/>
+                </a:solidFill>
+                <a:effectLst>
+                  <a:outerShdw blurRad="9525" dist="25400" dir="14640000" algn="tl" rotWithShape="0">
+                    <a:prstClr val="black">
+                      <a:alpha val="30000"/>
+                    </a:prstClr>
+                  </a:outerShdw>
+                </a:effectLst>
+                <a:uLnTx/>
+                <a:uFillTx/>
+                <a:latin typeface="Goudy Old Style"/>
+                <a:ea typeface="+mj-ea"/>
+              </a:rPr>
+              <a:t>n_neighbors</a:t>
+            </a:r>
+            <a:r>
+              <a:rPr kumimoji="0" lang="en-US" sz="3100" b="0" i="0" u="none" strike="noStrike" kern="1200" cap="none" spc="0" normalizeH="0" baseline="0" noProof="0" dirty="0">
+                <a:ln>
+                  <a:solidFill>
+                    <a:prstClr val="black">
+                      <a:lumMod val="75000"/>
+                      <a:lumOff val="25000"/>
+                      <a:alpha val="10000"/>
+                    </a:prstClr>
+                  </a:solidFill>
+                </a:ln>
+                <a:solidFill>
+                  <a:srgbClr val="F4EDD8"/>
+                </a:solidFill>
+                <a:effectLst>
+                  <a:outerShdw blurRad="9525" dist="25400" dir="14640000" algn="tl" rotWithShape="0">
+                    <a:prstClr val="black">
+                      <a:alpha val="30000"/>
+                    </a:prstClr>
+                  </a:outerShdw>
+                </a:effectLst>
+                <a:uLnTx/>
+                <a:uFillTx/>
+                <a:latin typeface="Goudy Old Style"/>
+                <a:ea typeface="+mj-ea"/>
+              </a:rPr>
+              <a:t> = 2 | metric = ‘Euclidean’</a:t>
+            </a:r>
+            <a:endParaRPr lang="en-US" sz="4800" dirty="0"/>
           </a:p>
         </p:txBody>
       </p:sp>
@@ -7590,6 +7632,94 @@
     <p:extLst>
       <p:ext uri="{BB962C8B-B14F-4D97-AF65-F5344CB8AC3E}">
         <p14:creationId xmlns:p14="http://schemas.microsoft.com/office/powerpoint/2010/main" val="3438689392"/>
+      </p:ext>
+    </p:extLst>
+  </p:cSld>
+  <p:clrMapOvr>
+    <a:masterClrMapping/>
+  </p:clrMapOvr>
+</p:sld>
+</file>
+
+<file path=ppt/slides/slide15.xml><?xml version="1.0" encoding="utf-8"?>
+<p:sld xmlns:a="http://schemas.openxmlformats.org/drawingml/2006/main" xmlns:r="http://schemas.openxmlformats.org/officeDocument/2006/relationships" xmlns:p="http://schemas.openxmlformats.org/presentationml/2006/main">
+  <p:cSld>
+    <p:spTree>
+      <p:nvGrpSpPr>
+        <p:cNvPr id="1" name=""/>
+        <p:cNvGrpSpPr/>
+        <p:nvPr/>
+      </p:nvGrpSpPr>
+      <p:grpSpPr>
+        <a:xfrm>
+          <a:off x="0" y="0"/>
+          <a:ext cx="0" cy="0"/>
+          <a:chOff x="0" y="0"/>
+          <a:chExt cx="0" cy="0"/>
+        </a:xfrm>
+      </p:grpSpPr>
+      <p:sp>
+        <p:nvSpPr>
+          <p:cNvPr id="2" name="Title 1">
+            <a:extLst>
+              <a:ext uri="{FF2B5EF4-FFF2-40B4-BE49-F238E27FC236}">
+                <a16:creationId xmlns:a16="http://schemas.microsoft.com/office/drawing/2014/main" id="{7F211217-F733-42D2-B074-66619AC50546}"/>
+              </a:ext>
+            </a:extLst>
+          </p:cNvPr>
+          <p:cNvSpPr>
+            <a:spLocks noGrp="1"/>
+          </p:cNvSpPr>
+          <p:nvPr>
+            <p:ph type="title"/>
+          </p:nvPr>
+        </p:nvSpPr>
+        <p:spPr/>
+        <p:txBody>
+          <a:bodyPr/>
+          <a:lstStyle/>
+          <a:p>
+            <a:r>
+              <a:rPr lang="en-US" dirty="0"/>
+              <a:t>Cross Model Comparison</a:t>
+            </a:r>
+          </a:p>
+        </p:txBody>
+      </p:sp>
+      <p:pic>
+        <p:nvPicPr>
+          <p:cNvPr id="6" name="Picture 5" descr="Chart, line chart&#10;&#10;Description automatically generated">
+            <a:extLst>
+              <a:ext uri="{FF2B5EF4-FFF2-40B4-BE49-F238E27FC236}">
+                <a16:creationId xmlns:a16="http://schemas.microsoft.com/office/drawing/2014/main" id="{C62AF450-8B7B-4AC1-BCDC-65A543FB2CFD}"/>
+              </a:ext>
+            </a:extLst>
+          </p:cNvPr>
+          <p:cNvPicPr>
+            <a:picLocks noChangeAspect="1"/>
+          </p:cNvPicPr>
+          <p:nvPr/>
+        </p:nvPicPr>
+        <p:blipFill>
+          <a:blip r:embed="rId2"/>
+          <a:stretch>
+            <a:fillRect/>
+          </a:stretch>
+        </p:blipFill>
+        <p:spPr>
+          <a:xfrm>
+            <a:off x="2312891" y="1684298"/>
+            <a:ext cx="7566218" cy="4707869"/>
+          </a:xfrm>
+          <a:prstGeom prst="rect">
+            <a:avLst/>
+          </a:prstGeom>
+        </p:spPr>
+      </p:pic>
+    </p:spTree>
+    <p:extLst>
+      <p:ext uri="{BB962C8B-B14F-4D97-AF65-F5344CB8AC3E}">
+        <p14:creationId xmlns:p14="http://schemas.microsoft.com/office/powerpoint/2010/main" val="3701878656"/>
       </p:ext>
     </p:extLst>
   </p:cSld>
@@ -7616,42 +7746,6 @@
           <a:chExt cx="0" cy="0"/>
         </a:xfrm>
       </p:grpSpPr>
-      <p:sp>
-        <p:nvSpPr>
-          <p:cNvPr id="2" name="Title 1">
-            <a:extLst>
-              <a:ext uri="{FF2B5EF4-FFF2-40B4-BE49-F238E27FC236}">
-                <a16:creationId xmlns:a16="http://schemas.microsoft.com/office/drawing/2014/main" id="{C5099B26-C2EC-4A84-8DCC-8AF5CCE9D4F8}"/>
-              </a:ext>
-            </a:extLst>
-          </p:cNvPr>
-          <p:cNvSpPr>
-            <a:spLocks noGrp="1"/>
-          </p:cNvSpPr>
-          <p:nvPr>
-            <p:ph type="title"/>
-          </p:nvPr>
-        </p:nvSpPr>
-        <p:spPr>
-          <a:xfrm>
-            <a:off x="913795" y="247191"/>
-            <a:ext cx="10508184" cy="786064"/>
-          </a:xfrm>
-        </p:spPr>
-        <p:txBody>
-          <a:bodyPr>
-            <a:normAutofit/>
-          </a:bodyPr>
-          <a:lstStyle/>
-          <a:p>
-            <a:pPr algn="l"/>
-            <a:r>
-              <a:rPr lang="en-US" sz="2000" dirty="0"/>
-              <a:t>                              SQFT_LIVING                GRADE                    SQFT_LOT</a:t>
-            </a:r>
-          </a:p>
-        </p:txBody>
-      </p:sp>
       <p:pic>
         <p:nvPicPr>
           <p:cNvPr id="6" name="Picture 5">
@@ -7674,7 +7768,7 @@
         </p:blipFill>
         <p:spPr>
           <a:xfrm>
-            <a:off x="10242228" y="3337357"/>
+            <a:off x="10242228" y="2523440"/>
             <a:ext cx="1375612" cy="786064"/>
           </a:xfrm>
           <a:prstGeom prst="rect">
@@ -7704,7 +7798,7 @@
         </p:blipFill>
         <p:spPr>
           <a:xfrm>
-            <a:off x="2576647" y="3066345"/>
+            <a:off x="2576647" y="2252428"/>
             <a:ext cx="7038704" cy="1697420"/>
           </a:xfrm>
           <a:prstGeom prst="rect">
@@ -7734,7 +7828,7 @@
         </p:blipFill>
         <p:spPr>
           <a:xfrm>
-            <a:off x="2576647" y="4984987"/>
+            <a:off x="2576647" y="4171070"/>
             <a:ext cx="7038704" cy="1697421"/>
           </a:xfrm>
           <a:prstGeom prst="rect">
@@ -8018,7 +8112,7 @@
         </p:nvSpPr>
         <p:spPr>
           <a:xfrm>
-            <a:off x="361888" y="1240971"/>
+            <a:off x="361888" y="327485"/>
             <a:ext cx="1306285" cy="4801314"/>
           </a:xfrm>
           <a:prstGeom prst="rect">
@@ -8098,7 +8192,7 @@
         </p:nvSpPr>
         <p:spPr>
           <a:xfrm>
-            <a:off x="1668173" y="1808597"/>
+            <a:off x="1668173" y="994680"/>
             <a:ext cx="827857" cy="369332"/>
           </a:xfrm>
           <a:prstGeom prst="rect">
@@ -8133,7 +8227,7 @@
         </p:nvSpPr>
         <p:spPr>
           <a:xfrm>
-            <a:off x="1668174" y="3730389"/>
+            <a:off x="1668174" y="2916472"/>
             <a:ext cx="827856" cy="369332"/>
           </a:xfrm>
           <a:prstGeom prst="rect">
@@ -8168,7 +8262,7 @@
         </p:nvSpPr>
         <p:spPr>
           <a:xfrm>
-            <a:off x="1668173" y="5649031"/>
+            <a:off x="1668173" y="4835114"/>
             <a:ext cx="827855" cy="369332"/>
           </a:xfrm>
           <a:prstGeom prst="rect">
@@ -8211,7 +8305,7 @@
         </p:blipFill>
         <p:spPr>
           <a:xfrm>
-            <a:off x="2550523" y="1141402"/>
+            <a:off x="2550523" y="327485"/>
             <a:ext cx="7064828" cy="1703721"/>
           </a:xfrm>
           <a:prstGeom prst="rect">
@@ -8219,1761 +8313,12 @@
           </a:prstGeom>
         </p:spPr>
       </p:pic>
-    </p:spTree>
-    <p:extLst>
-      <p:ext uri="{BB962C8B-B14F-4D97-AF65-F5344CB8AC3E}">
-        <p14:creationId xmlns:p14="http://schemas.microsoft.com/office/powerpoint/2010/main" val="3473810505"/>
-      </p:ext>
-    </p:extLst>
-  </p:cSld>
-  <p:clrMapOvr>
-    <a:masterClrMapping/>
-  </p:clrMapOvr>
-</p:sld>
-</file>
-
-<file path=ppt/slides/slide17.xml><?xml version="1.0" encoding="utf-8"?>
-<p:sld xmlns:a="http://schemas.openxmlformats.org/drawingml/2006/main" xmlns:r="http://schemas.openxmlformats.org/officeDocument/2006/relationships" xmlns:p="http://schemas.openxmlformats.org/presentationml/2006/main">
-  <p:cSld>
-    <p:spTree>
-      <p:nvGrpSpPr>
-        <p:cNvPr id="1" name=""/>
-        <p:cNvGrpSpPr/>
-        <p:nvPr/>
-      </p:nvGrpSpPr>
-      <p:grpSpPr>
-        <a:xfrm>
-          <a:off x="0" y="0"/>
-          <a:ext cx="0" cy="0"/>
-          <a:chOff x="0" y="0"/>
-          <a:chExt cx="0" cy="0"/>
-        </a:xfrm>
-      </p:grpSpPr>
-      <p:sp>
-        <p:nvSpPr>
-          <p:cNvPr id="2" name="Title 1">
+      <p:sp>
+        <p:nvSpPr>
+          <p:cNvPr id="16" name="Title 1">
             <a:extLst>
               <a:ext uri="{FF2B5EF4-FFF2-40B4-BE49-F238E27FC236}">
-                <a16:creationId xmlns:a16="http://schemas.microsoft.com/office/drawing/2014/main" id="{77888717-B283-4449-B410-D7226FDE8E64}"/>
-              </a:ext>
-            </a:extLst>
-          </p:cNvPr>
-          <p:cNvSpPr>
-            <a:spLocks noGrp="1"/>
-          </p:cNvSpPr>
-          <p:nvPr>
-            <p:ph type="title"/>
-          </p:nvPr>
-        </p:nvSpPr>
-        <p:spPr>
-          <a:xfrm>
-            <a:off x="913795" y="609599"/>
-            <a:ext cx="10353762" cy="1895475"/>
-          </a:xfrm>
-        </p:spPr>
-        <p:txBody>
-          <a:bodyPr>
-            <a:normAutofit fontScale="90000"/>
-          </a:bodyPr>
-          <a:lstStyle/>
-          <a:p>
-            <a:r>
-              <a:rPr lang="en-US" dirty="0"/>
-              <a:t>Thank you</a:t>
-            </a:r>
-            <a:br>
-              <a:rPr lang="en-US" dirty="0"/>
-            </a:br>
-            <a:br>
-              <a:rPr lang="en-US" dirty="0"/>
-            </a:br>
-            <a:r>
-              <a:rPr lang="en-US" sz="4900" dirty="0"/>
-              <a:t>Q&amp;A</a:t>
-            </a:r>
-            <a:endParaRPr lang="en-US" dirty="0"/>
-          </a:p>
-        </p:txBody>
-      </p:sp>
-    </p:spTree>
-    <p:extLst>
-      <p:ext uri="{BB962C8B-B14F-4D97-AF65-F5344CB8AC3E}">
-        <p14:creationId xmlns:p14="http://schemas.microsoft.com/office/powerpoint/2010/main" val="3092741323"/>
-      </p:ext>
-    </p:extLst>
-  </p:cSld>
-  <p:clrMapOvr>
-    <a:masterClrMapping/>
-  </p:clrMapOvr>
-</p:sld>
-</file>
-
-<file path=ppt/slides/slide2.xml><?xml version="1.0" encoding="utf-8"?>
-<p:sld xmlns:a="http://schemas.openxmlformats.org/drawingml/2006/main" xmlns:r="http://schemas.openxmlformats.org/officeDocument/2006/relationships" xmlns:p="http://schemas.openxmlformats.org/presentationml/2006/main">
-  <p:cSld>
-    <p:spTree>
-      <p:nvGrpSpPr>
-        <p:cNvPr id="1" name=""/>
-        <p:cNvGrpSpPr/>
-        <p:nvPr/>
-      </p:nvGrpSpPr>
-      <p:grpSpPr>
-        <a:xfrm>
-          <a:off x="0" y="0"/>
-          <a:ext cx="0" cy="0"/>
-          <a:chOff x="0" y="0"/>
-          <a:chExt cx="0" cy="0"/>
-        </a:xfrm>
-      </p:grpSpPr>
-      <p:sp>
-        <p:nvSpPr>
-          <p:cNvPr id="2" name="Title 1">
-            <a:extLst>
-              <a:ext uri="{FF2B5EF4-FFF2-40B4-BE49-F238E27FC236}">
-                <a16:creationId xmlns:a16="http://schemas.microsoft.com/office/drawing/2014/main" id="{45F8AAFE-23D9-4E7A-9873-4EFFFDCBD2F3}"/>
-              </a:ext>
-            </a:extLst>
-          </p:cNvPr>
-          <p:cNvSpPr>
-            <a:spLocks noGrp="1"/>
-          </p:cNvSpPr>
-          <p:nvPr>
-            <p:ph type="title"/>
-          </p:nvPr>
-        </p:nvSpPr>
-        <p:spPr/>
-        <p:txBody>
-          <a:bodyPr/>
-          <a:lstStyle/>
-          <a:p>
-            <a:r>
-              <a:rPr lang="en-US" dirty="0"/>
-              <a:t>What Is Outlier Detection</a:t>
-            </a:r>
-          </a:p>
-        </p:txBody>
-      </p:sp>
-      <p:sp>
-        <p:nvSpPr>
-          <p:cNvPr id="3" name="Content Placeholder 2">
-            <a:extLst>
-              <a:ext uri="{FF2B5EF4-FFF2-40B4-BE49-F238E27FC236}">
-                <a16:creationId xmlns:a16="http://schemas.microsoft.com/office/drawing/2014/main" id="{2AD886A2-9937-42C2-9EF8-1B337D5501FA}"/>
-              </a:ext>
-            </a:extLst>
-          </p:cNvPr>
-          <p:cNvSpPr>
-            <a:spLocks noGrp="1"/>
-          </p:cNvSpPr>
-          <p:nvPr>
-            <p:ph idx="1"/>
-          </p:nvPr>
-        </p:nvSpPr>
-        <p:spPr/>
-        <p:txBody>
-          <a:bodyPr>
-            <a:normAutofit lnSpcReduction="10000"/>
-          </a:bodyPr>
-          <a:lstStyle/>
-          <a:p>
-            <a:r>
-              <a:rPr lang="en-US" dirty="0"/>
-              <a:t>Outlier detection is the identification of rare items, events or observations which deviate significantly from the data</a:t>
-            </a:r>
-          </a:p>
-          <a:p>
-            <a:r>
-              <a:rPr lang="en-US" dirty="0"/>
-              <a:t>2 Stages:</a:t>
-            </a:r>
-          </a:p>
-          <a:p>
-            <a:pPr lvl="1"/>
-            <a:r>
-              <a:rPr lang="en-US" dirty="0"/>
-              <a:t>Outlier Detection: The main data contains outliers</a:t>
-            </a:r>
-          </a:p>
-          <a:p>
-            <a:pPr lvl="1"/>
-            <a:r>
-              <a:rPr lang="en-US" dirty="0"/>
-              <a:t>Novelty Detection: The main data contains no outliers but new data might</a:t>
-            </a:r>
-          </a:p>
-          <a:p>
-            <a:r>
-              <a:rPr lang="en-US" dirty="0"/>
-              <a:t>2 Methods</a:t>
-            </a:r>
-          </a:p>
-          <a:p>
-            <a:pPr lvl="1"/>
-            <a:r>
-              <a:rPr lang="en-US" dirty="0"/>
-              <a:t>Univariate: Looking only at 1 variable</a:t>
-            </a:r>
-          </a:p>
-          <a:p>
-            <a:pPr lvl="1"/>
-            <a:r>
-              <a:rPr lang="en-US" dirty="0"/>
-              <a:t>Multivariate: Looking at 2 or more variables</a:t>
-            </a:r>
-          </a:p>
-        </p:txBody>
-      </p:sp>
-    </p:spTree>
-    <p:extLst>
-      <p:ext uri="{BB962C8B-B14F-4D97-AF65-F5344CB8AC3E}">
-        <p14:creationId xmlns:p14="http://schemas.microsoft.com/office/powerpoint/2010/main" val="2908062229"/>
-      </p:ext>
-    </p:extLst>
-  </p:cSld>
-  <p:clrMapOvr>
-    <a:masterClrMapping/>
-  </p:clrMapOvr>
-</p:sld>
-</file>
-
-<file path=ppt/slides/slide3.xml><?xml version="1.0" encoding="utf-8"?>
-<p:sld xmlns:a="http://schemas.openxmlformats.org/drawingml/2006/main" xmlns:r="http://schemas.openxmlformats.org/officeDocument/2006/relationships" xmlns:p="http://schemas.openxmlformats.org/presentationml/2006/main">
-  <p:cSld>
-    <p:spTree>
-      <p:nvGrpSpPr>
-        <p:cNvPr id="1" name=""/>
-        <p:cNvGrpSpPr/>
-        <p:nvPr/>
-      </p:nvGrpSpPr>
-      <p:grpSpPr>
-        <a:xfrm>
-          <a:off x="0" y="0"/>
-          <a:ext cx="0" cy="0"/>
-          <a:chOff x="0" y="0"/>
-          <a:chExt cx="0" cy="0"/>
-        </a:xfrm>
-      </p:grpSpPr>
-      <p:sp>
-        <p:nvSpPr>
-          <p:cNvPr id="2" name="Title 1">
-            <a:extLst>
-              <a:ext uri="{FF2B5EF4-FFF2-40B4-BE49-F238E27FC236}">
-                <a16:creationId xmlns:a16="http://schemas.microsoft.com/office/drawing/2014/main" id="{A7FDC192-92C5-4795-9891-52F2CD69CC83}"/>
-              </a:ext>
-            </a:extLst>
-          </p:cNvPr>
-          <p:cNvSpPr>
-            <a:spLocks noGrp="1"/>
-          </p:cNvSpPr>
-          <p:nvPr>
-            <p:ph type="title"/>
-          </p:nvPr>
-        </p:nvSpPr>
-        <p:spPr/>
-        <p:txBody>
-          <a:bodyPr/>
-          <a:lstStyle/>
-          <a:p>
-            <a:r>
-              <a:rPr lang="en-US" dirty="0"/>
-              <a:t>Why Multi-Variate?</a:t>
-            </a:r>
-          </a:p>
-        </p:txBody>
-      </p:sp>
-      <p:sp>
-        <p:nvSpPr>
-          <p:cNvPr id="3" name="Content Placeholder 2">
-            <a:extLst>
-              <a:ext uri="{FF2B5EF4-FFF2-40B4-BE49-F238E27FC236}">
-                <a16:creationId xmlns:a16="http://schemas.microsoft.com/office/drawing/2014/main" id="{52585F06-9824-4E2C-B2A6-9A58556588B1}"/>
-              </a:ext>
-            </a:extLst>
-          </p:cNvPr>
-          <p:cNvSpPr>
-            <a:spLocks noGrp="1"/>
-          </p:cNvSpPr>
-          <p:nvPr>
-            <p:ph sz="half" idx="1"/>
-          </p:nvPr>
-        </p:nvSpPr>
-        <p:spPr>
-          <a:xfrm>
-            <a:off x="924443" y="1871472"/>
-            <a:ext cx="4856841" cy="3915086"/>
-          </a:xfrm>
-        </p:spPr>
-        <p:txBody>
-          <a:bodyPr/>
-          <a:lstStyle/>
-          <a:p>
-            <a:r>
-              <a:rPr lang="en-US" dirty="0"/>
-              <a:t>Univariate: having one variable in the distribution</a:t>
-            </a:r>
-          </a:p>
-          <a:p>
-            <a:pPr lvl="1"/>
-            <a:r>
-              <a:rPr lang="en-US" dirty="0"/>
-              <a:t>Normally used with STD elimination</a:t>
-            </a:r>
-          </a:p>
-          <a:p>
-            <a:r>
-              <a:rPr lang="en-US" dirty="0"/>
-              <a:t>Multivariate: Having two or more variables in the distribution</a:t>
-            </a:r>
-          </a:p>
-          <a:p>
-            <a:pPr lvl="1"/>
-            <a:r>
-              <a:rPr lang="en-US" dirty="0"/>
-              <a:t>Becomes difficult in high dimensional space</a:t>
-            </a:r>
-          </a:p>
-          <a:p>
-            <a:pPr lvl="1"/>
-            <a:r>
-              <a:rPr lang="en-US" dirty="0"/>
-              <a:t>Benefit of </a:t>
-            </a:r>
-            <a:r>
-              <a:rPr lang="en-US" dirty="0" err="1"/>
-              <a:t>Sklearn</a:t>
-            </a:r>
-            <a:r>
-              <a:rPr lang="en-US" dirty="0"/>
-              <a:t> Python package</a:t>
-            </a:r>
-          </a:p>
-          <a:p>
-            <a:endParaRPr lang="en-US" dirty="0"/>
-          </a:p>
-        </p:txBody>
-      </p:sp>
-      <p:pic>
-        <p:nvPicPr>
-          <p:cNvPr id="6" name="Picture 5" descr="Chart, line chart&#10;&#10;Description automatically generated">
-            <a:extLst>
-              <a:ext uri="{FF2B5EF4-FFF2-40B4-BE49-F238E27FC236}">
-                <a16:creationId xmlns:a16="http://schemas.microsoft.com/office/drawing/2014/main" id="{794542C4-C59D-4EA7-8B90-EBA1AA4FDEB9}"/>
-              </a:ext>
-            </a:extLst>
-          </p:cNvPr>
-          <p:cNvPicPr>
-            <a:picLocks noChangeAspect="1"/>
-          </p:cNvPicPr>
-          <p:nvPr/>
-        </p:nvPicPr>
-        <p:blipFill>
-          <a:blip r:embed="rId2"/>
-          <a:stretch>
-            <a:fillRect/>
-          </a:stretch>
-        </p:blipFill>
-        <p:spPr>
-          <a:xfrm>
-            <a:off x="6034272" y="1871472"/>
-            <a:ext cx="5233285" cy="4120064"/>
-          </a:xfrm>
-          <a:prstGeom prst="rect">
-            <a:avLst/>
-          </a:prstGeom>
-        </p:spPr>
-      </p:pic>
-    </p:spTree>
-    <p:extLst>
-      <p:ext uri="{BB962C8B-B14F-4D97-AF65-F5344CB8AC3E}">
-        <p14:creationId xmlns:p14="http://schemas.microsoft.com/office/powerpoint/2010/main" val="4035105015"/>
-      </p:ext>
-    </p:extLst>
-  </p:cSld>
-  <p:clrMapOvr>
-    <a:masterClrMapping/>
-  </p:clrMapOvr>
-</p:sld>
-</file>
-
-<file path=ppt/slides/slide4.xml><?xml version="1.0" encoding="utf-8"?>
-<p:sld xmlns:a="http://schemas.openxmlformats.org/drawingml/2006/main" xmlns:r="http://schemas.openxmlformats.org/officeDocument/2006/relationships" xmlns:p="http://schemas.openxmlformats.org/presentationml/2006/main">
-  <p:cSld>
-    <p:spTree>
-      <p:nvGrpSpPr>
-        <p:cNvPr id="1" name=""/>
-        <p:cNvGrpSpPr/>
-        <p:nvPr/>
-      </p:nvGrpSpPr>
-      <p:grpSpPr>
-        <a:xfrm>
-          <a:off x="0" y="0"/>
-          <a:ext cx="0" cy="0"/>
-          <a:chOff x="0" y="0"/>
-          <a:chExt cx="0" cy="0"/>
-        </a:xfrm>
-      </p:grpSpPr>
-      <p:sp>
-        <p:nvSpPr>
-          <p:cNvPr id="4" name="Rectangle 3">
-            <a:extLst>
-              <a:ext uri="{FF2B5EF4-FFF2-40B4-BE49-F238E27FC236}">
-                <a16:creationId xmlns:a16="http://schemas.microsoft.com/office/drawing/2014/main" id="{C0962754-EC12-47B2-9B73-77669B8012CC}"/>
-              </a:ext>
-            </a:extLst>
-          </p:cNvPr>
-          <p:cNvSpPr/>
-          <p:nvPr/>
-        </p:nvSpPr>
-        <p:spPr>
-          <a:xfrm>
-            <a:off x="3301482" y="60649"/>
-            <a:ext cx="5589036" cy="6736702"/>
-          </a:xfrm>
-          <a:prstGeom prst="rect">
-            <a:avLst/>
-          </a:prstGeom>
-        </p:spPr>
-        <p:style>
-          <a:lnRef idx="2">
-            <a:schemeClr val="accent6"/>
-          </a:lnRef>
-          <a:fillRef idx="1">
-            <a:schemeClr val="lt1"/>
-          </a:fillRef>
-          <a:effectRef idx="0">
-            <a:schemeClr val="accent6"/>
-          </a:effectRef>
-          <a:fontRef idx="minor">
-            <a:schemeClr val="dk1"/>
-          </a:fontRef>
-        </p:style>
-        <p:txBody>
-          <a:bodyPr rtlCol="0" anchor="ctr"/>
-          <a:lstStyle/>
-          <a:p>
-            <a:pPr algn="ctr"/>
-            <a:endParaRPr lang="en-US"/>
-          </a:p>
-        </p:txBody>
-      </p:sp>
-      <p:pic>
-        <p:nvPicPr>
-          <p:cNvPr id="5" name="Picture 4" descr="A picture containing shoji&#10;&#10;Description automatically generated">
-            <a:extLst>
-              <a:ext uri="{FF2B5EF4-FFF2-40B4-BE49-F238E27FC236}">
-                <a16:creationId xmlns:a16="http://schemas.microsoft.com/office/drawing/2014/main" id="{C9AAF33F-E0CD-4F9B-BFE4-6A74AFC9C66C}"/>
-              </a:ext>
-            </a:extLst>
-          </p:cNvPr>
-          <p:cNvPicPr>
-            <a:picLocks noChangeAspect="1"/>
-          </p:cNvPicPr>
-          <p:nvPr/>
-        </p:nvPicPr>
-        <p:blipFill>
-          <a:blip r:embed="rId2"/>
-          <a:stretch>
-            <a:fillRect/>
-          </a:stretch>
-        </p:blipFill>
-        <p:spPr>
-          <a:xfrm>
-            <a:off x="3512103" y="206022"/>
-            <a:ext cx="5167794" cy="6567253"/>
-          </a:xfrm>
-          <a:prstGeom prst="rect">
-            <a:avLst/>
-          </a:prstGeom>
-        </p:spPr>
-      </p:pic>
-    </p:spTree>
-    <p:extLst>
-      <p:ext uri="{BB962C8B-B14F-4D97-AF65-F5344CB8AC3E}">
-        <p14:creationId xmlns:p14="http://schemas.microsoft.com/office/powerpoint/2010/main" val="3722632194"/>
-      </p:ext>
-    </p:extLst>
-  </p:cSld>
-  <p:clrMapOvr>
-    <a:masterClrMapping/>
-  </p:clrMapOvr>
-</p:sld>
-</file>
-
-<file path=ppt/slides/slide5.xml><?xml version="1.0" encoding="utf-8"?>
-<p:sld xmlns:a="http://schemas.openxmlformats.org/drawingml/2006/main" xmlns:r="http://schemas.openxmlformats.org/officeDocument/2006/relationships" xmlns:p="http://schemas.openxmlformats.org/presentationml/2006/main">
-  <p:cSld>
-    <p:bg>
-      <p:bgPr>
-        <a:blipFill rotWithShape="1">
-          <a:blip r:embed="rId2">
-            <a:duotone>
-              <a:schemeClr val="bg1">
-                <a:shade val="80000"/>
-                <a:lumMod val="80000"/>
-              </a:schemeClr>
-              <a:schemeClr val="bg1">
-                <a:tint val="98000"/>
-              </a:schemeClr>
-            </a:duotone>
-          </a:blip>
-          <a:stretch/>
-        </a:blipFill>
-        <a:effectLst/>
-      </p:bgPr>
-    </p:bg>
-    <p:spTree>
-      <p:nvGrpSpPr>
-        <p:cNvPr id="1" name=""/>
-        <p:cNvGrpSpPr/>
-        <p:nvPr/>
-      </p:nvGrpSpPr>
-      <p:grpSpPr>
-        <a:xfrm>
-          <a:off x="0" y="0"/>
-          <a:ext cx="0" cy="0"/>
-          <a:chOff x="0" y="0"/>
-          <a:chExt cx="0" cy="0"/>
-        </a:xfrm>
-      </p:grpSpPr>
-      <p:sp useBgFill="1">
-        <p:nvSpPr>
-          <p:cNvPr id="11" name="Rectangle 10">
-            <a:extLst>
-              <a:ext uri="{FF2B5EF4-FFF2-40B4-BE49-F238E27FC236}">
-                <a16:creationId xmlns:a16="http://schemas.microsoft.com/office/drawing/2014/main" id="{95CB840F-8E41-4CA5-B79B-25CC80AD234A}"/>
-              </a:ext>
-              <a:ext uri="{C183D7F6-B498-43B3-948B-1728B52AA6E4}">
-                <adec:decorative xmlns:adec="http://schemas.microsoft.com/office/drawing/2017/decorative" val="1"/>
-              </a:ext>
-            </a:extLst>
-          </p:cNvPr>
-          <p:cNvSpPr>
-            <a:spLocks noGrp="1" noRot="1" noChangeAspect="1" noMove="1" noResize="1" noEditPoints="1" noAdjustHandles="1" noChangeArrowheads="1" noChangeShapeType="1" noTextEdit="1"/>
-          </p:cNvSpPr>
-          <p:nvPr>
-            <p:extLst>
-              <p:ext uri="{386F3935-93C4-4BCD-93E2-E3B085C9AB24}">
-                <p16:designElem xmlns:p16="http://schemas.microsoft.com/office/powerpoint/2015/main" val="1"/>
-              </p:ext>
-            </p:extLst>
-          </p:nvPr>
-        </p:nvSpPr>
-        <p:spPr>
-          <a:xfrm>
-            <a:off x="0" y="0"/>
-            <a:ext cx="12192000" cy="6858000"/>
-          </a:xfrm>
-          <a:prstGeom prst="rect">
-            <a:avLst/>
-          </a:prstGeom>
-          <a:ln>
-            <a:noFill/>
-          </a:ln>
-        </p:spPr>
-        <p:style>
-          <a:lnRef idx="2">
-            <a:schemeClr val="accent1">
-              <a:shade val="50000"/>
-            </a:schemeClr>
-          </a:lnRef>
-          <a:fillRef idx="1003">
-            <a:schemeClr val="dk2"/>
-          </a:fillRef>
-          <a:effectRef idx="0">
-            <a:schemeClr val="accent1"/>
-          </a:effectRef>
-          <a:fontRef idx="minor">
-            <a:schemeClr val="lt1"/>
-          </a:fontRef>
-        </p:style>
-        <p:txBody>
-          <a:bodyPr rtlCol="0" anchor="ctr"/>
-          <a:lstStyle/>
-          <a:p>
-            <a:pPr algn="ctr"/>
-            <a:endParaRPr lang="en-US"/>
-          </a:p>
-        </p:txBody>
-      </p:sp>
-      <p:sp>
-        <p:nvSpPr>
-          <p:cNvPr id="2" name="Title 1">
-            <a:extLst>
-              <a:ext uri="{FF2B5EF4-FFF2-40B4-BE49-F238E27FC236}">
-                <a16:creationId xmlns:a16="http://schemas.microsoft.com/office/drawing/2014/main" id="{EDFA2900-EBA5-4C08-8561-7F924BB83AD5}"/>
-              </a:ext>
-            </a:extLst>
-          </p:cNvPr>
-          <p:cNvSpPr>
-            <a:spLocks noGrp="1"/>
-          </p:cNvSpPr>
-          <p:nvPr>
-            <p:ph type="title"/>
-          </p:nvPr>
-        </p:nvSpPr>
-        <p:spPr>
-          <a:xfrm>
-            <a:off x="913796" y="643465"/>
-            <a:ext cx="3382638" cy="1370605"/>
-          </a:xfrm>
-        </p:spPr>
-        <p:txBody>
-          <a:bodyPr vert="horz" lIns="91440" tIns="45720" rIns="91440" bIns="45720" rtlCol="0" anchor="ctr">
-            <a:normAutofit/>
-          </a:bodyPr>
-          <a:lstStyle/>
-          <a:p>
-            <a:pPr algn="l"/>
-            <a:r>
-              <a:rPr lang="en-US" sz="2600" kern="1200">
-                <a:ln>
-                  <a:solidFill>
-                    <a:schemeClr val="bg1">
-                      <a:lumMod val="75000"/>
-                      <a:lumOff val="25000"/>
-                      <a:alpha val="10000"/>
-                    </a:schemeClr>
-                  </a:solidFill>
-                </a:ln>
-                <a:solidFill>
-                  <a:schemeClr val="tx2"/>
-                </a:solidFill>
-                <a:effectLst>
-                  <a:outerShdw blurRad="9525" dist="25400" dir="14640000" algn="tl" rotWithShape="0">
-                    <a:schemeClr val="bg1">
-                      <a:alpha val="30000"/>
-                    </a:schemeClr>
-                  </a:outerShdw>
-                </a:effectLst>
-                <a:latin typeface="+mj-lt"/>
-                <a:ea typeface="+mj-ea"/>
-                <a:cs typeface="Trebuchet MS"/>
-              </a:rPr>
-              <a:t>Density Based Spatial Clustering of Applications with Noise</a:t>
-            </a:r>
-          </a:p>
-        </p:txBody>
-      </p:sp>
-      <p:sp>
-        <p:nvSpPr>
-          <p:cNvPr id="3" name="Content Placeholder 2">
-            <a:extLst>
-              <a:ext uri="{FF2B5EF4-FFF2-40B4-BE49-F238E27FC236}">
-                <a16:creationId xmlns:a16="http://schemas.microsoft.com/office/drawing/2014/main" id="{A05F9829-970F-4B17-AE93-A5D8694A2F1A}"/>
-              </a:ext>
-            </a:extLst>
-          </p:cNvPr>
-          <p:cNvSpPr>
-            <a:spLocks noGrp="1"/>
-          </p:cNvSpPr>
-          <p:nvPr>
-            <p:ph sz="half" idx="1"/>
-          </p:nvPr>
-        </p:nvSpPr>
-        <p:spPr>
-          <a:xfrm>
-            <a:off x="913796" y="2247153"/>
-            <a:ext cx="3358084" cy="3544046"/>
-          </a:xfrm>
-        </p:spPr>
-        <p:txBody>
-          <a:bodyPr vert="horz" lIns="91440" tIns="45720" rIns="91440" bIns="45720" rtlCol="0" anchor="t">
-            <a:normAutofit lnSpcReduction="10000"/>
-          </a:bodyPr>
-          <a:lstStyle/>
-          <a:p>
-            <a:pPr>
-              <a:lnSpc>
-                <a:spcPct val="90000"/>
-              </a:lnSpc>
-            </a:pPr>
-            <a:r>
-              <a:rPr lang="en-US" sz="2000" dirty="0"/>
-              <a:t>Core Samples of high density </a:t>
-            </a:r>
-          </a:p>
-          <a:p>
-            <a:pPr>
-              <a:lnSpc>
-                <a:spcPct val="90000"/>
-              </a:lnSpc>
-            </a:pPr>
-            <a:r>
-              <a:rPr lang="en-US" sz="2000" dirty="0"/>
-              <a:t>Creates clusters from Core Samples</a:t>
-            </a:r>
-          </a:p>
-          <a:p>
-            <a:pPr>
-              <a:lnSpc>
-                <a:spcPct val="90000"/>
-              </a:lnSpc>
-            </a:pPr>
-            <a:r>
-              <a:rPr lang="en-US" sz="2000" dirty="0"/>
-              <a:t>2 main parameters:</a:t>
-            </a:r>
-          </a:p>
-          <a:p>
-            <a:pPr lvl="1">
-              <a:lnSpc>
-                <a:spcPct val="90000"/>
-              </a:lnSpc>
-            </a:pPr>
-            <a:r>
-              <a:rPr lang="en-US" sz="2000" dirty="0" err="1"/>
-              <a:t>Min_samples</a:t>
-            </a:r>
-            <a:r>
-              <a:rPr lang="en-US" sz="2000" dirty="0"/>
-              <a:t>: </a:t>
-            </a:r>
-            <a:r>
-              <a:rPr lang="en-US" sz="2000" i="1" dirty="0"/>
-              <a:t>n </a:t>
-            </a:r>
-            <a:r>
-              <a:rPr lang="en-US" sz="2000" dirty="0"/>
-              <a:t>samples needed to create Core Samples</a:t>
-            </a:r>
-          </a:p>
-          <a:p>
-            <a:pPr lvl="1">
-              <a:lnSpc>
-                <a:spcPct val="90000"/>
-              </a:lnSpc>
-            </a:pPr>
-            <a:r>
-              <a:rPr lang="en-US" sz="2000" dirty="0"/>
-              <a:t>Eps: Distance</a:t>
-            </a:r>
-          </a:p>
-          <a:p>
-            <a:pPr lvl="1">
-              <a:lnSpc>
-                <a:spcPct val="90000"/>
-              </a:lnSpc>
-            </a:pPr>
-            <a:r>
-              <a:rPr lang="en-US" sz="2000" dirty="0"/>
-              <a:t>Metric: How distance is measured</a:t>
-            </a:r>
-          </a:p>
-          <a:p>
-            <a:pPr>
-              <a:lnSpc>
-                <a:spcPct val="90000"/>
-              </a:lnSpc>
-            </a:pPr>
-            <a:endParaRPr lang="en-US" sz="1800" dirty="0"/>
-          </a:p>
-        </p:txBody>
-      </p:sp>
-      <p:pic>
-        <p:nvPicPr>
-          <p:cNvPr id="6" name="Picture 5" descr="Chart, scatter chart&#10;&#10;Description automatically generated">
-            <a:extLst>
-              <a:ext uri="{FF2B5EF4-FFF2-40B4-BE49-F238E27FC236}">
-                <a16:creationId xmlns:a16="http://schemas.microsoft.com/office/drawing/2014/main" id="{1AC20F17-5E6E-4F4E-9998-FC442F309EFA}"/>
-              </a:ext>
-            </a:extLst>
-          </p:cNvPr>
-          <p:cNvPicPr>
-            <a:picLocks noChangeAspect="1"/>
-          </p:cNvPicPr>
-          <p:nvPr/>
-        </p:nvPicPr>
-        <p:blipFill>
-          <a:blip r:embed="rId3"/>
-          <a:stretch>
-            <a:fillRect/>
-          </a:stretch>
-        </p:blipFill>
-        <p:spPr>
-          <a:xfrm>
-            <a:off x="4915348" y="729888"/>
-            <a:ext cx="6633184" cy="4974888"/>
-          </a:xfrm>
-          <a:prstGeom prst="rect">
-            <a:avLst/>
-          </a:prstGeom>
-        </p:spPr>
-      </p:pic>
-    </p:spTree>
-    <p:extLst>
-      <p:ext uri="{BB962C8B-B14F-4D97-AF65-F5344CB8AC3E}">
-        <p14:creationId xmlns:p14="http://schemas.microsoft.com/office/powerpoint/2010/main" val="78201912"/>
-      </p:ext>
-    </p:extLst>
-  </p:cSld>
-  <p:clrMapOvr>
-    <a:masterClrMapping/>
-  </p:clrMapOvr>
-</p:sld>
-</file>
-
-<file path=ppt/slides/slide6.xml><?xml version="1.0" encoding="utf-8"?>
-<p:sld xmlns:a="http://schemas.openxmlformats.org/drawingml/2006/main" xmlns:r="http://schemas.openxmlformats.org/officeDocument/2006/relationships" xmlns:p="http://schemas.openxmlformats.org/presentationml/2006/main">
-  <p:cSld>
-    <p:spTree>
-      <p:nvGrpSpPr>
-        <p:cNvPr id="1" name=""/>
-        <p:cNvGrpSpPr/>
-        <p:nvPr/>
-      </p:nvGrpSpPr>
-      <p:grpSpPr>
-        <a:xfrm>
-          <a:off x="0" y="0"/>
-          <a:ext cx="0" cy="0"/>
-          <a:chOff x="0" y="0"/>
-          <a:chExt cx="0" cy="0"/>
-        </a:xfrm>
-      </p:grpSpPr>
-      <p:sp>
-        <p:nvSpPr>
-          <p:cNvPr id="2" name="Title 1">
-            <a:extLst>
-              <a:ext uri="{FF2B5EF4-FFF2-40B4-BE49-F238E27FC236}">
-                <a16:creationId xmlns:a16="http://schemas.microsoft.com/office/drawing/2014/main" id="{EDFA2900-EBA5-4C08-8561-7F924BB83AD5}"/>
-              </a:ext>
-            </a:extLst>
-          </p:cNvPr>
-          <p:cNvSpPr>
-            <a:spLocks noGrp="1"/>
-          </p:cNvSpPr>
-          <p:nvPr>
-            <p:ph type="title"/>
-          </p:nvPr>
-        </p:nvSpPr>
-        <p:spPr>
-          <a:xfrm>
-            <a:off x="913796" y="643465"/>
-            <a:ext cx="3382638" cy="1370605"/>
-          </a:xfrm>
-        </p:spPr>
-        <p:txBody>
-          <a:bodyPr vert="horz" lIns="91440" tIns="45720" rIns="91440" bIns="45720" rtlCol="0" anchor="ctr">
-            <a:normAutofit/>
-          </a:bodyPr>
-          <a:lstStyle/>
-          <a:p>
-            <a:pPr algn="l"/>
-            <a:r>
-              <a:rPr lang="en-US" sz="2600" dirty="0"/>
-              <a:t>DBSCAN</a:t>
-            </a:r>
-            <a:endParaRPr lang="en-US" sz="2600" kern="1200" dirty="0">
-              <a:ln>
-                <a:solidFill>
-                  <a:schemeClr val="bg1">
-                    <a:lumMod val="75000"/>
-                    <a:lumOff val="25000"/>
-                    <a:alpha val="10000"/>
-                  </a:schemeClr>
-                </a:solidFill>
-              </a:ln>
-              <a:solidFill>
-                <a:schemeClr val="tx2"/>
-              </a:solidFill>
-              <a:effectLst>
-                <a:outerShdw blurRad="9525" dist="25400" dir="14640000" algn="tl" rotWithShape="0">
-                  <a:schemeClr val="bg1">
-                    <a:alpha val="30000"/>
-                  </a:schemeClr>
-                </a:outerShdw>
-              </a:effectLst>
-              <a:latin typeface="+mj-lt"/>
-              <a:ea typeface="+mj-ea"/>
-              <a:cs typeface="Trebuchet MS"/>
-            </a:endParaRPr>
-          </a:p>
-        </p:txBody>
-      </p:sp>
-      <p:sp>
-        <p:nvSpPr>
-          <p:cNvPr id="3" name="Content Placeholder 2">
-            <a:extLst>
-              <a:ext uri="{FF2B5EF4-FFF2-40B4-BE49-F238E27FC236}">
-                <a16:creationId xmlns:a16="http://schemas.microsoft.com/office/drawing/2014/main" id="{A05F9829-970F-4B17-AE93-A5D8694A2F1A}"/>
-              </a:ext>
-            </a:extLst>
-          </p:cNvPr>
-          <p:cNvSpPr>
-            <a:spLocks noGrp="1"/>
-          </p:cNvSpPr>
-          <p:nvPr>
-            <p:ph sz="half" idx="1"/>
-          </p:nvPr>
-        </p:nvSpPr>
-        <p:spPr>
-          <a:xfrm>
-            <a:off x="913796" y="2247153"/>
-            <a:ext cx="3358084" cy="3544046"/>
-          </a:xfrm>
-        </p:spPr>
-        <p:txBody>
-          <a:bodyPr vert="horz" lIns="91440" tIns="45720" rIns="91440" bIns="45720" rtlCol="0" anchor="t">
-            <a:normAutofit lnSpcReduction="10000"/>
-          </a:bodyPr>
-          <a:lstStyle/>
-          <a:p>
-            <a:pPr>
-              <a:lnSpc>
-                <a:spcPct val="90000"/>
-              </a:lnSpc>
-            </a:pPr>
-            <a:r>
-              <a:rPr lang="en-US" sz="2000" dirty="0"/>
-              <a:t>Core Samples of high density </a:t>
-            </a:r>
-          </a:p>
-          <a:p>
-            <a:pPr>
-              <a:lnSpc>
-                <a:spcPct val="90000"/>
-              </a:lnSpc>
-            </a:pPr>
-            <a:r>
-              <a:rPr lang="en-US" sz="2000" dirty="0"/>
-              <a:t>Creates clusters from Core Samples</a:t>
-            </a:r>
-          </a:p>
-          <a:p>
-            <a:pPr>
-              <a:lnSpc>
-                <a:spcPct val="90000"/>
-              </a:lnSpc>
-            </a:pPr>
-            <a:r>
-              <a:rPr lang="en-US" sz="2000" dirty="0"/>
-              <a:t>3 main parameters:</a:t>
-            </a:r>
-          </a:p>
-          <a:p>
-            <a:pPr lvl="1">
-              <a:lnSpc>
-                <a:spcPct val="90000"/>
-              </a:lnSpc>
-            </a:pPr>
-            <a:r>
-              <a:rPr lang="en-US" sz="2000" dirty="0" err="1"/>
-              <a:t>Min_samples</a:t>
-            </a:r>
-            <a:r>
-              <a:rPr lang="en-US" sz="2000" dirty="0"/>
-              <a:t>: </a:t>
-            </a:r>
-            <a:r>
-              <a:rPr lang="en-US" sz="2000" i="1" dirty="0"/>
-              <a:t>n </a:t>
-            </a:r>
-            <a:r>
-              <a:rPr lang="en-US" sz="2000" dirty="0"/>
-              <a:t>samples needed to create Core Samples</a:t>
-            </a:r>
-          </a:p>
-          <a:p>
-            <a:pPr lvl="1">
-              <a:lnSpc>
-                <a:spcPct val="90000"/>
-              </a:lnSpc>
-            </a:pPr>
-            <a:r>
-              <a:rPr lang="en-US" sz="2000" dirty="0"/>
-              <a:t>Eps: Distance</a:t>
-            </a:r>
-          </a:p>
-          <a:p>
-            <a:pPr lvl="1">
-              <a:lnSpc>
-                <a:spcPct val="90000"/>
-              </a:lnSpc>
-            </a:pPr>
-            <a:r>
-              <a:rPr lang="en-US" sz="2000" dirty="0"/>
-              <a:t>Metric: How distance is measured</a:t>
-            </a:r>
-          </a:p>
-          <a:p>
-            <a:pPr>
-              <a:lnSpc>
-                <a:spcPct val="90000"/>
-              </a:lnSpc>
-            </a:pPr>
-            <a:endParaRPr lang="en-US" sz="1800" dirty="0"/>
-          </a:p>
-        </p:txBody>
-      </p:sp>
-      <p:pic>
-        <p:nvPicPr>
-          <p:cNvPr id="6" name="Picture 5" descr="Chart, scatter chart&#10;&#10;Description automatically generated">
-            <a:extLst>
-              <a:ext uri="{FF2B5EF4-FFF2-40B4-BE49-F238E27FC236}">
-                <a16:creationId xmlns:a16="http://schemas.microsoft.com/office/drawing/2014/main" id="{1AC20F17-5E6E-4F4E-9998-FC442F309EFA}"/>
-              </a:ext>
-            </a:extLst>
-          </p:cNvPr>
-          <p:cNvPicPr>
-            <a:picLocks noChangeAspect="1"/>
-          </p:cNvPicPr>
-          <p:nvPr/>
-        </p:nvPicPr>
-        <p:blipFill>
-          <a:blip r:embed="rId2"/>
-          <a:stretch>
-            <a:fillRect/>
-          </a:stretch>
-        </p:blipFill>
-        <p:spPr>
-          <a:xfrm>
-            <a:off x="4915348" y="729888"/>
-            <a:ext cx="6633184" cy="4974888"/>
-          </a:xfrm>
-          <a:prstGeom prst="rect">
-            <a:avLst/>
-          </a:prstGeom>
-        </p:spPr>
-      </p:pic>
-    </p:spTree>
-    <p:extLst>
-      <p:ext uri="{BB962C8B-B14F-4D97-AF65-F5344CB8AC3E}">
-        <p14:creationId xmlns:p14="http://schemas.microsoft.com/office/powerpoint/2010/main" val="372471611"/>
-      </p:ext>
-    </p:extLst>
-  </p:cSld>
-  <p:clrMapOvr>
-    <a:masterClrMapping/>
-  </p:clrMapOvr>
-</p:sld>
-</file>
-
-<file path=ppt/slides/slide7.xml><?xml version="1.0" encoding="utf-8"?>
-<p:sld xmlns:a="http://schemas.openxmlformats.org/drawingml/2006/main" xmlns:r="http://schemas.openxmlformats.org/officeDocument/2006/relationships" xmlns:p="http://schemas.openxmlformats.org/presentationml/2006/main">
-  <p:cSld>
-    <p:bg>
-      <p:bgPr>
-        <a:blipFill rotWithShape="1">
-          <a:blip r:embed="rId2">
-            <a:duotone>
-              <a:schemeClr val="bg1">
-                <a:shade val="80000"/>
-                <a:lumMod val="80000"/>
-              </a:schemeClr>
-              <a:schemeClr val="bg1">
-                <a:tint val="98000"/>
-              </a:schemeClr>
-            </a:duotone>
-          </a:blip>
-          <a:stretch/>
-        </a:blipFill>
-        <a:effectLst/>
-      </p:bgPr>
-    </p:bg>
-    <p:spTree>
-      <p:nvGrpSpPr>
-        <p:cNvPr id="1" name=""/>
-        <p:cNvGrpSpPr/>
-        <p:nvPr/>
-      </p:nvGrpSpPr>
-      <p:grpSpPr>
-        <a:xfrm>
-          <a:off x="0" y="0"/>
-          <a:ext cx="0" cy="0"/>
-          <a:chOff x="0" y="0"/>
-          <a:chExt cx="0" cy="0"/>
-        </a:xfrm>
-      </p:grpSpPr>
-      <p:sp useBgFill="1">
-        <p:nvSpPr>
-          <p:cNvPr id="12" name="Rectangle 11">
-            <a:extLst>
-              <a:ext uri="{FF2B5EF4-FFF2-40B4-BE49-F238E27FC236}">
-                <a16:creationId xmlns:a16="http://schemas.microsoft.com/office/drawing/2014/main" id="{95CB840F-8E41-4CA5-B79B-25CC80AD234A}"/>
-              </a:ext>
-              <a:ext uri="{C183D7F6-B498-43B3-948B-1728B52AA6E4}">
-                <adec:decorative xmlns:adec="http://schemas.microsoft.com/office/drawing/2017/decorative" val="1"/>
-              </a:ext>
-            </a:extLst>
-          </p:cNvPr>
-          <p:cNvSpPr>
-            <a:spLocks noGrp="1" noRot="1" noChangeAspect="1" noMove="1" noResize="1" noEditPoints="1" noAdjustHandles="1" noChangeArrowheads="1" noChangeShapeType="1" noTextEdit="1"/>
-          </p:cNvSpPr>
-          <p:nvPr>
-            <p:extLst>
-              <p:ext uri="{386F3935-93C4-4BCD-93E2-E3B085C9AB24}">
-                <p16:designElem xmlns:p16="http://schemas.microsoft.com/office/powerpoint/2015/main" val="1"/>
-              </p:ext>
-            </p:extLst>
-          </p:nvPr>
-        </p:nvSpPr>
-        <p:spPr>
-          <a:xfrm>
-            <a:off x="0" y="0"/>
-            <a:ext cx="12192000" cy="6858000"/>
-          </a:xfrm>
-          <a:prstGeom prst="rect">
-            <a:avLst/>
-          </a:prstGeom>
-          <a:ln>
-            <a:noFill/>
-          </a:ln>
-        </p:spPr>
-        <p:style>
-          <a:lnRef idx="2">
-            <a:schemeClr val="accent1">
-              <a:shade val="50000"/>
-            </a:schemeClr>
-          </a:lnRef>
-          <a:fillRef idx="1003">
-            <a:schemeClr val="dk2"/>
-          </a:fillRef>
-          <a:effectRef idx="0">
-            <a:schemeClr val="accent1"/>
-          </a:effectRef>
-          <a:fontRef idx="minor">
-            <a:schemeClr val="lt1"/>
-          </a:fontRef>
-        </p:style>
-        <p:txBody>
-          <a:bodyPr rtlCol="0" anchor="ctr"/>
-          <a:lstStyle/>
-          <a:p>
-            <a:pPr algn="ctr"/>
-            <a:endParaRPr lang="en-US"/>
-          </a:p>
-        </p:txBody>
-      </p:sp>
-      <p:sp>
-        <p:nvSpPr>
-          <p:cNvPr id="2" name="Title 1">
-            <a:extLst>
-              <a:ext uri="{FF2B5EF4-FFF2-40B4-BE49-F238E27FC236}">
-                <a16:creationId xmlns:a16="http://schemas.microsoft.com/office/drawing/2014/main" id="{EDFA2900-EBA5-4C08-8561-7F924BB83AD5}"/>
-              </a:ext>
-            </a:extLst>
-          </p:cNvPr>
-          <p:cNvSpPr>
-            <a:spLocks noGrp="1"/>
-          </p:cNvSpPr>
-          <p:nvPr>
-            <p:ph type="title"/>
-          </p:nvPr>
-        </p:nvSpPr>
-        <p:spPr>
-          <a:xfrm>
-            <a:off x="913796" y="643465"/>
-            <a:ext cx="3382638" cy="1370605"/>
-          </a:xfrm>
-        </p:spPr>
-        <p:txBody>
-          <a:bodyPr vert="horz" lIns="91440" tIns="45720" rIns="91440" bIns="45720" rtlCol="0" anchor="ctr">
-            <a:normAutofit/>
-          </a:bodyPr>
-          <a:lstStyle/>
-          <a:p>
-            <a:pPr algn="l"/>
-            <a:r>
-              <a:rPr lang="en-US" sz="3000" kern="1200" dirty="0">
-                <a:ln>
-                  <a:solidFill>
-                    <a:schemeClr val="bg1">
-                      <a:lumMod val="75000"/>
-                      <a:lumOff val="25000"/>
-                      <a:alpha val="10000"/>
-                    </a:schemeClr>
-                  </a:solidFill>
-                </a:ln>
-                <a:solidFill>
-                  <a:schemeClr val="tx2"/>
-                </a:solidFill>
-                <a:effectLst>
-                  <a:outerShdw blurRad="9525" dist="25400" dir="14640000" algn="tl" rotWithShape="0">
-                    <a:schemeClr val="bg1">
-                      <a:alpha val="30000"/>
-                    </a:schemeClr>
-                  </a:outerShdw>
-                </a:effectLst>
-                <a:latin typeface="+mj-lt"/>
-                <a:ea typeface="+mj-ea"/>
-                <a:cs typeface="Trebuchet MS"/>
-              </a:rPr>
-              <a:t>Isolation Forest</a:t>
-            </a:r>
-          </a:p>
-        </p:txBody>
-      </p:sp>
-      <p:pic>
-        <p:nvPicPr>
-          <p:cNvPr id="7" name="Content Placeholder 4" descr="Chart&#10;&#10;Description automatically generated">
-            <a:extLst>
-              <a:ext uri="{FF2B5EF4-FFF2-40B4-BE49-F238E27FC236}">
-                <a16:creationId xmlns:a16="http://schemas.microsoft.com/office/drawing/2014/main" id="{A6AF167F-EBBB-4AEC-BC84-6D28FB692153}"/>
-              </a:ext>
-            </a:extLst>
-          </p:cNvPr>
-          <p:cNvPicPr>
-            <a:picLocks noChangeAspect="1"/>
-          </p:cNvPicPr>
-          <p:nvPr/>
-        </p:nvPicPr>
-        <p:blipFill>
-          <a:blip r:embed="rId3"/>
-          <a:stretch>
-            <a:fillRect/>
-          </a:stretch>
-        </p:blipFill>
-        <p:spPr>
-          <a:xfrm>
-            <a:off x="4915348" y="729889"/>
-            <a:ext cx="6633184" cy="4974887"/>
-          </a:xfrm>
-          <a:prstGeom prst="rect">
-            <a:avLst/>
-          </a:prstGeom>
-        </p:spPr>
-      </p:pic>
-      <p:sp>
-        <p:nvSpPr>
-          <p:cNvPr id="3" name="Content Placeholder 2">
-            <a:extLst>
-              <a:ext uri="{FF2B5EF4-FFF2-40B4-BE49-F238E27FC236}">
-                <a16:creationId xmlns:a16="http://schemas.microsoft.com/office/drawing/2014/main" id="{A05F9829-970F-4B17-AE93-A5D8694A2F1A}"/>
-              </a:ext>
-            </a:extLst>
-          </p:cNvPr>
-          <p:cNvSpPr>
-            <a:spLocks noGrp="1"/>
-          </p:cNvSpPr>
-          <p:nvPr>
-            <p:ph sz="half" idx="1"/>
-          </p:nvPr>
-        </p:nvSpPr>
-        <p:spPr>
-          <a:xfrm>
-            <a:off x="913796" y="1748589"/>
-            <a:ext cx="3358084" cy="4042610"/>
-          </a:xfrm>
-        </p:spPr>
-        <p:txBody>
-          <a:bodyPr vert="horz" lIns="91440" tIns="45720" rIns="91440" bIns="45720" rtlCol="0" anchor="t">
-            <a:noAutofit/>
-          </a:bodyPr>
-          <a:lstStyle/>
-          <a:p>
-            <a:pPr>
-              <a:lnSpc>
-                <a:spcPct val="90000"/>
-              </a:lnSpc>
-            </a:pPr>
-            <a:r>
-              <a:rPr lang="en-US" sz="2000" dirty="0"/>
-              <a:t>Creates partitions between min and max values</a:t>
-            </a:r>
-          </a:p>
-          <a:p>
-            <a:pPr>
-              <a:lnSpc>
-                <a:spcPct val="90000"/>
-              </a:lnSpc>
-            </a:pPr>
-            <a:r>
-              <a:rPr lang="en-US" sz="2000" dirty="0"/>
-              <a:t>Can be represented in a ‘tree’ structure</a:t>
-            </a:r>
-          </a:p>
-          <a:p>
-            <a:pPr>
-              <a:lnSpc>
-                <a:spcPct val="90000"/>
-              </a:lnSpc>
-            </a:pPr>
-            <a:r>
-              <a:rPr lang="en-US" sz="2000" dirty="0"/>
-              <a:t>1 main parameter:</a:t>
-            </a:r>
-          </a:p>
-          <a:p>
-            <a:pPr lvl="1">
-              <a:lnSpc>
-                <a:spcPct val="90000"/>
-              </a:lnSpc>
-            </a:pPr>
-            <a:r>
-              <a:rPr lang="en-US" sz="2000" dirty="0"/>
-              <a:t>Contamination:  The ‘percent’ of contamination within the data</a:t>
-            </a:r>
-          </a:p>
-          <a:p>
-            <a:pPr lvl="1">
-              <a:lnSpc>
-                <a:spcPct val="90000"/>
-              </a:lnSpc>
-            </a:pPr>
-            <a:r>
-              <a:rPr lang="en-US" sz="2000" dirty="0"/>
-              <a:t>This will also remove </a:t>
-            </a:r>
-            <a:r>
-              <a:rPr lang="en-US" sz="2000" i="1" dirty="0"/>
-              <a:t>x </a:t>
-            </a:r>
-            <a:r>
-              <a:rPr lang="en-US" sz="2000" dirty="0"/>
-              <a:t>percent of rows</a:t>
-            </a:r>
-          </a:p>
-        </p:txBody>
-      </p:sp>
-    </p:spTree>
-    <p:extLst>
-      <p:ext uri="{BB962C8B-B14F-4D97-AF65-F5344CB8AC3E}">
-        <p14:creationId xmlns:p14="http://schemas.microsoft.com/office/powerpoint/2010/main" val="1539239309"/>
-      </p:ext>
-    </p:extLst>
-  </p:cSld>
-  <p:clrMapOvr>
-    <a:masterClrMapping/>
-  </p:clrMapOvr>
-</p:sld>
-</file>
-
-<file path=ppt/slides/slide8.xml><?xml version="1.0" encoding="utf-8"?>
-<p:sld xmlns:a="http://schemas.openxmlformats.org/drawingml/2006/main" xmlns:r="http://schemas.openxmlformats.org/officeDocument/2006/relationships" xmlns:p="http://schemas.openxmlformats.org/presentationml/2006/main">
-  <p:cSld>
-    <p:bg>
-      <p:bgPr>
-        <a:blipFill rotWithShape="1">
-          <a:blip r:embed="rId2">
-            <a:duotone>
-              <a:schemeClr val="bg1">
-                <a:shade val="80000"/>
-                <a:lumMod val="80000"/>
-              </a:schemeClr>
-              <a:schemeClr val="bg1">
-                <a:tint val="98000"/>
-              </a:schemeClr>
-            </a:duotone>
-          </a:blip>
-          <a:stretch/>
-        </a:blipFill>
-        <a:effectLst/>
-      </p:bgPr>
-    </p:bg>
-    <p:spTree>
-      <p:nvGrpSpPr>
-        <p:cNvPr id="1" name=""/>
-        <p:cNvGrpSpPr/>
-        <p:nvPr/>
-      </p:nvGrpSpPr>
-      <p:grpSpPr>
-        <a:xfrm>
-          <a:off x="0" y="0"/>
-          <a:ext cx="0" cy="0"/>
-          <a:chOff x="0" y="0"/>
-          <a:chExt cx="0" cy="0"/>
-        </a:xfrm>
-      </p:grpSpPr>
-      <p:sp useBgFill="1">
-        <p:nvSpPr>
-          <p:cNvPr id="10" name="Rectangle 9">
-            <a:extLst>
-              <a:ext uri="{FF2B5EF4-FFF2-40B4-BE49-F238E27FC236}">
-                <a16:creationId xmlns:a16="http://schemas.microsoft.com/office/drawing/2014/main" id="{95CB840F-8E41-4CA5-B79B-25CC80AD234A}"/>
-              </a:ext>
-              <a:ext uri="{C183D7F6-B498-43B3-948B-1728B52AA6E4}">
-                <adec:decorative xmlns:adec="http://schemas.microsoft.com/office/drawing/2017/decorative" val="1"/>
-              </a:ext>
-            </a:extLst>
-          </p:cNvPr>
-          <p:cNvSpPr>
-            <a:spLocks noGrp="1" noRot="1" noChangeAspect="1" noMove="1" noResize="1" noEditPoints="1" noAdjustHandles="1" noChangeArrowheads="1" noChangeShapeType="1" noTextEdit="1"/>
-          </p:cNvSpPr>
-          <p:nvPr>
-            <p:extLst>
-              <p:ext uri="{386F3935-93C4-4BCD-93E2-E3B085C9AB24}">
-                <p16:designElem xmlns:p16="http://schemas.microsoft.com/office/powerpoint/2015/main" val="1"/>
-              </p:ext>
-            </p:extLst>
-          </p:nvPr>
-        </p:nvSpPr>
-        <p:spPr>
-          <a:xfrm>
-            <a:off x="0" y="0"/>
-            <a:ext cx="12192000" cy="6858000"/>
-          </a:xfrm>
-          <a:prstGeom prst="rect">
-            <a:avLst/>
-          </a:prstGeom>
-          <a:ln>
-            <a:noFill/>
-          </a:ln>
-        </p:spPr>
-        <p:style>
-          <a:lnRef idx="2">
-            <a:schemeClr val="accent1">
-              <a:shade val="50000"/>
-            </a:schemeClr>
-          </a:lnRef>
-          <a:fillRef idx="1003">
-            <a:schemeClr val="dk2"/>
-          </a:fillRef>
-          <a:effectRef idx="0">
-            <a:schemeClr val="accent1"/>
-          </a:effectRef>
-          <a:fontRef idx="minor">
-            <a:schemeClr val="lt1"/>
-          </a:fontRef>
-        </p:style>
-        <p:txBody>
-          <a:bodyPr rtlCol="0" anchor="ctr"/>
-          <a:lstStyle/>
-          <a:p>
-            <a:pPr algn="ctr"/>
-            <a:endParaRPr lang="en-US"/>
-          </a:p>
-        </p:txBody>
-      </p:sp>
-      <p:sp>
-        <p:nvSpPr>
-          <p:cNvPr id="2" name="Title 1">
-            <a:extLst>
-              <a:ext uri="{FF2B5EF4-FFF2-40B4-BE49-F238E27FC236}">
-                <a16:creationId xmlns:a16="http://schemas.microsoft.com/office/drawing/2014/main" id="{EDFA2900-EBA5-4C08-8561-7F924BB83AD5}"/>
-              </a:ext>
-            </a:extLst>
-          </p:cNvPr>
-          <p:cNvSpPr>
-            <a:spLocks noGrp="1"/>
-          </p:cNvSpPr>
-          <p:nvPr>
-            <p:ph type="title"/>
-          </p:nvPr>
-        </p:nvSpPr>
-        <p:spPr>
-          <a:xfrm>
-            <a:off x="913796" y="206350"/>
-            <a:ext cx="3382638" cy="1370605"/>
-          </a:xfrm>
-        </p:spPr>
-        <p:txBody>
-          <a:bodyPr vert="horz" lIns="91440" tIns="45720" rIns="91440" bIns="45720" rtlCol="0" anchor="ctr">
-            <a:normAutofit/>
-          </a:bodyPr>
-          <a:lstStyle/>
-          <a:p>
-            <a:pPr algn="l"/>
-            <a:r>
-              <a:rPr lang="en-US" sz="3000" kern="1200" dirty="0">
-                <a:ln>
-                  <a:solidFill>
-                    <a:schemeClr val="bg1">
-                      <a:lumMod val="75000"/>
-                      <a:lumOff val="25000"/>
-                      <a:alpha val="10000"/>
-                    </a:schemeClr>
-                  </a:solidFill>
-                </a:ln>
-                <a:solidFill>
-                  <a:schemeClr val="tx2"/>
-                </a:solidFill>
-                <a:effectLst>
-                  <a:outerShdw blurRad="9525" dist="25400" dir="14640000" algn="tl" rotWithShape="0">
-                    <a:schemeClr val="bg1">
-                      <a:alpha val="30000"/>
-                    </a:schemeClr>
-                  </a:outerShdw>
-                </a:effectLst>
-                <a:latin typeface="+mj-lt"/>
-                <a:ea typeface="+mj-ea"/>
-                <a:cs typeface="Trebuchet MS"/>
-              </a:rPr>
-              <a:t>Local Outlier Factor</a:t>
-            </a:r>
-          </a:p>
-        </p:txBody>
-      </p:sp>
-      <p:sp>
-        <p:nvSpPr>
-          <p:cNvPr id="3" name="Content Placeholder 2">
-            <a:extLst>
-              <a:ext uri="{FF2B5EF4-FFF2-40B4-BE49-F238E27FC236}">
-                <a16:creationId xmlns:a16="http://schemas.microsoft.com/office/drawing/2014/main" id="{A05F9829-970F-4B17-AE93-A5D8694A2F1A}"/>
-              </a:ext>
-            </a:extLst>
-          </p:cNvPr>
-          <p:cNvSpPr>
-            <a:spLocks noGrp="1"/>
-          </p:cNvSpPr>
-          <p:nvPr>
-            <p:ph sz="half" idx="1"/>
-          </p:nvPr>
-        </p:nvSpPr>
-        <p:spPr>
-          <a:xfrm>
-            <a:off x="913796" y="1299411"/>
-            <a:ext cx="3358084" cy="4684294"/>
-          </a:xfrm>
-        </p:spPr>
-        <p:txBody>
-          <a:bodyPr vert="horz" lIns="91440" tIns="45720" rIns="91440" bIns="45720" rtlCol="0" anchor="t">
-            <a:normAutofit/>
-          </a:bodyPr>
-          <a:lstStyle/>
-          <a:p>
-            <a:r>
-              <a:rPr lang="en-US" sz="2000" dirty="0"/>
-              <a:t>Focuses on Anomaly Score more than classification</a:t>
-            </a:r>
-          </a:p>
-          <a:p>
-            <a:r>
-              <a:rPr lang="en-US" sz="2000" dirty="0"/>
-              <a:t>Based on contamination parameter, will create a threshold</a:t>
-            </a:r>
-          </a:p>
-          <a:p>
-            <a:r>
-              <a:rPr lang="en-US" sz="2000" dirty="0"/>
-              <a:t>3 main parameters;</a:t>
-            </a:r>
-          </a:p>
-          <a:p>
-            <a:pPr lvl="1"/>
-            <a:r>
-              <a:rPr lang="en-US" sz="1800" dirty="0" err="1"/>
-              <a:t>N_neighbors</a:t>
-            </a:r>
-            <a:r>
-              <a:rPr lang="en-US" sz="1800" dirty="0"/>
-              <a:t>: number of points for a dense cluster</a:t>
-            </a:r>
-          </a:p>
-          <a:p>
-            <a:pPr lvl="1"/>
-            <a:r>
-              <a:rPr lang="en-US" sz="1800" dirty="0"/>
-              <a:t>Metric: how distance is measured</a:t>
-            </a:r>
-          </a:p>
-          <a:p>
-            <a:pPr lvl="1"/>
-            <a:r>
-              <a:rPr lang="en-US" sz="1800" dirty="0"/>
-              <a:t>Contamination: Percent contaminated</a:t>
-            </a:r>
-          </a:p>
-        </p:txBody>
-      </p:sp>
-      <p:pic>
-        <p:nvPicPr>
-          <p:cNvPr id="5" name="Picture 4" descr="A picture containing scatter chart&#10;&#10;Description automatically generated">
-            <a:extLst>
-              <a:ext uri="{FF2B5EF4-FFF2-40B4-BE49-F238E27FC236}">
-                <a16:creationId xmlns:a16="http://schemas.microsoft.com/office/drawing/2014/main" id="{A1AD52A9-B28E-4DD7-989F-ADFF1847D471}"/>
-              </a:ext>
-            </a:extLst>
-          </p:cNvPr>
-          <p:cNvPicPr>
-            <a:picLocks noChangeAspect="1"/>
-          </p:cNvPicPr>
-          <p:nvPr/>
-        </p:nvPicPr>
-        <p:blipFill>
-          <a:blip r:embed="rId3"/>
-          <a:stretch>
-            <a:fillRect/>
-          </a:stretch>
-        </p:blipFill>
-        <p:spPr>
-          <a:xfrm>
-            <a:off x="4639248" y="663557"/>
-            <a:ext cx="6909284" cy="5320148"/>
-          </a:xfrm>
-          <a:prstGeom prst="rect">
-            <a:avLst/>
-          </a:prstGeom>
-        </p:spPr>
-      </p:pic>
-    </p:spTree>
-    <p:extLst>
-      <p:ext uri="{BB962C8B-B14F-4D97-AF65-F5344CB8AC3E}">
-        <p14:creationId xmlns:p14="http://schemas.microsoft.com/office/powerpoint/2010/main" val="769137800"/>
-      </p:ext>
-    </p:extLst>
-  </p:cSld>
-  <p:clrMapOvr>
-    <a:masterClrMapping/>
-  </p:clrMapOvr>
-</p:sld>
-</file>
-
-<file path=ppt/slides/slide9.xml><?xml version="1.0" encoding="utf-8"?>
-<p:sld xmlns:a="http://schemas.openxmlformats.org/drawingml/2006/main" xmlns:r="http://schemas.openxmlformats.org/officeDocument/2006/relationships" xmlns:p="http://schemas.openxmlformats.org/presentationml/2006/main">
-  <p:cSld>
-    <p:bg>
-      <p:bgPr>
-        <a:blipFill rotWithShape="1">
-          <a:blip r:embed="rId3">
-            <a:duotone>
-              <a:schemeClr val="bg1">
-                <a:shade val="80000"/>
-                <a:lumMod val="80000"/>
-              </a:schemeClr>
-              <a:schemeClr val="bg1">
-                <a:tint val="98000"/>
-              </a:schemeClr>
-            </a:duotone>
-          </a:blip>
-          <a:stretch/>
-        </a:blipFill>
-        <a:effectLst/>
-      </p:bgPr>
-    </p:bg>
-    <p:spTree>
-      <p:nvGrpSpPr>
-        <p:cNvPr id="1" name=""/>
-        <p:cNvGrpSpPr/>
-        <p:nvPr/>
-      </p:nvGrpSpPr>
-      <p:grpSpPr>
-        <a:xfrm>
-          <a:off x="0" y="0"/>
-          <a:ext cx="0" cy="0"/>
-          <a:chOff x="0" y="0"/>
-          <a:chExt cx="0" cy="0"/>
-        </a:xfrm>
-      </p:grpSpPr>
-      <p:sp useBgFill="1">
-        <p:nvSpPr>
-          <p:cNvPr id="11" name="Rectangle 8">
-            <a:extLst>
-              <a:ext uri="{FF2B5EF4-FFF2-40B4-BE49-F238E27FC236}">
-                <a16:creationId xmlns:a16="http://schemas.microsoft.com/office/drawing/2014/main" id="{886D4A05-AFD9-4D13-98E7-B23E4C9D785A}"/>
-              </a:ext>
-              <a:ext uri="{C183D7F6-B498-43B3-948B-1728B52AA6E4}">
-                <adec:decorative xmlns:adec="http://schemas.microsoft.com/office/drawing/2017/decorative" val="1"/>
-              </a:ext>
-            </a:extLst>
-          </p:cNvPr>
-          <p:cNvSpPr>
-            <a:spLocks noGrp="1" noRot="1" noChangeAspect="1" noMove="1" noResize="1" noEditPoints="1" noAdjustHandles="1" noChangeArrowheads="1" noChangeShapeType="1" noTextEdit="1"/>
-          </p:cNvSpPr>
-          <p:nvPr>
-            <p:extLst>
-              <p:ext uri="{386F3935-93C4-4BCD-93E2-E3B085C9AB24}">
-                <p16:designElem xmlns:p16="http://schemas.microsoft.com/office/powerpoint/2015/main" val="1"/>
-              </p:ext>
-            </p:extLst>
-          </p:nvPr>
-        </p:nvSpPr>
-        <p:spPr>
-          <a:xfrm>
-            <a:off x="0" y="0"/>
-            <a:ext cx="12192000" cy="6858000"/>
-          </a:xfrm>
-          <a:prstGeom prst="rect">
-            <a:avLst/>
-          </a:prstGeom>
-          <a:ln>
-            <a:noFill/>
-          </a:ln>
-        </p:spPr>
-        <p:style>
-          <a:lnRef idx="2">
-            <a:schemeClr val="accent1">
-              <a:shade val="50000"/>
-            </a:schemeClr>
-          </a:lnRef>
-          <a:fillRef idx="1">
-            <a:schemeClr val="accent1"/>
-          </a:fillRef>
-          <a:effectRef idx="0">
-            <a:schemeClr val="accent1"/>
-          </a:effectRef>
-          <a:fontRef idx="minor">
-            <a:schemeClr val="lt1"/>
-          </a:fontRef>
-        </p:style>
-        <p:txBody>
-          <a:bodyPr rtlCol="0" anchor="ctr"/>
-          <a:lstStyle/>
-          <a:p>
-            <a:pPr algn="ctr"/>
-            <a:endParaRPr lang="en-US"/>
-          </a:p>
-        </p:txBody>
-      </p:sp>
-      <p:sp>
-        <p:nvSpPr>
-          <p:cNvPr id="2" name="Title 1">
-            <a:extLst>
-              <a:ext uri="{FF2B5EF4-FFF2-40B4-BE49-F238E27FC236}">
-                <a16:creationId xmlns:a16="http://schemas.microsoft.com/office/drawing/2014/main" id="{5DD5A099-FAB1-4ED5-A544-1967A612ADAE}"/>
-              </a:ext>
-            </a:extLst>
-          </p:cNvPr>
-          <p:cNvSpPr>
-            <a:spLocks noGrp="1"/>
-          </p:cNvSpPr>
-          <p:nvPr>
-            <p:ph type="title"/>
-          </p:nvPr>
-        </p:nvSpPr>
-        <p:spPr>
-          <a:xfrm>
-            <a:off x="1370693" y="5274201"/>
-            <a:ext cx="9440034" cy="853251"/>
-          </a:xfrm>
-        </p:spPr>
-        <p:txBody>
-          <a:bodyPr vert="horz" lIns="91440" tIns="45720" rIns="91440" bIns="45720" rtlCol="0" anchor="b">
-            <a:normAutofit/>
-          </a:bodyPr>
-          <a:lstStyle/>
-          <a:p>
-            <a:r>
-              <a:rPr lang="en-US" sz="3600" dirty="0"/>
-              <a:t>Base RMSE: $220,000</a:t>
-            </a:r>
-          </a:p>
-        </p:txBody>
-      </p:sp>
-      <p:pic>
-        <p:nvPicPr>
-          <p:cNvPr id="4" name="Picture 3" descr="Chart&#10;&#10;Description automatically generated">
-            <a:extLst>
-              <a:ext uri="{FF2B5EF4-FFF2-40B4-BE49-F238E27FC236}">
-                <a16:creationId xmlns:a16="http://schemas.microsoft.com/office/drawing/2014/main" id="{291DB090-851D-45B6-8853-B472CDEC6CAD}"/>
-              </a:ext>
-            </a:extLst>
-          </p:cNvPr>
-          <p:cNvPicPr>
-            <a:picLocks noChangeAspect="1"/>
-          </p:cNvPicPr>
-          <p:nvPr/>
-        </p:nvPicPr>
-        <p:blipFill>
-          <a:blip r:embed="rId4"/>
-          <a:stretch>
-            <a:fillRect/>
-          </a:stretch>
-        </p:blipFill>
-        <p:spPr>
-          <a:xfrm>
-            <a:off x="634654" y="1909119"/>
-            <a:ext cx="10912112" cy="2837148"/>
-          </a:xfrm>
-          <a:prstGeom prst="rect">
-            <a:avLst/>
-          </a:prstGeom>
-        </p:spPr>
-      </p:pic>
-      <p:sp>
-        <p:nvSpPr>
-          <p:cNvPr id="8" name="Title 1">
-            <a:extLst>
-              <a:ext uri="{FF2B5EF4-FFF2-40B4-BE49-F238E27FC236}">
-                <a16:creationId xmlns:a16="http://schemas.microsoft.com/office/drawing/2014/main" id="{5CDC484D-A9BB-4CB5-BB45-5B3F353AA7FE}"/>
+                <a16:creationId xmlns:a16="http://schemas.microsoft.com/office/drawing/2014/main" id="{25ED8D18-A005-433A-88E0-CBA5D7B7BC03}"/>
               </a:ext>
             </a:extLst>
           </p:cNvPr>
@@ -9984,8 +8329,8 @@
         </p:nvSpPr>
         <p:spPr>
           <a:xfrm>
-            <a:off x="1370693" y="527934"/>
-            <a:ext cx="9440034" cy="853251"/>
+            <a:off x="2550523" y="5863320"/>
+            <a:ext cx="7064828" cy="786064"/>
           </a:xfrm>
           <a:prstGeom prst="rect">
             <a:avLst/>
@@ -9999,7 +8344,7 @@
           </a:effectLst>
         </p:spPr>
         <p:txBody>
-          <a:bodyPr vert="horz" lIns="91440" tIns="45720" rIns="91440" bIns="45720" rtlCol="0" anchor="b">
+          <a:bodyPr vert="horz" lIns="91440" tIns="45720" rIns="91440" bIns="45720" rtlCol="0" anchor="ctr">
             <a:normAutofit/>
           </a:bodyPr>
           <a:lstStyle>
@@ -10094,6 +8439,2159 @@
             </a:lvl9pPr>
           </a:lstStyle>
           <a:p>
+            <a:pPr algn="l"/>
+            <a:r>
+              <a:rPr lang="en-US" sz="2000" dirty="0"/>
+              <a:t>      SQFT_LIVING                GRADE                    SQFT_LOT</a:t>
+            </a:r>
+          </a:p>
+        </p:txBody>
+      </p:sp>
+    </p:spTree>
+    <p:extLst>
+      <p:ext uri="{BB962C8B-B14F-4D97-AF65-F5344CB8AC3E}">
+        <p14:creationId xmlns:p14="http://schemas.microsoft.com/office/powerpoint/2010/main" val="3473810505"/>
+      </p:ext>
+    </p:extLst>
+  </p:cSld>
+  <p:clrMapOvr>
+    <a:masterClrMapping/>
+  </p:clrMapOvr>
+</p:sld>
+</file>
+
+<file path=ppt/slides/slide17.xml><?xml version="1.0" encoding="utf-8"?>
+<p:sld xmlns:a="http://schemas.openxmlformats.org/drawingml/2006/main" xmlns:r="http://schemas.openxmlformats.org/officeDocument/2006/relationships" xmlns:p="http://schemas.openxmlformats.org/presentationml/2006/main">
+  <p:cSld>
+    <p:spTree>
+      <p:nvGrpSpPr>
+        <p:cNvPr id="1" name=""/>
+        <p:cNvGrpSpPr/>
+        <p:nvPr/>
+      </p:nvGrpSpPr>
+      <p:grpSpPr>
+        <a:xfrm>
+          <a:off x="0" y="0"/>
+          <a:ext cx="0" cy="0"/>
+          <a:chOff x="0" y="0"/>
+          <a:chExt cx="0" cy="0"/>
+        </a:xfrm>
+      </p:grpSpPr>
+      <p:sp>
+        <p:nvSpPr>
+          <p:cNvPr id="2" name="Title 1">
+            <a:extLst>
+              <a:ext uri="{FF2B5EF4-FFF2-40B4-BE49-F238E27FC236}">
+                <a16:creationId xmlns:a16="http://schemas.microsoft.com/office/drawing/2014/main" id="{77888717-B283-4449-B410-D7226FDE8E64}"/>
+              </a:ext>
+            </a:extLst>
+          </p:cNvPr>
+          <p:cNvSpPr>
+            <a:spLocks noGrp="1"/>
+          </p:cNvSpPr>
+          <p:nvPr>
+            <p:ph type="title"/>
+          </p:nvPr>
+        </p:nvSpPr>
+        <p:spPr>
+          <a:xfrm>
+            <a:off x="913795" y="609599"/>
+            <a:ext cx="10353762" cy="1895475"/>
+          </a:xfrm>
+        </p:spPr>
+        <p:txBody>
+          <a:bodyPr>
+            <a:normAutofit fontScale="90000"/>
+          </a:bodyPr>
+          <a:lstStyle/>
+          <a:p>
+            <a:r>
+              <a:rPr lang="en-US" dirty="0"/>
+              <a:t>Thank you</a:t>
+            </a:r>
+            <a:br>
+              <a:rPr lang="en-US" dirty="0"/>
+            </a:br>
+            <a:br>
+              <a:rPr lang="en-US" dirty="0"/>
+            </a:br>
+            <a:r>
+              <a:rPr lang="en-US" sz="4900" dirty="0"/>
+              <a:t>Q&amp;A</a:t>
+            </a:r>
+            <a:endParaRPr lang="en-US" dirty="0"/>
+          </a:p>
+        </p:txBody>
+      </p:sp>
+    </p:spTree>
+    <p:extLst>
+      <p:ext uri="{BB962C8B-B14F-4D97-AF65-F5344CB8AC3E}">
+        <p14:creationId xmlns:p14="http://schemas.microsoft.com/office/powerpoint/2010/main" val="3092741323"/>
+      </p:ext>
+    </p:extLst>
+  </p:cSld>
+  <p:clrMapOvr>
+    <a:masterClrMapping/>
+  </p:clrMapOvr>
+</p:sld>
+</file>
+
+<file path=ppt/slides/slide18.xml><?xml version="1.0" encoding="utf-8"?>
+<p:sld xmlns:a="http://schemas.openxmlformats.org/drawingml/2006/main" xmlns:r="http://schemas.openxmlformats.org/officeDocument/2006/relationships" xmlns:p="http://schemas.openxmlformats.org/presentationml/2006/main">
+  <p:cSld>
+    <p:spTree>
+      <p:nvGrpSpPr>
+        <p:cNvPr id="1" name=""/>
+        <p:cNvGrpSpPr/>
+        <p:nvPr/>
+      </p:nvGrpSpPr>
+      <p:grpSpPr>
+        <a:xfrm>
+          <a:off x="0" y="0"/>
+          <a:ext cx="0" cy="0"/>
+          <a:chOff x="0" y="0"/>
+          <a:chExt cx="0" cy="0"/>
+        </a:xfrm>
+      </p:grpSpPr>
+      <p:sp>
+        <p:nvSpPr>
+          <p:cNvPr id="2" name="Title 1">
+            <a:extLst>
+              <a:ext uri="{FF2B5EF4-FFF2-40B4-BE49-F238E27FC236}">
+                <a16:creationId xmlns:a16="http://schemas.microsoft.com/office/drawing/2014/main" id="{9FDA6FA4-5571-4A39-802E-E9F935CEE874}"/>
+              </a:ext>
+            </a:extLst>
+          </p:cNvPr>
+          <p:cNvSpPr>
+            <a:spLocks noGrp="1"/>
+          </p:cNvSpPr>
+          <p:nvPr>
+            <p:ph type="title"/>
+          </p:nvPr>
+        </p:nvSpPr>
+        <p:spPr/>
+        <p:txBody>
+          <a:bodyPr/>
+          <a:lstStyle/>
+          <a:p>
+            <a:r>
+              <a:rPr lang="en-US" dirty="0"/>
+              <a:t>Sources</a:t>
+            </a:r>
+          </a:p>
+        </p:txBody>
+      </p:sp>
+      <p:sp>
+        <p:nvSpPr>
+          <p:cNvPr id="3" name="TextBox 2">
+            <a:extLst>
+              <a:ext uri="{FF2B5EF4-FFF2-40B4-BE49-F238E27FC236}">
+                <a16:creationId xmlns:a16="http://schemas.microsoft.com/office/drawing/2014/main" id="{2330A7D7-6159-4E20-8839-C3C28EC03B3F}"/>
+              </a:ext>
+            </a:extLst>
+          </p:cNvPr>
+          <p:cNvSpPr txBox="1"/>
+          <p:nvPr/>
+        </p:nvSpPr>
+        <p:spPr>
+          <a:xfrm>
+            <a:off x="1014884" y="1866900"/>
+            <a:ext cx="9224386" cy="2308324"/>
+          </a:xfrm>
+          <a:prstGeom prst="rect">
+            <a:avLst/>
+          </a:prstGeom>
+          <a:noFill/>
+        </p:spPr>
+        <p:txBody>
+          <a:bodyPr wrap="square" rtlCol="0">
+            <a:spAutoFit/>
+          </a:bodyPr>
+          <a:lstStyle/>
+          <a:p>
+            <a:r>
+              <a:rPr lang="en-US" dirty="0">
+                <a:effectLst/>
+              </a:rPr>
+              <a:t>Blondel, M. and Others (2007-2022). </a:t>
+            </a:r>
+            <a:r>
+              <a:rPr lang="en-US" i="1" dirty="0">
+                <a:effectLst/>
+              </a:rPr>
+              <a:t>Machine Learning in Scikit-Learn</a:t>
+            </a:r>
+            <a:r>
+              <a:rPr lang="en-US" dirty="0">
+                <a:effectLst/>
+              </a:rPr>
+              <a:t>. Scikit-Learn. Retrieved March 29, 2022, from https://scikit-learn.org/stable/index.html </a:t>
+            </a:r>
+          </a:p>
+          <a:p>
+            <a:endParaRPr lang="en-US" dirty="0"/>
+          </a:p>
+          <a:p>
+            <a:r>
+              <a:rPr lang="en-US" dirty="0">
+                <a:effectLst/>
+              </a:rPr>
+              <a:t>King County Washington. (n.d.). </a:t>
+            </a:r>
+            <a:r>
+              <a:rPr lang="en-US" i="1" dirty="0">
+                <a:effectLst/>
+              </a:rPr>
+              <a:t>Open data</a:t>
+            </a:r>
+            <a:r>
+              <a:rPr lang="en-US" dirty="0">
+                <a:effectLst/>
+              </a:rPr>
+              <a:t>. King County Housing Data. Retrieved March 29, 2022, from https://data.kingcounty.gov/browse?category=Property%2B%26%2BAssessments </a:t>
+            </a:r>
+          </a:p>
+          <a:p>
+            <a:endParaRPr lang="en-US" dirty="0">
+              <a:effectLst/>
+            </a:endParaRPr>
+          </a:p>
+          <a:p>
+            <a:endParaRPr lang="en-US" dirty="0"/>
+          </a:p>
+          <a:p>
+            <a:endParaRPr lang="en-US" dirty="0"/>
+          </a:p>
+        </p:txBody>
+      </p:sp>
+    </p:spTree>
+    <p:extLst>
+      <p:ext uri="{BB962C8B-B14F-4D97-AF65-F5344CB8AC3E}">
+        <p14:creationId xmlns:p14="http://schemas.microsoft.com/office/powerpoint/2010/main" val="1293790700"/>
+      </p:ext>
+    </p:extLst>
+  </p:cSld>
+  <p:clrMapOvr>
+    <a:masterClrMapping/>
+  </p:clrMapOvr>
+</p:sld>
+</file>
+
+<file path=ppt/slides/slide19.xml><?xml version="1.0" encoding="utf-8"?>
+<p:sld xmlns:a="http://schemas.openxmlformats.org/drawingml/2006/main" xmlns:r="http://schemas.openxmlformats.org/officeDocument/2006/relationships" xmlns:p="http://schemas.openxmlformats.org/presentationml/2006/main">
+  <p:cSld>
+    <p:spTree>
+      <p:nvGrpSpPr>
+        <p:cNvPr id="1" name=""/>
+        <p:cNvGrpSpPr/>
+        <p:nvPr/>
+      </p:nvGrpSpPr>
+      <p:grpSpPr>
+        <a:xfrm>
+          <a:off x="0" y="0"/>
+          <a:ext cx="0" cy="0"/>
+          <a:chOff x="0" y="0"/>
+          <a:chExt cx="0" cy="0"/>
+        </a:xfrm>
+      </p:grpSpPr>
+      <p:sp>
+        <p:nvSpPr>
+          <p:cNvPr id="2" name="Title 1">
+            <a:extLst>
+              <a:ext uri="{FF2B5EF4-FFF2-40B4-BE49-F238E27FC236}">
+                <a16:creationId xmlns:a16="http://schemas.microsoft.com/office/drawing/2014/main" id="{CFEE411C-2C75-4E3B-A049-1246EE9C2467}"/>
+              </a:ext>
+            </a:extLst>
+          </p:cNvPr>
+          <p:cNvSpPr>
+            <a:spLocks noGrp="1"/>
+          </p:cNvSpPr>
+          <p:nvPr>
+            <p:ph type="title"/>
+          </p:nvPr>
+        </p:nvSpPr>
+        <p:spPr>
+          <a:xfrm>
+            <a:off x="919118" y="396497"/>
+            <a:ext cx="10353762" cy="1257300"/>
+          </a:xfrm>
+        </p:spPr>
+        <p:txBody>
+          <a:bodyPr/>
+          <a:lstStyle/>
+          <a:p>
+            <a:r>
+              <a:rPr lang="en-US" dirty="0"/>
+              <a:t>Appendix</a:t>
+            </a:r>
+          </a:p>
+        </p:txBody>
+      </p:sp>
+      <p:pic>
+        <p:nvPicPr>
+          <p:cNvPr id="4" name="Picture 3" descr="Chart, line chart&#10;&#10;Description automatically generated">
+            <a:extLst>
+              <a:ext uri="{FF2B5EF4-FFF2-40B4-BE49-F238E27FC236}">
+                <a16:creationId xmlns:a16="http://schemas.microsoft.com/office/drawing/2014/main" id="{B42547A9-7AFD-4DFC-80F8-607717CA067B}"/>
+              </a:ext>
+            </a:extLst>
+          </p:cNvPr>
+          <p:cNvPicPr>
+            <a:picLocks noChangeAspect="1"/>
+          </p:cNvPicPr>
+          <p:nvPr/>
+        </p:nvPicPr>
+        <p:blipFill>
+          <a:blip r:embed="rId2"/>
+          <a:stretch>
+            <a:fillRect/>
+          </a:stretch>
+        </p:blipFill>
+        <p:spPr>
+          <a:xfrm>
+            <a:off x="1153563" y="1653797"/>
+            <a:ext cx="9884873" cy="3550406"/>
+          </a:xfrm>
+          <a:prstGeom prst="rect">
+            <a:avLst/>
+          </a:prstGeom>
+        </p:spPr>
+      </p:pic>
+    </p:spTree>
+    <p:extLst>
+      <p:ext uri="{BB962C8B-B14F-4D97-AF65-F5344CB8AC3E}">
+        <p14:creationId xmlns:p14="http://schemas.microsoft.com/office/powerpoint/2010/main" val="1805503060"/>
+      </p:ext>
+    </p:extLst>
+  </p:cSld>
+  <p:clrMapOvr>
+    <a:masterClrMapping/>
+  </p:clrMapOvr>
+</p:sld>
+</file>
+
+<file path=ppt/slides/slide2.xml><?xml version="1.0" encoding="utf-8"?>
+<p:sld xmlns:a="http://schemas.openxmlformats.org/drawingml/2006/main" xmlns:r="http://schemas.openxmlformats.org/officeDocument/2006/relationships" xmlns:p="http://schemas.openxmlformats.org/presentationml/2006/main">
+  <p:cSld>
+    <p:spTree>
+      <p:nvGrpSpPr>
+        <p:cNvPr id="1" name=""/>
+        <p:cNvGrpSpPr/>
+        <p:nvPr/>
+      </p:nvGrpSpPr>
+      <p:grpSpPr>
+        <a:xfrm>
+          <a:off x="0" y="0"/>
+          <a:ext cx="0" cy="0"/>
+          <a:chOff x="0" y="0"/>
+          <a:chExt cx="0" cy="0"/>
+        </a:xfrm>
+      </p:grpSpPr>
+      <p:sp>
+        <p:nvSpPr>
+          <p:cNvPr id="2" name="Title 1">
+            <a:extLst>
+              <a:ext uri="{FF2B5EF4-FFF2-40B4-BE49-F238E27FC236}">
+                <a16:creationId xmlns:a16="http://schemas.microsoft.com/office/drawing/2014/main" id="{A7FDC192-92C5-4795-9891-52F2CD69CC83}"/>
+              </a:ext>
+            </a:extLst>
+          </p:cNvPr>
+          <p:cNvSpPr>
+            <a:spLocks noGrp="1"/>
+          </p:cNvSpPr>
+          <p:nvPr>
+            <p:ph type="title"/>
+          </p:nvPr>
+        </p:nvSpPr>
+        <p:spPr/>
+        <p:txBody>
+          <a:bodyPr/>
+          <a:lstStyle/>
+          <a:p>
+            <a:r>
+              <a:rPr lang="en-US" dirty="0"/>
+              <a:t>Why Multi-Variate?</a:t>
+            </a:r>
+          </a:p>
+        </p:txBody>
+      </p:sp>
+      <p:sp>
+        <p:nvSpPr>
+          <p:cNvPr id="3" name="Content Placeholder 2">
+            <a:extLst>
+              <a:ext uri="{FF2B5EF4-FFF2-40B4-BE49-F238E27FC236}">
+                <a16:creationId xmlns:a16="http://schemas.microsoft.com/office/drawing/2014/main" id="{52585F06-9824-4E2C-B2A6-9A58556588B1}"/>
+              </a:ext>
+            </a:extLst>
+          </p:cNvPr>
+          <p:cNvSpPr>
+            <a:spLocks noGrp="1"/>
+          </p:cNvSpPr>
+          <p:nvPr>
+            <p:ph sz="half" idx="1"/>
+          </p:nvPr>
+        </p:nvSpPr>
+        <p:spPr>
+          <a:xfrm>
+            <a:off x="924443" y="1871472"/>
+            <a:ext cx="4856841" cy="3915086"/>
+          </a:xfrm>
+        </p:spPr>
+        <p:txBody>
+          <a:bodyPr/>
+          <a:lstStyle/>
+          <a:p>
+            <a:r>
+              <a:rPr lang="en-US" dirty="0"/>
+              <a:t>Univariate: having one variable in the distribution</a:t>
+            </a:r>
+          </a:p>
+          <a:p>
+            <a:r>
+              <a:rPr lang="en-US" dirty="0"/>
+              <a:t>Multivariate: Having two or more variables in the distribution</a:t>
+            </a:r>
+          </a:p>
+          <a:p>
+            <a:pPr lvl="1"/>
+            <a:r>
+              <a:rPr lang="en-US" dirty="0"/>
+              <a:t>Becomes difficult in high dimensional space</a:t>
+            </a:r>
+          </a:p>
+          <a:p>
+            <a:pPr lvl="1"/>
+            <a:r>
+              <a:rPr lang="en-US" dirty="0"/>
+              <a:t>Benefit of </a:t>
+            </a:r>
+            <a:r>
+              <a:rPr lang="en-US" dirty="0" err="1"/>
+              <a:t>Sklearn</a:t>
+            </a:r>
+            <a:r>
+              <a:rPr lang="en-US" dirty="0"/>
+              <a:t> Python package</a:t>
+            </a:r>
+          </a:p>
+          <a:p>
+            <a:endParaRPr lang="en-US" dirty="0"/>
+          </a:p>
+        </p:txBody>
+      </p:sp>
+      <p:pic>
+        <p:nvPicPr>
+          <p:cNvPr id="10" name="Picture 9" descr="Chart, line chart&#10;&#10;Description automatically generated">
+            <a:extLst>
+              <a:ext uri="{FF2B5EF4-FFF2-40B4-BE49-F238E27FC236}">
+                <a16:creationId xmlns:a16="http://schemas.microsoft.com/office/drawing/2014/main" id="{0C567103-77E3-450C-BC2B-B9FF464CCA07}"/>
+              </a:ext>
+            </a:extLst>
+          </p:cNvPr>
+          <p:cNvPicPr>
+            <a:picLocks noChangeAspect="1"/>
+          </p:cNvPicPr>
+          <p:nvPr/>
+        </p:nvPicPr>
+        <p:blipFill>
+          <a:blip r:embed="rId3"/>
+          <a:stretch>
+            <a:fillRect/>
+          </a:stretch>
+        </p:blipFill>
+        <p:spPr>
+          <a:xfrm>
+            <a:off x="6096000" y="1871472"/>
+            <a:ext cx="5533443" cy="4459955"/>
+          </a:xfrm>
+          <a:prstGeom prst="rect">
+            <a:avLst/>
+          </a:prstGeom>
+        </p:spPr>
+      </p:pic>
+    </p:spTree>
+    <p:extLst>
+      <p:ext uri="{BB962C8B-B14F-4D97-AF65-F5344CB8AC3E}">
+        <p14:creationId xmlns:p14="http://schemas.microsoft.com/office/powerpoint/2010/main" val="4035105015"/>
+      </p:ext>
+    </p:extLst>
+  </p:cSld>
+  <p:clrMapOvr>
+    <a:masterClrMapping/>
+  </p:clrMapOvr>
+</p:sld>
+</file>
+
+<file path=ppt/slides/slide20.xml><?xml version="1.0" encoding="utf-8"?>
+<p:sld xmlns:a="http://schemas.openxmlformats.org/drawingml/2006/main" xmlns:r="http://schemas.openxmlformats.org/officeDocument/2006/relationships" xmlns:p="http://schemas.openxmlformats.org/presentationml/2006/main">
+  <p:cSld>
+    <p:bg>
+      <p:bgPr>
+        <a:blipFill rotWithShape="1">
+          <a:blip r:embed="rId2">
+            <a:duotone>
+              <a:schemeClr val="bg1">
+                <a:shade val="80000"/>
+                <a:lumMod val="80000"/>
+              </a:schemeClr>
+              <a:schemeClr val="bg1">
+                <a:tint val="98000"/>
+              </a:schemeClr>
+            </a:duotone>
+          </a:blip>
+          <a:stretch/>
+        </a:blipFill>
+        <a:effectLst/>
+      </p:bgPr>
+    </p:bg>
+    <p:spTree>
+      <p:nvGrpSpPr>
+        <p:cNvPr id="1" name=""/>
+        <p:cNvGrpSpPr/>
+        <p:nvPr/>
+      </p:nvGrpSpPr>
+      <p:grpSpPr>
+        <a:xfrm>
+          <a:off x="0" y="0"/>
+          <a:ext cx="0" cy="0"/>
+          <a:chOff x="0" y="0"/>
+          <a:chExt cx="0" cy="0"/>
+        </a:xfrm>
+      </p:grpSpPr>
+      <p:sp useBgFill="1">
+        <p:nvSpPr>
+          <p:cNvPr id="8" name="Rectangle 7">
+            <a:extLst>
+              <a:ext uri="{FF2B5EF4-FFF2-40B4-BE49-F238E27FC236}">
+                <a16:creationId xmlns:a16="http://schemas.microsoft.com/office/drawing/2014/main" id="{886D4A05-AFD9-4D13-98E7-B23E4C9D785A}"/>
+              </a:ext>
+              <a:ext uri="{C183D7F6-B498-43B3-948B-1728B52AA6E4}">
+                <adec:decorative xmlns:adec="http://schemas.microsoft.com/office/drawing/2017/decorative" val="1"/>
+              </a:ext>
+            </a:extLst>
+          </p:cNvPr>
+          <p:cNvSpPr>
+            <a:spLocks noGrp="1" noRot="1" noChangeAspect="1" noMove="1" noResize="1" noEditPoints="1" noAdjustHandles="1" noChangeArrowheads="1" noChangeShapeType="1" noTextEdit="1"/>
+          </p:cNvSpPr>
+          <p:nvPr>
+            <p:extLst>
+              <p:ext uri="{386F3935-93C4-4BCD-93E2-E3B085C9AB24}">
+                <p16:designElem xmlns:p16="http://schemas.microsoft.com/office/powerpoint/2015/main" val="1"/>
+              </p:ext>
+            </p:extLst>
+          </p:nvPr>
+        </p:nvSpPr>
+        <p:spPr>
+          <a:xfrm>
+            <a:off x="0" y="0"/>
+            <a:ext cx="12192000" cy="6858000"/>
+          </a:xfrm>
+          <a:prstGeom prst="rect">
+            <a:avLst/>
+          </a:prstGeom>
+          <a:ln>
+            <a:noFill/>
+          </a:ln>
+        </p:spPr>
+        <p:style>
+          <a:lnRef idx="2">
+            <a:schemeClr val="accent1">
+              <a:shade val="50000"/>
+            </a:schemeClr>
+          </a:lnRef>
+          <a:fillRef idx="1">
+            <a:schemeClr val="accent1"/>
+          </a:fillRef>
+          <a:effectRef idx="0">
+            <a:schemeClr val="accent1"/>
+          </a:effectRef>
+          <a:fontRef idx="minor">
+            <a:schemeClr val="lt1"/>
+          </a:fontRef>
+        </p:style>
+        <p:txBody>
+          <a:bodyPr rtlCol="0" anchor="ctr"/>
+          <a:lstStyle/>
+          <a:p>
+            <a:pPr algn="ctr"/>
+            <a:endParaRPr lang="en-US"/>
+          </a:p>
+        </p:txBody>
+      </p:sp>
+      <p:sp>
+        <p:nvSpPr>
+          <p:cNvPr id="2" name="Title 1">
+            <a:extLst>
+              <a:ext uri="{FF2B5EF4-FFF2-40B4-BE49-F238E27FC236}">
+                <a16:creationId xmlns:a16="http://schemas.microsoft.com/office/drawing/2014/main" id="{ECEC31A9-286C-45EC-85B5-60F6D74FB1FF}"/>
+              </a:ext>
+            </a:extLst>
+          </p:cNvPr>
+          <p:cNvSpPr>
+            <a:spLocks noGrp="1"/>
+          </p:cNvSpPr>
+          <p:nvPr>
+            <p:ph type="title"/>
+          </p:nvPr>
+        </p:nvSpPr>
+        <p:spPr>
+          <a:xfrm>
+            <a:off x="1370693" y="4406537"/>
+            <a:ext cx="9440034" cy="1088336"/>
+          </a:xfrm>
+        </p:spPr>
+        <p:txBody>
+          <a:bodyPr vert="horz" lIns="91440" tIns="45720" rIns="91440" bIns="45720" rtlCol="0" anchor="b">
+            <a:normAutofit/>
+          </a:bodyPr>
+          <a:lstStyle/>
+          <a:p>
+            <a:endParaRPr lang="en-US" sz="4800"/>
+          </a:p>
+        </p:txBody>
+      </p:sp>
+      <p:pic>
+        <p:nvPicPr>
+          <p:cNvPr id="3" name="Picture 2" descr="Chart, line chart, scatter chart&#10;&#10;Description automatically generated">
+            <a:extLst>
+              <a:ext uri="{FF2B5EF4-FFF2-40B4-BE49-F238E27FC236}">
+                <a16:creationId xmlns:a16="http://schemas.microsoft.com/office/drawing/2014/main" id="{328C46E8-D937-4BF4-9D18-1190ABD5D2E1}"/>
+              </a:ext>
+            </a:extLst>
+          </p:cNvPr>
+          <p:cNvPicPr>
+            <a:picLocks noChangeAspect="1"/>
+          </p:cNvPicPr>
+          <p:nvPr/>
+        </p:nvPicPr>
+        <p:blipFill>
+          <a:blip r:embed="rId3"/>
+          <a:stretch>
+            <a:fillRect/>
+          </a:stretch>
+        </p:blipFill>
+        <p:spPr>
+          <a:xfrm>
+            <a:off x="742822" y="1503761"/>
+            <a:ext cx="10695776" cy="3850478"/>
+          </a:xfrm>
+          <a:prstGeom prst="rect">
+            <a:avLst/>
+          </a:prstGeom>
+        </p:spPr>
+      </p:pic>
+    </p:spTree>
+    <p:extLst>
+      <p:ext uri="{BB962C8B-B14F-4D97-AF65-F5344CB8AC3E}">
+        <p14:creationId xmlns:p14="http://schemas.microsoft.com/office/powerpoint/2010/main" val="3673682504"/>
+      </p:ext>
+    </p:extLst>
+  </p:cSld>
+  <p:clrMapOvr>
+    <a:masterClrMapping/>
+  </p:clrMapOvr>
+</p:sld>
+</file>
+
+<file path=ppt/slides/slide3.xml><?xml version="1.0" encoding="utf-8"?>
+<p:sld xmlns:a="http://schemas.openxmlformats.org/drawingml/2006/main" xmlns:r="http://schemas.openxmlformats.org/officeDocument/2006/relationships" xmlns:p="http://schemas.openxmlformats.org/presentationml/2006/main">
+  <p:cSld>
+    <p:bg>
+      <p:bgPr>
+        <a:blipFill rotWithShape="1">
+          <a:blip r:embed="rId2">
+            <a:duotone>
+              <a:schemeClr val="bg1">
+                <a:shade val="80000"/>
+                <a:lumMod val="80000"/>
+              </a:schemeClr>
+              <a:schemeClr val="bg1">
+                <a:tint val="98000"/>
+              </a:schemeClr>
+            </a:duotone>
+          </a:blip>
+          <a:stretch/>
+        </a:blipFill>
+        <a:effectLst/>
+      </p:bgPr>
+    </p:bg>
+    <p:spTree>
+      <p:nvGrpSpPr>
+        <p:cNvPr id="1" name=""/>
+        <p:cNvGrpSpPr/>
+        <p:nvPr/>
+      </p:nvGrpSpPr>
+      <p:grpSpPr>
+        <a:xfrm>
+          <a:off x="0" y="0"/>
+          <a:ext cx="0" cy="0"/>
+          <a:chOff x="0" y="0"/>
+          <a:chExt cx="0" cy="0"/>
+        </a:xfrm>
+      </p:grpSpPr>
+      <p:sp useBgFill="1">
+        <p:nvSpPr>
+          <p:cNvPr id="11" name="Rectangle 10">
+            <a:extLst>
+              <a:ext uri="{FF2B5EF4-FFF2-40B4-BE49-F238E27FC236}">
+                <a16:creationId xmlns:a16="http://schemas.microsoft.com/office/drawing/2014/main" id="{95CB840F-8E41-4CA5-B79B-25CC80AD234A}"/>
+              </a:ext>
+              <a:ext uri="{C183D7F6-B498-43B3-948B-1728B52AA6E4}">
+                <adec:decorative xmlns:adec="http://schemas.microsoft.com/office/drawing/2017/decorative" val="1"/>
+              </a:ext>
+            </a:extLst>
+          </p:cNvPr>
+          <p:cNvSpPr>
+            <a:spLocks noGrp="1" noRot="1" noChangeAspect="1" noMove="1" noResize="1" noEditPoints="1" noAdjustHandles="1" noChangeArrowheads="1" noChangeShapeType="1" noTextEdit="1"/>
+          </p:cNvSpPr>
+          <p:nvPr>
+            <p:extLst>
+              <p:ext uri="{386F3935-93C4-4BCD-93E2-E3B085C9AB24}">
+                <p16:designElem xmlns:p16="http://schemas.microsoft.com/office/powerpoint/2015/main" val="1"/>
+              </p:ext>
+            </p:extLst>
+          </p:nvPr>
+        </p:nvSpPr>
+        <p:spPr>
+          <a:xfrm>
+            <a:off x="0" y="0"/>
+            <a:ext cx="12192000" cy="6858000"/>
+          </a:xfrm>
+          <a:prstGeom prst="rect">
+            <a:avLst/>
+          </a:prstGeom>
+          <a:ln>
+            <a:noFill/>
+          </a:ln>
+        </p:spPr>
+        <p:style>
+          <a:lnRef idx="2">
+            <a:schemeClr val="accent1">
+              <a:shade val="50000"/>
+            </a:schemeClr>
+          </a:lnRef>
+          <a:fillRef idx="1003">
+            <a:schemeClr val="dk2"/>
+          </a:fillRef>
+          <a:effectRef idx="0">
+            <a:schemeClr val="accent1"/>
+          </a:effectRef>
+          <a:fontRef idx="minor">
+            <a:schemeClr val="lt1"/>
+          </a:fontRef>
+        </p:style>
+        <p:txBody>
+          <a:bodyPr rtlCol="0" anchor="ctr"/>
+          <a:lstStyle/>
+          <a:p>
+            <a:pPr algn="ctr"/>
+            <a:endParaRPr lang="en-US"/>
+          </a:p>
+        </p:txBody>
+      </p:sp>
+      <p:sp>
+        <p:nvSpPr>
+          <p:cNvPr id="2" name="Title 1">
+            <a:extLst>
+              <a:ext uri="{FF2B5EF4-FFF2-40B4-BE49-F238E27FC236}">
+                <a16:creationId xmlns:a16="http://schemas.microsoft.com/office/drawing/2014/main" id="{EDFA2900-EBA5-4C08-8561-7F924BB83AD5}"/>
+              </a:ext>
+            </a:extLst>
+          </p:cNvPr>
+          <p:cNvSpPr>
+            <a:spLocks noGrp="1"/>
+          </p:cNvSpPr>
+          <p:nvPr>
+            <p:ph type="title"/>
+          </p:nvPr>
+        </p:nvSpPr>
+        <p:spPr>
+          <a:xfrm>
+            <a:off x="913796" y="643465"/>
+            <a:ext cx="3382638" cy="1370605"/>
+          </a:xfrm>
+        </p:spPr>
+        <p:txBody>
+          <a:bodyPr vert="horz" lIns="91440" tIns="45720" rIns="91440" bIns="45720" rtlCol="0" anchor="ctr">
+            <a:normAutofit/>
+          </a:bodyPr>
+          <a:lstStyle/>
+          <a:p>
+            <a:pPr algn="l"/>
+            <a:r>
+              <a:rPr lang="en-US" sz="2600" kern="1200">
+                <a:ln>
+                  <a:solidFill>
+                    <a:schemeClr val="bg1">
+                      <a:lumMod val="75000"/>
+                      <a:lumOff val="25000"/>
+                      <a:alpha val="10000"/>
+                    </a:schemeClr>
+                  </a:solidFill>
+                </a:ln>
+                <a:solidFill>
+                  <a:schemeClr val="tx2"/>
+                </a:solidFill>
+                <a:effectLst>
+                  <a:outerShdw blurRad="9525" dist="25400" dir="14640000" algn="tl" rotWithShape="0">
+                    <a:schemeClr val="bg1">
+                      <a:alpha val="30000"/>
+                    </a:schemeClr>
+                  </a:outerShdw>
+                </a:effectLst>
+                <a:latin typeface="+mj-lt"/>
+                <a:ea typeface="+mj-ea"/>
+                <a:cs typeface="Trebuchet MS"/>
+              </a:rPr>
+              <a:t>Density Based Spatial Clustering of Applications with Noise</a:t>
+            </a:r>
+          </a:p>
+        </p:txBody>
+      </p:sp>
+      <p:sp>
+        <p:nvSpPr>
+          <p:cNvPr id="3" name="Content Placeholder 2">
+            <a:extLst>
+              <a:ext uri="{FF2B5EF4-FFF2-40B4-BE49-F238E27FC236}">
+                <a16:creationId xmlns:a16="http://schemas.microsoft.com/office/drawing/2014/main" id="{A05F9829-970F-4B17-AE93-A5D8694A2F1A}"/>
+              </a:ext>
+            </a:extLst>
+          </p:cNvPr>
+          <p:cNvSpPr>
+            <a:spLocks noGrp="1"/>
+          </p:cNvSpPr>
+          <p:nvPr>
+            <p:ph sz="half" idx="1"/>
+          </p:nvPr>
+        </p:nvSpPr>
+        <p:spPr>
+          <a:xfrm>
+            <a:off x="913796" y="2247153"/>
+            <a:ext cx="3358084" cy="3544046"/>
+          </a:xfrm>
+        </p:spPr>
+        <p:txBody>
+          <a:bodyPr vert="horz" lIns="91440" tIns="45720" rIns="91440" bIns="45720" rtlCol="0" anchor="t">
+            <a:normAutofit lnSpcReduction="10000"/>
+          </a:bodyPr>
+          <a:lstStyle/>
+          <a:p>
+            <a:pPr>
+              <a:lnSpc>
+                <a:spcPct val="90000"/>
+              </a:lnSpc>
+            </a:pPr>
+            <a:r>
+              <a:rPr lang="en-US" sz="2000" dirty="0"/>
+              <a:t>Core Samples of high density </a:t>
+            </a:r>
+          </a:p>
+          <a:p>
+            <a:pPr>
+              <a:lnSpc>
+                <a:spcPct val="90000"/>
+              </a:lnSpc>
+            </a:pPr>
+            <a:r>
+              <a:rPr lang="en-US" sz="2000" dirty="0"/>
+              <a:t>Creates clusters from Core Samples</a:t>
+            </a:r>
+          </a:p>
+          <a:p>
+            <a:pPr>
+              <a:lnSpc>
+                <a:spcPct val="90000"/>
+              </a:lnSpc>
+            </a:pPr>
+            <a:r>
+              <a:rPr lang="en-US" sz="2000" dirty="0"/>
+              <a:t>2 main parameters:</a:t>
+            </a:r>
+          </a:p>
+          <a:p>
+            <a:pPr lvl="1">
+              <a:lnSpc>
+                <a:spcPct val="90000"/>
+              </a:lnSpc>
+            </a:pPr>
+            <a:r>
+              <a:rPr lang="en-US" sz="2000" dirty="0" err="1"/>
+              <a:t>Min_samples</a:t>
+            </a:r>
+            <a:r>
+              <a:rPr lang="en-US" sz="2000" dirty="0"/>
+              <a:t>: </a:t>
+            </a:r>
+            <a:r>
+              <a:rPr lang="en-US" sz="2000" i="1" dirty="0"/>
+              <a:t>n </a:t>
+            </a:r>
+            <a:r>
+              <a:rPr lang="en-US" sz="2000" dirty="0"/>
+              <a:t>samples needed to create Core Samples</a:t>
+            </a:r>
+          </a:p>
+          <a:p>
+            <a:pPr lvl="1">
+              <a:lnSpc>
+                <a:spcPct val="90000"/>
+              </a:lnSpc>
+            </a:pPr>
+            <a:r>
+              <a:rPr lang="en-US" sz="2000" dirty="0"/>
+              <a:t>Eps: Distance</a:t>
+            </a:r>
+          </a:p>
+          <a:p>
+            <a:pPr lvl="1">
+              <a:lnSpc>
+                <a:spcPct val="90000"/>
+              </a:lnSpc>
+            </a:pPr>
+            <a:r>
+              <a:rPr lang="en-US" sz="2000" dirty="0"/>
+              <a:t>Metric: How distance is measured</a:t>
+            </a:r>
+          </a:p>
+          <a:p>
+            <a:pPr>
+              <a:lnSpc>
+                <a:spcPct val="90000"/>
+              </a:lnSpc>
+            </a:pPr>
+            <a:endParaRPr lang="en-US" sz="1800" dirty="0"/>
+          </a:p>
+        </p:txBody>
+      </p:sp>
+      <p:pic>
+        <p:nvPicPr>
+          <p:cNvPr id="6" name="Picture 5" descr="Chart, scatter chart&#10;&#10;Description automatically generated">
+            <a:extLst>
+              <a:ext uri="{FF2B5EF4-FFF2-40B4-BE49-F238E27FC236}">
+                <a16:creationId xmlns:a16="http://schemas.microsoft.com/office/drawing/2014/main" id="{1AC20F17-5E6E-4F4E-9998-FC442F309EFA}"/>
+              </a:ext>
+            </a:extLst>
+          </p:cNvPr>
+          <p:cNvPicPr>
+            <a:picLocks noChangeAspect="1"/>
+          </p:cNvPicPr>
+          <p:nvPr/>
+        </p:nvPicPr>
+        <p:blipFill>
+          <a:blip r:embed="rId3"/>
+          <a:stretch>
+            <a:fillRect/>
+          </a:stretch>
+        </p:blipFill>
+        <p:spPr>
+          <a:xfrm>
+            <a:off x="4915348" y="729888"/>
+            <a:ext cx="6633184" cy="4974888"/>
+          </a:xfrm>
+          <a:prstGeom prst="rect">
+            <a:avLst/>
+          </a:prstGeom>
+        </p:spPr>
+      </p:pic>
+    </p:spTree>
+    <p:extLst>
+      <p:ext uri="{BB962C8B-B14F-4D97-AF65-F5344CB8AC3E}">
+        <p14:creationId xmlns:p14="http://schemas.microsoft.com/office/powerpoint/2010/main" val="78201912"/>
+      </p:ext>
+    </p:extLst>
+  </p:cSld>
+  <p:clrMapOvr>
+    <a:masterClrMapping/>
+  </p:clrMapOvr>
+</p:sld>
+</file>
+
+<file path=ppt/slides/slide4.xml><?xml version="1.0" encoding="utf-8"?>
+<p:sld xmlns:a="http://schemas.openxmlformats.org/drawingml/2006/main" xmlns:r="http://schemas.openxmlformats.org/officeDocument/2006/relationships" xmlns:p="http://schemas.openxmlformats.org/presentationml/2006/main">
+  <p:cSld>
+    <p:spTree>
+      <p:nvGrpSpPr>
+        <p:cNvPr id="1" name=""/>
+        <p:cNvGrpSpPr/>
+        <p:nvPr/>
+      </p:nvGrpSpPr>
+      <p:grpSpPr>
+        <a:xfrm>
+          <a:off x="0" y="0"/>
+          <a:ext cx="0" cy="0"/>
+          <a:chOff x="0" y="0"/>
+          <a:chExt cx="0" cy="0"/>
+        </a:xfrm>
+      </p:grpSpPr>
+      <p:sp>
+        <p:nvSpPr>
+          <p:cNvPr id="2" name="Title 1">
+            <a:extLst>
+              <a:ext uri="{FF2B5EF4-FFF2-40B4-BE49-F238E27FC236}">
+                <a16:creationId xmlns:a16="http://schemas.microsoft.com/office/drawing/2014/main" id="{EDFA2900-EBA5-4C08-8561-7F924BB83AD5}"/>
+              </a:ext>
+            </a:extLst>
+          </p:cNvPr>
+          <p:cNvSpPr>
+            <a:spLocks noGrp="1"/>
+          </p:cNvSpPr>
+          <p:nvPr>
+            <p:ph type="title"/>
+          </p:nvPr>
+        </p:nvSpPr>
+        <p:spPr>
+          <a:xfrm>
+            <a:off x="913796" y="643465"/>
+            <a:ext cx="3382638" cy="1370605"/>
+          </a:xfrm>
+        </p:spPr>
+        <p:txBody>
+          <a:bodyPr vert="horz" lIns="91440" tIns="45720" rIns="91440" bIns="45720" rtlCol="0" anchor="ctr">
+            <a:normAutofit/>
+          </a:bodyPr>
+          <a:lstStyle/>
+          <a:p>
+            <a:pPr algn="l"/>
+            <a:r>
+              <a:rPr lang="en-US" sz="2600" dirty="0"/>
+              <a:t>DBSCAN</a:t>
+            </a:r>
+            <a:endParaRPr lang="en-US" sz="2600" kern="1200" dirty="0">
+              <a:ln>
+                <a:solidFill>
+                  <a:schemeClr val="bg1">
+                    <a:lumMod val="75000"/>
+                    <a:lumOff val="25000"/>
+                    <a:alpha val="10000"/>
+                  </a:schemeClr>
+                </a:solidFill>
+              </a:ln>
+              <a:solidFill>
+                <a:schemeClr val="tx2"/>
+              </a:solidFill>
+              <a:effectLst>
+                <a:outerShdw blurRad="9525" dist="25400" dir="14640000" algn="tl" rotWithShape="0">
+                  <a:schemeClr val="bg1">
+                    <a:alpha val="30000"/>
+                  </a:schemeClr>
+                </a:outerShdw>
+              </a:effectLst>
+              <a:latin typeface="+mj-lt"/>
+              <a:ea typeface="+mj-ea"/>
+              <a:cs typeface="Trebuchet MS"/>
+            </a:endParaRPr>
+          </a:p>
+        </p:txBody>
+      </p:sp>
+      <p:sp>
+        <p:nvSpPr>
+          <p:cNvPr id="3" name="Content Placeholder 2">
+            <a:extLst>
+              <a:ext uri="{FF2B5EF4-FFF2-40B4-BE49-F238E27FC236}">
+                <a16:creationId xmlns:a16="http://schemas.microsoft.com/office/drawing/2014/main" id="{A05F9829-970F-4B17-AE93-A5D8694A2F1A}"/>
+              </a:ext>
+            </a:extLst>
+          </p:cNvPr>
+          <p:cNvSpPr>
+            <a:spLocks noGrp="1"/>
+          </p:cNvSpPr>
+          <p:nvPr>
+            <p:ph sz="half" idx="1"/>
+          </p:nvPr>
+        </p:nvSpPr>
+        <p:spPr>
+          <a:xfrm>
+            <a:off x="913796" y="2247153"/>
+            <a:ext cx="3358084" cy="3544046"/>
+          </a:xfrm>
+        </p:spPr>
+        <p:txBody>
+          <a:bodyPr vert="horz" lIns="91440" tIns="45720" rIns="91440" bIns="45720" rtlCol="0" anchor="t">
+            <a:normAutofit lnSpcReduction="10000"/>
+          </a:bodyPr>
+          <a:lstStyle/>
+          <a:p>
+            <a:pPr>
+              <a:lnSpc>
+                <a:spcPct val="90000"/>
+              </a:lnSpc>
+            </a:pPr>
+            <a:r>
+              <a:rPr lang="en-US" sz="2000" dirty="0"/>
+              <a:t>Core Samples of high density </a:t>
+            </a:r>
+          </a:p>
+          <a:p>
+            <a:pPr>
+              <a:lnSpc>
+                <a:spcPct val="90000"/>
+              </a:lnSpc>
+            </a:pPr>
+            <a:r>
+              <a:rPr lang="en-US" sz="2000" dirty="0"/>
+              <a:t>Creates clusters from Core Samples</a:t>
+            </a:r>
+          </a:p>
+          <a:p>
+            <a:pPr>
+              <a:lnSpc>
+                <a:spcPct val="90000"/>
+              </a:lnSpc>
+            </a:pPr>
+            <a:r>
+              <a:rPr lang="en-US" sz="2000" dirty="0"/>
+              <a:t>3 main parameters:</a:t>
+            </a:r>
+          </a:p>
+          <a:p>
+            <a:pPr lvl="1">
+              <a:lnSpc>
+                <a:spcPct val="90000"/>
+              </a:lnSpc>
+            </a:pPr>
+            <a:r>
+              <a:rPr lang="en-US" sz="2000" dirty="0" err="1"/>
+              <a:t>Min_samples</a:t>
+            </a:r>
+            <a:r>
+              <a:rPr lang="en-US" sz="2000" dirty="0"/>
+              <a:t>: </a:t>
+            </a:r>
+            <a:r>
+              <a:rPr lang="en-US" sz="2000" i="1" dirty="0"/>
+              <a:t>n </a:t>
+            </a:r>
+            <a:r>
+              <a:rPr lang="en-US" sz="2000" dirty="0"/>
+              <a:t>samples needed to create Core Samples</a:t>
+            </a:r>
+          </a:p>
+          <a:p>
+            <a:pPr lvl="1">
+              <a:lnSpc>
+                <a:spcPct val="90000"/>
+              </a:lnSpc>
+            </a:pPr>
+            <a:r>
+              <a:rPr lang="en-US" sz="2000" dirty="0"/>
+              <a:t>Eps: Distance</a:t>
+            </a:r>
+          </a:p>
+          <a:p>
+            <a:pPr lvl="1">
+              <a:lnSpc>
+                <a:spcPct val="90000"/>
+              </a:lnSpc>
+            </a:pPr>
+            <a:r>
+              <a:rPr lang="en-US" sz="2000" dirty="0"/>
+              <a:t>Metric: How distance is measured</a:t>
+            </a:r>
+          </a:p>
+          <a:p>
+            <a:pPr>
+              <a:lnSpc>
+                <a:spcPct val="90000"/>
+              </a:lnSpc>
+            </a:pPr>
+            <a:endParaRPr lang="en-US" sz="1800" dirty="0"/>
+          </a:p>
+        </p:txBody>
+      </p:sp>
+      <p:pic>
+        <p:nvPicPr>
+          <p:cNvPr id="6" name="Picture 5" descr="Chart, scatter chart&#10;&#10;Description automatically generated">
+            <a:extLst>
+              <a:ext uri="{FF2B5EF4-FFF2-40B4-BE49-F238E27FC236}">
+                <a16:creationId xmlns:a16="http://schemas.microsoft.com/office/drawing/2014/main" id="{1AC20F17-5E6E-4F4E-9998-FC442F309EFA}"/>
+              </a:ext>
+            </a:extLst>
+          </p:cNvPr>
+          <p:cNvPicPr>
+            <a:picLocks noChangeAspect="1"/>
+          </p:cNvPicPr>
+          <p:nvPr/>
+        </p:nvPicPr>
+        <p:blipFill>
+          <a:blip r:embed="rId2"/>
+          <a:stretch>
+            <a:fillRect/>
+          </a:stretch>
+        </p:blipFill>
+        <p:spPr>
+          <a:xfrm>
+            <a:off x="4915348" y="729888"/>
+            <a:ext cx="6633184" cy="4974888"/>
+          </a:xfrm>
+          <a:prstGeom prst="rect">
+            <a:avLst/>
+          </a:prstGeom>
+        </p:spPr>
+      </p:pic>
+    </p:spTree>
+    <p:extLst>
+      <p:ext uri="{BB962C8B-B14F-4D97-AF65-F5344CB8AC3E}">
+        <p14:creationId xmlns:p14="http://schemas.microsoft.com/office/powerpoint/2010/main" val="372471611"/>
+      </p:ext>
+    </p:extLst>
+  </p:cSld>
+  <p:clrMapOvr>
+    <a:masterClrMapping/>
+  </p:clrMapOvr>
+</p:sld>
+</file>
+
+<file path=ppt/slides/slide5.xml><?xml version="1.0" encoding="utf-8"?>
+<p:sld xmlns:a="http://schemas.openxmlformats.org/drawingml/2006/main" xmlns:r="http://schemas.openxmlformats.org/officeDocument/2006/relationships" xmlns:p="http://schemas.openxmlformats.org/presentationml/2006/main">
+  <p:cSld>
+    <p:bg>
+      <p:bgPr>
+        <a:blipFill rotWithShape="1">
+          <a:blip r:embed="rId2">
+            <a:duotone>
+              <a:schemeClr val="bg1">
+                <a:shade val="80000"/>
+                <a:lumMod val="80000"/>
+              </a:schemeClr>
+              <a:schemeClr val="bg1">
+                <a:tint val="98000"/>
+              </a:schemeClr>
+            </a:duotone>
+          </a:blip>
+          <a:stretch/>
+        </a:blipFill>
+        <a:effectLst/>
+      </p:bgPr>
+    </p:bg>
+    <p:spTree>
+      <p:nvGrpSpPr>
+        <p:cNvPr id="1" name=""/>
+        <p:cNvGrpSpPr/>
+        <p:nvPr/>
+      </p:nvGrpSpPr>
+      <p:grpSpPr>
+        <a:xfrm>
+          <a:off x="0" y="0"/>
+          <a:ext cx="0" cy="0"/>
+          <a:chOff x="0" y="0"/>
+          <a:chExt cx="0" cy="0"/>
+        </a:xfrm>
+      </p:grpSpPr>
+      <p:sp useBgFill="1">
+        <p:nvSpPr>
+          <p:cNvPr id="12" name="Rectangle 11">
+            <a:extLst>
+              <a:ext uri="{FF2B5EF4-FFF2-40B4-BE49-F238E27FC236}">
+                <a16:creationId xmlns:a16="http://schemas.microsoft.com/office/drawing/2014/main" id="{95CB840F-8E41-4CA5-B79B-25CC80AD234A}"/>
+              </a:ext>
+              <a:ext uri="{C183D7F6-B498-43B3-948B-1728B52AA6E4}">
+                <adec:decorative xmlns:adec="http://schemas.microsoft.com/office/drawing/2017/decorative" val="1"/>
+              </a:ext>
+            </a:extLst>
+          </p:cNvPr>
+          <p:cNvSpPr>
+            <a:spLocks noGrp="1" noRot="1" noChangeAspect="1" noMove="1" noResize="1" noEditPoints="1" noAdjustHandles="1" noChangeArrowheads="1" noChangeShapeType="1" noTextEdit="1"/>
+          </p:cNvSpPr>
+          <p:nvPr>
+            <p:extLst>
+              <p:ext uri="{386F3935-93C4-4BCD-93E2-E3B085C9AB24}">
+                <p16:designElem xmlns:p16="http://schemas.microsoft.com/office/powerpoint/2015/main" val="1"/>
+              </p:ext>
+            </p:extLst>
+          </p:nvPr>
+        </p:nvSpPr>
+        <p:spPr>
+          <a:xfrm>
+            <a:off x="0" y="0"/>
+            <a:ext cx="12192000" cy="6858000"/>
+          </a:xfrm>
+          <a:prstGeom prst="rect">
+            <a:avLst/>
+          </a:prstGeom>
+          <a:ln>
+            <a:noFill/>
+          </a:ln>
+        </p:spPr>
+        <p:style>
+          <a:lnRef idx="2">
+            <a:schemeClr val="accent1">
+              <a:shade val="50000"/>
+            </a:schemeClr>
+          </a:lnRef>
+          <a:fillRef idx="1003">
+            <a:schemeClr val="dk2"/>
+          </a:fillRef>
+          <a:effectRef idx="0">
+            <a:schemeClr val="accent1"/>
+          </a:effectRef>
+          <a:fontRef idx="minor">
+            <a:schemeClr val="lt1"/>
+          </a:fontRef>
+        </p:style>
+        <p:txBody>
+          <a:bodyPr rtlCol="0" anchor="ctr"/>
+          <a:lstStyle/>
+          <a:p>
+            <a:pPr algn="ctr"/>
+            <a:endParaRPr lang="en-US"/>
+          </a:p>
+        </p:txBody>
+      </p:sp>
+      <p:sp>
+        <p:nvSpPr>
+          <p:cNvPr id="2" name="Title 1">
+            <a:extLst>
+              <a:ext uri="{FF2B5EF4-FFF2-40B4-BE49-F238E27FC236}">
+                <a16:creationId xmlns:a16="http://schemas.microsoft.com/office/drawing/2014/main" id="{EDFA2900-EBA5-4C08-8561-7F924BB83AD5}"/>
+              </a:ext>
+            </a:extLst>
+          </p:cNvPr>
+          <p:cNvSpPr>
+            <a:spLocks noGrp="1"/>
+          </p:cNvSpPr>
+          <p:nvPr>
+            <p:ph type="title"/>
+          </p:nvPr>
+        </p:nvSpPr>
+        <p:spPr>
+          <a:xfrm>
+            <a:off x="913796" y="643465"/>
+            <a:ext cx="3382638" cy="1370605"/>
+          </a:xfrm>
+        </p:spPr>
+        <p:txBody>
+          <a:bodyPr vert="horz" lIns="91440" tIns="45720" rIns="91440" bIns="45720" rtlCol="0" anchor="ctr">
+            <a:normAutofit/>
+          </a:bodyPr>
+          <a:lstStyle/>
+          <a:p>
+            <a:pPr algn="l"/>
+            <a:r>
+              <a:rPr lang="en-US" sz="3000" kern="1200" dirty="0">
+                <a:ln>
+                  <a:solidFill>
+                    <a:schemeClr val="bg1">
+                      <a:lumMod val="75000"/>
+                      <a:lumOff val="25000"/>
+                      <a:alpha val="10000"/>
+                    </a:schemeClr>
+                  </a:solidFill>
+                </a:ln>
+                <a:solidFill>
+                  <a:schemeClr val="tx2"/>
+                </a:solidFill>
+                <a:effectLst>
+                  <a:outerShdw blurRad="9525" dist="25400" dir="14640000" algn="tl" rotWithShape="0">
+                    <a:schemeClr val="bg1">
+                      <a:alpha val="30000"/>
+                    </a:schemeClr>
+                  </a:outerShdw>
+                </a:effectLst>
+                <a:latin typeface="+mj-lt"/>
+                <a:ea typeface="+mj-ea"/>
+                <a:cs typeface="Trebuchet MS"/>
+              </a:rPr>
+              <a:t>Isolation Forest</a:t>
+            </a:r>
+          </a:p>
+        </p:txBody>
+      </p:sp>
+      <p:pic>
+        <p:nvPicPr>
+          <p:cNvPr id="7" name="Content Placeholder 4" descr="Chart&#10;&#10;Description automatically generated">
+            <a:extLst>
+              <a:ext uri="{FF2B5EF4-FFF2-40B4-BE49-F238E27FC236}">
+                <a16:creationId xmlns:a16="http://schemas.microsoft.com/office/drawing/2014/main" id="{A6AF167F-EBBB-4AEC-BC84-6D28FB692153}"/>
+              </a:ext>
+            </a:extLst>
+          </p:cNvPr>
+          <p:cNvPicPr>
+            <a:picLocks noChangeAspect="1"/>
+          </p:cNvPicPr>
+          <p:nvPr/>
+        </p:nvPicPr>
+        <p:blipFill>
+          <a:blip r:embed="rId3"/>
+          <a:stretch>
+            <a:fillRect/>
+          </a:stretch>
+        </p:blipFill>
+        <p:spPr>
+          <a:xfrm>
+            <a:off x="4915348" y="729889"/>
+            <a:ext cx="6633184" cy="4974887"/>
+          </a:xfrm>
+          <a:prstGeom prst="rect">
+            <a:avLst/>
+          </a:prstGeom>
+        </p:spPr>
+      </p:pic>
+      <p:sp>
+        <p:nvSpPr>
+          <p:cNvPr id="3" name="Content Placeholder 2">
+            <a:extLst>
+              <a:ext uri="{FF2B5EF4-FFF2-40B4-BE49-F238E27FC236}">
+                <a16:creationId xmlns:a16="http://schemas.microsoft.com/office/drawing/2014/main" id="{A05F9829-970F-4B17-AE93-A5D8694A2F1A}"/>
+              </a:ext>
+            </a:extLst>
+          </p:cNvPr>
+          <p:cNvSpPr>
+            <a:spLocks noGrp="1"/>
+          </p:cNvSpPr>
+          <p:nvPr>
+            <p:ph sz="half" idx="1"/>
+          </p:nvPr>
+        </p:nvSpPr>
+        <p:spPr>
+          <a:xfrm>
+            <a:off x="913796" y="1748589"/>
+            <a:ext cx="3358084" cy="4042610"/>
+          </a:xfrm>
+        </p:spPr>
+        <p:txBody>
+          <a:bodyPr vert="horz" lIns="91440" tIns="45720" rIns="91440" bIns="45720" rtlCol="0" anchor="t">
+            <a:noAutofit/>
+          </a:bodyPr>
+          <a:lstStyle/>
+          <a:p>
+            <a:pPr>
+              <a:lnSpc>
+                <a:spcPct val="90000"/>
+              </a:lnSpc>
+            </a:pPr>
+            <a:r>
+              <a:rPr lang="en-US" sz="2000" dirty="0"/>
+              <a:t>Creates partitions between min and max values</a:t>
+            </a:r>
+          </a:p>
+          <a:p>
+            <a:pPr>
+              <a:lnSpc>
+                <a:spcPct val="90000"/>
+              </a:lnSpc>
+            </a:pPr>
+            <a:r>
+              <a:rPr lang="en-US" sz="2000" dirty="0"/>
+              <a:t>Can be represented in a ‘tree’ structure</a:t>
+            </a:r>
+          </a:p>
+          <a:p>
+            <a:pPr>
+              <a:lnSpc>
+                <a:spcPct val="90000"/>
+              </a:lnSpc>
+            </a:pPr>
+            <a:r>
+              <a:rPr lang="en-US" sz="2000" dirty="0"/>
+              <a:t>1 main parameter:</a:t>
+            </a:r>
+          </a:p>
+          <a:p>
+            <a:pPr lvl="1">
+              <a:lnSpc>
+                <a:spcPct val="90000"/>
+              </a:lnSpc>
+            </a:pPr>
+            <a:r>
+              <a:rPr lang="en-US" sz="2000" dirty="0"/>
+              <a:t>Contamination:  The ‘percent’ of contamination within the data</a:t>
+            </a:r>
+          </a:p>
+          <a:p>
+            <a:pPr lvl="1">
+              <a:lnSpc>
+                <a:spcPct val="90000"/>
+              </a:lnSpc>
+            </a:pPr>
+            <a:r>
+              <a:rPr lang="en-US" sz="2000" dirty="0"/>
+              <a:t>This will also remove </a:t>
+            </a:r>
+            <a:r>
+              <a:rPr lang="en-US" sz="2000" i="1" dirty="0"/>
+              <a:t>x </a:t>
+            </a:r>
+            <a:r>
+              <a:rPr lang="en-US" sz="2000" dirty="0"/>
+              <a:t>percent of rows</a:t>
+            </a:r>
+          </a:p>
+        </p:txBody>
+      </p:sp>
+    </p:spTree>
+    <p:extLst>
+      <p:ext uri="{BB962C8B-B14F-4D97-AF65-F5344CB8AC3E}">
+        <p14:creationId xmlns:p14="http://schemas.microsoft.com/office/powerpoint/2010/main" val="1539239309"/>
+      </p:ext>
+    </p:extLst>
+  </p:cSld>
+  <p:clrMapOvr>
+    <a:masterClrMapping/>
+  </p:clrMapOvr>
+</p:sld>
+</file>
+
+<file path=ppt/slides/slide6.xml><?xml version="1.0" encoding="utf-8"?>
+<p:sld xmlns:a="http://schemas.openxmlformats.org/drawingml/2006/main" xmlns:r="http://schemas.openxmlformats.org/officeDocument/2006/relationships" xmlns:p="http://schemas.openxmlformats.org/presentationml/2006/main">
+  <p:cSld>
+    <p:bg>
+      <p:bgPr>
+        <a:blipFill rotWithShape="1">
+          <a:blip r:embed="rId2">
+            <a:duotone>
+              <a:schemeClr val="bg1">
+                <a:shade val="80000"/>
+                <a:lumMod val="80000"/>
+              </a:schemeClr>
+              <a:schemeClr val="bg1">
+                <a:tint val="98000"/>
+              </a:schemeClr>
+            </a:duotone>
+          </a:blip>
+          <a:stretch/>
+        </a:blipFill>
+        <a:effectLst/>
+      </p:bgPr>
+    </p:bg>
+    <p:spTree>
+      <p:nvGrpSpPr>
+        <p:cNvPr id="1" name=""/>
+        <p:cNvGrpSpPr/>
+        <p:nvPr/>
+      </p:nvGrpSpPr>
+      <p:grpSpPr>
+        <a:xfrm>
+          <a:off x="0" y="0"/>
+          <a:ext cx="0" cy="0"/>
+          <a:chOff x="0" y="0"/>
+          <a:chExt cx="0" cy="0"/>
+        </a:xfrm>
+      </p:grpSpPr>
+      <p:sp useBgFill="1">
+        <p:nvSpPr>
+          <p:cNvPr id="10" name="Rectangle 9">
+            <a:extLst>
+              <a:ext uri="{FF2B5EF4-FFF2-40B4-BE49-F238E27FC236}">
+                <a16:creationId xmlns:a16="http://schemas.microsoft.com/office/drawing/2014/main" id="{95CB840F-8E41-4CA5-B79B-25CC80AD234A}"/>
+              </a:ext>
+              <a:ext uri="{C183D7F6-B498-43B3-948B-1728B52AA6E4}">
+                <adec:decorative xmlns:adec="http://schemas.microsoft.com/office/drawing/2017/decorative" val="1"/>
+              </a:ext>
+            </a:extLst>
+          </p:cNvPr>
+          <p:cNvSpPr>
+            <a:spLocks noGrp="1" noRot="1" noChangeAspect="1" noMove="1" noResize="1" noEditPoints="1" noAdjustHandles="1" noChangeArrowheads="1" noChangeShapeType="1" noTextEdit="1"/>
+          </p:cNvSpPr>
+          <p:nvPr>
+            <p:extLst>
+              <p:ext uri="{386F3935-93C4-4BCD-93E2-E3B085C9AB24}">
+                <p16:designElem xmlns:p16="http://schemas.microsoft.com/office/powerpoint/2015/main" val="1"/>
+              </p:ext>
+            </p:extLst>
+          </p:nvPr>
+        </p:nvSpPr>
+        <p:spPr>
+          <a:xfrm>
+            <a:off x="0" y="0"/>
+            <a:ext cx="12192000" cy="6858000"/>
+          </a:xfrm>
+          <a:prstGeom prst="rect">
+            <a:avLst/>
+          </a:prstGeom>
+          <a:ln>
+            <a:noFill/>
+          </a:ln>
+        </p:spPr>
+        <p:style>
+          <a:lnRef idx="2">
+            <a:schemeClr val="accent1">
+              <a:shade val="50000"/>
+            </a:schemeClr>
+          </a:lnRef>
+          <a:fillRef idx="1003">
+            <a:schemeClr val="dk2"/>
+          </a:fillRef>
+          <a:effectRef idx="0">
+            <a:schemeClr val="accent1"/>
+          </a:effectRef>
+          <a:fontRef idx="minor">
+            <a:schemeClr val="lt1"/>
+          </a:fontRef>
+        </p:style>
+        <p:txBody>
+          <a:bodyPr rtlCol="0" anchor="ctr"/>
+          <a:lstStyle/>
+          <a:p>
+            <a:pPr algn="ctr"/>
+            <a:endParaRPr lang="en-US"/>
+          </a:p>
+        </p:txBody>
+      </p:sp>
+      <p:sp>
+        <p:nvSpPr>
+          <p:cNvPr id="2" name="Title 1">
+            <a:extLst>
+              <a:ext uri="{FF2B5EF4-FFF2-40B4-BE49-F238E27FC236}">
+                <a16:creationId xmlns:a16="http://schemas.microsoft.com/office/drawing/2014/main" id="{EDFA2900-EBA5-4C08-8561-7F924BB83AD5}"/>
+              </a:ext>
+            </a:extLst>
+          </p:cNvPr>
+          <p:cNvSpPr>
+            <a:spLocks noGrp="1"/>
+          </p:cNvSpPr>
+          <p:nvPr>
+            <p:ph type="title"/>
+          </p:nvPr>
+        </p:nvSpPr>
+        <p:spPr>
+          <a:xfrm>
+            <a:off x="913796" y="206350"/>
+            <a:ext cx="3382638" cy="1370605"/>
+          </a:xfrm>
+        </p:spPr>
+        <p:txBody>
+          <a:bodyPr vert="horz" lIns="91440" tIns="45720" rIns="91440" bIns="45720" rtlCol="0" anchor="ctr">
+            <a:normAutofit/>
+          </a:bodyPr>
+          <a:lstStyle/>
+          <a:p>
+            <a:pPr algn="l"/>
+            <a:r>
+              <a:rPr lang="en-US" sz="3000" kern="1200" dirty="0">
+                <a:ln>
+                  <a:solidFill>
+                    <a:schemeClr val="bg1">
+                      <a:lumMod val="75000"/>
+                      <a:lumOff val="25000"/>
+                      <a:alpha val="10000"/>
+                    </a:schemeClr>
+                  </a:solidFill>
+                </a:ln>
+                <a:solidFill>
+                  <a:schemeClr val="tx2"/>
+                </a:solidFill>
+                <a:effectLst>
+                  <a:outerShdw blurRad="9525" dist="25400" dir="14640000" algn="tl" rotWithShape="0">
+                    <a:schemeClr val="bg1">
+                      <a:alpha val="30000"/>
+                    </a:schemeClr>
+                  </a:outerShdw>
+                </a:effectLst>
+                <a:latin typeface="+mj-lt"/>
+                <a:ea typeface="+mj-ea"/>
+                <a:cs typeface="Trebuchet MS"/>
+              </a:rPr>
+              <a:t>Local Outlier Factor</a:t>
+            </a:r>
+          </a:p>
+        </p:txBody>
+      </p:sp>
+      <p:sp>
+        <p:nvSpPr>
+          <p:cNvPr id="3" name="Content Placeholder 2">
+            <a:extLst>
+              <a:ext uri="{FF2B5EF4-FFF2-40B4-BE49-F238E27FC236}">
+                <a16:creationId xmlns:a16="http://schemas.microsoft.com/office/drawing/2014/main" id="{A05F9829-970F-4B17-AE93-A5D8694A2F1A}"/>
+              </a:ext>
+            </a:extLst>
+          </p:cNvPr>
+          <p:cNvSpPr>
+            <a:spLocks noGrp="1"/>
+          </p:cNvSpPr>
+          <p:nvPr>
+            <p:ph sz="half" idx="1"/>
+          </p:nvPr>
+        </p:nvSpPr>
+        <p:spPr>
+          <a:xfrm>
+            <a:off x="913796" y="1299411"/>
+            <a:ext cx="3358084" cy="4684294"/>
+          </a:xfrm>
+        </p:spPr>
+        <p:txBody>
+          <a:bodyPr vert="horz" lIns="91440" tIns="45720" rIns="91440" bIns="45720" rtlCol="0" anchor="t">
+            <a:normAutofit/>
+          </a:bodyPr>
+          <a:lstStyle/>
+          <a:p>
+            <a:r>
+              <a:rPr lang="en-US" sz="2000" dirty="0"/>
+              <a:t>Focuses on Anomaly Score more than classification</a:t>
+            </a:r>
+          </a:p>
+          <a:p>
+            <a:r>
+              <a:rPr lang="en-US" sz="2000" dirty="0"/>
+              <a:t>Based on contamination parameter, will create a threshold</a:t>
+            </a:r>
+          </a:p>
+          <a:p>
+            <a:r>
+              <a:rPr lang="en-US" sz="2000" dirty="0"/>
+              <a:t>3 main parameters;</a:t>
+            </a:r>
+          </a:p>
+          <a:p>
+            <a:pPr lvl="1"/>
+            <a:r>
+              <a:rPr lang="en-US" sz="1800" dirty="0" err="1"/>
+              <a:t>N_neighbors</a:t>
+            </a:r>
+            <a:r>
+              <a:rPr lang="en-US" sz="1800" dirty="0"/>
+              <a:t>: number of points for a dense cluster</a:t>
+            </a:r>
+          </a:p>
+          <a:p>
+            <a:pPr lvl="1"/>
+            <a:r>
+              <a:rPr lang="en-US" sz="1800" dirty="0"/>
+              <a:t>Metric: how distance is measured</a:t>
+            </a:r>
+          </a:p>
+          <a:p>
+            <a:pPr lvl="1"/>
+            <a:r>
+              <a:rPr lang="en-US" sz="1800" dirty="0"/>
+              <a:t>Contamination: Percent contaminated</a:t>
+            </a:r>
+          </a:p>
+        </p:txBody>
+      </p:sp>
+      <p:pic>
+        <p:nvPicPr>
+          <p:cNvPr id="5" name="Picture 4" descr="A picture containing scatter chart&#10;&#10;Description automatically generated">
+            <a:extLst>
+              <a:ext uri="{FF2B5EF4-FFF2-40B4-BE49-F238E27FC236}">
+                <a16:creationId xmlns:a16="http://schemas.microsoft.com/office/drawing/2014/main" id="{A1AD52A9-B28E-4DD7-989F-ADFF1847D471}"/>
+              </a:ext>
+            </a:extLst>
+          </p:cNvPr>
+          <p:cNvPicPr>
+            <a:picLocks noChangeAspect="1"/>
+          </p:cNvPicPr>
+          <p:nvPr/>
+        </p:nvPicPr>
+        <p:blipFill>
+          <a:blip r:embed="rId3"/>
+          <a:stretch>
+            <a:fillRect/>
+          </a:stretch>
+        </p:blipFill>
+        <p:spPr>
+          <a:xfrm>
+            <a:off x="4639248" y="663557"/>
+            <a:ext cx="6909284" cy="5320148"/>
+          </a:xfrm>
+          <a:prstGeom prst="rect">
+            <a:avLst/>
+          </a:prstGeom>
+        </p:spPr>
+      </p:pic>
+    </p:spTree>
+    <p:extLst>
+      <p:ext uri="{BB962C8B-B14F-4D97-AF65-F5344CB8AC3E}">
+        <p14:creationId xmlns:p14="http://schemas.microsoft.com/office/powerpoint/2010/main" val="769137800"/>
+      </p:ext>
+    </p:extLst>
+  </p:cSld>
+  <p:clrMapOvr>
+    <a:masterClrMapping/>
+  </p:clrMapOvr>
+</p:sld>
+</file>
+
+<file path=ppt/slides/slide7.xml><?xml version="1.0" encoding="utf-8"?>
+<p:sld xmlns:a="http://schemas.openxmlformats.org/drawingml/2006/main" xmlns:r="http://schemas.openxmlformats.org/officeDocument/2006/relationships" xmlns:p="http://schemas.openxmlformats.org/presentationml/2006/main">
+  <p:cSld>
+    <p:spTree>
+      <p:nvGrpSpPr>
+        <p:cNvPr id="1" name=""/>
+        <p:cNvGrpSpPr/>
+        <p:nvPr/>
+      </p:nvGrpSpPr>
+      <p:grpSpPr>
+        <a:xfrm>
+          <a:off x="0" y="0"/>
+          <a:ext cx="0" cy="0"/>
+          <a:chOff x="0" y="0"/>
+          <a:chExt cx="0" cy="0"/>
+        </a:xfrm>
+      </p:grpSpPr>
+      <p:sp>
+        <p:nvSpPr>
+          <p:cNvPr id="4" name="Rectangle 3">
+            <a:extLst>
+              <a:ext uri="{FF2B5EF4-FFF2-40B4-BE49-F238E27FC236}">
+                <a16:creationId xmlns:a16="http://schemas.microsoft.com/office/drawing/2014/main" id="{C0962754-EC12-47B2-9B73-77669B8012CC}"/>
+              </a:ext>
+            </a:extLst>
+          </p:cNvPr>
+          <p:cNvSpPr/>
+          <p:nvPr/>
+        </p:nvSpPr>
+        <p:spPr>
+          <a:xfrm>
+            <a:off x="3301482" y="60649"/>
+            <a:ext cx="5589036" cy="6736702"/>
+          </a:xfrm>
+          <a:prstGeom prst="rect">
+            <a:avLst/>
+          </a:prstGeom>
+        </p:spPr>
+        <p:style>
+          <a:lnRef idx="2">
+            <a:schemeClr val="accent6"/>
+          </a:lnRef>
+          <a:fillRef idx="1">
+            <a:schemeClr val="lt1"/>
+          </a:fillRef>
+          <a:effectRef idx="0">
+            <a:schemeClr val="accent6"/>
+          </a:effectRef>
+          <a:fontRef idx="minor">
+            <a:schemeClr val="dk1"/>
+          </a:fontRef>
+        </p:style>
+        <p:txBody>
+          <a:bodyPr rtlCol="0" anchor="ctr"/>
+          <a:lstStyle/>
+          <a:p>
+            <a:pPr algn="ctr"/>
+            <a:endParaRPr lang="en-US"/>
+          </a:p>
+        </p:txBody>
+      </p:sp>
+      <p:pic>
+        <p:nvPicPr>
+          <p:cNvPr id="3" name="Picture 2" descr="A picture containing shoji, building, light&#10;&#10;Description automatically generated">
+            <a:extLst>
+              <a:ext uri="{FF2B5EF4-FFF2-40B4-BE49-F238E27FC236}">
+                <a16:creationId xmlns:a16="http://schemas.microsoft.com/office/drawing/2014/main" id="{B7FA2DDA-1619-442D-8A34-59ADC6BBD16A}"/>
+              </a:ext>
+            </a:extLst>
+          </p:cNvPr>
+          <p:cNvPicPr>
+            <a:picLocks noChangeAspect="1"/>
+          </p:cNvPicPr>
+          <p:nvPr/>
+        </p:nvPicPr>
+        <p:blipFill>
+          <a:blip r:embed="rId2"/>
+          <a:stretch>
+            <a:fillRect/>
+          </a:stretch>
+        </p:blipFill>
+        <p:spPr>
+          <a:xfrm>
+            <a:off x="3398700" y="147267"/>
+            <a:ext cx="5394600" cy="6563466"/>
+          </a:xfrm>
+          <a:prstGeom prst="rect">
+            <a:avLst/>
+          </a:prstGeom>
+        </p:spPr>
+      </p:pic>
+    </p:spTree>
+    <p:extLst>
+      <p:ext uri="{BB962C8B-B14F-4D97-AF65-F5344CB8AC3E}">
+        <p14:creationId xmlns:p14="http://schemas.microsoft.com/office/powerpoint/2010/main" val="3722632194"/>
+      </p:ext>
+    </p:extLst>
+  </p:cSld>
+  <p:clrMapOvr>
+    <a:masterClrMapping/>
+  </p:clrMapOvr>
+</p:sld>
+</file>
+
+<file path=ppt/slides/slide8.xml><?xml version="1.0" encoding="utf-8"?>
+<p:sld xmlns:a="http://schemas.openxmlformats.org/drawingml/2006/main" xmlns:r="http://schemas.openxmlformats.org/officeDocument/2006/relationships" xmlns:p="http://schemas.openxmlformats.org/presentationml/2006/main">
+  <p:cSld>
+    <p:bg>
+      <p:bgPr>
+        <a:blipFill rotWithShape="1">
+          <a:blip r:embed="rId3">
+            <a:duotone>
+              <a:schemeClr val="bg1">
+                <a:shade val="80000"/>
+                <a:lumMod val="80000"/>
+              </a:schemeClr>
+              <a:schemeClr val="bg1">
+                <a:tint val="98000"/>
+              </a:schemeClr>
+            </a:duotone>
+          </a:blip>
+          <a:stretch/>
+        </a:blipFill>
+        <a:effectLst/>
+      </p:bgPr>
+    </p:bg>
+    <p:spTree>
+      <p:nvGrpSpPr>
+        <p:cNvPr id="1" name=""/>
+        <p:cNvGrpSpPr/>
+        <p:nvPr/>
+      </p:nvGrpSpPr>
+      <p:grpSpPr>
+        <a:xfrm>
+          <a:off x="0" y="0"/>
+          <a:ext cx="0" cy="0"/>
+          <a:chOff x="0" y="0"/>
+          <a:chExt cx="0" cy="0"/>
+        </a:xfrm>
+      </p:grpSpPr>
+      <p:sp useBgFill="1">
+        <p:nvSpPr>
+          <p:cNvPr id="11" name="Rectangle 8">
+            <a:extLst>
+              <a:ext uri="{FF2B5EF4-FFF2-40B4-BE49-F238E27FC236}">
+                <a16:creationId xmlns:a16="http://schemas.microsoft.com/office/drawing/2014/main" id="{886D4A05-AFD9-4D13-98E7-B23E4C9D785A}"/>
+              </a:ext>
+              <a:ext uri="{C183D7F6-B498-43B3-948B-1728B52AA6E4}">
+                <adec:decorative xmlns:adec="http://schemas.microsoft.com/office/drawing/2017/decorative" val="1"/>
+              </a:ext>
+            </a:extLst>
+          </p:cNvPr>
+          <p:cNvSpPr>
+            <a:spLocks noGrp="1" noRot="1" noChangeAspect="1" noMove="1" noResize="1" noEditPoints="1" noAdjustHandles="1" noChangeArrowheads="1" noChangeShapeType="1" noTextEdit="1"/>
+          </p:cNvSpPr>
+          <p:nvPr>
+            <p:extLst>
+              <p:ext uri="{386F3935-93C4-4BCD-93E2-E3B085C9AB24}">
+                <p16:designElem xmlns:p16="http://schemas.microsoft.com/office/powerpoint/2015/main" val="1"/>
+              </p:ext>
+            </p:extLst>
+          </p:nvPr>
+        </p:nvSpPr>
+        <p:spPr>
+          <a:xfrm>
+            <a:off x="0" y="0"/>
+            <a:ext cx="12192000" cy="6858000"/>
+          </a:xfrm>
+          <a:prstGeom prst="rect">
+            <a:avLst/>
+          </a:prstGeom>
+          <a:ln>
+            <a:noFill/>
+          </a:ln>
+        </p:spPr>
+        <p:style>
+          <a:lnRef idx="2">
+            <a:schemeClr val="accent1">
+              <a:shade val="50000"/>
+            </a:schemeClr>
+          </a:lnRef>
+          <a:fillRef idx="1">
+            <a:schemeClr val="accent1"/>
+          </a:fillRef>
+          <a:effectRef idx="0">
+            <a:schemeClr val="accent1"/>
+          </a:effectRef>
+          <a:fontRef idx="minor">
+            <a:schemeClr val="lt1"/>
+          </a:fontRef>
+        </p:style>
+        <p:txBody>
+          <a:bodyPr rtlCol="0" anchor="ctr"/>
+          <a:lstStyle/>
+          <a:p>
+            <a:pPr algn="ctr"/>
+            <a:endParaRPr lang="en-US"/>
+          </a:p>
+        </p:txBody>
+      </p:sp>
+      <p:sp>
+        <p:nvSpPr>
+          <p:cNvPr id="2" name="Title 1">
+            <a:extLst>
+              <a:ext uri="{FF2B5EF4-FFF2-40B4-BE49-F238E27FC236}">
+                <a16:creationId xmlns:a16="http://schemas.microsoft.com/office/drawing/2014/main" id="{5DD5A099-FAB1-4ED5-A544-1967A612ADAE}"/>
+              </a:ext>
+            </a:extLst>
+          </p:cNvPr>
+          <p:cNvSpPr>
+            <a:spLocks noGrp="1"/>
+          </p:cNvSpPr>
+          <p:nvPr>
+            <p:ph type="title"/>
+          </p:nvPr>
+        </p:nvSpPr>
+        <p:spPr>
+          <a:xfrm>
+            <a:off x="1370693" y="5274201"/>
+            <a:ext cx="9440034" cy="853251"/>
+          </a:xfrm>
+        </p:spPr>
+        <p:txBody>
+          <a:bodyPr vert="horz" lIns="91440" tIns="45720" rIns="91440" bIns="45720" rtlCol="0" anchor="b">
+            <a:normAutofit/>
+          </a:bodyPr>
+          <a:lstStyle/>
+          <a:p>
+            <a:r>
+              <a:rPr lang="en-US" sz="3600" dirty="0"/>
+              <a:t>Base RMSE: $220,000</a:t>
+            </a:r>
+          </a:p>
+        </p:txBody>
+      </p:sp>
+      <p:pic>
+        <p:nvPicPr>
+          <p:cNvPr id="4" name="Picture 3" descr="Chart&#10;&#10;Description automatically generated">
+            <a:extLst>
+              <a:ext uri="{FF2B5EF4-FFF2-40B4-BE49-F238E27FC236}">
+                <a16:creationId xmlns:a16="http://schemas.microsoft.com/office/drawing/2014/main" id="{291DB090-851D-45B6-8853-B472CDEC6CAD}"/>
+              </a:ext>
+            </a:extLst>
+          </p:cNvPr>
+          <p:cNvPicPr>
+            <a:picLocks noChangeAspect="1"/>
+          </p:cNvPicPr>
+          <p:nvPr/>
+        </p:nvPicPr>
+        <p:blipFill>
+          <a:blip r:embed="rId4"/>
+          <a:stretch>
+            <a:fillRect/>
+          </a:stretch>
+        </p:blipFill>
+        <p:spPr>
+          <a:xfrm>
+            <a:off x="634654" y="1909119"/>
+            <a:ext cx="10912112" cy="2837148"/>
+          </a:xfrm>
+          <a:prstGeom prst="rect">
+            <a:avLst/>
+          </a:prstGeom>
+        </p:spPr>
+      </p:pic>
+      <p:sp>
+        <p:nvSpPr>
+          <p:cNvPr id="8" name="Title 1">
+            <a:extLst>
+              <a:ext uri="{FF2B5EF4-FFF2-40B4-BE49-F238E27FC236}">
+                <a16:creationId xmlns:a16="http://schemas.microsoft.com/office/drawing/2014/main" id="{5CDC484D-A9BB-4CB5-BB45-5B3F353AA7FE}"/>
+              </a:ext>
+            </a:extLst>
+          </p:cNvPr>
+          <p:cNvSpPr txBox="1">
+            <a:spLocks/>
+          </p:cNvSpPr>
+          <p:nvPr/>
+        </p:nvSpPr>
+        <p:spPr>
+          <a:xfrm>
+            <a:off x="1370693" y="527934"/>
+            <a:ext cx="9440034" cy="853251"/>
+          </a:xfrm>
+          <a:prstGeom prst="rect">
+            <a:avLst/>
+          </a:prstGeom>
+          <a:effectLst>
+            <a:outerShdw blurRad="25400" dir="17880000">
+              <a:srgbClr val="000000">
+                <a:alpha val="46000"/>
+              </a:srgbClr>
+            </a:outerShdw>
+          </a:effectLst>
+        </p:spPr>
+        <p:txBody>
+          <a:bodyPr vert="horz" lIns="91440" tIns="45720" rIns="91440" bIns="45720" rtlCol="0" anchor="b">
+            <a:normAutofit/>
+          </a:bodyPr>
+          <a:lstStyle>
+            <a:lvl1pPr algn="ctr" defTabSz="457200" rtl="0" eaLnBrk="1" latinLnBrk="0" hangingPunct="1">
+              <a:lnSpc>
+                <a:spcPct val="90000"/>
+              </a:lnSpc>
+              <a:spcBef>
+                <a:spcPct val="0"/>
+              </a:spcBef>
+              <a:buNone/>
+              <a:defRPr sz="4600" kern="1200">
+                <a:ln>
+                  <a:solidFill>
+                    <a:schemeClr val="bg1">
+                      <a:lumMod val="75000"/>
+                      <a:lumOff val="25000"/>
+                      <a:alpha val="10000"/>
+                    </a:schemeClr>
+                  </a:solidFill>
+                </a:ln>
+                <a:solidFill>
+                  <a:schemeClr val="tx2"/>
+                </a:solidFill>
+                <a:effectLst>
+                  <a:outerShdw blurRad="9525" dist="25400" dir="14640000" algn="tl" rotWithShape="0">
+                    <a:schemeClr val="bg1">
+                      <a:alpha val="30000"/>
+                    </a:schemeClr>
+                  </a:outerShdw>
+                </a:effectLst>
+                <a:latin typeface="+mj-lt"/>
+                <a:ea typeface="+mj-ea"/>
+                <a:cs typeface="Trebuchet MS"/>
+              </a:defRPr>
+            </a:lvl1pPr>
+            <a:lvl2pPr eaLnBrk="1" hangingPunct="1">
+              <a:defRPr>
+                <a:solidFill>
+                  <a:schemeClr val="tx2"/>
+                </a:solidFill>
+              </a:defRPr>
+            </a:lvl2pPr>
+            <a:lvl3pPr eaLnBrk="1" hangingPunct="1">
+              <a:defRPr>
+                <a:solidFill>
+                  <a:schemeClr val="tx2"/>
+                </a:solidFill>
+              </a:defRPr>
+            </a:lvl3pPr>
+            <a:lvl4pPr eaLnBrk="1" hangingPunct="1">
+              <a:defRPr>
+                <a:solidFill>
+                  <a:schemeClr val="tx2"/>
+                </a:solidFill>
+              </a:defRPr>
+            </a:lvl4pPr>
+            <a:lvl5pPr eaLnBrk="1" hangingPunct="1">
+              <a:defRPr>
+                <a:solidFill>
+                  <a:schemeClr val="tx2"/>
+                </a:solidFill>
+              </a:defRPr>
+            </a:lvl5pPr>
+            <a:lvl6pPr eaLnBrk="1" hangingPunct="1">
+              <a:defRPr>
+                <a:solidFill>
+                  <a:schemeClr val="tx2"/>
+                </a:solidFill>
+              </a:defRPr>
+            </a:lvl6pPr>
+            <a:lvl7pPr eaLnBrk="1" hangingPunct="1">
+              <a:defRPr>
+                <a:solidFill>
+                  <a:schemeClr val="tx2"/>
+                </a:solidFill>
+              </a:defRPr>
+            </a:lvl7pPr>
+            <a:lvl8pPr eaLnBrk="1" hangingPunct="1">
+              <a:defRPr>
+                <a:solidFill>
+                  <a:schemeClr val="tx2"/>
+                </a:solidFill>
+              </a:defRPr>
+            </a:lvl8pPr>
+            <a:lvl9pPr eaLnBrk="1" hangingPunct="1">
+              <a:defRPr>
+                <a:solidFill>
+                  <a:schemeClr val="tx2"/>
+                </a:solidFill>
+              </a:defRPr>
+            </a:lvl9pPr>
+          </a:lstStyle>
+          <a:p>
             <a:r>
               <a:rPr lang="en-US" sz="4800" dirty="0"/>
               <a:t>Application</a:t>
@@ -10105,6 +10603,104 @@
     <p:extLst>
       <p:ext uri="{BB962C8B-B14F-4D97-AF65-F5344CB8AC3E}">
         <p14:creationId xmlns:p14="http://schemas.microsoft.com/office/powerpoint/2010/main" val="1440038013"/>
+      </p:ext>
+    </p:extLst>
+  </p:cSld>
+  <p:clrMapOvr>
+    <a:masterClrMapping/>
+  </p:clrMapOvr>
+</p:sld>
+</file>
+
+<file path=ppt/slides/slide9.xml><?xml version="1.0" encoding="utf-8"?>
+<p:sld xmlns:a="http://schemas.openxmlformats.org/drawingml/2006/main" xmlns:r="http://schemas.openxmlformats.org/officeDocument/2006/relationships" xmlns:p="http://schemas.openxmlformats.org/presentationml/2006/main">
+  <p:cSld>
+    <p:spTree>
+      <p:nvGrpSpPr>
+        <p:cNvPr id="1" name=""/>
+        <p:cNvGrpSpPr/>
+        <p:nvPr/>
+      </p:nvGrpSpPr>
+      <p:grpSpPr>
+        <a:xfrm>
+          <a:off x="0" y="0"/>
+          <a:ext cx="0" cy="0"/>
+          <a:chOff x="0" y="0"/>
+          <a:chExt cx="0" cy="0"/>
+        </a:xfrm>
+      </p:grpSpPr>
+      <p:sp>
+        <p:nvSpPr>
+          <p:cNvPr id="2" name="Title 1">
+            <a:extLst>
+              <a:ext uri="{FF2B5EF4-FFF2-40B4-BE49-F238E27FC236}">
+                <a16:creationId xmlns:a16="http://schemas.microsoft.com/office/drawing/2014/main" id="{80C56DDC-BE7D-496A-A68F-1952FE56D1B5}"/>
+              </a:ext>
+            </a:extLst>
+          </p:cNvPr>
+          <p:cNvSpPr>
+            <a:spLocks noGrp="1"/>
+          </p:cNvSpPr>
+          <p:nvPr>
+            <p:ph type="title"/>
+          </p:nvPr>
+        </p:nvSpPr>
+        <p:spPr/>
+        <p:txBody>
+          <a:bodyPr>
+            <a:normAutofit/>
+          </a:bodyPr>
+          <a:lstStyle/>
+          <a:p>
+            <a:r>
+              <a:rPr lang="en-US" dirty="0"/>
+              <a:t>DBSCAN</a:t>
+            </a:r>
+            <a:br>
+              <a:rPr lang="en-US" dirty="0"/>
+            </a:br>
+            <a:r>
+              <a:rPr lang="en-US" sz="1800" dirty="0"/>
+              <a:t>See Appendix for more info</a:t>
+            </a:r>
+            <a:endParaRPr lang="en-US" dirty="0"/>
+          </a:p>
+        </p:txBody>
+      </p:sp>
+      <p:pic>
+        <p:nvPicPr>
+          <p:cNvPr id="5" name="Picture 4" descr="Chart, line chart&#10;&#10;Description automatically generated">
+            <a:extLst>
+              <a:ext uri="{FF2B5EF4-FFF2-40B4-BE49-F238E27FC236}">
+                <a16:creationId xmlns:a16="http://schemas.microsoft.com/office/drawing/2014/main" id="{90C17C60-E71D-4D10-A02A-8D54BDE9B4FD}"/>
+              </a:ext>
+            </a:extLst>
+          </p:cNvPr>
+          <p:cNvPicPr>
+            <a:picLocks noChangeAspect="1"/>
+          </p:cNvPicPr>
+          <p:nvPr/>
+        </p:nvPicPr>
+        <p:blipFill>
+          <a:blip r:embed="rId2"/>
+          <a:stretch>
+            <a:fillRect/>
+          </a:stretch>
+        </p:blipFill>
+        <p:spPr>
+          <a:xfrm>
+            <a:off x="3200284" y="1724620"/>
+            <a:ext cx="5791432" cy="4523780"/>
+          </a:xfrm>
+          <a:prstGeom prst="rect">
+            <a:avLst/>
+          </a:prstGeom>
+        </p:spPr>
+      </p:pic>
+    </p:spTree>
+    <p:extLst>
+      <p:ext uri="{BB962C8B-B14F-4D97-AF65-F5344CB8AC3E}">
+        <p14:creationId xmlns:p14="http://schemas.microsoft.com/office/powerpoint/2010/main" val="3554264018"/>
       </p:ext>
     </p:extLst>
   </p:cSld>
